--- a/Java.pptx
+++ b/Java.pptx
@@ -51,6 +51,20 @@
     <p:sldId id="299" r:id="rId45"/>
     <p:sldId id="300" r:id="rId46"/>
     <p:sldId id="301" r:id="rId47"/>
+    <p:sldId id="302" r:id="rId48"/>
+    <p:sldId id="303" r:id="rId49"/>
+    <p:sldId id="304" r:id="rId50"/>
+    <p:sldId id="305" r:id="rId51"/>
+    <p:sldId id="306" r:id="rId52"/>
+    <p:sldId id="307" r:id="rId53"/>
+    <p:sldId id="308" r:id="rId54"/>
+    <p:sldId id="309" r:id="rId55"/>
+    <p:sldId id="310" r:id="rId56"/>
+    <p:sldId id="311" r:id="rId57"/>
+    <p:sldId id="312" r:id="rId58"/>
+    <p:sldId id="313" r:id="rId59"/>
+    <p:sldId id="314" r:id="rId60"/>
+    <p:sldId id="315" r:id="rId61"/>
   </p:sldIdLst>
   <p:sldSz cx="12192000" cy="6858000"/>
   <p:notesSz cx="6858000" cy="9144000"/>
@@ -304,7 +318,7 @@
           <a:p>
             <a:fld id="{2E3AA1CE-78D6-412F-9BAA-EA0C20B30A57}" type="datetimeFigureOut">
               <a:rPr lang="en-US" smtClean="0"/>
-              <a:t>7/15/2020</a:t>
+              <a:t>7/16/2020</a:t>
             </a:fld>
             <a:endParaRPr lang="en-US"/>
           </a:p>
@@ -502,7 +516,7 @@
           <a:p>
             <a:fld id="{2E3AA1CE-78D6-412F-9BAA-EA0C20B30A57}" type="datetimeFigureOut">
               <a:rPr lang="en-US" smtClean="0"/>
-              <a:t>7/15/2020</a:t>
+              <a:t>7/16/2020</a:t>
             </a:fld>
             <a:endParaRPr lang="en-US"/>
           </a:p>
@@ -710,7 +724,7 @@
           <a:p>
             <a:fld id="{2E3AA1CE-78D6-412F-9BAA-EA0C20B30A57}" type="datetimeFigureOut">
               <a:rPr lang="en-US" smtClean="0"/>
-              <a:t>7/15/2020</a:t>
+              <a:t>7/16/2020</a:t>
             </a:fld>
             <a:endParaRPr lang="en-US"/>
           </a:p>
@@ -908,7 +922,7 @@
           <a:p>
             <a:fld id="{2E3AA1CE-78D6-412F-9BAA-EA0C20B30A57}" type="datetimeFigureOut">
               <a:rPr lang="en-US" smtClean="0"/>
-              <a:t>7/15/2020</a:t>
+              <a:t>7/16/2020</a:t>
             </a:fld>
             <a:endParaRPr lang="en-US"/>
           </a:p>
@@ -1183,7 +1197,7 @@
           <a:p>
             <a:fld id="{2E3AA1CE-78D6-412F-9BAA-EA0C20B30A57}" type="datetimeFigureOut">
               <a:rPr lang="en-US" smtClean="0"/>
-              <a:t>7/15/2020</a:t>
+              <a:t>7/16/2020</a:t>
             </a:fld>
             <a:endParaRPr lang="en-US"/>
           </a:p>
@@ -1448,7 +1462,7 @@
           <a:p>
             <a:fld id="{2E3AA1CE-78D6-412F-9BAA-EA0C20B30A57}" type="datetimeFigureOut">
               <a:rPr lang="en-US" smtClean="0"/>
-              <a:t>7/15/2020</a:t>
+              <a:t>7/16/2020</a:t>
             </a:fld>
             <a:endParaRPr lang="en-US"/>
           </a:p>
@@ -1860,7 +1874,7 @@
           <a:p>
             <a:fld id="{2E3AA1CE-78D6-412F-9BAA-EA0C20B30A57}" type="datetimeFigureOut">
               <a:rPr lang="en-US" smtClean="0"/>
-              <a:t>7/15/2020</a:t>
+              <a:t>7/16/2020</a:t>
             </a:fld>
             <a:endParaRPr lang="en-US"/>
           </a:p>
@@ -2001,7 +2015,7 @@
           <a:p>
             <a:fld id="{2E3AA1CE-78D6-412F-9BAA-EA0C20B30A57}" type="datetimeFigureOut">
               <a:rPr lang="en-US" smtClean="0"/>
-              <a:t>7/15/2020</a:t>
+              <a:t>7/16/2020</a:t>
             </a:fld>
             <a:endParaRPr lang="en-US"/>
           </a:p>
@@ -2114,7 +2128,7 @@
           <a:p>
             <a:fld id="{2E3AA1CE-78D6-412F-9BAA-EA0C20B30A57}" type="datetimeFigureOut">
               <a:rPr lang="en-US" smtClean="0"/>
-              <a:t>7/15/2020</a:t>
+              <a:t>7/16/2020</a:t>
             </a:fld>
             <a:endParaRPr lang="en-US"/>
           </a:p>
@@ -2425,7 +2439,7 @@
           <a:p>
             <a:fld id="{2E3AA1CE-78D6-412F-9BAA-EA0C20B30A57}" type="datetimeFigureOut">
               <a:rPr lang="en-US" smtClean="0"/>
-              <a:t>7/15/2020</a:t>
+              <a:t>7/16/2020</a:t>
             </a:fld>
             <a:endParaRPr lang="en-US"/>
           </a:p>
@@ -2713,7 +2727,7 @@
           <a:p>
             <a:fld id="{2E3AA1CE-78D6-412F-9BAA-EA0C20B30A57}" type="datetimeFigureOut">
               <a:rPr lang="en-US" smtClean="0"/>
-              <a:t>7/15/2020</a:t>
+              <a:t>7/16/2020</a:t>
             </a:fld>
             <a:endParaRPr lang="en-US"/>
           </a:p>
@@ -2954,7 +2968,7 @@
           <a:p>
             <a:fld id="{2E3AA1CE-78D6-412F-9BAA-EA0C20B30A57}" type="datetimeFigureOut">
               <a:rPr lang="en-US" smtClean="0"/>
-              <a:t>7/15/2020</a:t>
+              <a:t>7/16/2020</a:t>
             </a:fld>
             <a:endParaRPr lang="en-US"/>
           </a:p>
@@ -19549,6 +19563,395 @@
 </p:sld>
 </file>
 
+<file path=ppt/slides/slide47.xml><?xml version="1.0" encoding="utf-8"?>
+<p:sld xmlns:a="http://schemas.openxmlformats.org/drawingml/2006/main" xmlns:r="http://schemas.openxmlformats.org/officeDocument/2006/relationships" xmlns:p="http://schemas.openxmlformats.org/presentationml/2006/main">
+  <p:cSld>
+    <p:spTree>
+      <p:nvGrpSpPr>
+        <p:cNvPr id="1" name=""/>
+        <p:cNvGrpSpPr/>
+        <p:nvPr/>
+      </p:nvGrpSpPr>
+      <p:grpSpPr>
+        <a:xfrm>
+          <a:off x="0" y="0"/>
+          <a:ext cx="0" cy="0"/>
+          <a:chOff x="0" y="0"/>
+          <a:chExt cx="0" cy="0"/>
+        </a:xfrm>
+      </p:grpSpPr>
+      <p:sp>
+        <p:nvSpPr>
+          <p:cNvPr id="2" name="Title 1">
+            <a:extLst>
+              <a:ext uri="{FF2B5EF4-FFF2-40B4-BE49-F238E27FC236}">
+                <a16:creationId xmlns:a16="http://schemas.microsoft.com/office/drawing/2014/main" id="{204FF927-5EC4-4FBB-A6FF-7B655BA873B1}"/>
+              </a:ext>
+            </a:extLst>
+          </p:cNvPr>
+          <p:cNvSpPr>
+            <a:spLocks noGrp="1"/>
+          </p:cNvSpPr>
+          <p:nvPr>
+            <p:ph type="title"/>
+          </p:nvPr>
+        </p:nvSpPr>
+        <p:spPr/>
+        <p:txBody>
+          <a:bodyPr/>
+          <a:lstStyle/>
+          <a:p>
+            <a:r>
+              <a:rPr lang="en-US" dirty="0"/>
+              <a:t>File IO</a:t>
+            </a:r>
+          </a:p>
+        </p:txBody>
+      </p:sp>
+      <p:sp>
+        <p:nvSpPr>
+          <p:cNvPr id="3" name="Content Placeholder 2">
+            <a:extLst>
+              <a:ext uri="{FF2B5EF4-FFF2-40B4-BE49-F238E27FC236}">
+                <a16:creationId xmlns:a16="http://schemas.microsoft.com/office/drawing/2014/main" id="{07DDA70D-FD6E-44F2-9352-CCC96969FBB9}"/>
+              </a:ext>
+            </a:extLst>
+          </p:cNvPr>
+          <p:cNvSpPr>
+            <a:spLocks noGrp="1"/>
+          </p:cNvSpPr>
+          <p:nvPr>
+            <p:ph idx="1"/>
+          </p:nvPr>
+        </p:nvSpPr>
+        <p:spPr/>
+        <p:txBody>
+          <a:bodyPr>
+            <a:normAutofit lnSpcReduction="10000"/>
+          </a:bodyPr>
+          <a:lstStyle/>
+          <a:p>
+            <a:r>
+              <a:rPr lang="en-US" dirty="0"/>
+              <a:t>File </a:t>
+            </a:r>
+            <a:r>
+              <a:rPr lang="en-US" dirty="0">
+                <a:sym typeface="Wingdings" panose="05000000000000000000" pitchFamily="2" charset="2"/>
+              </a:rPr>
+              <a:t> Storage Instance</a:t>
+            </a:r>
+          </a:p>
+          <a:p>
+            <a:r>
+              <a:rPr lang="en-US" dirty="0">
+                <a:sym typeface="Wingdings" panose="05000000000000000000" pitchFamily="2" charset="2"/>
+              </a:rPr>
+              <a:t>Streams</a:t>
+            </a:r>
+          </a:p>
+          <a:p>
+            <a:pPr lvl="1"/>
+            <a:r>
+              <a:rPr lang="en-US" dirty="0">
+                <a:sym typeface="Wingdings" panose="05000000000000000000" pitchFamily="2" charset="2"/>
+              </a:rPr>
+              <a:t>Sequence of bytes transfers through network.</a:t>
+            </a:r>
+          </a:p>
+          <a:p>
+            <a:pPr lvl="1"/>
+            <a:endParaRPr lang="en-US" dirty="0">
+              <a:sym typeface="Wingdings" panose="05000000000000000000" pitchFamily="2" charset="2"/>
+            </a:endParaRPr>
+          </a:p>
+          <a:p>
+            <a:r>
+              <a:rPr lang="en-US" dirty="0">
+                <a:sym typeface="Wingdings" panose="05000000000000000000" pitchFamily="2" charset="2"/>
+              </a:rPr>
+              <a:t>File</a:t>
+            </a:r>
+          </a:p>
+          <a:p>
+            <a:pPr lvl="1"/>
+            <a:r>
+              <a:rPr lang="en-US" dirty="0">
+                <a:sym typeface="Wingdings" panose="05000000000000000000" pitchFamily="2" charset="2"/>
+              </a:rPr>
+              <a:t>Text</a:t>
+            </a:r>
+          </a:p>
+          <a:p>
+            <a:pPr lvl="1"/>
+            <a:r>
+              <a:rPr lang="en-US" dirty="0">
+                <a:sym typeface="Wingdings" panose="05000000000000000000" pitchFamily="2" charset="2"/>
+              </a:rPr>
+              <a:t>Binary</a:t>
+            </a:r>
+          </a:p>
+          <a:p>
+            <a:pPr lvl="1"/>
+            <a:endParaRPr lang="en-US" dirty="0">
+              <a:sym typeface="Wingdings" panose="05000000000000000000" pitchFamily="2" charset="2"/>
+            </a:endParaRPr>
+          </a:p>
+          <a:p>
+            <a:r>
+              <a:rPr lang="en-US" dirty="0">
+                <a:sym typeface="Wingdings" panose="05000000000000000000" pitchFamily="2" charset="2"/>
+              </a:rPr>
+              <a:t>Import java.io.*;</a:t>
+            </a:r>
+          </a:p>
+          <a:p>
+            <a:r>
+              <a:rPr lang="en-US" dirty="0" err="1">
+                <a:sym typeface="Wingdings" panose="05000000000000000000" pitchFamily="2" charset="2"/>
+              </a:rPr>
+              <a:t>IOException</a:t>
+            </a:r>
+            <a:endParaRPr lang="en-US" dirty="0">
+              <a:sym typeface="Wingdings" panose="05000000000000000000" pitchFamily="2" charset="2"/>
+            </a:endParaRPr>
+          </a:p>
+          <a:p>
+            <a:endParaRPr lang="en-US" dirty="0"/>
+          </a:p>
+        </p:txBody>
+      </p:sp>
+    </p:spTree>
+    <p:extLst>
+      <p:ext uri="{BB962C8B-B14F-4D97-AF65-F5344CB8AC3E}">
+        <p14:creationId xmlns:p14="http://schemas.microsoft.com/office/powerpoint/2010/main" val="3098003432"/>
+      </p:ext>
+    </p:extLst>
+  </p:cSld>
+  <p:clrMapOvr>
+    <a:masterClrMapping/>
+  </p:clrMapOvr>
+</p:sld>
+</file>
+
+<file path=ppt/slides/slide48.xml><?xml version="1.0" encoding="utf-8"?>
+<p:sld xmlns:a="http://schemas.openxmlformats.org/drawingml/2006/main" xmlns:r="http://schemas.openxmlformats.org/officeDocument/2006/relationships" xmlns:p="http://schemas.openxmlformats.org/presentationml/2006/main">
+  <p:cSld>
+    <p:spTree>
+      <p:nvGrpSpPr>
+        <p:cNvPr id="1" name=""/>
+        <p:cNvGrpSpPr/>
+        <p:nvPr/>
+      </p:nvGrpSpPr>
+      <p:grpSpPr>
+        <a:xfrm>
+          <a:off x="0" y="0"/>
+          <a:ext cx="0" cy="0"/>
+          <a:chOff x="0" y="0"/>
+          <a:chExt cx="0" cy="0"/>
+        </a:xfrm>
+      </p:grpSpPr>
+      <p:sp>
+        <p:nvSpPr>
+          <p:cNvPr id="2" name="Title 1">
+            <a:extLst>
+              <a:ext uri="{FF2B5EF4-FFF2-40B4-BE49-F238E27FC236}">
+                <a16:creationId xmlns:a16="http://schemas.microsoft.com/office/drawing/2014/main" id="{118A3122-7335-421A-BDAD-7DAD0EC929B1}"/>
+              </a:ext>
+            </a:extLst>
+          </p:cNvPr>
+          <p:cNvSpPr>
+            <a:spLocks noGrp="1"/>
+          </p:cNvSpPr>
+          <p:nvPr>
+            <p:ph type="title"/>
+          </p:nvPr>
+        </p:nvSpPr>
+        <p:spPr/>
+        <p:txBody>
+          <a:bodyPr/>
+          <a:lstStyle/>
+          <a:p>
+            <a:r>
+              <a:rPr lang="en-US" dirty="0"/>
+              <a:t>File</a:t>
+            </a:r>
+          </a:p>
+        </p:txBody>
+      </p:sp>
+      <p:sp>
+        <p:nvSpPr>
+          <p:cNvPr id="3" name="Content Placeholder 2">
+            <a:extLst>
+              <a:ext uri="{FF2B5EF4-FFF2-40B4-BE49-F238E27FC236}">
+                <a16:creationId xmlns:a16="http://schemas.microsoft.com/office/drawing/2014/main" id="{0AA04B0D-9B65-44D0-BD85-38FA54878AFD}"/>
+              </a:ext>
+            </a:extLst>
+          </p:cNvPr>
+          <p:cNvSpPr>
+            <a:spLocks noGrp="1"/>
+          </p:cNvSpPr>
+          <p:nvPr>
+            <p:ph idx="1"/>
+          </p:nvPr>
+        </p:nvSpPr>
+        <p:spPr/>
+        <p:txBody>
+          <a:bodyPr/>
+          <a:lstStyle/>
+          <a:p>
+            <a:r>
+              <a:rPr lang="en-US" dirty="0"/>
+              <a:t>Open</a:t>
+            </a:r>
+          </a:p>
+          <a:p>
+            <a:r>
+              <a:rPr lang="en-US" dirty="0"/>
+              <a:t>Rename</a:t>
+            </a:r>
+          </a:p>
+          <a:p>
+            <a:r>
+              <a:rPr lang="en-US" dirty="0"/>
+              <a:t>Delete</a:t>
+            </a:r>
+          </a:p>
+          <a:p>
+            <a:r>
+              <a:rPr lang="en-US" dirty="0" err="1"/>
+              <a:t>createFile</a:t>
+            </a:r>
+            <a:endParaRPr lang="en-US" dirty="0"/>
+          </a:p>
+          <a:p>
+            <a:r>
+              <a:rPr lang="en-US" dirty="0" err="1"/>
+              <a:t>CreateDirectory</a:t>
+            </a:r>
+            <a:endParaRPr lang="en-US" dirty="0"/>
+          </a:p>
+          <a:p>
+            <a:r>
+              <a:rPr lang="en-US" dirty="0"/>
+              <a:t>Mode -&gt; read, write, execute</a:t>
+            </a:r>
+          </a:p>
+          <a:p>
+            <a:endParaRPr lang="en-US" dirty="0"/>
+          </a:p>
+        </p:txBody>
+      </p:sp>
+    </p:spTree>
+    <p:extLst>
+      <p:ext uri="{BB962C8B-B14F-4D97-AF65-F5344CB8AC3E}">
+        <p14:creationId xmlns:p14="http://schemas.microsoft.com/office/powerpoint/2010/main" val="1867589417"/>
+      </p:ext>
+    </p:extLst>
+  </p:cSld>
+  <p:clrMapOvr>
+    <a:masterClrMapping/>
+  </p:clrMapOvr>
+</p:sld>
+</file>
+
+<file path=ppt/slides/slide49.xml><?xml version="1.0" encoding="utf-8"?>
+<p:sld xmlns:a="http://schemas.openxmlformats.org/drawingml/2006/main" xmlns:r="http://schemas.openxmlformats.org/officeDocument/2006/relationships" xmlns:p="http://schemas.openxmlformats.org/presentationml/2006/main">
+  <p:cSld>
+    <p:spTree>
+      <p:nvGrpSpPr>
+        <p:cNvPr id="1" name=""/>
+        <p:cNvGrpSpPr/>
+        <p:nvPr/>
+      </p:nvGrpSpPr>
+      <p:grpSpPr>
+        <a:xfrm>
+          <a:off x="0" y="0"/>
+          <a:ext cx="0" cy="0"/>
+          <a:chOff x="0" y="0"/>
+          <a:chExt cx="0" cy="0"/>
+        </a:xfrm>
+      </p:grpSpPr>
+      <p:sp>
+        <p:nvSpPr>
+          <p:cNvPr id="2" name="Title 1">
+            <a:extLst>
+              <a:ext uri="{FF2B5EF4-FFF2-40B4-BE49-F238E27FC236}">
+                <a16:creationId xmlns:a16="http://schemas.microsoft.com/office/drawing/2014/main" id="{F0073D81-4F04-441E-86E5-98CBCA3DA82E}"/>
+              </a:ext>
+            </a:extLst>
+          </p:cNvPr>
+          <p:cNvSpPr>
+            <a:spLocks noGrp="1"/>
+          </p:cNvSpPr>
+          <p:nvPr>
+            <p:ph type="title"/>
+          </p:nvPr>
+        </p:nvSpPr>
+        <p:spPr/>
+        <p:txBody>
+          <a:bodyPr/>
+          <a:lstStyle/>
+          <a:p>
+            <a:r>
+              <a:rPr lang="en-US" dirty="0"/>
+              <a:t>Text Files</a:t>
+            </a:r>
+          </a:p>
+        </p:txBody>
+      </p:sp>
+      <p:sp>
+        <p:nvSpPr>
+          <p:cNvPr id="3" name="Content Placeholder 2">
+            <a:extLst>
+              <a:ext uri="{FF2B5EF4-FFF2-40B4-BE49-F238E27FC236}">
+                <a16:creationId xmlns:a16="http://schemas.microsoft.com/office/drawing/2014/main" id="{7E962C7E-6F15-4065-94BD-7108D13AFA63}"/>
+              </a:ext>
+            </a:extLst>
+          </p:cNvPr>
+          <p:cNvSpPr>
+            <a:spLocks noGrp="1"/>
+          </p:cNvSpPr>
+          <p:nvPr>
+            <p:ph idx="1"/>
+          </p:nvPr>
+        </p:nvSpPr>
+        <p:spPr/>
+        <p:txBody>
+          <a:bodyPr/>
+          <a:lstStyle/>
+          <a:p>
+            <a:r>
+              <a:rPr lang="en-US" dirty="0" err="1"/>
+              <a:t>FileReader</a:t>
+            </a:r>
+            <a:endParaRPr lang="en-US" dirty="0"/>
+          </a:p>
+          <a:p>
+            <a:r>
+              <a:rPr lang="en-US" dirty="0" err="1"/>
+              <a:t>FileWriter</a:t>
+            </a:r>
+            <a:endParaRPr lang="en-US" dirty="0"/>
+          </a:p>
+          <a:p>
+            <a:endParaRPr lang="en-US" dirty="0"/>
+          </a:p>
+        </p:txBody>
+      </p:sp>
+    </p:spTree>
+    <p:extLst>
+      <p:ext uri="{BB962C8B-B14F-4D97-AF65-F5344CB8AC3E}">
+        <p14:creationId xmlns:p14="http://schemas.microsoft.com/office/powerpoint/2010/main" val="1542313628"/>
+      </p:ext>
+    </p:extLst>
+  </p:cSld>
+  <p:clrMapOvr>
+    <a:masterClrMapping/>
+  </p:clrMapOvr>
+</p:sld>
+</file>
+
 <file path=ppt/slides/slide5.xml><?xml version="1.0" encoding="utf-8"?>
 <p:sld xmlns:a="http://schemas.openxmlformats.org/drawingml/2006/main" xmlns:r="http://schemas.openxmlformats.org/officeDocument/2006/relationships" xmlns:p="http://schemas.openxmlformats.org/presentationml/2006/main">
   <p:cSld>
@@ -19666,6 +20069,1851 @@
     <p:extLst>
       <p:ext uri="{BB962C8B-B14F-4D97-AF65-F5344CB8AC3E}">
         <p14:creationId xmlns:p14="http://schemas.microsoft.com/office/powerpoint/2010/main" val="2084269523"/>
+      </p:ext>
+    </p:extLst>
+  </p:cSld>
+  <p:clrMapOvr>
+    <a:masterClrMapping/>
+  </p:clrMapOvr>
+</p:sld>
+</file>
+
+<file path=ppt/slides/slide50.xml><?xml version="1.0" encoding="utf-8"?>
+<p:sld xmlns:a="http://schemas.openxmlformats.org/drawingml/2006/main" xmlns:r="http://schemas.openxmlformats.org/officeDocument/2006/relationships" xmlns:p="http://schemas.openxmlformats.org/presentationml/2006/main">
+  <p:cSld>
+    <p:spTree>
+      <p:nvGrpSpPr>
+        <p:cNvPr id="1" name=""/>
+        <p:cNvGrpSpPr/>
+        <p:nvPr/>
+      </p:nvGrpSpPr>
+      <p:grpSpPr>
+        <a:xfrm>
+          <a:off x="0" y="0"/>
+          <a:ext cx="0" cy="0"/>
+          <a:chOff x="0" y="0"/>
+          <a:chExt cx="0" cy="0"/>
+        </a:xfrm>
+      </p:grpSpPr>
+      <p:sp>
+        <p:nvSpPr>
+          <p:cNvPr id="2" name="Title 1">
+            <a:extLst>
+              <a:ext uri="{FF2B5EF4-FFF2-40B4-BE49-F238E27FC236}">
+                <a16:creationId xmlns:a16="http://schemas.microsoft.com/office/drawing/2014/main" id="{D47CA8D4-EFE8-4BA8-9B6A-3B4DA440DEA5}"/>
+              </a:ext>
+            </a:extLst>
+          </p:cNvPr>
+          <p:cNvSpPr>
+            <a:spLocks noGrp="1"/>
+          </p:cNvSpPr>
+          <p:nvPr>
+            <p:ph type="title"/>
+          </p:nvPr>
+        </p:nvSpPr>
+        <p:spPr/>
+        <p:txBody>
+          <a:bodyPr/>
+          <a:lstStyle/>
+          <a:p>
+            <a:r>
+              <a:rPr lang="en-US" dirty="0"/>
+              <a:t>Stream Processing</a:t>
+            </a:r>
+          </a:p>
+        </p:txBody>
+      </p:sp>
+      <p:sp>
+        <p:nvSpPr>
+          <p:cNvPr id="3" name="Content Placeholder 2">
+            <a:extLst>
+              <a:ext uri="{FF2B5EF4-FFF2-40B4-BE49-F238E27FC236}">
+                <a16:creationId xmlns:a16="http://schemas.microsoft.com/office/drawing/2014/main" id="{396AB948-1936-4648-BDE4-3BA2C5009CC5}"/>
+              </a:ext>
+            </a:extLst>
+          </p:cNvPr>
+          <p:cNvSpPr>
+            <a:spLocks noGrp="1"/>
+          </p:cNvSpPr>
+          <p:nvPr>
+            <p:ph idx="1"/>
+          </p:nvPr>
+        </p:nvSpPr>
+        <p:spPr/>
+        <p:txBody>
+          <a:bodyPr/>
+          <a:lstStyle/>
+          <a:p>
+            <a:r>
+              <a:rPr lang="en-US" dirty="0" err="1"/>
+              <a:t>FileInputStream</a:t>
+            </a:r>
+            <a:r>
+              <a:rPr lang="en-US" dirty="0"/>
+              <a:t> </a:t>
+            </a:r>
+            <a:r>
+              <a:rPr lang="en-US" dirty="0">
+                <a:sym typeface="Wingdings" panose="05000000000000000000" pitchFamily="2" charset="2"/>
+              </a:rPr>
+              <a:t> read</a:t>
+            </a:r>
+          </a:p>
+          <a:p>
+            <a:pPr lvl="1"/>
+            <a:r>
+              <a:rPr lang="en-US" dirty="0" err="1">
+                <a:sym typeface="Wingdings" panose="05000000000000000000" pitchFamily="2" charset="2"/>
+              </a:rPr>
+              <a:t>BufferedInputStream</a:t>
+            </a:r>
+            <a:endParaRPr lang="en-US" dirty="0">
+              <a:sym typeface="Wingdings" panose="05000000000000000000" pitchFamily="2" charset="2"/>
+            </a:endParaRPr>
+          </a:p>
+          <a:p>
+            <a:pPr lvl="1"/>
+            <a:r>
+              <a:rPr lang="en-US" dirty="0" err="1">
+                <a:sym typeface="Wingdings" panose="05000000000000000000" pitchFamily="2" charset="2"/>
+              </a:rPr>
+              <a:t>DataInputStream</a:t>
+            </a:r>
+            <a:endParaRPr lang="en-US" dirty="0"/>
+          </a:p>
+          <a:p>
+            <a:r>
+              <a:rPr lang="en-US" dirty="0" err="1"/>
+              <a:t>FileOutputStream</a:t>
+            </a:r>
+            <a:r>
+              <a:rPr lang="en-US" dirty="0"/>
+              <a:t> </a:t>
+            </a:r>
+            <a:r>
+              <a:rPr lang="en-US" dirty="0">
+                <a:sym typeface="Wingdings" panose="05000000000000000000" pitchFamily="2" charset="2"/>
+              </a:rPr>
+              <a:t> write</a:t>
+            </a:r>
+          </a:p>
+          <a:p>
+            <a:pPr lvl="1"/>
+            <a:r>
+              <a:rPr lang="en-US" dirty="0" err="1">
+                <a:sym typeface="Wingdings" panose="05000000000000000000" pitchFamily="2" charset="2"/>
+              </a:rPr>
+              <a:t>BufferedOutputStream</a:t>
+            </a:r>
+            <a:endParaRPr lang="en-US" dirty="0">
+              <a:sym typeface="Wingdings" panose="05000000000000000000" pitchFamily="2" charset="2"/>
+            </a:endParaRPr>
+          </a:p>
+          <a:p>
+            <a:pPr lvl="1"/>
+            <a:r>
+              <a:rPr lang="en-US" dirty="0" err="1">
+                <a:sym typeface="Wingdings" panose="05000000000000000000" pitchFamily="2" charset="2"/>
+              </a:rPr>
+              <a:t>DataOutputStream</a:t>
+            </a:r>
+            <a:endParaRPr lang="en-US" dirty="0">
+              <a:sym typeface="Wingdings" panose="05000000000000000000" pitchFamily="2" charset="2"/>
+            </a:endParaRPr>
+          </a:p>
+          <a:p>
+            <a:pPr lvl="1"/>
+            <a:endParaRPr lang="en-US" dirty="0"/>
+          </a:p>
+        </p:txBody>
+      </p:sp>
+    </p:spTree>
+    <p:extLst>
+      <p:ext uri="{BB962C8B-B14F-4D97-AF65-F5344CB8AC3E}">
+        <p14:creationId xmlns:p14="http://schemas.microsoft.com/office/powerpoint/2010/main" val="852592791"/>
+      </p:ext>
+    </p:extLst>
+  </p:cSld>
+  <p:clrMapOvr>
+    <a:masterClrMapping/>
+  </p:clrMapOvr>
+</p:sld>
+</file>
+
+<file path=ppt/slides/slide51.xml><?xml version="1.0" encoding="utf-8"?>
+<p:sld xmlns:a="http://schemas.openxmlformats.org/drawingml/2006/main" xmlns:r="http://schemas.openxmlformats.org/officeDocument/2006/relationships" xmlns:p="http://schemas.openxmlformats.org/presentationml/2006/main">
+  <p:cSld>
+    <p:spTree>
+      <p:nvGrpSpPr>
+        <p:cNvPr id="1" name=""/>
+        <p:cNvGrpSpPr/>
+        <p:nvPr/>
+      </p:nvGrpSpPr>
+      <p:grpSpPr>
+        <a:xfrm>
+          <a:off x="0" y="0"/>
+          <a:ext cx="0" cy="0"/>
+          <a:chOff x="0" y="0"/>
+          <a:chExt cx="0" cy="0"/>
+        </a:xfrm>
+      </p:grpSpPr>
+      <p:sp>
+        <p:nvSpPr>
+          <p:cNvPr id="2" name="Title 1">
+            <a:extLst>
+              <a:ext uri="{FF2B5EF4-FFF2-40B4-BE49-F238E27FC236}">
+                <a16:creationId xmlns:a16="http://schemas.microsoft.com/office/drawing/2014/main" id="{8DD893C8-D0E0-48AA-B5F8-09D4C86C65E3}"/>
+              </a:ext>
+            </a:extLst>
+          </p:cNvPr>
+          <p:cNvSpPr>
+            <a:spLocks noGrp="1"/>
+          </p:cNvSpPr>
+          <p:nvPr>
+            <p:ph type="title"/>
+          </p:nvPr>
+        </p:nvSpPr>
+        <p:spPr/>
+        <p:txBody>
+          <a:bodyPr/>
+          <a:lstStyle/>
+          <a:p>
+            <a:r>
+              <a:rPr lang="en-US" dirty="0" err="1"/>
+              <a:t>DataType</a:t>
+            </a:r>
+            <a:r>
+              <a:rPr lang="en-US" dirty="0"/>
+              <a:t> based</a:t>
+            </a:r>
+          </a:p>
+        </p:txBody>
+      </p:sp>
+      <p:sp>
+        <p:nvSpPr>
+          <p:cNvPr id="3" name="Content Placeholder 2">
+            <a:extLst>
+              <a:ext uri="{FF2B5EF4-FFF2-40B4-BE49-F238E27FC236}">
+                <a16:creationId xmlns:a16="http://schemas.microsoft.com/office/drawing/2014/main" id="{5DDFA234-D64C-43B8-8654-2EFAC759B873}"/>
+              </a:ext>
+            </a:extLst>
+          </p:cNvPr>
+          <p:cNvSpPr>
+            <a:spLocks noGrp="1"/>
+          </p:cNvSpPr>
+          <p:nvPr>
+            <p:ph idx="1"/>
+          </p:nvPr>
+        </p:nvSpPr>
+        <p:spPr/>
+        <p:txBody>
+          <a:bodyPr/>
+          <a:lstStyle/>
+          <a:p>
+            <a:r>
+              <a:rPr lang="en-US" dirty="0" err="1"/>
+              <a:t>DataInputStream</a:t>
+            </a:r>
+            <a:endParaRPr lang="en-US" dirty="0"/>
+          </a:p>
+          <a:p>
+            <a:r>
+              <a:rPr lang="en-US" dirty="0" err="1"/>
+              <a:t>DataOutputStream</a:t>
+            </a:r>
+            <a:endParaRPr lang="en-US" dirty="0"/>
+          </a:p>
+        </p:txBody>
+      </p:sp>
+    </p:spTree>
+    <p:extLst>
+      <p:ext uri="{BB962C8B-B14F-4D97-AF65-F5344CB8AC3E}">
+        <p14:creationId xmlns:p14="http://schemas.microsoft.com/office/powerpoint/2010/main" val="3656277569"/>
+      </p:ext>
+    </p:extLst>
+  </p:cSld>
+  <p:clrMapOvr>
+    <a:masterClrMapping/>
+  </p:clrMapOvr>
+</p:sld>
+</file>
+
+<file path=ppt/slides/slide52.xml><?xml version="1.0" encoding="utf-8"?>
+<p:sld xmlns:a="http://schemas.openxmlformats.org/drawingml/2006/main" xmlns:r="http://schemas.openxmlformats.org/officeDocument/2006/relationships" xmlns:p="http://schemas.openxmlformats.org/presentationml/2006/main">
+  <p:cSld>
+    <p:spTree>
+      <p:nvGrpSpPr>
+        <p:cNvPr id="1" name=""/>
+        <p:cNvGrpSpPr/>
+        <p:nvPr/>
+      </p:nvGrpSpPr>
+      <p:grpSpPr>
+        <a:xfrm>
+          <a:off x="0" y="0"/>
+          <a:ext cx="0" cy="0"/>
+          <a:chOff x="0" y="0"/>
+          <a:chExt cx="0" cy="0"/>
+        </a:xfrm>
+      </p:grpSpPr>
+      <p:sp>
+        <p:nvSpPr>
+          <p:cNvPr id="2" name="Title 1">
+            <a:extLst>
+              <a:ext uri="{FF2B5EF4-FFF2-40B4-BE49-F238E27FC236}">
+                <a16:creationId xmlns:a16="http://schemas.microsoft.com/office/drawing/2014/main" id="{801ED75A-F609-45CC-9269-E79A95E76C02}"/>
+              </a:ext>
+            </a:extLst>
+          </p:cNvPr>
+          <p:cNvSpPr>
+            <a:spLocks noGrp="1"/>
+          </p:cNvSpPr>
+          <p:nvPr>
+            <p:ph type="title"/>
+          </p:nvPr>
+        </p:nvSpPr>
+        <p:spPr/>
+        <p:txBody>
+          <a:bodyPr/>
+          <a:lstStyle/>
+          <a:p>
+            <a:r>
+              <a:rPr lang="en-US" dirty="0"/>
+              <a:t>Object Read and Write</a:t>
+            </a:r>
+          </a:p>
+        </p:txBody>
+      </p:sp>
+      <p:sp>
+        <p:nvSpPr>
+          <p:cNvPr id="3" name="Content Placeholder 2">
+            <a:extLst>
+              <a:ext uri="{FF2B5EF4-FFF2-40B4-BE49-F238E27FC236}">
+                <a16:creationId xmlns:a16="http://schemas.microsoft.com/office/drawing/2014/main" id="{B6305D66-426F-44D3-961B-D9AF19C7510B}"/>
+              </a:ext>
+            </a:extLst>
+          </p:cNvPr>
+          <p:cNvSpPr>
+            <a:spLocks noGrp="1"/>
+          </p:cNvSpPr>
+          <p:nvPr>
+            <p:ph idx="1"/>
+          </p:nvPr>
+        </p:nvSpPr>
+        <p:spPr/>
+        <p:txBody>
+          <a:bodyPr/>
+          <a:lstStyle/>
+          <a:p>
+            <a:r>
+              <a:rPr lang="en-US" dirty="0" err="1"/>
+              <a:t>ObjectinputStream</a:t>
+            </a:r>
+            <a:endParaRPr lang="en-US" dirty="0"/>
+          </a:p>
+          <a:p>
+            <a:r>
+              <a:rPr lang="en-US" dirty="0" err="1"/>
+              <a:t>ObjectOutputStream</a:t>
+            </a:r>
+            <a:endParaRPr lang="en-US" dirty="0"/>
+          </a:p>
+          <a:p>
+            <a:endParaRPr lang="en-US" dirty="0"/>
+          </a:p>
+          <a:p>
+            <a:r>
+              <a:rPr lang="en-US" dirty="0"/>
+              <a:t>Serializable </a:t>
+            </a:r>
+          </a:p>
+          <a:p>
+            <a:pPr lvl="1"/>
+            <a:r>
+              <a:rPr lang="en-US" dirty="0" err="1"/>
+              <a:t>Flattern</a:t>
+            </a:r>
+            <a:r>
+              <a:rPr lang="en-US" dirty="0"/>
+              <a:t> the object</a:t>
+            </a:r>
+          </a:p>
+          <a:p>
+            <a:pPr lvl="1"/>
+            <a:r>
+              <a:rPr lang="en-US" dirty="0"/>
+              <a:t>Marker Interface </a:t>
+            </a:r>
+            <a:r>
+              <a:rPr lang="en-US" dirty="0">
+                <a:sym typeface="Wingdings" panose="05000000000000000000" pitchFamily="2" charset="2"/>
+              </a:rPr>
+              <a:t> No method (empty interface)</a:t>
+            </a:r>
+          </a:p>
+          <a:p>
+            <a:pPr lvl="1"/>
+            <a:r>
+              <a:rPr lang="en-US" dirty="0">
+                <a:sym typeface="Wingdings" panose="05000000000000000000" pitchFamily="2" charset="2"/>
+              </a:rPr>
+              <a:t>More information to JVM</a:t>
+            </a:r>
+          </a:p>
+          <a:p>
+            <a:pPr lvl="1"/>
+            <a:r>
+              <a:rPr lang="en-US" dirty="0">
+                <a:sym typeface="Wingdings" panose="05000000000000000000" pitchFamily="2" charset="2"/>
+              </a:rPr>
+              <a:t>Remember the stream </a:t>
+            </a:r>
+            <a:r>
+              <a:rPr lang="en-US" dirty="0" err="1">
+                <a:sym typeface="Wingdings" panose="05000000000000000000" pitchFamily="2" charset="2"/>
+              </a:rPr>
+              <a:t>seqnence</a:t>
+            </a:r>
+            <a:endParaRPr lang="en-US" dirty="0">
+              <a:sym typeface="Wingdings" panose="05000000000000000000" pitchFamily="2" charset="2"/>
+            </a:endParaRPr>
+          </a:p>
+          <a:p>
+            <a:pPr lvl="1"/>
+            <a:r>
+              <a:rPr lang="en-US" dirty="0">
+                <a:highlight>
+                  <a:srgbClr val="FFFF00"/>
+                </a:highlight>
+              </a:rPr>
+              <a:t>Transient </a:t>
+            </a:r>
+          </a:p>
+        </p:txBody>
+      </p:sp>
+    </p:spTree>
+    <p:extLst>
+      <p:ext uri="{BB962C8B-B14F-4D97-AF65-F5344CB8AC3E}">
+        <p14:creationId xmlns:p14="http://schemas.microsoft.com/office/powerpoint/2010/main" val="1024344047"/>
+      </p:ext>
+    </p:extLst>
+  </p:cSld>
+  <p:clrMapOvr>
+    <a:masterClrMapping/>
+  </p:clrMapOvr>
+</p:sld>
+</file>
+
+<file path=ppt/slides/slide53.xml><?xml version="1.0" encoding="utf-8"?>
+<p:sld xmlns:a="http://schemas.openxmlformats.org/drawingml/2006/main" xmlns:r="http://schemas.openxmlformats.org/officeDocument/2006/relationships" xmlns:p="http://schemas.openxmlformats.org/presentationml/2006/main">
+  <p:cSld>
+    <p:spTree>
+      <p:nvGrpSpPr>
+        <p:cNvPr id="1" name=""/>
+        <p:cNvGrpSpPr/>
+        <p:nvPr/>
+      </p:nvGrpSpPr>
+      <p:grpSpPr>
+        <a:xfrm>
+          <a:off x="0" y="0"/>
+          <a:ext cx="0" cy="0"/>
+          <a:chOff x="0" y="0"/>
+          <a:chExt cx="0" cy="0"/>
+        </a:xfrm>
+      </p:grpSpPr>
+      <p:sp>
+        <p:nvSpPr>
+          <p:cNvPr id="2" name="Title 1">
+            <a:extLst>
+              <a:ext uri="{FF2B5EF4-FFF2-40B4-BE49-F238E27FC236}">
+                <a16:creationId xmlns:a16="http://schemas.microsoft.com/office/drawing/2014/main" id="{EECBADF7-0268-431A-8784-5B9D845801EF}"/>
+              </a:ext>
+            </a:extLst>
+          </p:cNvPr>
+          <p:cNvSpPr>
+            <a:spLocks noGrp="1"/>
+          </p:cNvSpPr>
+          <p:nvPr>
+            <p:ph type="title"/>
+          </p:nvPr>
+        </p:nvSpPr>
+        <p:spPr/>
+        <p:txBody>
+          <a:bodyPr/>
+          <a:lstStyle/>
+          <a:p>
+            <a:r>
+              <a:rPr lang="en-US" dirty="0"/>
+              <a:t>NIO </a:t>
+            </a:r>
+            <a:r>
+              <a:rPr lang="en-US" dirty="0">
+                <a:sym typeface="Wingdings" panose="05000000000000000000" pitchFamily="2" charset="2"/>
+              </a:rPr>
+              <a:t> </a:t>
+            </a:r>
+            <a:r>
+              <a:rPr lang="en-US" dirty="0" err="1">
+                <a:sym typeface="Wingdings" panose="05000000000000000000" pitchFamily="2" charset="2"/>
+              </a:rPr>
+              <a:t>jdk</a:t>
+            </a:r>
+            <a:r>
+              <a:rPr lang="en-US" dirty="0">
+                <a:sym typeface="Wingdings" panose="05000000000000000000" pitchFamily="2" charset="2"/>
+              </a:rPr>
+              <a:t> 1.4</a:t>
+            </a:r>
+            <a:endParaRPr lang="en-US" dirty="0"/>
+          </a:p>
+        </p:txBody>
+      </p:sp>
+      <p:sp>
+        <p:nvSpPr>
+          <p:cNvPr id="3" name="Content Placeholder 2">
+            <a:extLst>
+              <a:ext uri="{FF2B5EF4-FFF2-40B4-BE49-F238E27FC236}">
+                <a16:creationId xmlns:a16="http://schemas.microsoft.com/office/drawing/2014/main" id="{1566FB90-A883-441F-B570-819AA561C5B4}"/>
+              </a:ext>
+            </a:extLst>
+          </p:cNvPr>
+          <p:cNvSpPr>
+            <a:spLocks noGrp="1"/>
+          </p:cNvSpPr>
+          <p:nvPr>
+            <p:ph idx="1"/>
+          </p:nvPr>
+        </p:nvSpPr>
+        <p:spPr/>
+        <p:txBody>
+          <a:bodyPr/>
+          <a:lstStyle/>
+          <a:p>
+            <a:r>
+              <a:rPr lang="en-US" dirty="0"/>
+              <a:t>Non Blocking IO</a:t>
+            </a:r>
+          </a:p>
+          <a:p>
+            <a:pPr lvl="1"/>
+            <a:r>
+              <a:rPr lang="en-US" dirty="0"/>
+              <a:t>Streams</a:t>
+            </a:r>
+          </a:p>
+          <a:p>
+            <a:pPr lvl="1"/>
+            <a:r>
+              <a:rPr lang="en-US" dirty="0"/>
+              <a:t>Filters</a:t>
+            </a:r>
+          </a:p>
+          <a:p>
+            <a:pPr lvl="1"/>
+            <a:endParaRPr lang="en-US" dirty="0"/>
+          </a:p>
+        </p:txBody>
+      </p:sp>
+    </p:spTree>
+    <p:extLst>
+      <p:ext uri="{BB962C8B-B14F-4D97-AF65-F5344CB8AC3E}">
+        <p14:creationId xmlns:p14="http://schemas.microsoft.com/office/powerpoint/2010/main" val="1464161119"/>
+      </p:ext>
+    </p:extLst>
+  </p:cSld>
+  <p:clrMapOvr>
+    <a:masterClrMapping/>
+  </p:clrMapOvr>
+</p:sld>
+</file>
+
+<file path=ppt/slides/slide54.xml><?xml version="1.0" encoding="utf-8"?>
+<p:sld xmlns:a="http://schemas.openxmlformats.org/drawingml/2006/main" xmlns:r="http://schemas.openxmlformats.org/officeDocument/2006/relationships" xmlns:p="http://schemas.openxmlformats.org/presentationml/2006/main">
+  <p:cSld>
+    <p:spTree>
+      <p:nvGrpSpPr>
+        <p:cNvPr id="1" name=""/>
+        <p:cNvGrpSpPr/>
+        <p:nvPr/>
+      </p:nvGrpSpPr>
+      <p:grpSpPr>
+        <a:xfrm>
+          <a:off x="0" y="0"/>
+          <a:ext cx="0" cy="0"/>
+          <a:chOff x="0" y="0"/>
+          <a:chExt cx="0" cy="0"/>
+        </a:xfrm>
+      </p:grpSpPr>
+      <p:sp>
+        <p:nvSpPr>
+          <p:cNvPr id="2" name="Title 1">
+            <a:extLst>
+              <a:ext uri="{FF2B5EF4-FFF2-40B4-BE49-F238E27FC236}">
+                <a16:creationId xmlns:a16="http://schemas.microsoft.com/office/drawing/2014/main" id="{673D93D8-7670-4B4A-B5B8-1EAE39D1A57E}"/>
+              </a:ext>
+            </a:extLst>
+          </p:cNvPr>
+          <p:cNvSpPr>
+            <a:spLocks noGrp="1"/>
+          </p:cNvSpPr>
+          <p:nvPr>
+            <p:ph type="title"/>
+          </p:nvPr>
+        </p:nvSpPr>
+        <p:spPr/>
+        <p:txBody>
+          <a:bodyPr/>
+          <a:lstStyle/>
+          <a:p>
+            <a:r>
+              <a:rPr lang="en-US" dirty="0"/>
+              <a:t>Multi threading</a:t>
+            </a:r>
+          </a:p>
+        </p:txBody>
+      </p:sp>
+      <p:sp>
+        <p:nvSpPr>
+          <p:cNvPr id="3" name="Content Placeholder 2">
+            <a:extLst>
+              <a:ext uri="{FF2B5EF4-FFF2-40B4-BE49-F238E27FC236}">
+                <a16:creationId xmlns:a16="http://schemas.microsoft.com/office/drawing/2014/main" id="{316DBA2B-9E42-40E5-A9A0-D7B09488C7E8}"/>
+              </a:ext>
+            </a:extLst>
+          </p:cNvPr>
+          <p:cNvSpPr>
+            <a:spLocks noGrp="1"/>
+          </p:cNvSpPr>
+          <p:nvPr>
+            <p:ph idx="1"/>
+          </p:nvPr>
+        </p:nvSpPr>
+        <p:spPr/>
+        <p:txBody>
+          <a:bodyPr/>
+          <a:lstStyle/>
+          <a:p>
+            <a:r>
+              <a:rPr lang="en-US" dirty="0"/>
+              <a:t>Process </a:t>
+            </a:r>
+            <a:r>
+              <a:rPr lang="en-US" dirty="0">
+                <a:sym typeface="Wingdings" panose="05000000000000000000" pitchFamily="2" charset="2"/>
+              </a:rPr>
+              <a:t> multi processing  Multi Tasking  heavy weight  OS</a:t>
+            </a:r>
+          </a:p>
+          <a:p>
+            <a:r>
+              <a:rPr lang="en-US" dirty="0"/>
+              <a:t>Thread </a:t>
+            </a:r>
+            <a:r>
+              <a:rPr lang="en-US" dirty="0">
+                <a:sym typeface="Wingdings" panose="05000000000000000000" pitchFamily="2" charset="2"/>
+              </a:rPr>
+              <a:t> Multi threading  Multi tasking  light weight  JVM </a:t>
+            </a:r>
+          </a:p>
+          <a:p>
+            <a:pPr lvl="1"/>
+            <a:r>
+              <a:rPr lang="en-US" dirty="0">
+                <a:sym typeface="Wingdings" panose="05000000000000000000" pitchFamily="2" charset="2"/>
+              </a:rPr>
+              <a:t>Concurrent operations</a:t>
+            </a:r>
+            <a:endParaRPr lang="en-US" dirty="0"/>
+          </a:p>
+          <a:p>
+            <a:r>
+              <a:rPr lang="en-US" dirty="0"/>
+              <a:t>Program</a:t>
+            </a:r>
+          </a:p>
+        </p:txBody>
+      </p:sp>
+    </p:spTree>
+    <p:extLst>
+      <p:ext uri="{BB962C8B-B14F-4D97-AF65-F5344CB8AC3E}">
+        <p14:creationId xmlns:p14="http://schemas.microsoft.com/office/powerpoint/2010/main" val="896006258"/>
+      </p:ext>
+    </p:extLst>
+  </p:cSld>
+  <p:clrMapOvr>
+    <a:masterClrMapping/>
+  </p:clrMapOvr>
+</p:sld>
+</file>
+
+<file path=ppt/slides/slide55.xml><?xml version="1.0" encoding="utf-8"?>
+<p:sld xmlns:a="http://schemas.openxmlformats.org/drawingml/2006/main" xmlns:r="http://schemas.openxmlformats.org/officeDocument/2006/relationships" xmlns:p="http://schemas.openxmlformats.org/presentationml/2006/main">
+  <p:cSld>
+    <p:spTree>
+      <p:nvGrpSpPr>
+        <p:cNvPr id="1" name=""/>
+        <p:cNvGrpSpPr/>
+        <p:nvPr/>
+      </p:nvGrpSpPr>
+      <p:grpSpPr>
+        <a:xfrm>
+          <a:off x="0" y="0"/>
+          <a:ext cx="0" cy="0"/>
+          <a:chOff x="0" y="0"/>
+          <a:chExt cx="0" cy="0"/>
+        </a:xfrm>
+      </p:grpSpPr>
+      <p:sp>
+        <p:nvSpPr>
+          <p:cNvPr id="2" name="Title 1">
+            <a:extLst>
+              <a:ext uri="{FF2B5EF4-FFF2-40B4-BE49-F238E27FC236}">
+                <a16:creationId xmlns:a16="http://schemas.microsoft.com/office/drawing/2014/main" id="{51DE569F-85BD-43A2-BFDA-94C1F7BD37A6}"/>
+              </a:ext>
+            </a:extLst>
+          </p:cNvPr>
+          <p:cNvSpPr>
+            <a:spLocks noGrp="1"/>
+          </p:cNvSpPr>
+          <p:nvPr>
+            <p:ph type="title"/>
+          </p:nvPr>
+        </p:nvSpPr>
+        <p:spPr/>
+        <p:txBody>
+          <a:bodyPr/>
+          <a:lstStyle/>
+          <a:p>
+            <a:r>
+              <a:rPr lang="en-US" dirty="0"/>
+              <a:t>Thread implementation</a:t>
+            </a:r>
+          </a:p>
+        </p:txBody>
+      </p:sp>
+      <p:sp>
+        <p:nvSpPr>
+          <p:cNvPr id="3" name="Content Placeholder 2">
+            <a:extLst>
+              <a:ext uri="{FF2B5EF4-FFF2-40B4-BE49-F238E27FC236}">
+                <a16:creationId xmlns:a16="http://schemas.microsoft.com/office/drawing/2014/main" id="{73A2B96A-331E-4691-BE7F-D37F346AAA49}"/>
+              </a:ext>
+            </a:extLst>
+          </p:cNvPr>
+          <p:cNvSpPr>
+            <a:spLocks noGrp="1"/>
+          </p:cNvSpPr>
+          <p:nvPr>
+            <p:ph idx="1"/>
+          </p:nvPr>
+        </p:nvSpPr>
+        <p:spPr/>
+        <p:txBody>
+          <a:bodyPr/>
+          <a:lstStyle/>
+          <a:p>
+            <a:r>
+              <a:rPr lang="en-US" dirty="0"/>
+              <a:t> extends Thread</a:t>
+            </a:r>
+          </a:p>
+          <a:p>
+            <a:r>
+              <a:rPr lang="en-US" dirty="0"/>
+              <a:t>Implements Runnable</a:t>
+            </a:r>
+          </a:p>
+          <a:p>
+            <a:endParaRPr lang="en-US" dirty="0"/>
+          </a:p>
+          <a:p>
+            <a:pPr lvl="1"/>
+            <a:r>
+              <a:rPr lang="en-US" dirty="0"/>
+              <a:t>@Override</a:t>
+            </a:r>
+          </a:p>
+          <a:p>
+            <a:pPr lvl="1"/>
+            <a:r>
+              <a:rPr lang="en-US" dirty="0"/>
+              <a:t>public void run(){</a:t>
+            </a:r>
+          </a:p>
+          <a:p>
+            <a:pPr marL="914400" lvl="2" indent="0">
+              <a:buNone/>
+            </a:pPr>
+            <a:r>
+              <a:rPr lang="en-US" dirty="0"/>
+              <a:t>//thread task</a:t>
+            </a:r>
+          </a:p>
+          <a:p>
+            <a:pPr lvl="1"/>
+            <a:r>
+              <a:rPr lang="en-US" dirty="0"/>
+              <a:t>}</a:t>
+            </a:r>
+          </a:p>
+        </p:txBody>
+      </p:sp>
+    </p:spTree>
+    <p:extLst>
+      <p:ext uri="{BB962C8B-B14F-4D97-AF65-F5344CB8AC3E}">
+        <p14:creationId xmlns:p14="http://schemas.microsoft.com/office/powerpoint/2010/main" val="1470547758"/>
+      </p:ext>
+    </p:extLst>
+  </p:cSld>
+  <p:clrMapOvr>
+    <a:masterClrMapping/>
+  </p:clrMapOvr>
+</p:sld>
+</file>
+
+<file path=ppt/slides/slide56.xml><?xml version="1.0" encoding="utf-8"?>
+<p:sld xmlns:a="http://schemas.openxmlformats.org/drawingml/2006/main" xmlns:r="http://schemas.openxmlformats.org/officeDocument/2006/relationships" xmlns:p="http://schemas.openxmlformats.org/presentationml/2006/main">
+  <p:cSld>
+    <p:spTree>
+      <p:nvGrpSpPr>
+        <p:cNvPr id="1" name=""/>
+        <p:cNvGrpSpPr/>
+        <p:nvPr/>
+      </p:nvGrpSpPr>
+      <p:grpSpPr>
+        <a:xfrm>
+          <a:off x="0" y="0"/>
+          <a:ext cx="0" cy="0"/>
+          <a:chOff x="0" y="0"/>
+          <a:chExt cx="0" cy="0"/>
+        </a:xfrm>
+      </p:grpSpPr>
+      <p:sp>
+        <p:nvSpPr>
+          <p:cNvPr id="2" name="Title 1">
+            <a:extLst>
+              <a:ext uri="{FF2B5EF4-FFF2-40B4-BE49-F238E27FC236}">
+                <a16:creationId xmlns:a16="http://schemas.microsoft.com/office/drawing/2014/main" id="{F5F24450-067F-4D6B-8FED-2253790AFEF8}"/>
+              </a:ext>
+            </a:extLst>
+          </p:cNvPr>
+          <p:cNvSpPr>
+            <a:spLocks noGrp="1"/>
+          </p:cNvSpPr>
+          <p:nvPr>
+            <p:ph type="title"/>
+          </p:nvPr>
+        </p:nvSpPr>
+        <p:spPr/>
+        <p:txBody>
+          <a:bodyPr/>
+          <a:lstStyle/>
+          <a:p>
+            <a:r>
+              <a:rPr lang="en-US" dirty="0"/>
+              <a:t>Constructors </a:t>
+            </a:r>
+            <a:r>
+              <a:rPr lang="en-US" dirty="0">
+                <a:sym typeface="Wingdings" panose="05000000000000000000" pitchFamily="2" charset="2"/>
+              </a:rPr>
+              <a:t> </a:t>
+            </a:r>
+            <a:r>
+              <a:rPr lang="en-US" dirty="0" err="1">
+                <a:sym typeface="Wingdings" panose="05000000000000000000" pitchFamily="2" charset="2"/>
+              </a:rPr>
+              <a:t>java.lang.Thread</a:t>
+            </a:r>
+            <a:r>
+              <a:rPr lang="en-US" dirty="0">
+                <a:sym typeface="Wingdings" panose="05000000000000000000" pitchFamily="2" charset="2"/>
+              </a:rPr>
+              <a:t>;</a:t>
+            </a:r>
+            <a:endParaRPr lang="en-US" dirty="0"/>
+          </a:p>
+        </p:txBody>
+      </p:sp>
+      <p:sp>
+        <p:nvSpPr>
+          <p:cNvPr id="3" name="Content Placeholder 2">
+            <a:extLst>
+              <a:ext uri="{FF2B5EF4-FFF2-40B4-BE49-F238E27FC236}">
+                <a16:creationId xmlns:a16="http://schemas.microsoft.com/office/drawing/2014/main" id="{0366265B-5AB5-4259-BD80-5E15E2749D17}"/>
+              </a:ext>
+            </a:extLst>
+          </p:cNvPr>
+          <p:cNvSpPr>
+            <a:spLocks noGrp="1"/>
+          </p:cNvSpPr>
+          <p:nvPr>
+            <p:ph idx="1"/>
+          </p:nvPr>
+        </p:nvSpPr>
+        <p:spPr/>
+        <p:txBody>
+          <a:bodyPr/>
+          <a:lstStyle/>
+          <a:p>
+            <a:r>
+              <a:rPr lang="en-US" dirty="0">
+                <a:highlight>
+                  <a:srgbClr val="FFFF00"/>
+                </a:highlight>
+              </a:rPr>
+              <a:t>Thread t1=new Thread();</a:t>
+            </a:r>
+          </a:p>
+          <a:p>
+            <a:r>
+              <a:rPr lang="en-US" dirty="0">
+                <a:highlight>
+                  <a:srgbClr val="FFFF00"/>
+                </a:highlight>
+              </a:rPr>
+              <a:t>Thread t1=new Thread(String </a:t>
+            </a:r>
+            <a:r>
+              <a:rPr lang="en-US" dirty="0" err="1">
+                <a:highlight>
+                  <a:srgbClr val="FFFF00"/>
+                </a:highlight>
+              </a:rPr>
+              <a:t>threadName</a:t>
+            </a:r>
+            <a:r>
+              <a:rPr lang="en-US" dirty="0">
+                <a:highlight>
+                  <a:srgbClr val="FFFF00"/>
+                </a:highlight>
+              </a:rPr>
+              <a:t>);</a:t>
+            </a:r>
+          </a:p>
+          <a:p>
+            <a:r>
+              <a:rPr lang="en-US" dirty="0">
+                <a:highlight>
+                  <a:srgbClr val="FFFF00"/>
+                </a:highlight>
+              </a:rPr>
+              <a:t>Thread t1=new Thread(Runnable r);</a:t>
+            </a:r>
+          </a:p>
+          <a:p>
+            <a:r>
+              <a:rPr lang="en-US" dirty="0"/>
+              <a:t>Thread t1=new Thread(Runnable r, String </a:t>
+            </a:r>
+            <a:r>
+              <a:rPr lang="en-US" dirty="0" err="1"/>
+              <a:t>threadName</a:t>
+            </a:r>
+            <a:r>
+              <a:rPr lang="en-US" dirty="0"/>
+              <a:t>);</a:t>
+            </a:r>
+          </a:p>
+          <a:p>
+            <a:endParaRPr lang="en-US" dirty="0"/>
+          </a:p>
+        </p:txBody>
+      </p:sp>
+    </p:spTree>
+    <p:extLst>
+      <p:ext uri="{BB962C8B-B14F-4D97-AF65-F5344CB8AC3E}">
+        <p14:creationId xmlns:p14="http://schemas.microsoft.com/office/powerpoint/2010/main" val="1806367524"/>
+      </p:ext>
+    </p:extLst>
+  </p:cSld>
+  <p:clrMapOvr>
+    <a:masterClrMapping/>
+  </p:clrMapOvr>
+</p:sld>
+</file>
+
+<file path=ppt/slides/slide57.xml><?xml version="1.0" encoding="utf-8"?>
+<p:sld xmlns:a="http://schemas.openxmlformats.org/drawingml/2006/main" xmlns:r="http://schemas.openxmlformats.org/officeDocument/2006/relationships" xmlns:p="http://schemas.openxmlformats.org/presentationml/2006/main">
+  <p:cSld>
+    <p:spTree>
+      <p:nvGrpSpPr>
+        <p:cNvPr id="1" name=""/>
+        <p:cNvGrpSpPr/>
+        <p:nvPr/>
+      </p:nvGrpSpPr>
+      <p:grpSpPr>
+        <a:xfrm>
+          <a:off x="0" y="0"/>
+          <a:ext cx="0" cy="0"/>
+          <a:chOff x="0" y="0"/>
+          <a:chExt cx="0" cy="0"/>
+        </a:xfrm>
+      </p:grpSpPr>
+      <p:sp>
+        <p:nvSpPr>
+          <p:cNvPr id="2" name="Title 1">
+            <a:extLst>
+              <a:ext uri="{FF2B5EF4-FFF2-40B4-BE49-F238E27FC236}">
+                <a16:creationId xmlns:a16="http://schemas.microsoft.com/office/drawing/2014/main" id="{D3C35298-4FFB-4FE3-8642-59E430599FE0}"/>
+              </a:ext>
+            </a:extLst>
+          </p:cNvPr>
+          <p:cNvSpPr>
+            <a:spLocks noGrp="1"/>
+          </p:cNvSpPr>
+          <p:nvPr>
+            <p:ph type="title"/>
+          </p:nvPr>
+        </p:nvSpPr>
+        <p:spPr>
+          <a:xfrm>
+            <a:off x="838200" y="365126"/>
+            <a:ext cx="10515600" cy="857500"/>
+          </a:xfrm>
+        </p:spPr>
+        <p:txBody>
+          <a:bodyPr/>
+          <a:lstStyle/>
+          <a:p>
+            <a:r>
+              <a:rPr lang="en-US" dirty="0"/>
+              <a:t>Thread Life Cycle</a:t>
+            </a:r>
+          </a:p>
+        </p:txBody>
+      </p:sp>
+      <p:sp>
+        <p:nvSpPr>
+          <p:cNvPr id="4" name="Rectangle 3">
+            <a:extLst>
+              <a:ext uri="{FF2B5EF4-FFF2-40B4-BE49-F238E27FC236}">
+                <a16:creationId xmlns:a16="http://schemas.microsoft.com/office/drawing/2014/main" id="{024EDCE2-C690-4114-ABDC-A51E20658893}"/>
+              </a:ext>
+            </a:extLst>
+          </p:cNvPr>
+          <p:cNvSpPr/>
+          <p:nvPr/>
+        </p:nvSpPr>
+        <p:spPr>
+          <a:xfrm>
+            <a:off x="4068566" y="1289799"/>
+            <a:ext cx="1654140" cy="565079"/>
+          </a:xfrm>
+          <a:prstGeom prst="rect">
+            <a:avLst/>
+          </a:prstGeom>
+        </p:spPr>
+        <p:style>
+          <a:lnRef idx="2">
+            <a:schemeClr val="accent1">
+              <a:shade val="50000"/>
+            </a:schemeClr>
+          </a:lnRef>
+          <a:fillRef idx="1">
+            <a:schemeClr val="accent1"/>
+          </a:fillRef>
+          <a:effectRef idx="0">
+            <a:schemeClr val="accent1"/>
+          </a:effectRef>
+          <a:fontRef idx="minor">
+            <a:schemeClr val="lt1"/>
+          </a:fontRef>
+        </p:style>
+        <p:txBody>
+          <a:bodyPr rtlCol="0" anchor="ctr"/>
+          <a:lstStyle/>
+          <a:p>
+            <a:pPr algn="ctr"/>
+            <a:r>
+              <a:rPr lang="en-US" dirty="0"/>
+              <a:t>new</a:t>
+            </a:r>
+          </a:p>
+        </p:txBody>
+      </p:sp>
+      <p:sp>
+        <p:nvSpPr>
+          <p:cNvPr id="5" name="TextBox 4">
+            <a:extLst>
+              <a:ext uri="{FF2B5EF4-FFF2-40B4-BE49-F238E27FC236}">
+                <a16:creationId xmlns:a16="http://schemas.microsoft.com/office/drawing/2014/main" id="{D1ECD110-C278-4A7B-A50D-593655C97857}"/>
+              </a:ext>
+            </a:extLst>
+          </p:cNvPr>
+          <p:cNvSpPr txBox="1"/>
+          <p:nvPr/>
+        </p:nvSpPr>
+        <p:spPr>
+          <a:xfrm>
+            <a:off x="1006867" y="1572338"/>
+            <a:ext cx="2460161" cy="369332"/>
+          </a:xfrm>
+          <a:prstGeom prst="rect">
+            <a:avLst/>
+          </a:prstGeom>
+          <a:noFill/>
+        </p:spPr>
+        <p:txBody>
+          <a:bodyPr wrap="none" rtlCol="0">
+            <a:spAutoFit/>
+          </a:bodyPr>
+          <a:lstStyle/>
+          <a:p>
+            <a:r>
+              <a:rPr lang="en-US" dirty="0"/>
+              <a:t>Thread t1=new Thread()</a:t>
+            </a:r>
+          </a:p>
+        </p:txBody>
+      </p:sp>
+      <p:sp>
+        <p:nvSpPr>
+          <p:cNvPr id="6" name="Rectangle 5">
+            <a:extLst>
+              <a:ext uri="{FF2B5EF4-FFF2-40B4-BE49-F238E27FC236}">
+                <a16:creationId xmlns:a16="http://schemas.microsoft.com/office/drawing/2014/main" id="{05D05AE5-29F5-45C6-8D0E-146C9F6A82F3}"/>
+              </a:ext>
+            </a:extLst>
+          </p:cNvPr>
+          <p:cNvSpPr/>
+          <p:nvPr/>
+        </p:nvSpPr>
+        <p:spPr>
+          <a:xfrm>
+            <a:off x="4068566" y="2863921"/>
+            <a:ext cx="1654140" cy="565079"/>
+          </a:xfrm>
+          <a:prstGeom prst="rect">
+            <a:avLst/>
+          </a:prstGeom>
+        </p:spPr>
+        <p:style>
+          <a:lnRef idx="2">
+            <a:schemeClr val="accent1">
+              <a:shade val="50000"/>
+            </a:schemeClr>
+          </a:lnRef>
+          <a:fillRef idx="1">
+            <a:schemeClr val="accent1"/>
+          </a:fillRef>
+          <a:effectRef idx="0">
+            <a:schemeClr val="accent1"/>
+          </a:effectRef>
+          <a:fontRef idx="minor">
+            <a:schemeClr val="lt1"/>
+          </a:fontRef>
+        </p:style>
+        <p:txBody>
+          <a:bodyPr rtlCol="0" anchor="ctr"/>
+          <a:lstStyle/>
+          <a:p>
+            <a:pPr algn="ctr"/>
+            <a:r>
+              <a:rPr lang="en-US" dirty="0"/>
+              <a:t>Runnable</a:t>
+            </a:r>
+          </a:p>
+        </p:txBody>
+      </p:sp>
+      <p:cxnSp>
+        <p:nvCxnSpPr>
+          <p:cNvPr id="8" name="Straight Arrow Connector 7">
+            <a:extLst>
+              <a:ext uri="{FF2B5EF4-FFF2-40B4-BE49-F238E27FC236}">
+                <a16:creationId xmlns:a16="http://schemas.microsoft.com/office/drawing/2014/main" id="{788EA52B-3D20-486A-83A6-BCCA5EAD5369}"/>
+              </a:ext>
+            </a:extLst>
+          </p:cNvPr>
+          <p:cNvCxnSpPr>
+            <a:stCxn id="4" idx="2"/>
+            <a:endCxn id="6" idx="0"/>
+          </p:cNvCxnSpPr>
+          <p:nvPr/>
+        </p:nvCxnSpPr>
+        <p:spPr>
+          <a:xfrm>
+            <a:off x="4895636" y="1854878"/>
+            <a:ext cx="0" cy="1009043"/>
+          </a:xfrm>
+          <a:prstGeom prst="straightConnector1">
+            <a:avLst/>
+          </a:prstGeom>
+          <a:ln>
+            <a:tailEnd type="triangle"/>
+          </a:ln>
+        </p:spPr>
+        <p:style>
+          <a:lnRef idx="1">
+            <a:schemeClr val="accent1"/>
+          </a:lnRef>
+          <a:fillRef idx="0">
+            <a:schemeClr val="accent1"/>
+          </a:fillRef>
+          <a:effectRef idx="0">
+            <a:schemeClr val="accent1"/>
+          </a:effectRef>
+          <a:fontRef idx="minor">
+            <a:schemeClr val="tx1"/>
+          </a:fontRef>
+        </p:style>
+      </p:cxnSp>
+      <p:sp>
+        <p:nvSpPr>
+          <p:cNvPr id="9" name="TextBox 8">
+            <a:extLst>
+              <a:ext uri="{FF2B5EF4-FFF2-40B4-BE49-F238E27FC236}">
+                <a16:creationId xmlns:a16="http://schemas.microsoft.com/office/drawing/2014/main" id="{D1403AFA-788D-44D9-A42A-86F2D3A41BF5}"/>
+              </a:ext>
+            </a:extLst>
+          </p:cNvPr>
+          <p:cNvSpPr txBox="1"/>
+          <p:nvPr/>
+        </p:nvSpPr>
+        <p:spPr>
+          <a:xfrm>
+            <a:off x="1592495" y="2961794"/>
+            <a:ext cx="1006429" cy="369332"/>
+          </a:xfrm>
+          <a:prstGeom prst="rect">
+            <a:avLst/>
+          </a:prstGeom>
+          <a:noFill/>
+        </p:spPr>
+        <p:txBody>
+          <a:bodyPr wrap="none" rtlCol="0">
+            <a:spAutoFit/>
+          </a:bodyPr>
+          <a:lstStyle/>
+          <a:p>
+            <a:r>
+              <a:rPr lang="en-US" dirty="0"/>
+              <a:t>t1.start()</a:t>
+            </a:r>
+          </a:p>
+        </p:txBody>
+      </p:sp>
+      <p:sp>
+        <p:nvSpPr>
+          <p:cNvPr id="10" name="Rectangle 9">
+            <a:extLst>
+              <a:ext uri="{FF2B5EF4-FFF2-40B4-BE49-F238E27FC236}">
+                <a16:creationId xmlns:a16="http://schemas.microsoft.com/office/drawing/2014/main" id="{EAEE7D74-1C83-481F-9043-23259DB263FA}"/>
+              </a:ext>
+            </a:extLst>
+          </p:cNvPr>
+          <p:cNvSpPr/>
+          <p:nvPr/>
+        </p:nvSpPr>
+        <p:spPr>
+          <a:xfrm>
+            <a:off x="4068566" y="4411966"/>
+            <a:ext cx="1654140" cy="565079"/>
+          </a:xfrm>
+          <a:prstGeom prst="rect">
+            <a:avLst/>
+          </a:prstGeom>
+        </p:spPr>
+        <p:style>
+          <a:lnRef idx="2">
+            <a:schemeClr val="accent1">
+              <a:shade val="50000"/>
+            </a:schemeClr>
+          </a:lnRef>
+          <a:fillRef idx="1">
+            <a:schemeClr val="accent1"/>
+          </a:fillRef>
+          <a:effectRef idx="0">
+            <a:schemeClr val="accent1"/>
+          </a:effectRef>
+          <a:fontRef idx="minor">
+            <a:schemeClr val="lt1"/>
+          </a:fontRef>
+        </p:style>
+        <p:txBody>
+          <a:bodyPr rtlCol="0" anchor="ctr"/>
+          <a:lstStyle/>
+          <a:p>
+            <a:pPr algn="ctr"/>
+            <a:r>
+              <a:rPr lang="en-US" dirty="0"/>
+              <a:t>Running</a:t>
+            </a:r>
+          </a:p>
+        </p:txBody>
+      </p:sp>
+      <p:sp>
+        <p:nvSpPr>
+          <p:cNvPr id="11" name="TextBox 10">
+            <a:extLst>
+              <a:ext uri="{FF2B5EF4-FFF2-40B4-BE49-F238E27FC236}">
+                <a16:creationId xmlns:a16="http://schemas.microsoft.com/office/drawing/2014/main" id="{DD60383B-4676-4324-910E-E50E4C013E1A}"/>
+              </a:ext>
+            </a:extLst>
+          </p:cNvPr>
+          <p:cNvSpPr txBox="1"/>
+          <p:nvPr/>
+        </p:nvSpPr>
+        <p:spPr>
+          <a:xfrm>
+            <a:off x="1941816" y="4607713"/>
+            <a:ext cx="901209" cy="369332"/>
+          </a:xfrm>
+          <a:prstGeom prst="rect">
+            <a:avLst/>
+          </a:prstGeom>
+          <a:noFill/>
+        </p:spPr>
+        <p:txBody>
+          <a:bodyPr wrap="none" rtlCol="0">
+            <a:spAutoFit/>
+          </a:bodyPr>
+          <a:lstStyle/>
+          <a:p>
+            <a:r>
+              <a:rPr lang="en-US" dirty="0"/>
+              <a:t>t1.run()</a:t>
+            </a:r>
+          </a:p>
+        </p:txBody>
+      </p:sp>
+      <p:cxnSp>
+        <p:nvCxnSpPr>
+          <p:cNvPr id="13" name="Straight Arrow Connector 12">
+            <a:extLst>
+              <a:ext uri="{FF2B5EF4-FFF2-40B4-BE49-F238E27FC236}">
+                <a16:creationId xmlns:a16="http://schemas.microsoft.com/office/drawing/2014/main" id="{B62908A3-6E34-41B1-9590-9A9EBD7AA168}"/>
+              </a:ext>
+            </a:extLst>
+          </p:cNvPr>
+          <p:cNvCxnSpPr>
+            <a:stCxn id="6" idx="2"/>
+            <a:endCxn id="10" idx="0"/>
+          </p:cNvCxnSpPr>
+          <p:nvPr/>
+        </p:nvCxnSpPr>
+        <p:spPr>
+          <a:xfrm>
+            <a:off x="4895636" y="3429000"/>
+            <a:ext cx="0" cy="982966"/>
+          </a:xfrm>
+          <a:prstGeom prst="straightConnector1">
+            <a:avLst/>
+          </a:prstGeom>
+          <a:ln>
+            <a:tailEnd type="triangle"/>
+          </a:ln>
+        </p:spPr>
+        <p:style>
+          <a:lnRef idx="1">
+            <a:schemeClr val="accent1"/>
+          </a:lnRef>
+          <a:fillRef idx="0">
+            <a:schemeClr val="accent1"/>
+          </a:fillRef>
+          <a:effectRef idx="0">
+            <a:schemeClr val="accent1"/>
+          </a:effectRef>
+          <a:fontRef idx="minor">
+            <a:schemeClr val="tx1"/>
+          </a:fontRef>
+        </p:style>
+      </p:cxnSp>
+      <p:sp>
+        <p:nvSpPr>
+          <p:cNvPr id="15" name="Rectangle 14">
+            <a:extLst>
+              <a:ext uri="{FF2B5EF4-FFF2-40B4-BE49-F238E27FC236}">
+                <a16:creationId xmlns:a16="http://schemas.microsoft.com/office/drawing/2014/main" id="{1970E718-68F0-49BA-A110-175FC0699296}"/>
+              </a:ext>
+            </a:extLst>
+          </p:cNvPr>
+          <p:cNvSpPr/>
+          <p:nvPr/>
+        </p:nvSpPr>
+        <p:spPr>
+          <a:xfrm>
+            <a:off x="4068566" y="5831440"/>
+            <a:ext cx="1654140" cy="565079"/>
+          </a:xfrm>
+          <a:prstGeom prst="rect">
+            <a:avLst/>
+          </a:prstGeom>
+        </p:spPr>
+        <p:style>
+          <a:lnRef idx="2">
+            <a:schemeClr val="accent1">
+              <a:shade val="50000"/>
+            </a:schemeClr>
+          </a:lnRef>
+          <a:fillRef idx="1">
+            <a:schemeClr val="accent1"/>
+          </a:fillRef>
+          <a:effectRef idx="0">
+            <a:schemeClr val="accent1"/>
+          </a:effectRef>
+          <a:fontRef idx="minor">
+            <a:schemeClr val="lt1"/>
+          </a:fontRef>
+        </p:style>
+        <p:txBody>
+          <a:bodyPr rtlCol="0" anchor="ctr"/>
+          <a:lstStyle/>
+          <a:p>
+            <a:pPr algn="ctr"/>
+            <a:r>
+              <a:rPr lang="en-US" dirty="0"/>
+              <a:t>Terminate</a:t>
+            </a:r>
+          </a:p>
+        </p:txBody>
+      </p:sp>
+      <p:cxnSp>
+        <p:nvCxnSpPr>
+          <p:cNvPr id="18" name="Straight Arrow Connector 17">
+            <a:extLst>
+              <a:ext uri="{FF2B5EF4-FFF2-40B4-BE49-F238E27FC236}">
+                <a16:creationId xmlns:a16="http://schemas.microsoft.com/office/drawing/2014/main" id="{B8A013F6-F3C1-404E-89B4-9D82AA2B8759}"/>
+              </a:ext>
+            </a:extLst>
+          </p:cNvPr>
+          <p:cNvCxnSpPr>
+            <a:stCxn id="10" idx="2"/>
+            <a:endCxn id="15" idx="0"/>
+          </p:cNvCxnSpPr>
+          <p:nvPr/>
+        </p:nvCxnSpPr>
+        <p:spPr>
+          <a:xfrm>
+            <a:off x="4895636" y="4977045"/>
+            <a:ext cx="0" cy="854395"/>
+          </a:xfrm>
+          <a:prstGeom prst="straightConnector1">
+            <a:avLst/>
+          </a:prstGeom>
+          <a:ln>
+            <a:tailEnd type="triangle"/>
+          </a:ln>
+        </p:spPr>
+        <p:style>
+          <a:lnRef idx="1">
+            <a:schemeClr val="accent1"/>
+          </a:lnRef>
+          <a:fillRef idx="0">
+            <a:schemeClr val="accent1"/>
+          </a:fillRef>
+          <a:effectRef idx="0">
+            <a:schemeClr val="accent1"/>
+          </a:effectRef>
+          <a:fontRef idx="minor">
+            <a:schemeClr val="tx1"/>
+          </a:fontRef>
+        </p:style>
+      </p:cxnSp>
+      <p:sp>
+        <p:nvSpPr>
+          <p:cNvPr id="19" name="Rectangle 18">
+            <a:extLst>
+              <a:ext uri="{FF2B5EF4-FFF2-40B4-BE49-F238E27FC236}">
+                <a16:creationId xmlns:a16="http://schemas.microsoft.com/office/drawing/2014/main" id="{16A5A403-68BE-4853-9340-2C7E200232F2}"/>
+              </a:ext>
+            </a:extLst>
+          </p:cNvPr>
+          <p:cNvSpPr/>
+          <p:nvPr/>
+        </p:nvSpPr>
+        <p:spPr>
+          <a:xfrm>
+            <a:off x="6462445" y="3429000"/>
+            <a:ext cx="3000051" cy="680663"/>
+          </a:xfrm>
+          <a:prstGeom prst="rect">
+            <a:avLst/>
+          </a:prstGeom>
+        </p:spPr>
+        <p:style>
+          <a:lnRef idx="2">
+            <a:schemeClr val="accent1">
+              <a:shade val="50000"/>
+            </a:schemeClr>
+          </a:lnRef>
+          <a:fillRef idx="1">
+            <a:schemeClr val="accent1"/>
+          </a:fillRef>
+          <a:effectRef idx="0">
+            <a:schemeClr val="accent1"/>
+          </a:effectRef>
+          <a:fontRef idx="minor">
+            <a:schemeClr val="lt1"/>
+          </a:fontRef>
+        </p:style>
+        <p:txBody>
+          <a:bodyPr rtlCol="0" anchor="ctr"/>
+          <a:lstStyle/>
+          <a:p>
+            <a:pPr algn="ctr"/>
+            <a:r>
+              <a:rPr lang="en-US" dirty="0"/>
+              <a:t>Sleep/Wait/Block</a:t>
+            </a:r>
+          </a:p>
+        </p:txBody>
+      </p:sp>
+      <p:cxnSp>
+        <p:nvCxnSpPr>
+          <p:cNvPr id="21" name="Straight Arrow Connector 20">
+            <a:extLst>
+              <a:ext uri="{FF2B5EF4-FFF2-40B4-BE49-F238E27FC236}">
+                <a16:creationId xmlns:a16="http://schemas.microsoft.com/office/drawing/2014/main" id="{2EDA0376-D6DB-486B-B790-5A919EE8AFFD}"/>
+              </a:ext>
+            </a:extLst>
+          </p:cNvPr>
+          <p:cNvCxnSpPr>
+            <a:stCxn id="10" idx="3"/>
+          </p:cNvCxnSpPr>
+          <p:nvPr/>
+        </p:nvCxnSpPr>
+        <p:spPr>
+          <a:xfrm flipV="1">
+            <a:off x="5722706" y="4109663"/>
+            <a:ext cx="2393879" cy="584843"/>
+          </a:xfrm>
+          <a:prstGeom prst="straightConnector1">
+            <a:avLst/>
+          </a:prstGeom>
+          <a:ln>
+            <a:tailEnd type="triangle"/>
+          </a:ln>
+        </p:spPr>
+        <p:style>
+          <a:lnRef idx="1">
+            <a:schemeClr val="accent1"/>
+          </a:lnRef>
+          <a:fillRef idx="0">
+            <a:schemeClr val="accent1"/>
+          </a:fillRef>
+          <a:effectRef idx="0">
+            <a:schemeClr val="accent1"/>
+          </a:effectRef>
+          <a:fontRef idx="minor">
+            <a:schemeClr val="tx1"/>
+          </a:fontRef>
+        </p:style>
+      </p:cxnSp>
+      <p:cxnSp>
+        <p:nvCxnSpPr>
+          <p:cNvPr id="23" name="Straight Arrow Connector 22">
+            <a:extLst>
+              <a:ext uri="{FF2B5EF4-FFF2-40B4-BE49-F238E27FC236}">
+                <a16:creationId xmlns:a16="http://schemas.microsoft.com/office/drawing/2014/main" id="{DB9B4116-4A3F-4305-BCDB-A39744D18C31}"/>
+              </a:ext>
+            </a:extLst>
+          </p:cNvPr>
+          <p:cNvCxnSpPr>
+            <a:endCxn id="6" idx="3"/>
+          </p:cNvCxnSpPr>
+          <p:nvPr/>
+        </p:nvCxnSpPr>
+        <p:spPr>
+          <a:xfrm flipH="1" flipV="1">
+            <a:off x="5722706" y="3146461"/>
+            <a:ext cx="2393879" cy="282539"/>
+          </a:xfrm>
+          <a:prstGeom prst="straightConnector1">
+            <a:avLst/>
+          </a:prstGeom>
+          <a:ln>
+            <a:tailEnd type="triangle"/>
+          </a:ln>
+        </p:spPr>
+        <p:style>
+          <a:lnRef idx="1">
+            <a:schemeClr val="accent1"/>
+          </a:lnRef>
+          <a:fillRef idx="0">
+            <a:schemeClr val="accent1"/>
+          </a:fillRef>
+          <a:effectRef idx="0">
+            <a:schemeClr val="accent1"/>
+          </a:effectRef>
+          <a:fontRef idx="minor">
+            <a:schemeClr val="tx1"/>
+          </a:fontRef>
+        </p:style>
+      </p:cxnSp>
+      <p:sp>
+        <p:nvSpPr>
+          <p:cNvPr id="24" name="TextBox 23">
+            <a:extLst>
+              <a:ext uri="{FF2B5EF4-FFF2-40B4-BE49-F238E27FC236}">
+                <a16:creationId xmlns:a16="http://schemas.microsoft.com/office/drawing/2014/main" id="{EA3E0C87-1DD1-40BD-B827-40A2C8F34A99}"/>
+              </a:ext>
+            </a:extLst>
+          </p:cNvPr>
+          <p:cNvSpPr txBox="1"/>
+          <p:nvPr/>
+        </p:nvSpPr>
+        <p:spPr>
+          <a:xfrm>
+            <a:off x="7296365" y="4787756"/>
+            <a:ext cx="2068387" cy="923330"/>
+          </a:xfrm>
+          <a:prstGeom prst="rect">
+            <a:avLst/>
+          </a:prstGeom>
+          <a:noFill/>
+        </p:spPr>
+        <p:txBody>
+          <a:bodyPr wrap="none" rtlCol="0">
+            <a:spAutoFit/>
+          </a:bodyPr>
+          <a:lstStyle/>
+          <a:p>
+            <a:r>
+              <a:rPr lang="en-US" dirty="0" err="1"/>
+              <a:t>Thread.sleep</a:t>
+            </a:r>
+            <a:r>
+              <a:rPr lang="en-US" dirty="0"/>
+              <a:t>(1000);</a:t>
+            </a:r>
+          </a:p>
+          <a:p>
+            <a:r>
+              <a:rPr lang="en-US" dirty="0" err="1"/>
+              <a:t>emp.wait</a:t>
+            </a:r>
+            <a:r>
+              <a:rPr lang="en-US" dirty="0"/>
+              <a:t>();</a:t>
+            </a:r>
+          </a:p>
+          <a:p>
+            <a:r>
+              <a:rPr lang="en-US" dirty="0"/>
+              <a:t>t1.join()</a:t>
+            </a:r>
+          </a:p>
+        </p:txBody>
+      </p:sp>
+    </p:spTree>
+    <p:extLst>
+      <p:ext uri="{BB962C8B-B14F-4D97-AF65-F5344CB8AC3E}">
+        <p14:creationId xmlns:p14="http://schemas.microsoft.com/office/powerpoint/2010/main" val="2448900436"/>
+      </p:ext>
+    </p:extLst>
+  </p:cSld>
+  <p:clrMapOvr>
+    <a:masterClrMapping/>
+  </p:clrMapOvr>
+</p:sld>
+</file>
+
+<file path=ppt/slides/slide58.xml><?xml version="1.0" encoding="utf-8"?>
+<p:sld xmlns:a="http://schemas.openxmlformats.org/drawingml/2006/main" xmlns:r="http://schemas.openxmlformats.org/officeDocument/2006/relationships" xmlns:p="http://schemas.openxmlformats.org/presentationml/2006/main">
+  <p:cSld>
+    <p:spTree>
+      <p:nvGrpSpPr>
+        <p:cNvPr id="1" name=""/>
+        <p:cNvGrpSpPr/>
+        <p:nvPr/>
+      </p:nvGrpSpPr>
+      <p:grpSpPr>
+        <a:xfrm>
+          <a:off x="0" y="0"/>
+          <a:ext cx="0" cy="0"/>
+          <a:chOff x="0" y="0"/>
+          <a:chExt cx="0" cy="0"/>
+        </a:xfrm>
+      </p:grpSpPr>
+      <p:sp>
+        <p:nvSpPr>
+          <p:cNvPr id="2" name="Title 1">
+            <a:extLst>
+              <a:ext uri="{FF2B5EF4-FFF2-40B4-BE49-F238E27FC236}">
+                <a16:creationId xmlns:a16="http://schemas.microsoft.com/office/drawing/2014/main" id="{7533C1EF-DADA-4005-A470-8DDA43F8CDE1}"/>
+              </a:ext>
+            </a:extLst>
+          </p:cNvPr>
+          <p:cNvSpPr>
+            <a:spLocks noGrp="1"/>
+          </p:cNvSpPr>
+          <p:nvPr>
+            <p:ph type="title"/>
+          </p:nvPr>
+        </p:nvSpPr>
+        <p:spPr/>
+        <p:txBody>
+          <a:bodyPr/>
+          <a:lstStyle/>
+          <a:p>
+            <a:r>
+              <a:rPr lang="en-US" dirty="0"/>
+              <a:t>Run()</a:t>
+            </a:r>
+          </a:p>
+        </p:txBody>
+      </p:sp>
+      <p:sp>
+        <p:nvSpPr>
+          <p:cNvPr id="3" name="Content Placeholder 2">
+            <a:extLst>
+              <a:ext uri="{FF2B5EF4-FFF2-40B4-BE49-F238E27FC236}">
+                <a16:creationId xmlns:a16="http://schemas.microsoft.com/office/drawing/2014/main" id="{41F10A8C-A01D-4A48-A440-A9027E2EA8F0}"/>
+              </a:ext>
+            </a:extLst>
+          </p:cNvPr>
+          <p:cNvSpPr>
+            <a:spLocks noGrp="1"/>
+          </p:cNvSpPr>
+          <p:nvPr>
+            <p:ph idx="1"/>
+          </p:nvPr>
+        </p:nvSpPr>
+        <p:spPr/>
+        <p:txBody>
+          <a:bodyPr/>
+          <a:lstStyle/>
+          <a:p>
+            <a:r>
+              <a:rPr lang="en-US" dirty="0"/>
+              <a:t>No new thread instance created by JVM</a:t>
+            </a:r>
+          </a:p>
+          <a:p>
+            <a:r>
+              <a:rPr lang="en-US" dirty="0"/>
+              <a:t>Current continue the execution</a:t>
+            </a:r>
+          </a:p>
+          <a:p>
+            <a:r>
+              <a:rPr lang="en-US" dirty="0" err="1"/>
+              <a:t>MainThread</a:t>
+            </a:r>
+            <a:endParaRPr lang="en-US" dirty="0"/>
+          </a:p>
+        </p:txBody>
+      </p:sp>
+    </p:spTree>
+    <p:extLst>
+      <p:ext uri="{BB962C8B-B14F-4D97-AF65-F5344CB8AC3E}">
+        <p14:creationId xmlns:p14="http://schemas.microsoft.com/office/powerpoint/2010/main" val="1756484863"/>
+      </p:ext>
+    </p:extLst>
+  </p:cSld>
+  <p:clrMapOvr>
+    <a:masterClrMapping/>
+  </p:clrMapOvr>
+</p:sld>
+</file>
+
+<file path=ppt/slides/slide59.xml><?xml version="1.0" encoding="utf-8"?>
+<p:sld xmlns:a="http://schemas.openxmlformats.org/drawingml/2006/main" xmlns:r="http://schemas.openxmlformats.org/officeDocument/2006/relationships" xmlns:p="http://schemas.openxmlformats.org/presentationml/2006/main">
+  <p:cSld>
+    <p:spTree>
+      <p:nvGrpSpPr>
+        <p:cNvPr id="1" name=""/>
+        <p:cNvGrpSpPr/>
+        <p:nvPr/>
+      </p:nvGrpSpPr>
+      <p:grpSpPr>
+        <a:xfrm>
+          <a:off x="0" y="0"/>
+          <a:ext cx="0" cy="0"/>
+          <a:chOff x="0" y="0"/>
+          <a:chExt cx="0" cy="0"/>
+        </a:xfrm>
+      </p:grpSpPr>
+      <p:sp>
+        <p:nvSpPr>
+          <p:cNvPr id="2" name="Title 1">
+            <a:extLst>
+              <a:ext uri="{FF2B5EF4-FFF2-40B4-BE49-F238E27FC236}">
+                <a16:creationId xmlns:a16="http://schemas.microsoft.com/office/drawing/2014/main" id="{E2A10209-CC11-4943-85CB-77008955BE78}"/>
+              </a:ext>
+            </a:extLst>
+          </p:cNvPr>
+          <p:cNvSpPr>
+            <a:spLocks noGrp="1"/>
+          </p:cNvSpPr>
+          <p:nvPr>
+            <p:ph type="title"/>
+          </p:nvPr>
+        </p:nvSpPr>
+        <p:spPr/>
+        <p:txBody>
+          <a:bodyPr/>
+          <a:lstStyle/>
+          <a:p>
+            <a:r>
+              <a:rPr lang="en-US" dirty="0"/>
+              <a:t>Thread Priority</a:t>
+            </a:r>
+          </a:p>
+        </p:txBody>
+      </p:sp>
+      <p:sp>
+        <p:nvSpPr>
+          <p:cNvPr id="3" name="Content Placeholder 2">
+            <a:extLst>
+              <a:ext uri="{FF2B5EF4-FFF2-40B4-BE49-F238E27FC236}">
+                <a16:creationId xmlns:a16="http://schemas.microsoft.com/office/drawing/2014/main" id="{6C1DCBDB-E74D-466F-B3C1-73CE9B654E1A}"/>
+              </a:ext>
+            </a:extLst>
+          </p:cNvPr>
+          <p:cNvSpPr>
+            <a:spLocks noGrp="1"/>
+          </p:cNvSpPr>
+          <p:nvPr>
+            <p:ph idx="1"/>
+          </p:nvPr>
+        </p:nvSpPr>
+        <p:spPr/>
+        <p:txBody>
+          <a:bodyPr/>
+          <a:lstStyle/>
+          <a:p>
+            <a:r>
+              <a:rPr lang="en-US" dirty="0"/>
+              <a:t>1-5-10</a:t>
+            </a:r>
+          </a:p>
+          <a:p>
+            <a:r>
+              <a:rPr lang="en-US" dirty="0"/>
+              <a:t>Min-norm-max</a:t>
+            </a:r>
+          </a:p>
+          <a:p>
+            <a:endParaRPr lang="en-US" dirty="0"/>
+          </a:p>
+          <a:p>
+            <a:r>
+              <a:rPr lang="en-US" dirty="0" err="1"/>
+              <a:t>getPriory</a:t>
+            </a:r>
+            <a:r>
+              <a:rPr lang="en-US" dirty="0"/>
+              <a:t>()</a:t>
+            </a:r>
+          </a:p>
+          <a:p>
+            <a:r>
+              <a:rPr lang="en-US" dirty="0" err="1"/>
+              <a:t>setPriority</a:t>
+            </a:r>
+            <a:r>
+              <a:rPr lang="en-US" dirty="0"/>
+              <a:t>()</a:t>
+            </a:r>
+          </a:p>
+        </p:txBody>
+      </p:sp>
+    </p:spTree>
+    <p:extLst>
+      <p:ext uri="{BB962C8B-B14F-4D97-AF65-F5344CB8AC3E}">
+        <p14:creationId xmlns:p14="http://schemas.microsoft.com/office/powerpoint/2010/main" val="3656519691"/>
       </p:ext>
     </p:extLst>
   </p:cSld>
@@ -19768,6 +22016,102 @@
     <p:extLst>
       <p:ext uri="{BB962C8B-B14F-4D97-AF65-F5344CB8AC3E}">
         <p14:creationId xmlns:p14="http://schemas.microsoft.com/office/powerpoint/2010/main" val="1802971564"/>
+      </p:ext>
+    </p:extLst>
+  </p:cSld>
+  <p:clrMapOvr>
+    <a:masterClrMapping/>
+  </p:clrMapOvr>
+</p:sld>
+</file>
+
+<file path=ppt/slides/slide60.xml><?xml version="1.0" encoding="utf-8"?>
+<p:sld xmlns:a="http://schemas.openxmlformats.org/drawingml/2006/main" xmlns:r="http://schemas.openxmlformats.org/officeDocument/2006/relationships" xmlns:p="http://schemas.openxmlformats.org/presentationml/2006/main">
+  <p:cSld>
+    <p:spTree>
+      <p:nvGrpSpPr>
+        <p:cNvPr id="1" name=""/>
+        <p:cNvGrpSpPr/>
+        <p:nvPr/>
+      </p:nvGrpSpPr>
+      <p:grpSpPr>
+        <a:xfrm>
+          <a:off x="0" y="0"/>
+          <a:ext cx="0" cy="0"/>
+          <a:chOff x="0" y="0"/>
+          <a:chExt cx="0" cy="0"/>
+        </a:xfrm>
+      </p:grpSpPr>
+      <p:sp>
+        <p:nvSpPr>
+          <p:cNvPr id="2" name="Title 1">
+            <a:extLst>
+              <a:ext uri="{FF2B5EF4-FFF2-40B4-BE49-F238E27FC236}">
+                <a16:creationId xmlns:a16="http://schemas.microsoft.com/office/drawing/2014/main" id="{658C2B57-523A-4A4D-BF81-09FD43454885}"/>
+              </a:ext>
+            </a:extLst>
+          </p:cNvPr>
+          <p:cNvSpPr>
+            <a:spLocks noGrp="1"/>
+          </p:cNvSpPr>
+          <p:nvPr>
+            <p:ph type="title"/>
+          </p:nvPr>
+        </p:nvSpPr>
+        <p:spPr/>
+        <p:txBody>
+          <a:bodyPr/>
+          <a:lstStyle/>
+          <a:p>
+            <a:r>
+              <a:rPr lang="en-US" dirty="0" err="1"/>
+              <a:t>Deamon</a:t>
+            </a:r>
+            <a:r>
+              <a:rPr lang="en-US" dirty="0"/>
+              <a:t> Thread</a:t>
+            </a:r>
+          </a:p>
+        </p:txBody>
+      </p:sp>
+      <p:sp>
+        <p:nvSpPr>
+          <p:cNvPr id="3" name="Content Placeholder 2">
+            <a:extLst>
+              <a:ext uri="{FF2B5EF4-FFF2-40B4-BE49-F238E27FC236}">
+                <a16:creationId xmlns:a16="http://schemas.microsoft.com/office/drawing/2014/main" id="{53F3AC76-613B-459C-A49C-D762848D2553}"/>
+              </a:ext>
+            </a:extLst>
+          </p:cNvPr>
+          <p:cNvSpPr>
+            <a:spLocks noGrp="1"/>
+          </p:cNvSpPr>
+          <p:nvPr>
+            <p:ph idx="1"/>
+          </p:nvPr>
+        </p:nvSpPr>
+        <p:spPr/>
+        <p:txBody>
+          <a:bodyPr/>
+          <a:lstStyle/>
+          <a:p>
+            <a:r>
+              <a:rPr lang="en-US" dirty="0"/>
+              <a:t>Low Priority</a:t>
+            </a:r>
+          </a:p>
+          <a:p>
+            <a:r>
+              <a:rPr lang="en-US" dirty="0"/>
+              <a:t>Support/background </a:t>
+            </a:r>
+          </a:p>
+        </p:txBody>
+      </p:sp>
+    </p:spTree>
+    <p:extLst>
+      <p:ext uri="{BB962C8B-B14F-4D97-AF65-F5344CB8AC3E}">
+        <p14:creationId xmlns:p14="http://schemas.microsoft.com/office/powerpoint/2010/main" val="1785095343"/>
       </p:ext>
     </p:extLst>
   </p:cSld>

--- a/Java.pptx
+++ b/Java.pptx
@@ -65,6 +65,28 @@
     <p:sldId id="313" r:id="rId59"/>
     <p:sldId id="314" r:id="rId60"/>
     <p:sldId id="315" r:id="rId61"/>
+    <p:sldId id="316" r:id="rId62"/>
+    <p:sldId id="317" r:id="rId63"/>
+    <p:sldId id="318" r:id="rId64"/>
+    <p:sldId id="322" r:id="rId65"/>
+    <p:sldId id="319" r:id="rId66"/>
+    <p:sldId id="320" r:id="rId67"/>
+    <p:sldId id="321" r:id="rId68"/>
+    <p:sldId id="323" r:id="rId69"/>
+    <p:sldId id="328" r:id="rId70"/>
+    <p:sldId id="324" r:id="rId71"/>
+    <p:sldId id="325" r:id="rId72"/>
+    <p:sldId id="326" r:id="rId73"/>
+    <p:sldId id="327" r:id="rId74"/>
+    <p:sldId id="329" r:id="rId75"/>
+    <p:sldId id="330" r:id="rId76"/>
+    <p:sldId id="331" r:id="rId77"/>
+    <p:sldId id="332" r:id="rId78"/>
+    <p:sldId id="333" r:id="rId79"/>
+    <p:sldId id="335" r:id="rId80"/>
+    <p:sldId id="334" r:id="rId81"/>
+    <p:sldId id="336" r:id="rId82"/>
+    <p:sldId id="337" r:id="rId83"/>
   </p:sldIdLst>
   <p:sldSz cx="12192000" cy="6858000"/>
   <p:notesSz cx="6858000" cy="9144000"/>
@@ -318,7 +340,7 @@
           <a:p>
             <a:fld id="{2E3AA1CE-78D6-412F-9BAA-EA0C20B30A57}" type="datetimeFigureOut">
               <a:rPr lang="en-US" smtClean="0"/>
-              <a:t>7/16/2020</a:t>
+              <a:t>7/17/2020</a:t>
             </a:fld>
             <a:endParaRPr lang="en-US"/>
           </a:p>
@@ -516,7 +538,7 @@
           <a:p>
             <a:fld id="{2E3AA1CE-78D6-412F-9BAA-EA0C20B30A57}" type="datetimeFigureOut">
               <a:rPr lang="en-US" smtClean="0"/>
-              <a:t>7/16/2020</a:t>
+              <a:t>7/17/2020</a:t>
             </a:fld>
             <a:endParaRPr lang="en-US"/>
           </a:p>
@@ -724,7 +746,7 @@
           <a:p>
             <a:fld id="{2E3AA1CE-78D6-412F-9BAA-EA0C20B30A57}" type="datetimeFigureOut">
               <a:rPr lang="en-US" smtClean="0"/>
-              <a:t>7/16/2020</a:t>
+              <a:t>7/17/2020</a:t>
             </a:fld>
             <a:endParaRPr lang="en-US"/>
           </a:p>
@@ -922,7 +944,7 @@
           <a:p>
             <a:fld id="{2E3AA1CE-78D6-412F-9BAA-EA0C20B30A57}" type="datetimeFigureOut">
               <a:rPr lang="en-US" smtClean="0"/>
-              <a:t>7/16/2020</a:t>
+              <a:t>7/17/2020</a:t>
             </a:fld>
             <a:endParaRPr lang="en-US"/>
           </a:p>
@@ -1197,7 +1219,7 @@
           <a:p>
             <a:fld id="{2E3AA1CE-78D6-412F-9BAA-EA0C20B30A57}" type="datetimeFigureOut">
               <a:rPr lang="en-US" smtClean="0"/>
-              <a:t>7/16/2020</a:t>
+              <a:t>7/17/2020</a:t>
             </a:fld>
             <a:endParaRPr lang="en-US"/>
           </a:p>
@@ -1462,7 +1484,7 @@
           <a:p>
             <a:fld id="{2E3AA1CE-78D6-412F-9BAA-EA0C20B30A57}" type="datetimeFigureOut">
               <a:rPr lang="en-US" smtClean="0"/>
-              <a:t>7/16/2020</a:t>
+              <a:t>7/17/2020</a:t>
             </a:fld>
             <a:endParaRPr lang="en-US"/>
           </a:p>
@@ -1874,7 +1896,7 @@
           <a:p>
             <a:fld id="{2E3AA1CE-78D6-412F-9BAA-EA0C20B30A57}" type="datetimeFigureOut">
               <a:rPr lang="en-US" smtClean="0"/>
-              <a:t>7/16/2020</a:t>
+              <a:t>7/17/2020</a:t>
             </a:fld>
             <a:endParaRPr lang="en-US"/>
           </a:p>
@@ -2015,7 +2037,7 @@
           <a:p>
             <a:fld id="{2E3AA1CE-78D6-412F-9BAA-EA0C20B30A57}" type="datetimeFigureOut">
               <a:rPr lang="en-US" smtClean="0"/>
-              <a:t>7/16/2020</a:t>
+              <a:t>7/17/2020</a:t>
             </a:fld>
             <a:endParaRPr lang="en-US"/>
           </a:p>
@@ -2128,7 +2150,7 @@
           <a:p>
             <a:fld id="{2E3AA1CE-78D6-412F-9BAA-EA0C20B30A57}" type="datetimeFigureOut">
               <a:rPr lang="en-US" smtClean="0"/>
-              <a:t>7/16/2020</a:t>
+              <a:t>7/17/2020</a:t>
             </a:fld>
             <a:endParaRPr lang="en-US"/>
           </a:p>
@@ -2439,7 +2461,7 @@
           <a:p>
             <a:fld id="{2E3AA1CE-78D6-412F-9BAA-EA0C20B30A57}" type="datetimeFigureOut">
               <a:rPr lang="en-US" smtClean="0"/>
-              <a:t>7/16/2020</a:t>
+              <a:t>7/17/2020</a:t>
             </a:fld>
             <a:endParaRPr lang="en-US"/>
           </a:p>
@@ -2727,7 +2749,7 @@
           <a:p>
             <a:fld id="{2E3AA1CE-78D6-412F-9BAA-EA0C20B30A57}" type="datetimeFigureOut">
               <a:rPr lang="en-US" smtClean="0"/>
-              <a:t>7/16/2020</a:t>
+              <a:t>7/17/2020</a:t>
             </a:fld>
             <a:endParaRPr lang="en-US"/>
           </a:p>
@@ -2968,7 +2990,7 @@
           <a:p>
             <a:fld id="{2E3AA1CE-78D6-412F-9BAA-EA0C20B30A57}" type="datetimeFigureOut">
               <a:rPr lang="en-US" smtClean="0"/>
-              <a:t>7/16/2020</a:t>
+              <a:t>7/17/2020</a:t>
             </a:fld>
             <a:endParaRPr lang="en-US"/>
           </a:p>
@@ -22121,6 +22143,2465 @@
 </p:sld>
 </file>
 
+<file path=ppt/slides/slide61.xml><?xml version="1.0" encoding="utf-8"?>
+<p:sld xmlns:a="http://schemas.openxmlformats.org/drawingml/2006/main" xmlns:r="http://schemas.openxmlformats.org/officeDocument/2006/relationships" xmlns:p="http://schemas.openxmlformats.org/presentationml/2006/main">
+  <p:cSld>
+    <p:spTree>
+      <p:nvGrpSpPr>
+        <p:cNvPr id="1" name=""/>
+        <p:cNvGrpSpPr/>
+        <p:nvPr/>
+      </p:nvGrpSpPr>
+      <p:grpSpPr>
+        <a:xfrm>
+          <a:off x="0" y="0"/>
+          <a:ext cx="0" cy="0"/>
+          <a:chOff x="0" y="0"/>
+          <a:chExt cx="0" cy="0"/>
+        </a:xfrm>
+      </p:grpSpPr>
+      <p:sp>
+        <p:nvSpPr>
+          <p:cNvPr id="2" name="Title 1">
+            <a:extLst>
+              <a:ext uri="{FF2B5EF4-FFF2-40B4-BE49-F238E27FC236}">
+                <a16:creationId xmlns:a16="http://schemas.microsoft.com/office/drawing/2014/main" id="{1C9EFAEB-58E7-4194-9A82-2BBC6B364278}"/>
+              </a:ext>
+            </a:extLst>
+          </p:cNvPr>
+          <p:cNvSpPr>
+            <a:spLocks noGrp="1"/>
+          </p:cNvSpPr>
+          <p:nvPr>
+            <p:ph type="title"/>
+          </p:nvPr>
+        </p:nvSpPr>
+        <p:spPr/>
+        <p:txBody>
+          <a:bodyPr/>
+          <a:lstStyle/>
+          <a:p>
+            <a:r>
+              <a:rPr lang="en-US" dirty="0" err="1"/>
+              <a:t>MultiThreaded</a:t>
+            </a:r>
+            <a:r>
+              <a:rPr lang="en-US" dirty="0"/>
+              <a:t> Problem</a:t>
+            </a:r>
+          </a:p>
+        </p:txBody>
+      </p:sp>
+      <p:sp>
+        <p:nvSpPr>
+          <p:cNvPr id="3" name="Content Placeholder 2">
+            <a:extLst>
+              <a:ext uri="{FF2B5EF4-FFF2-40B4-BE49-F238E27FC236}">
+                <a16:creationId xmlns:a16="http://schemas.microsoft.com/office/drawing/2014/main" id="{5B101096-138B-4D15-B620-2FAA8D72DA4D}"/>
+              </a:ext>
+            </a:extLst>
+          </p:cNvPr>
+          <p:cNvSpPr>
+            <a:spLocks noGrp="1"/>
+          </p:cNvSpPr>
+          <p:nvPr>
+            <p:ph idx="1"/>
+          </p:nvPr>
+        </p:nvSpPr>
+        <p:spPr/>
+        <p:txBody>
+          <a:bodyPr/>
+          <a:lstStyle/>
+          <a:p>
+            <a:r>
+              <a:rPr lang="en-US" dirty="0"/>
+              <a:t>Thread interference</a:t>
+            </a:r>
+          </a:p>
+          <a:p>
+            <a:r>
+              <a:rPr lang="en-US" dirty="0"/>
+              <a:t>Data inconsistency</a:t>
+            </a:r>
+          </a:p>
+          <a:p>
+            <a:endParaRPr lang="en-US" dirty="0"/>
+          </a:p>
+          <a:p>
+            <a:r>
+              <a:rPr lang="en-US" dirty="0"/>
+              <a:t>Solution:</a:t>
+            </a:r>
+          </a:p>
+          <a:p>
+            <a:pPr lvl="1"/>
+            <a:r>
+              <a:rPr lang="en-US" dirty="0"/>
+              <a:t>Mutual Exclusive</a:t>
+            </a:r>
+          </a:p>
+          <a:p>
+            <a:pPr lvl="2"/>
+            <a:r>
+              <a:rPr lang="en-US" dirty="0"/>
+              <a:t>Synchronize Method </a:t>
+            </a:r>
+            <a:r>
+              <a:rPr lang="en-US" dirty="0">
+                <a:sym typeface="Wingdings" panose="05000000000000000000" pitchFamily="2" charset="2"/>
+              </a:rPr>
+              <a:t> Object Lock</a:t>
+            </a:r>
+            <a:endParaRPr lang="en-US" dirty="0"/>
+          </a:p>
+          <a:p>
+            <a:pPr lvl="2"/>
+            <a:r>
+              <a:rPr lang="en-US" dirty="0">
+                <a:highlight>
+                  <a:srgbClr val="FFFF00"/>
+                </a:highlight>
+              </a:rPr>
+              <a:t>Synchronize Block </a:t>
+            </a:r>
+            <a:r>
+              <a:rPr lang="en-US" dirty="0">
+                <a:highlight>
+                  <a:srgbClr val="FFFF00"/>
+                </a:highlight>
+                <a:sym typeface="Wingdings" panose="05000000000000000000" pitchFamily="2" charset="2"/>
+              </a:rPr>
+              <a:t> object Lock</a:t>
+            </a:r>
+            <a:endParaRPr lang="en-US" dirty="0">
+              <a:highlight>
+                <a:srgbClr val="FFFF00"/>
+              </a:highlight>
+            </a:endParaRPr>
+          </a:p>
+          <a:p>
+            <a:pPr lvl="2"/>
+            <a:r>
+              <a:rPr lang="en-US" dirty="0">
+                <a:highlight>
+                  <a:srgbClr val="FFFF00"/>
+                </a:highlight>
+              </a:rPr>
+              <a:t>Synchronize Static Methods </a:t>
+            </a:r>
+            <a:r>
+              <a:rPr lang="en-US" dirty="0">
+                <a:highlight>
+                  <a:srgbClr val="FFFF00"/>
+                </a:highlight>
+                <a:sym typeface="Wingdings" panose="05000000000000000000" pitchFamily="2" charset="2"/>
+              </a:rPr>
+              <a:t> Class Level Lock</a:t>
+            </a:r>
+            <a:endParaRPr lang="en-US" dirty="0">
+              <a:highlight>
+                <a:srgbClr val="FFFF00"/>
+              </a:highlight>
+            </a:endParaRPr>
+          </a:p>
+          <a:p>
+            <a:pPr lvl="1"/>
+            <a:r>
+              <a:rPr lang="en-US" dirty="0"/>
+              <a:t>Inter Thread communication</a:t>
+            </a:r>
+          </a:p>
+          <a:p>
+            <a:pPr lvl="2"/>
+            <a:r>
+              <a:rPr lang="en-US" dirty="0"/>
+              <a:t>Wait(), notify(), </a:t>
+            </a:r>
+            <a:r>
+              <a:rPr lang="en-US" dirty="0" err="1"/>
+              <a:t>notifyAll</a:t>
+            </a:r>
+            <a:r>
+              <a:rPr lang="en-US" dirty="0"/>
+              <a:t>() </a:t>
+            </a:r>
+            <a:r>
+              <a:rPr lang="en-US" dirty="0">
+                <a:sym typeface="Wingdings" panose="05000000000000000000" pitchFamily="2" charset="2"/>
+              </a:rPr>
+              <a:t> object Class</a:t>
+            </a:r>
+            <a:endParaRPr lang="en-US" dirty="0"/>
+          </a:p>
+        </p:txBody>
+      </p:sp>
+    </p:spTree>
+    <p:extLst>
+      <p:ext uri="{BB962C8B-B14F-4D97-AF65-F5344CB8AC3E}">
+        <p14:creationId xmlns:p14="http://schemas.microsoft.com/office/powerpoint/2010/main" val="2464240364"/>
+      </p:ext>
+    </p:extLst>
+  </p:cSld>
+  <p:clrMapOvr>
+    <a:masterClrMapping/>
+  </p:clrMapOvr>
+</p:sld>
+</file>
+
+<file path=ppt/slides/slide62.xml><?xml version="1.0" encoding="utf-8"?>
+<p:sld xmlns:a="http://schemas.openxmlformats.org/drawingml/2006/main" xmlns:r="http://schemas.openxmlformats.org/officeDocument/2006/relationships" xmlns:p="http://schemas.openxmlformats.org/presentationml/2006/main">
+  <p:cSld>
+    <p:spTree>
+      <p:nvGrpSpPr>
+        <p:cNvPr id="1" name=""/>
+        <p:cNvGrpSpPr/>
+        <p:nvPr/>
+      </p:nvGrpSpPr>
+      <p:grpSpPr>
+        <a:xfrm>
+          <a:off x="0" y="0"/>
+          <a:ext cx="0" cy="0"/>
+          <a:chOff x="0" y="0"/>
+          <a:chExt cx="0" cy="0"/>
+        </a:xfrm>
+      </p:grpSpPr>
+      <p:sp>
+        <p:nvSpPr>
+          <p:cNvPr id="2" name="Title 1">
+            <a:extLst>
+              <a:ext uri="{FF2B5EF4-FFF2-40B4-BE49-F238E27FC236}">
+                <a16:creationId xmlns:a16="http://schemas.microsoft.com/office/drawing/2014/main" id="{7CBC7AA7-C16F-4B2C-AC84-D58CA2453165}"/>
+              </a:ext>
+            </a:extLst>
+          </p:cNvPr>
+          <p:cNvSpPr>
+            <a:spLocks noGrp="1"/>
+          </p:cNvSpPr>
+          <p:nvPr>
+            <p:ph type="title"/>
+          </p:nvPr>
+        </p:nvSpPr>
+        <p:spPr/>
+        <p:txBody>
+          <a:bodyPr/>
+          <a:lstStyle/>
+          <a:p>
+            <a:r>
+              <a:rPr lang="en-US" dirty="0"/>
+              <a:t>Mutual Exclusive</a:t>
+            </a:r>
+          </a:p>
+        </p:txBody>
+      </p:sp>
+      <p:sp>
+        <p:nvSpPr>
+          <p:cNvPr id="3" name="Content Placeholder 2">
+            <a:extLst>
+              <a:ext uri="{FF2B5EF4-FFF2-40B4-BE49-F238E27FC236}">
+                <a16:creationId xmlns:a16="http://schemas.microsoft.com/office/drawing/2014/main" id="{66DADBD7-0439-49F6-97EF-24BE7DCF0BC5}"/>
+              </a:ext>
+            </a:extLst>
+          </p:cNvPr>
+          <p:cNvSpPr>
+            <a:spLocks noGrp="1"/>
+          </p:cNvSpPr>
+          <p:nvPr>
+            <p:ph idx="1"/>
+          </p:nvPr>
+        </p:nvSpPr>
+        <p:spPr/>
+        <p:txBody>
+          <a:bodyPr/>
+          <a:lstStyle/>
+          <a:p>
+            <a:r>
+              <a:rPr lang="en-US" dirty="0">
+                <a:highlight>
+                  <a:srgbClr val="FFFF00"/>
+                </a:highlight>
+              </a:rPr>
+              <a:t>Synch</a:t>
+            </a:r>
+            <a:r>
+              <a:rPr lang="en-US" dirty="0"/>
+              <a:t> Methods</a:t>
+            </a:r>
+          </a:p>
+          <a:p>
+            <a:pPr marL="0" indent="0">
+              <a:buNone/>
+            </a:pPr>
+            <a:r>
+              <a:rPr lang="en-US" dirty="0"/>
+              <a:t>class </a:t>
+            </a:r>
+            <a:r>
+              <a:rPr lang="en-US" dirty="0" err="1"/>
+              <a:t>MyClass</a:t>
+            </a:r>
+            <a:r>
+              <a:rPr lang="en-US" dirty="0"/>
+              <a:t>{</a:t>
+            </a:r>
+          </a:p>
+          <a:p>
+            <a:pPr marL="457200" lvl="1" indent="0">
+              <a:buNone/>
+            </a:pPr>
+            <a:r>
+              <a:rPr lang="en-US" dirty="0"/>
+              <a:t>synchronized public void </a:t>
+            </a:r>
+            <a:r>
+              <a:rPr lang="en-US" dirty="0" err="1"/>
+              <a:t>writeInfo</a:t>
+            </a:r>
+            <a:r>
+              <a:rPr lang="en-US" dirty="0"/>
+              <a:t>(){</a:t>
+            </a:r>
+          </a:p>
+          <a:p>
+            <a:pPr marL="457200" lvl="1" indent="0">
+              <a:buNone/>
+            </a:pPr>
+            <a:endParaRPr lang="en-US" dirty="0"/>
+          </a:p>
+          <a:p>
+            <a:pPr marL="457200" lvl="1" indent="0">
+              <a:buNone/>
+            </a:pPr>
+            <a:r>
+              <a:rPr lang="en-US" dirty="0"/>
+              <a:t>}</a:t>
+            </a:r>
+          </a:p>
+          <a:p>
+            <a:pPr marL="0" indent="0">
+              <a:buNone/>
+            </a:pPr>
+            <a:r>
+              <a:rPr lang="en-US" dirty="0"/>
+              <a:t>}</a:t>
+            </a:r>
+          </a:p>
+          <a:p>
+            <a:pPr marL="0" indent="0">
+              <a:buNone/>
+            </a:pPr>
+            <a:endParaRPr lang="en-US" dirty="0"/>
+          </a:p>
+          <a:p>
+            <a:pPr marL="0" indent="0">
+              <a:buNone/>
+            </a:pPr>
+            <a:r>
+              <a:rPr lang="en-US" dirty="0" err="1"/>
+              <a:t>MyClass</a:t>
+            </a:r>
+            <a:r>
+              <a:rPr lang="en-US" dirty="0"/>
+              <a:t> </a:t>
+            </a:r>
+            <a:r>
+              <a:rPr lang="en-US" dirty="0">
+                <a:highlight>
+                  <a:srgbClr val="FFFF00"/>
+                </a:highlight>
+              </a:rPr>
+              <a:t>obj</a:t>
+            </a:r>
+            <a:r>
+              <a:rPr lang="en-US" dirty="0"/>
+              <a:t>=new </a:t>
+            </a:r>
+            <a:r>
+              <a:rPr lang="en-US" dirty="0" err="1"/>
+              <a:t>MyClass</a:t>
+            </a:r>
+            <a:r>
+              <a:rPr lang="en-US" dirty="0"/>
+              <a:t>();</a:t>
+            </a:r>
+          </a:p>
+          <a:p>
+            <a:pPr marL="0" indent="0">
+              <a:buNone/>
+            </a:pPr>
+            <a:r>
+              <a:rPr lang="en-US" dirty="0" err="1"/>
+              <a:t>Obj.writeinfo</a:t>
+            </a:r>
+            <a:r>
+              <a:rPr lang="en-US" dirty="0"/>
+              <a:t>();</a:t>
+            </a:r>
+          </a:p>
+          <a:p>
+            <a:pPr marL="0" indent="0">
+              <a:buNone/>
+            </a:pPr>
+            <a:endParaRPr lang="en-US" dirty="0"/>
+          </a:p>
+        </p:txBody>
+      </p:sp>
+    </p:spTree>
+    <p:extLst>
+      <p:ext uri="{BB962C8B-B14F-4D97-AF65-F5344CB8AC3E}">
+        <p14:creationId xmlns:p14="http://schemas.microsoft.com/office/powerpoint/2010/main" val="714203272"/>
+      </p:ext>
+    </p:extLst>
+  </p:cSld>
+  <p:clrMapOvr>
+    <a:masterClrMapping/>
+  </p:clrMapOvr>
+</p:sld>
+</file>
+
+<file path=ppt/slides/slide63.xml><?xml version="1.0" encoding="utf-8"?>
+<p:sld xmlns:a="http://schemas.openxmlformats.org/drawingml/2006/main" xmlns:r="http://schemas.openxmlformats.org/officeDocument/2006/relationships" xmlns:p="http://schemas.openxmlformats.org/presentationml/2006/main">
+  <p:cSld>
+    <p:spTree>
+      <p:nvGrpSpPr>
+        <p:cNvPr id="1" name=""/>
+        <p:cNvGrpSpPr/>
+        <p:nvPr/>
+      </p:nvGrpSpPr>
+      <p:grpSpPr>
+        <a:xfrm>
+          <a:off x="0" y="0"/>
+          <a:ext cx="0" cy="0"/>
+          <a:chOff x="0" y="0"/>
+          <a:chExt cx="0" cy="0"/>
+        </a:xfrm>
+      </p:grpSpPr>
+      <p:sp>
+        <p:nvSpPr>
+          <p:cNvPr id="18" name="Rectangle 17">
+            <a:extLst>
+              <a:ext uri="{FF2B5EF4-FFF2-40B4-BE49-F238E27FC236}">
+                <a16:creationId xmlns:a16="http://schemas.microsoft.com/office/drawing/2014/main" id="{69457AC7-8C23-408E-B9B4-EBB870E04DB0}"/>
+              </a:ext>
+            </a:extLst>
+          </p:cNvPr>
+          <p:cNvSpPr/>
+          <p:nvPr/>
+        </p:nvSpPr>
+        <p:spPr>
+          <a:xfrm>
+            <a:off x="6734711" y="2107184"/>
+            <a:ext cx="3842534" cy="4107701"/>
+          </a:xfrm>
+          <a:prstGeom prst="rect">
+            <a:avLst/>
+          </a:prstGeom>
+          <a:solidFill>
+            <a:schemeClr val="accent6">
+              <a:lumMod val="20000"/>
+              <a:lumOff val="80000"/>
+            </a:schemeClr>
+          </a:solidFill>
+        </p:spPr>
+        <p:style>
+          <a:lnRef idx="2">
+            <a:schemeClr val="accent1">
+              <a:shade val="50000"/>
+            </a:schemeClr>
+          </a:lnRef>
+          <a:fillRef idx="1">
+            <a:schemeClr val="accent1"/>
+          </a:fillRef>
+          <a:effectRef idx="0">
+            <a:schemeClr val="accent1"/>
+          </a:effectRef>
+          <a:fontRef idx="minor">
+            <a:schemeClr val="lt1"/>
+          </a:fontRef>
+        </p:style>
+        <p:txBody>
+          <a:bodyPr rtlCol="0" anchor="ctr"/>
+          <a:lstStyle/>
+          <a:p>
+            <a:pPr algn="ctr"/>
+            <a:endParaRPr lang="en-US" dirty="0"/>
+          </a:p>
+        </p:txBody>
+      </p:sp>
+      <p:sp>
+        <p:nvSpPr>
+          <p:cNvPr id="16" name="Rectangle 15">
+            <a:extLst>
+              <a:ext uri="{FF2B5EF4-FFF2-40B4-BE49-F238E27FC236}">
+                <a16:creationId xmlns:a16="http://schemas.microsoft.com/office/drawing/2014/main" id="{39BE9B47-A475-47CA-B5F1-637648476BE9}"/>
+              </a:ext>
+            </a:extLst>
+          </p:cNvPr>
+          <p:cNvSpPr/>
+          <p:nvPr/>
+        </p:nvSpPr>
+        <p:spPr>
+          <a:xfrm>
+            <a:off x="2332234" y="2434975"/>
+            <a:ext cx="3842534" cy="4107701"/>
+          </a:xfrm>
+          <a:prstGeom prst="rect">
+            <a:avLst/>
+          </a:prstGeom>
+          <a:solidFill>
+            <a:schemeClr val="accent6">
+              <a:lumMod val="20000"/>
+              <a:lumOff val="80000"/>
+            </a:schemeClr>
+          </a:solidFill>
+        </p:spPr>
+        <p:style>
+          <a:lnRef idx="2">
+            <a:schemeClr val="accent1">
+              <a:shade val="50000"/>
+            </a:schemeClr>
+          </a:lnRef>
+          <a:fillRef idx="1">
+            <a:schemeClr val="accent1"/>
+          </a:fillRef>
+          <a:effectRef idx="0">
+            <a:schemeClr val="accent1"/>
+          </a:effectRef>
+          <a:fontRef idx="minor">
+            <a:schemeClr val="lt1"/>
+          </a:fontRef>
+        </p:style>
+        <p:txBody>
+          <a:bodyPr rtlCol="0" anchor="ctr"/>
+          <a:lstStyle/>
+          <a:p>
+            <a:pPr algn="ctr"/>
+            <a:endParaRPr lang="en-US" dirty="0"/>
+          </a:p>
+        </p:txBody>
+      </p:sp>
+      <p:sp>
+        <p:nvSpPr>
+          <p:cNvPr id="3" name="Content Placeholder 2">
+            <a:extLst>
+              <a:ext uri="{FF2B5EF4-FFF2-40B4-BE49-F238E27FC236}">
+                <a16:creationId xmlns:a16="http://schemas.microsoft.com/office/drawing/2014/main" id="{21E5A038-B755-413C-9358-6D8125B81729}"/>
+              </a:ext>
+            </a:extLst>
+          </p:cNvPr>
+          <p:cNvSpPr>
+            <a:spLocks noGrp="1"/>
+          </p:cNvSpPr>
+          <p:nvPr>
+            <p:ph idx="1"/>
+          </p:nvPr>
+        </p:nvSpPr>
+        <p:spPr>
+          <a:xfrm>
+            <a:off x="334767" y="315324"/>
+            <a:ext cx="6754402" cy="1605943"/>
+          </a:xfrm>
+        </p:spPr>
+        <p:txBody>
+          <a:bodyPr>
+            <a:normAutofit fontScale="92500" lnSpcReduction="20000"/>
+          </a:bodyPr>
+          <a:lstStyle/>
+          <a:p>
+            <a:r>
+              <a:rPr lang="en-US" dirty="0"/>
+              <a:t>Account </a:t>
+            </a:r>
+            <a:r>
+              <a:rPr lang="en-US" dirty="0">
+                <a:sym typeface="Wingdings" panose="05000000000000000000" pitchFamily="2" charset="2"/>
+              </a:rPr>
+              <a:t> balance  3000</a:t>
+            </a:r>
+            <a:endParaRPr lang="en-US" dirty="0"/>
+          </a:p>
+          <a:p>
+            <a:pPr lvl="1"/>
+            <a:r>
+              <a:rPr lang="en-US" dirty="0"/>
+              <a:t>Syn Withdrawal </a:t>
+            </a:r>
+            <a:r>
+              <a:rPr lang="en-US" dirty="0">
+                <a:sym typeface="Wingdings" panose="05000000000000000000" pitchFamily="2" charset="2"/>
+              </a:rPr>
+              <a:t> t1</a:t>
+            </a:r>
+          </a:p>
+          <a:p>
+            <a:pPr lvl="1"/>
+            <a:r>
+              <a:rPr lang="en-US" dirty="0"/>
+              <a:t>Syn Withdrawal </a:t>
+            </a:r>
+            <a:r>
+              <a:rPr lang="en-US" dirty="0">
+                <a:sym typeface="Wingdings" panose="05000000000000000000" pitchFamily="2" charset="2"/>
+              </a:rPr>
+              <a:t> t3  5000</a:t>
+            </a:r>
+            <a:endParaRPr lang="en-US" dirty="0"/>
+          </a:p>
+          <a:p>
+            <a:pPr lvl="1"/>
+            <a:r>
+              <a:rPr lang="en-US" dirty="0"/>
+              <a:t>Syn Deposit </a:t>
+            </a:r>
+            <a:r>
+              <a:rPr lang="en-US" dirty="0">
+                <a:sym typeface="Wingdings" panose="05000000000000000000" pitchFamily="2" charset="2"/>
+              </a:rPr>
+              <a:t> t2</a:t>
+            </a:r>
+          </a:p>
+          <a:p>
+            <a:pPr lvl="1"/>
+            <a:r>
+              <a:rPr lang="en-US" dirty="0"/>
+              <a:t>Syn Deposit </a:t>
+            </a:r>
+            <a:r>
+              <a:rPr lang="en-US" dirty="0">
+                <a:sym typeface="Wingdings" panose="05000000000000000000" pitchFamily="2" charset="2"/>
+              </a:rPr>
+              <a:t> t4  2000</a:t>
+            </a:r>
+            <a:endParaRPr lang="en-US" dirty="0"/>
+          </a:p>
+          <a:p>
+            <a:pPr lvl="1"/>
+            <a:endParaRPr lang="en-US" dirty="0"/>
+          </a:p>
+          <a:p>
+            <a:pPr lvl="1"/>
+            <a:endParaRPr lang="en-US" dirty="0"/>
+          </a:p>
+        </p:txBody>
+      </p:sp>
+      <p:sp>
+        <p:nvSpPr>
+          <p:cNvPr id="4" name="Oval 3">
+            <a:extLst>
+              <a:ext uri="{FF2B5EF4-FFF2-40B4-BE49-F238E27FC236}">
+                <a16:creationId xmlns:a16="http://schemas.microsoft.com/office/drawing/2014/main" id="{16D10CB5-AAB4-4136-B8B2-FB261FA9E41E}"/>
+              </a:ext>
+            </a:extLst>
+          </p:cNvPr>
+          <p:cNvSpPr/>
+          <p:nvPr/>
+        </p:nvSpPr>
+        <p:spPr>
+          <a:xfrm>
+            <a:off x="3462391" y="2897312"/>
+            <a:ext cx="1818526" cy="1541124"/>
+          </a:xfrm>
+          <a:prstGeom prst="ellipse">
+            <a:avLst/>
+          </a:prstGeom>
+          <a:solidFill>
+            <a:schemeClr val="accent2"/>
+          </a:solidFill>
+        </p:spPr>
+        <p:style>
+          <a:lnRef idx="2">
+            <a:schemeClr val="accent1">
+              <a:shade val="50000"/>
+            </a:schemeClr>
+          </a:lnRef>
+          <a:fillRef idx="1">
+            <a:schemeClr val="accent1"/>
+          </a:fillRef>
+          <a:effectRef idx="0">
+            <a:schemeClr val="accent1"/>
+          </a:effectRef>
+          <a:fontRef idx="minor">
+            <a:schemeClr val="lt1"/>
+          </a:fontRef>
+        </p:style>
+        <p:txBody>
+          <a:bodyPr rtlCol="0" anchor="ctr"/>
+          <a:lstStyle/>
+          <a:p>
+            <a:pPr algn="ctr"/>
+            <a:r>
+              <a:rPr lang="en-US" dirty="0"/>
+              <a:t>Account</a:t>
+            </a:r>
+          </a:p>
+          <a:p>
+            <a:pPr algn="ctr"/>
+            <a:r>
+              <a:rPr lang="en-US" dirty="0"/>
+              <a:t>6000</a:t>
+            </a:r>
+          </a:p>
+        </p:txBody>
+      </p:sp>
+      <p:sp>
+        <p:nvSpPr>
+          <p:cNvPr id="5" name="Rectangle 4">
+            <a:extLst>
+              <a:ext uri="{FF2B5EF4-FFF2-40B4-BE49-F238E27FC236}">
+                <a16:creationId xmlns:a16="http://schemas.microsoft.com/office/drawing/2014/main" id="{5D020E23-E801-4D9C-BCB7-F54DFDBC564B}"/>
+              </a:ext>
+            </a:extLst>
+          </p:cNvPr>
+          <p:cNvSpPr/>
+          <p:nvPr/>
+        </p:nvSpPr>
+        <p:spPr>
+          <a:xfrm>
+            <a:off x="821933" y="5003515"/>
+            <a:ext cx="1294543" cy="821932"/>
+          </a:xfrm>
+          <a:prstGeom prst="rect">
+            <a:avLst/>
+          </a:prstGeom>
+        </p:spPr>
+        <p:style>
+          <a:lnRef idx="2">
+            <a:schemeClr val="accent1">
+              <a:shade val="50000"/>
+            </a:schemeClr>
+          </a:lnRef>
+          <a:fillRef idx="1">
+            <a:schemeClr val="accent1"/>
+          </a:fillRef>
+          <a:effectRef idx="0">
+            <a:schemeClr val="accent1"/>
+          </a:effectRef>
+          <a:fontRef idx="minor">
+            <a:schemeClr val="lt1"/>
+          </a:fontRef>
+        </p:style>
+        <p:txBody>
+          <a:bodyPr rtlCol="0" anchor="ctr"/>
+          <a:lstStyle/>
+          <a:p>
+            <a:pPr algn="ctr"/>
+            <a:r>
+              <a:rPr lang="en-US" dirty="0"/>
+              <a:t>t1</a:t>
+            </a:r>
+          </a:p>
+          <a:p>
+            <a:pPr algn="ctr"/>
+            <a:r>
+              <a:rPr lang="en-US" dirty="0"/>
+              <a:t>(1000)</a:t>
+            </a:r>
+          </a:p>
+          <a:p>
+            <a:pPr algn="ctr"/>
+            <a:endParaRPr lang="en-US" dirty="0"/>
+          </a:p>
+        </p:txBody>
+      </p:sp>
+      <p:cxnSp>
+        <p:nvCxnSpPr>
+          <p:cNvPr id="7" name="Straight Arrow Connector 6">
+            <a:extLst>
+              <a:ext uri="{FF2B5EF4-FFF2-40B4-BE49-F238E27FC236}">
+                <a16:creationId xmlns:a16="http://schemas.microsoft.com/office/drawing/2014/main" id="{C17FEB67-1EBF-4B55-8956-E4F8B5412691}"/>
+              </a:ext>
+            </a:extLst>
+          </p:cNvPr>
+          <p:cNvCxnSpPr>
+            <a:cxnSpLocks/>
+            <a:stCxn id="5" idx="0"/>
+          </p:cNvCxnSpPr>
+          <p:nvPr/>
+        </p:nvCxnSpPr>
+        <p:spPr>
+          <a:xfrm flipV="1">
+            <a:off x="1469205" y="3729519"/>
+            <a:ext cx="236305" cy="1273996"/>
+          </a:xfrm>
+          <a:prstGeom prst="straightConnector1">
+            <a:avLst/>
+          </a:prstGeom>
+          <a:ln>
+            <a:tailEnd type="triangle"/>
+          </a:ln>
+        </p:spPr>
+        <p:style>
+          <a:lnRef idx="1">
+            <a:schemeClr val="accent1"/>
+          </a:lnRef>
+          <a:fillRef idx="0">
+            <a:schemeClr val="accent1"/>
+          </a:fillRef>
+          <a:effectRef idx="0">
+            <a:schemeClr val="accent1"/>
+          </a:effectRef>
+          <a:fontRef idx="minor">
+            <a:schemeClr val="tx1"/>
+          </a:fontRef>
+        </p:style>
+      </p:cxnSp>
+      <p:sp>
+        <p:nvSpPr>
+          <p:cNvPr id="9" name="Rectangle 8">
+            <a:extLst>
+              <a:ext uri="{FF2B5EF4-FFF2-40B4-BE49-F238E27FC236}">
+                <a16:creationId xmlns:a16="http://schemas.microsoft.com/office/drawing/2014/main" id="{C65E019C-B9F7-4817-8102-A9451FEACC60}"/>
+              </a:ext>
+            </a:extLst>
+          </p:cNvPr>
+          <p:cNvSpPr/>
+          <p:nvPr/>
+        </p:nvSpPr>
+        <p:spPr>
+          <a:xfrm>
+            <a:off x="210621" y="3708972"/>
+            <a:ext cx="1294543" cy="821932"/>
+          </a:xfrm>
+          <a:prstGeom prst="rect">
+            <a:avLst/>
+          </a:prstGeom>
+        </p:spPr>
+        <p:style>
+          <a:lnRef idx="2">
+            <a:schemeClr val="accent1">
+              <a:shade val="50000"/>
+            </a:schemeClr>
+          </a:lnRef>
+          <a:fillRef idx="1">
+            <a:schemeClr val="accent1"/>
+          </a:fillRef>
+          <a:effectRef idx="0">
+            <a:schemeClr val="accent1"/>
+          </a:effectRef>
+          <a:fontRef idx="minor">
+            <a:schemeClr val="lt1"/>
+          </a:fontRef>
+        </p:style>
+        <p:txBody>
+          <a:bodyPr rtlCol="0" anchor="ctr"/>
+          <a:lstStyle/>
+          <a:p>
+            <a:pPr algn="ctr"/>
+            <a:r>
+              <a:rPr lang="en-US" dirty="0"/>
+              <a:t>t2</a:t>
+            </a:r>
+          </a:p>
+          <a:p>
+            <a:pPr algn="ctr"/>
+            <a:r>
+              <a:rPr lang="en-US" dirty="0"/>
+              <a:t>(2000)</a:t>
+            </a:r>
+          </a:p>
+          <a:p>
+            <a:pPr algn="ctr"/>
+            <a:endParaRPr lang="en-US" dirty="0"/>
+          </a:p>
+        </p:txBody>
+      </p:sp>
+      <p:cxnSp>
+        <p:nvCxnSpPr>
+          <p:cNvPr id="11" name="Straight Arrow Connector 10">
+            <a:extLst>
+              <a:ext uri="{FF2B5EF4-FFF2-40B4-BE49-F238E27FC236}">
+                <a16:creationId xmlns:a16="http://schemas.microsoft.com/office/drawing/2014/main" id="{8971C97D-251C-4B9D-AB23-1413EB352545}"/>
+              </a:ext>
+            </a:extLst>
+          </p:cNvPr>
+          <p:cNvCxnSpPr>
+            <a:cxnSpLocks/>
+          </p:cNvCxnSpPr>
+          <p:nvPr/>
+        </p:nvCxnSpPr>
+        <p:spPr>
+          <a:xfrm flipV="1">
+            <a:off x="821932" y="2969231"/>
+            <a:ext cx="0" cy="1150707"/>
+          </a:xfrm>
+          <a:prstGeom prst="straightConnector1">
+            <a:avLst/>
+          </a:prstGeom>
+          <a:ln>
+            <a:tailEnd type="triangle"/>
+          </a:ln>
+        </p:spPr>
+        <p:style>
+          <a:lnRef idx="1">
+            <a:schemeClr val="accent1"/>
+          </a:lnRef>
+          <a:fillRef idx="0">
+            <a:schemeClr val="accent1"/>
+          </a:fillRef>
+          <a:effectRef idx="0">
+            <a:schemeClr val="accent1"/>
+          </a:effectRef>
+          <a:fontRef idx="minor">
+            <a:schemeClr val="tx1"/>
+          </a:fontRef>
+        </p:style>
+      </p:cxnSp>
+      <p:grpSp>
+        <p:nvGrpSpPr>
+          <p:cNvPr id="20" name="Group 19">
+            <a:extLst>
+              <a:ext uri="{FF2B5EF4-FFF2-40B4-BE49-F238E27FC236}">
+                <a16:creationId xmlns:a16="http://schemas.microsoft.com/office/drawing/2014/main" id="{57CE46C9-D964-4D77-996A-A468294ECF6F}"/>
+              </a:ext>
+            </a:extLst>
+          </p:cNvPr>
+          <p:cNvGrpSpPr/>
+          <p:nvPr/>
+        </p:nvGrpSpPr>
+        <p:grpSpPr>
+          <a:xfrm>
+            <a:off x="8264212" y="3094235"/>
+            <a:ext cx="1294543" cy="1477766"/>
+            <a:chOff x="8264212" y="3094235"/>
+            <a:chExt cx="1294543" cy="1477766"/>
+          </a:xfrm>
+        </p:grpSpPr>
+        <p:sp>
+          <p:nvSpPr>
+            <p:cNvPr id="13" name="Rectangle 12">
+              <a:extLst>
+                <a:ext uri="{FF2B5EF4-FFF2-40B4-BE49-F238E27FC236}">
+                  <a16:creationId xmlns:a16="http://schemas.microsoft.com/office/drawing/2014/main" id="{463AFD20-20F0-4DDD-B803-DD9B0383DB58}"/>
+                </a:ext>
+              </a:extLst>
+            </p:cNvPr>
+            <p:cNvSpPr/>
+            <p:nvPr/>
+          </p:nvSpPr>
+          <p:spPr>
+            <a:xfrm>
+              <a:off x="8264212" y="3750069"/>
+              <a:ext cx="1294543" cy="821932"/>
+            </a:xfrm>
+            <a:prstGeom prst="rect">
+              <a:avLst/>
+            </a:prstGeom>
+          </p:spPr>
+          <p:style>
+            <a:lnRef idx="2">
+              <a:schemeClr val="accent1">
+                <a:shade val="50000"/>
+              </a:schemeClr>
+            </a:lnRef>
+            <a:fillRef idx="1">
+              <a:schemeClr val="accent1"/>
+            </a:fillRef>
+            <a:effectRef idx="0">
+              <a:schemeClr val="accent1"/>
+            </a:effectRef>
+            <a:fontRef idx="minor">
+              <a:schemeClr val="lt1"/>
+            </a:fontRef>
+          </p:style>
+          <p:txBody>
+            <a:bodyPr rtlCol="0" anchor="ctr"/>
+            <a:lstStyle/>
+            <a:p>
+              <a:pPr algn="ctr"/>
+              <a:r>
+                <a:rPr lang="en-US" dirty="0"/>
+                <a:t>t3</a:t>
+              </a:r>
+            </a:p>
+            <a:p>
+              <a:pPr algn="ctr"/>
+              <a:r>
+                <a:rPr lang="en-US" dirty="0"/>
+                <a:t>(5000) wait</a:t>
+              </a:r>
+            </a:p>
+            <a:p>
+              <a:pPr algn="ctr"/>
+              <a:endParaRPr lang="en-US" dirty="0"/>
+            </a:p>
+          </p:txBody>
+        </p:sp>
+        <p:cxnSp>
+          <p:nvCxnSpPr>
+            <p:cNvPr id="15" name="Straight Arrow Connector 14">
+              <a:extLst>
+                <a:ext uri="{FF2B5EF4-FFF2-40B4-BE49-F238E27FC236}">
+                  <a16:creationId xmlns:a16="http://schemas.microsoft.com/office/drawing/2014/main" id="{ED27D4D3-E70E-4ED3-A4BB-563934A8925F}"/>
+                </a:ext>
+              </a:extLst>
+            </p:cNvPr>
+            <p:cNvCxnSpPr>
+              <a:cxnSpLocks/>
+              <a:stCxn id="13" idx="0"/>
+            </p:cNvCxnSpPr>
+            <p:nvPr/>
+          </p:nvCxnSpPr>
+          <p:spPr>
+            <a:xfrm flipH="1" flipV="1">
+              <a:off x="8808742" y="3094235"/>
+              <a:ext cx="102742" cy="655834"/>
+            </a:xfrm>
+            <a:prstGeom prst="straightConnector1">
+              <a:avLst/>
+            </a:prstGeom>
+            <a:ln>
+              <a:tailEnd type="triangle"/>
+            </a:ln>
+          </p:spPr>
+          <p:style>
+            <a:lnRef idx="1">
+              <a:schemeClr val="accent1"/>
+            </a:lnRef>
+            <a:fillRef idx="0">
+              <a:schemeClr val="accent1"/>
+            </a:fillRef>
+            <a:effectRef idx="0">
+              <a:schemeClr val="accent1"/>
+            </a:effectRef>
+            <a:fontRef idx="minor">
+              <a:schemeClr val="tx1"/>
+            </a:fontRef>
+          </p:style>
+        </p:cxnSp>
+      </p:grpSp>
+      <p:sp>
+        <p:nvSpPr>
+          <p:cNvPr id="17" name="TextBox 16">
+            <a:extLst>
+              <a:ext uri="{FF2B5EF4-FFF2-40B4-BE49-F238E27FC236}">
+                <a16:creationId xmlns:a16="http://schemas.microsoft.com/office/drawing/2014/main" id="{562DD6F3-01A6-4F1F-A0E4-D642770342B9}"/>
+              </a:ext>
+            </a:extLst>
+          </p:cNvPr>
+          <p:cNvSpPr txBox="1"/>
+          <p:nvPr/>
+        </p:nvSpPr>
+        <p:spPr>
+          <a:xfrm>
+            <a:off x="7516358" y="2628472"/>
+            <a:ext cx="1395126" cy="369332"/>
+          </a:xfrm>
+          <a:prstGeom prst="rect">
+            <a:avLst/>
+          </a:prstGeom>
+          <a:noFill/>
+        </p:spPr>
+        <p:txBody>
+          <a:bodyPr wrap="none" rtlCol="0">
+            <a:spAutoFit/>
+          </a:bodyPr>
+          <a:lstStyle/>
+          <a:p>
+            <a:r>
+              <a:rPr lang="en-US" dirty="0"/>
+              <a:t>Waiting Area</a:t>
+            </a:r>
+          </a:p>
+        </p:txBody>
+      </p:sp>
+      <p:sp>
+        <p:nvSpPr>
+          <p:cNvPr id="19" name="TextBox 18">
+            <a:extLst>
+              <a:ext uri="{FF2B5EF4-FFF2-40B4-BE49-F238E27FC236}">
+                <a16:creationId xmlns:a16="http://schemas.microsoft.com/office/drawing/2014/main" id="{A083EBAB-80AE-49C9-ACBF-8DE46C5FB3DA}"/>
+              </a:ext>
+            </a:extLst>
+          </p:cNvPr>
+          <p:cNvSpPr txBox="1"/>
+          <p:nvPr/>
+        </p:nvSpPr>
+        <p:spPr>
+          <a:xfrm>
+            <a:off x="3673824" y="2628472"/>
+            <a:ext cx="1176476" cy="369332"/>
+          </a:xfrm>
+          <a:prstGeom prst="rect">
+            <a:avLst/>
+          </a:prstGeom>
+          <a:noFill/>
+        </p:spPr>
+        <p:txBody>
+          <a:bodyPr wrap="none" rtlCol="0">
+            <a:spAutoFit/>
+          </a:bodyPr>
+          <a:lstStyle/>
+          <a:p>
+            <a:r>
+              <a:rPr lang="en-US" dirty="0"/>
+              <a:t>monitored</a:t>
+            </a:r>
+          </a:p>
+        </p:txBody>
+      </p:sp>
+      <p:grpSp>
+        <p:nvGrpSpPr>
+          <p:cNvPr id="23" name="Group 22">
+            <a:extLst>
+              <a:ext uri="{FF2B5EF4-FFF2-40B4-BE49-F238E27FC236}">
+                <a16:creationId xmlns:a16="http://schemas.microsoft.com/office/drawing/2014/main" id="{C9BD1E2A-7975-40FD-B2E0-DC19E8969B76}"/>
+              </a:ext>
+            </a:extLst>
+          </p:cNvPr>
+          <p:cNvGrpSpPr/>
+          <p:nvPr/>
+        </p:nvGrpSpPr>
+        <p:grpSpPr>
+          <a:xfrm>
+            <a:off x="3786028" y="4624353"/>
+            <a:ext cx="3215811" cy="1817544"/>
+            <a:chOff x="8264211" y="2633609"/>
+            <a:chExt cx="4478185" cy="2583401"/>
+          </a:xfrm>
+        </p:grpSpPr>
+        <p:sp>
+          <p:nvSpPr>
+            <p:cNvPr id="24" name="Rectangle 23">
+              <a:extLst>
+                <a:ext uri="{FF2B5EF4-FFF2-40B4-BE49-F238E27FC236}">
+                  <a16:creationId xmlns:a16="http://schemas.microsoft.com/office/drawing/2014/main" id="{5263CCC7-ACBE-4A78-AE72-28557E067B6E}"/>
+                </a:ext>
+              </a:extLst>
+            </p:cNvPr>
+            <p:cNvSpPr/>
+            <p:nvPr/>
+          </p:nvSpPr>
+          <p:spPr>
+            <a:xfrm>
+              <a:off x="8264211" y="3750069"/>
+              <a:ext cx="2282013" cy="1466941"/>
+            </a:xfrm>
+            <a:prstGeom prst="rect">
+              <a:avLst/>
+            </a:prstGeom>
+          </p:spPr>
+          <p:style>
+            <a:lnRef idx="2">
+              <a:schemeClr val="accent1">
+                <a:shade val="50000"/>
+              </a:schemeClr>
+            </a:lnRef>
+            <a:fillRef idx="1">
+              <a:schemeClr val="accent1"/>
+            </a:fillRef>
+            <a:effectRef idx="0">
+              <a:schemeClr val="accent1"/>
+            </a:effectRef>
+            <a:fontRef idx="minor">
+              <a:schemeClr val="lt1"/>
+            </a:fontRef>
+          </p:style>
+          <p:txBody>
+            <a:bodyPr rtlCol="0" anchor="ctr"/>
+            <a:lstStyle/>
+            <a:p>
+              <a:pPr algn="ctr"/>
+              <a:r>
+                <a:rPr lang="en-US" dirty="0"/>
+                <a:t>t4</a:t>
+              </a:r>
+            </a:p>
+            <a:p>
+              <a:pPr algn="ctr"/>
+              <a:r>
+                <a:rPr lang="en-US" dirty="0"/>
+                <a:t>(2000) </a:t>
+              </a:r>
+              <a:r>
+                <a:rPr lang="en-US" dirty="0" err="1"/>
+                <a:t>notifyAll</a:t>
+              </a:r>
+              <a:endParaRPr lang="en-US" dirty="0"/>
+            </a:p>
+            <a:p>
+              <a:pPr algn="ctr"/>
+              <a:endParaRPr lang="en-US" dirty="0"/>
+            </a:p>
+          </p:txBody>
+        </p:sp>
+        <p:cxnSp>
+          <p:nvCxnSpPr>
+            <p:cNvPr id="25" name="Straight Arrow Connector 24">
+              <a:extLst>
+                <a:ext uri="{FF2B5EF4-FFF2-40B4-BE49-F238E27FC236}">
+                  <a16:creationId xmlns:a16="http://schemas.microsoft.com/office/drawing/2014/main" id="{813A1685-3ECE-4E90-AC0A-FF8FE036C8EE}"/>
+                </a:ext>
+              </a:extLst>
+            </p:cNvPr>
+            <p:cNvCxnSpPr>
+              <a:cxnSpLocks/>
+              <a:stCxn id="24" idx="0"/>
+            </p:cNvCxnSpPr>
+            <p:nvPr/>
+          </p:nvCxnSpPr>
+          <p:spPr>
+            <a:xfrm flipV="1">
+              <a:off x="9405218" y="2633609"/>
+              <a:ext cx="3337178" cy="1116460"/>
+            </a:xfrm>
+            <a:prstGeom prst="straightConnector1">
+              <a:avLst/>
+            </a:prstGeom>
+            <a:ln>
+              <a:tailEnd type="triangle"/>
+            </a:ln>
+          </p:spPr>
+          <p:style>
+            <a:lnRef idx="1">
+              <a:schemeClr val="accent1"/>
+            </a:lnRef>
+            <a:fillRef idx="0">
+              <a:schemeClr val="accent1"/>
+            </a:fillRef>
+            <a:effectRef idx="0">
+              <a:schemeClr val="accent1"/>
+            </a:effectRef>
+            <a:fontRef idx="minor">
+              <a:schemeClr val="tx1"/>
+            </a:fontRef>
+          </p:style>
+        </p:cxnSp>
+      </p:grpSp>
+      <p:grpSp>
+        <p:nvGrpSpPr>
+          <p:cNvPr id="28" name="Group 27">
+            <a:extLst>
+              <a:ext uri="{FF2B5EF4-FFF2-40B4-BE49-F238E27FC236}">
+                <a16:creationId xmlns:a16="http://schemas.microsoft.com/office/drawing/2014/main" id="{B3E789B4-A10F-4393-8886-27357DDF5D91}"/>
+              </a:ext>
+            </a:extLst>
+          </p:cNvPr>
+          <p:cNvGrpSpPr/>
+          <p:nvPr/>
+        </p:nvGrpSpPr>
+        <p:grpSpPr>
+          <a:xfrm>
+            <a:off x="7419165" y="4159320"/>
+            <a:ext cx="1294543" cy="1477766"/>
+            <a:chOff x="8264212" y="3094235"/>
+            <a:chExt cx="1294543" cy="1477766"/>
+          </a:xfrm>
+        </p:grpSpPr>
+        <p:sp>
+          <p:nvSpPr>
+            <p:cNvPr id="29" name="Rectangle 28">
+              <a:extLst>
+                <a:ext uri="{FF2B5EF4-FFF2-40B4-BE49-F238E27FC236}">
+                  <a16:creationId xmlns:a16="http://schemas.microsoft.com/office/drawing/2014/main" id="{763560CD-62AE-4D2F-86C9-175EFCB07902}"/>
+                </a:ext>
+              </a:extLst>
+            </p:cNvPr>
+            <p:cNvSpPr/>
+            <p:nvPr/>
+          </p:nvSpPr>
+          <p:spPr>
+            <a:xfrm>
+              <a:off x="8264212" y="3750069"/>
+              <a:ext cx="1294543" cy="821932"/>
+            </a:xfrm>
+            <a:prstGeom prst="rect">
+              <a:avLst/>
+            </a:prstGeom>
+          </p:spPr>
+          <p:style>
+            <a:lnRef idx="2">
+              <a:schemeClr val="accent1">
+                <a:shade val="50000"/>
+              </a:schemeClr>
+            </a:lnRef>
+            <a:fillRef idx="1">
+              <a:schemeClr val="accent1"/>
+            </a:fillRef>
+            <a:effectRef idx="0">
+              <a:schemeClr val="accent1"/>
+            </a:effectRef>
+            <a:fontRef idx="minor">
+              <a:schemeClr val="lt1"/>
+            </a:fontRef>
+          </p:style>
+          <p:txBody>
+            <a:bodyPr rtlCol="0" anchor="ctr"/>
+            <a:lstStyle/>
+            <a:p>
+              <a:pPr algn="ctr"/>
+              <a:r>
+                <a:rPr lang="en-US" dirty="0"/>
+                <a:t>t5</a:t>
+              </a:r>
+            </a:p>
+            <a:p>
+              <a:pPr algn="ctr"/>
+              <a:r>
+                <a:rPr lang="en-US" dirty="0"/>
+                <a:t>(500) wait</a:t>
+              </a:r>
+            </a:p>
+            <a:p>
+              <a:pPr algn="ctr"/>
+              <a:endParaRPr lang="en-US" dirty="0"/>
+            </a:p>
+          </p:txBody>
+        </p:sp>
+        <p:cxnSp>
+          <p:nvCxnSpPr>
+            <p:cNvPr id="30" name="Straight Arrow Connector 29">
+              <a:extLst>
+                <a:ext uri="{FF2B5EF4-FFF2-40B4-BE49-F238E27FC236}">
+                  <a16:creationId xmlns:a16="http://schemas.microsoft.com/office/drawing/2014/main" id="{97101960-6B65-44E1-AB9B-A89934BD10C6}"/>
+                </a:ext>
+              </a:extLst>
+            </p:cNvPr>
+            <p:cNvCxnSpPr>
+              <a:cxnSpLocks/>
+              <a:stCxn id="29" idx="0"/>
+            </p:cNvCxnSpPr>
+            <p:nvPr/>
+          </p:nvCxnSpPr>
+          <p:spPr>
+            <a:xfrm flipH="1" flipV="1">
+              <a:off x="8808742" y="3094235"/>
+              <a:ext cx="102742" cy="655834"/>
+            </a:xfrm>
+            <a:prstGeom prst="straightConnector1">
+              <a:avLst/>
+            </a:prstGeom>
+            <a:ln>
+              <a:tailEnd type="triangle"/>
+            </a:ln>
+          </p:spPr>
+          <p:style>
+            <a:lnRef idx="1">
+              <a:schemeClr val="accent1"/>
+            </a:lnRef>
+            <a:fillRef idx="0">
+              <a:schemeClr val="accent1"/>
+            </a:fillRef>
+            <a:effectRef idx="0">
+              <a:schemeClr val="accent1"/>
+            </a:effectRef>
+            <a:fontRef idx="minor">
+              <a:schemeClr val="tx1"/>
+            </a:fontRef>
+          </p:style>
+        </p:cxnSp>
+      </p:grpSp>
+    </p:spTree>
+    <p:extLst>
+      <p:ext uri="{BB962C8B-B14F-4D97-AF65-F5344CB8AC3E}">
+        <p14:creationId xmlns:p14="http://schemas.microsoft.com/office/powerpoint/2010/main" val="337954461"/>
+      </p:ext>
+    </p:extLst>
+  </p:cSld>
+  <p:clrMapOvr>
+    <a:masterClrMapping/>
+  </p:clrMapOvr>
+</p:sld>
+</file>
+
+<file path=ppt/slides/slide64.xml><?xml version="1.0" encoding="utf-8"?>
+<p:sld xmlns:a="http://schemas.openxmlformats.org/drawingml/2006/main" xmlns:r="http://schemas.openxmlformats.org/officeDocument/2006/relationships" xmlns:p="http://schemas.openxmlformats.org/presentationml/2006/main">
+  <p:cSld>
+    <p:spTree>
+      <p:nvGrpSpPr>
+        <p:cNvPr id="1" name=""/>
+        <p:cNvGrpSpPr/>
+        <p:nvPr/>
+      </p:nvGrpSpPr>
+      <p:grpSpPr>
+        <a:xfrm>
+          <a:off x="0" y="0"/>
+          <a:ext cx="0" cy="0"/>
+          <a:chOff x="0" y="0"/>
+          <a:chExt cx="0" cy="0"/>
+        </a:xfrm>
+      </p:grpSpPr>
+      <p:sp>
+        <p:nvSpPr>
+          <p:cNvPr id="2" name="Title 1">
+            <a:extLst>
+              <a:ext uri="{FF2B5EF4-FFF2-40B4-BE49-F238E27FC236}">
+                <a16:creationId xmlns:a16="http://schemas.microsoft.com/office/drawing/2014/main" id="{FB9D3A8C-3974-4145-A30A-370AB56C8445}"/>
+              </a:ext>
+            </a:extLst>
+          </p:cNvPr>
+          <p:cNvSpPr>
+            <a:spLocks noGrp="1"/>
+          </p:cNvSpPr>
+          <p:nvPr>
+            <p:ph type="title"/>
+          </p:nvPr>
+        </p:nvSpPr>
+        <p:spPr/>
+        <p:txBody>
+          <a:bodyPr/>
+          <a:lstStyle/>
+          <a:p>
+            <a:r>
+              <a:rPr lang="en-US" dirty="0"/>
+              <a:t>Task -1</a:t>
+            </a:r>
+          </a:p>
+        </p:txBody>
+      </p:sp>
+      <p:sp>
+        <p:nvSpPr>
+          <p:cNvPr id="3" name="Content Placeholder 2">
+            <a:extLst>
+              <a:ext uri="{FF2B5EF4-FFF2-40B4-BE49-F238E27FC236}">
+                <a16:creationId xmlns:a16="http://schemas.microsoft.com/office/drawing/2014/main" id="{DEDBA9BF-D2CC-4B8D-977B-252A948F7E3C}"/>
+              </a:ext>
+            </a:extLst>
+          </p:cNvPr>
+          <p:cNvSpPr>
+            <a:spLocks noGrp="1"/>
+          </p:cNvSpPr>
+          <p:nvPr>
+            <p:ph idx="1"/>
+          </p:nvPr>
+        </p:nvSpPr>
+        <p:spPr/>
+        <p:txBody>
+          <a:bodyPr/>
+          <a:lstStyle/>
+          <a:p>
+            <a:r>
+              <a:rPr lang="en-US" dirty="0"/>
+              <a:t>Stock </a:t>
+            </a:r>
+            <a:r>
+              <a:rPr lang="en-US" dirty="0">
+                <a:sym typeface="Wingdings" panose="05000000000000000000" pitchFamily="2" charset="2"/>
+              </a:rPr>
+              <a:t> quantity</a:t>
+            </a:r>
+          </a:p>
+          <a:p>
+            <a:pPr lvl="1"/>
+            <a:r>
+              <a:rPr lang="en-US" dirty="0">
+                <a:sym typeface="Wingdings" panose="05000000000000000000" pitchFamily="2" charset="2"/>
+              </a:rPr>
+              <a:t>Producer (qty)</a:t>
+            </a:r>
+          </a:p>
+          <a:p>
+            <a:pPr lvl="1"/>
+            <a:r>
+              <a:rPr lang="en-US" dirty="0">
+                <a:sym typeface="Wingdings" panose="05000000000000000000" pitchFamily="2" charset="2"/>
+              </a:rPr>
+              <a:t>Consumer (qty)</a:t>
+            </a:r>
+          </a:p>
+          <a:p>
+            <a:pPr lvl="1"/>
+            <a:endParaRPr lang="en-US" dirty="0"/>
+          </a:p>
+        </p:txBody>
+      </p:sp>
+    </p:spTree>
+    <p:extLst>
+      <p:ext uri="{BB962C8B-B14F-4D97-AF65-F5344CB8AC3E}">
+        <p14:creationId xmlns:p14="http://schemas.microsoft.com/office/powerpoint/2010/main" val="738126544"/>
+      </p:ext>
+    </p:extLst>
+  </p:cSld>
+  <p:clrMapOvr>
+    <a:masterClrMapping/>
+  </p:clrMapOvr>
+</p:sld>
+</file>
+
+<file path=ppt/slides/slide65.xml><?xml version="1.0" encoding="utf-8"?>
+<p:sld xmlns:a="http://schemas.openxmlformats.org/drawingml/2006/main" xmlns:r="http://schemas.openxmlformats.org/officeDocument/2006/relationships" xmlns:p="http://schemas.openxmlformats.org/presentationml/2006/main">
+  <p:cSld>
+    <p:spTree>
+      <p:nvGrpSpPr>
+        <p:cNvPr id="1" name=""/>
+        <p:cNvGrpSpPr/>
+        <p:nvPr/>
+      </p:nvGrpSpPr>
+      <p:grpSpPr>
+        <a:xfrm>
+          <a:off x="0" y="0"/>
+          <a:ext cx="0" cy="0"/>
+          <a:chOff x="0" y="0"/>
+          <a:chExt cx="0" cy="0"/>
+        </a:xfrm>
+      </p:grpSpPr>
+      <p:sp>
+        <p:nvSpPr>
+          <p:cNvPr id="2" name="Title 1">
+            <a:extLst>
+              <a:ext uri="{FF2B5EF4-FFF2-40B4-BE49-F238E27FC236}">
+                <a16:creationId xmlns:a16="http://schemas.microsoft.com/office/drawing/2014/main" id="{E5266928-671B-4FA7-BDC8-AA8C89DEECFE}"/>
+              </a:ext>
+            </a:extLst>
+          </p:cNvPr>
+          <p:cNvSpPr>
+            <a:spLocks noGrp="1"/>
+          </p:cNvSpPr>
+          <p:nvPr>
+            <p:ph type="title"/>
+          </p:nvPr>
+        </p:nvSpPr>
+        <p:spPr/>
+        <p:txBody>
+          <a:bodyPr/>
+          <a:lstStyle/>
+          <a:p>
+            <a:r>
+              <a:rPr lang="en-US" dirty="0"/>
+              <a:t>Nested Synch </a:t>
+            </a:r>
+            <a:r>
+              <a:rPr lang="en-US" dirty="0">
+                <a:sym typeface="Wingdings" panose="05000000000000000000" pitchFamily="2" charset="2"/>
+              </a:rPr>
+              <a:t> Re-entrant Locking</a:t>
+            </a:r>
+            <a:endParaRPr lang="en-US" dirty="0"/>
+          </a:p>
+        </p:txBody>
+      </p:sp>
+      <p:sp>
+        <p:nvSpPr>
+          <p:cNvPr id="3" name="Content Placeholder 2">
+            <a:extLst>
+              <a:ext uri="{FF2B5EF4-FFF2-40B4-BE49-F238E27FC236}">
+                <a16:creationId xmlns:a16="http://schemas.microsoft.com/office/drawing/2014/main" id="{EA0B6760-3396-474F-8735-6343B1281F9F}"/>
+              </a:ext>
+            </a:extLst>
+          </p:cNvPr>
+          <p:cNvSpPr>
+            <a:spLocks noGrp="1"/>
+          </p:cNvSpPr>
+          <p:nvPr>
+            <p:ph idx="1"/>
+          </p:nvPr>
+        </p:nvSpPr>
+        <p:spPr/>
+        <p:txBody>
+          <a:bodyPr/>
+          <a:lstStyle/>
+          <a:p>
+            <a:r>
+              <a:rPr lang="en-US" dirty="0"/>
+              <a:t>Synch(this){</a:t>
+            </a:r>
+          </a:p>
+          <a:p>
+            <a:endParaRPr lang="en-US" dirty="0"/>
+          </a:p>
+          <a:p>
+            <a:pPr marL="0" indent="0">
+              <a:buNone/>
+            </a:pPr>
+            <a:r>
+              <a:rPr lang="en-US" dirty="0"/>
+              <a:t>	</a:t>
+            </a:r>
+            <a:r>
+              <a:rPr lang="en-US" dirty="0" err="1"/>
+              <a:t>sych</a:t>
+            </a:r>
+            <a:r>
+              <a:rPr lang="en-US" dirty="0"/>
+              <a:t>(acc){</a:t>
+            </a:r>
+          </a:p>
+          <a:p>
+            <a:pPr marL="0" indent="0">
+              <a:buNone/>
+            </a:pPr>
+            <a:endParaRPr lang="en-US" dirty="0"/>
+          </a:p>
+          <a:p>
+            <a:pPr marL="0" indent="0">
+              <a:buNone/>
+            </a:pPr>
+            <a:r>
+              <a:rPr lang="en-US" dirty="0"/>
+              <a:t>	}</a:t>
+            </a:r>
+          </a:p>
+          <a:p>
+            <a:endParaRPr lang="en-US" dirty="0"/>
+          </a:p>
+          <a:p>
+            <a:r>
+              <a:rPr lang="en-US" dirty="0"/>
+              <a:t>}</a:t>
+            </a:r>
+          </a:p>
+        </p:txBody>
+      </p:sp>
+    </p:spTree>
+    <p:extLst>
+      <p:ext uri="{BB962C8B-B14F-4D97-AF65-F5344CB8AC3E}">
+        <p14:creationId xmlns:p14="http://schemas.microsoft.com/office/powerpoint/2010/main" val="725653113"/>
+      </p:ext>
+    </p:extLst>
+  </p:cSld>
+  <p:clrMapOvr>
+    <a:masterClrMapping/>
+  </p:clrMapOvr>
+</p:sld>
+</file>
+
+<file path=ppt/slides/slide66.xml><?xml version="1.0" encoding="utf-8"?>
+<p:sld xmlns:a="http://schemas.openxmlformats.org/drawingml/2006/main" xmlns:r="http://schemas.openxmlformats.org/officeDocument/2006/relationships" xmlns:p="http://schemas.openxmlformats.org/presentationml/2006/main">
+  <p:cSld>
+    <p:spTree>
+      <p:nvGrpSpPr>
+        <p:cNvPr id="1" name=""/>
+        <p:cNvGrpSpPr/>
+        <p:nvPr/>
+      </p:nvGrpSpPr>
+      <p:grpSpPr>
+        <a:xfrm>
+          <a:off x="0" y="0"/>
+          <a:ext cx="0" cy="0"/>
+          <a:chOff x="0" y="0"/>
+          <a:chExt cx="0" cy="0"/>
+        </a:xfrm>
+      </p:grpSpPr>
+      <p:sp>
+        <p:nvSpPr>
+          <p:cNvPr id="2" name="Title 1">
+            <a:extLst>
+              <a:ext uri="{FF2B5EF4-FFF2-40B4-BE49-F238E27FC236}">
+                <a16:creationId xmlns:a16="http://schemas.microsoft.com/office/drawing/2014/main" id="{980C04C9-1238-4C0C-9BC2-C37DD781BFE5}"/>
+              </a:ext>
+            </a:extLst>
+          </p:cNvPr>
+          <p:cNvSpPr>
+            <a:spLocks noGrp="1"/>
+          </p:cNvSpPr>
+          <p:nvPr>
+            <p:ph type="title"/>
+          </p:nvPr>
+        </p:nvSpPr>
+        <p:spPr>
+          <a:xfrm>
+            <a:off x="838200" y="365125"/>
+            <a:ext cx="10515600" cy="395163"/>
+          </a:xfrm>
+        </p:spPr>
+        <p:txBody>
+          <a:bodyPr>
+            <a:normAutofit fontScale="90000"/>
+          </a:bodyPr>
+          <a:lstStyle/>
+          <a:p>
+            <a:r>
+              <a:rPr lang="en-US" dirty="0" err="1"/>
+              <a:t>DeadLock</a:t>
+            </a:r>
+            <a:endParaRPr lang="en-US" dirty="0"/>
+          </a:p>
+        </p:txBody>
+      </p:sp>
+      <p:sp>
+        <p:nvSpPr>
+          <p:cNvPr id="3" name="Content Placeholder 2">
+            <a:extLst>
+              <a:ext uri="{FF2B5EF4-FFF2-40B4-BE49-F238E27FC236}">
+                <a16:creationId xmlns:a16="http://schemas.microsoft.com/office/drawing/2014/main" id="{90C5B5F2-5B22-46A8-8729-93993AC208FE}"/>
+              </a:ext>
+            </a:extLst>
+          </p:cNvPr>
+          <p:cNvSpPr>
+            <a:spLocks noGrp="1"/>
+          </p:cNvSpPr>
+          <p:nvPr>
+            <p:ph idx="1"/>
+          </p:nvPr>
+        </p:nvSpPr>
+        <p:spPr>
+          <a:xfrm>
+            <a:off x="838200" y="1006867"/>
+            <a:ext cx="5028344" cy="5170096"/>
+          </a:xfrm>
+        </p:spPr>
+        <p:txBody>
+          <a:bodyPr>
+            <a:normAutofit fontScale="62500" lnSpcReduction="20000"/>
+          </a:bodyPr>
+          <a:lstStyle/>
+          <a:p>
+            <a:pPr marL="0" indent="0">
+              <a:buNone/>
+            </a:pPr>
+            <a:r>
+              <a:rPr lang="en-US" dirty="0"/>
+              <a:t>Method(){</a:t>
+            </a:r>
+          </a:p>
+          <a:p>
+            <a:pPr marL="0" indent="0">
+              <a:buNone/>
+            </a:pPr>
+            <a:r>
+              <a:rPr lang="en-US" dirty="0"/>
+              <a:t>Synch(s1){</a:t>
+            </a:r>
+          </a:p>
+          <a:p>
+            <a:pPr marL="0" indent="0">
+              <a:buNone/>
+            </a:pPr>
+            <a:r>
+              <a:rPr lang="en-US" dirty="0"/>
+              <a:t>////</a:t>
+            </a:r>
+          </a:p>
+          <a:p>
+            <a:pPr marL="457200" lvl="1" indent="0">
+              <a:buNone/>
+            </a:pPr>
+            <a:r>
+              <a:rPr lang="en-US" dirty="0"/>
+              <a:t>Synch(s2){</a:t>
+            </a:r>
+          </a:p>
+          <a:p>
+            <a:pPr marL="457200" lvl="1" indent="0">
+              <a:buNone/>
+            </a:pPr>
+            <a:endParaRPr lang="en-US" dirty="0"/>
+          </a:p>
+          <a:p>
+            <a:pPr marL="457200" lvl="1" indent="0">
+              <a:buNone/>
+            </a:pPr>
+            <a:r>
+              <a:rPr lang="en-US" dirty="0"/>
+              <a:t>	////</a:t>
+            </a:r>
+          </a:p>
+          <a:p>
+            <a:pPr marL="457200" lvl="1" indent="0">
+              <a:buNone/>
+            </a:pPr>
+            <a:r>
+              <a:rPr lang="en-US" dirty="0"/>
+              <a:t>}</a:t>
+            </a:r>
+          </a:p>
+          <a:p>
+            <a:pPr marL="0" indent="0">
+              <a:buNone/>
+            </a:pPr>
+            <a:r>
+              <a:rPr lang="en-US" dirty="0"/>
+              <a:t>}</a:t>
+            </a:r>
+          </a:p>
+          <a:p>
+            <a:pPr marL="0" indent="0">
+              <a:buNone/>
+            </a:pPr>
+            <a:r>
+              <a:rPr lang="en-US" dirty="0"/>
+              <a:t>Synch(s2){</a:t>
+            </a:r>
+          </a:p>
+          <a:p>
+            <a:pPr marL="0" indent="0">
+              <a:buNone/>
+            </a:pPr>
+            <a:r>
+              <a:rPr lang="en-US" dirty="0"/>
+              <a:t>	Synch(s1){</a:t>
+            </a:r>
+          </a:p>
+          <a:p>
+            <a:pPr marL="0" indent="0">
+              <a:buNone/>
+            </a:pPr>
+            <a:endParaRPr lang="en-US" dirty="0"/>
+          </a:p>
+          <a:p>
+            <a:pPr marL="0" indent="0">
+              <a:buNone/>
+            </a:pPr>
+            <a:r>
+              <a:rPr lang="en-US" dirty="0"/>
+              <a:t>	////</a:t>
+            </a:r>
+          </a:p>
+          <a:p>
+            <a:pPr marL="0" indent="0">
+              <a:buNone/>
+            </a:pPr>
+            <a:r>
+              <a:rPr lang="en-US" dirty="0"/>
+              <a:t>}</a:t>
+            </a:r>
+          </a:p>
+          <a:p>
+            <a:pPr marL="0" indent="0">
+              <a:buNone/>
+            </a:pPr>
+            <a:r>
+              <a:rPr lang="en-US" dirty="0"/>
+              <a:t>}</a:t>
+            </a:r>
+          </a:p>
+          <a:p>
+            <a:pPr marL="0" indent="0">
+              <a:buNone/>
+            </a:pPr>
+            <a:endParaRPr lang="en-US" dirty="0"/>
+          </a:p>
+          <a:p>
+            <a:pPr marL="0" indent="0">
+              <a:buNone/>
+            </a:pPr>
+            <a:endParaRPr lang="en-US" dirty="0"/>
+          </a:p>
+          <a:p>
+            <a:pPr marL="0" indent="0">
+              <a:buNone/>
+            </a:pPr>
+            <a:r>
+              <a:rPr lang="en-US" dirty="0"/>
+              <a:t>}</a:t>
+            </a:r>
+          </a:p>
+          <a:p>
+            <a:pPr marL="0" indent="0">
+              <a:buNone/>
+            </a:pPr>
+            <a:endParaRPr lang="en-US" dirty="0"/>
+          </a:p>
+        </p:txBody>
+      </p:sp>
+      <p:sp>
+        <p:nvSpPr>
+          <p:cNvPr id="4" name="Content Placeholder 2">
+            <a:extLst>
+              <a:ext uri="{FF2B5EF4-FFF2-40B4-BE49-F238E27FC236}">
+                <a16:creationId xmlns:a16="http://schemas.microsoft.com/office/drawing/2014/main" id="{B2C95005-AF55-4955-AA0E-984484B4548A}"/>
+              </a:ext>
+            </a:extLst>
+          </p:cNvPr>
+          <p:cNvSpPr txBox="1">
+            <a:spLocks/>
+          </p:cNvSpPr>
+          <p:nvPr/>
+        </p:nvSpPr>
+        <p:spPr>
+          <a:xfrm>
+            <a:off x="5357117" y="779124"/>
+            <a:ext cx="5028344" cy="5170096"/>
+          </a:xfrm>
+          <a:prstGeom prst="rect">
+            <a:avLst/>
+          </a:prstGeom>
+        </p:spPr>
+        <p:txBody>
+          <a:bodyPr vert="horz" lIns="91440" tIns="45720" rIns="91440" bIns="45720" rtlCol="0">
+            <a:normAutofit/>
+          </a:bodyPr>
+          <a:lstStyle>
+            <a:lvl1pPr marL="228600" indent="-228600" algn="l" defTabSz="914400" rtl="0" eaLnBrk="1" latinLnBrk="0" hangingPunct="1">
+              <a:lnSpc>
+                <a:spcPct val="90000"/>
+              </a:lnSpc>
+              <a:spcBef>
+                <a:spcPts val="1000"/>
+              </a:spcBef>
+              <a:buFont typeface="Arial" panose="020B0604020202020204" pitchFamily="34" charset="0"/>
+              <a:buChar char="•"/>
+              <a:defRPr sz="2800" kern="1200">
+                <a:solidFill>
+                  <a:schemeClr val="tx1"/>
+                </a:solidFill>
+                <a:latin typeface="+mn-lt"/>
+                <a:ea typeface="+mn-ea"/>
+                <a:cs typeface="+mn-cs"/>
+              </a:defRPr>
+            </a:lvl1pPr>
+            <a:lvl2pPr marL="685800" indent="-228600" algn="l" defTabSz="914400" rtl="0" eaLnBrk="1" latinLnBrk="0" hangingPunct="1">
+              <a:lnSpc>
+                <a:spcPct val="90000"/>
+              </a:lnSpc>
+              <a:spcBef>
+                <a:spcPts val="500"/>
+              </a:spcBef>
+              <a:buFont typeface="Arial" panose="020B0604020202020204" pitchFamily="34" charset="0"/>
+              <a:buChar char="•"/>
+              <a:defRPr sz="2400" kern="1200">
+                <a:solidFill>
+                  <a:schemeClr val="tx1"/>
+                </a:solidFill>
+                <a:latin typeface="+mn-lt"/>
+                <a:ea typeface="+mn-ea"/>
+                <a:cs typeface="+mn-cs"/>
+              </a:defRPr>
+            </a:lvl2pPr>
+            <a:lvl3pPr marL="1143000" indent="-228600" algn="l" defTabSz="914400" rtl="0" eaLnBrk="1" latinLnBrk="0" hangingPunct="1">
+              <a:lnSpc>
+                <a:spcPct val="90000"/>
+              </a:lnSpc>
+              <a:spcBef>
+                <a:spcPts val="500"/>
+              </a:spcBef>
+              <a:buFont typeface="Arial" panose="020B0604020202020204" pitchFamily="34" charset="0"/>
+              <a:buChar char="•"/>
+              <a:defRPr sz="2000" kern="1200">
+                <a:solidFill>
+                  <a:schemeClr val="tx1"/>
+                </a:solidFill>
+                <a:latin typeface="+mn-lt"/>
+                <a:ea typeface="+mn-ea"/>
+                <a:cs typeface="+mn-cs"/>
+              </a:defRPr>
+            </a:lvl3pPr>
+            <a:lvl4pPr marL="1600200" indent="-228600" algn="l" defTabSz="914400" rtl="0" eaLnBrk="1" latinLnBrk="0" hangingPunct="1">
+              <a:lnSpc>
+                <a:spcPct val="90000"/>
+              </a:lnSpc>
+              <a:spcBef>
+                <a:spcPts val="500"/>
+              </a:spcBef>
+              <a:buFont typeface="Arial" panose="020B0604020202020204" pitchFamily="34" charset="0"/>
+              <a:buChar char="•"/>
+              <a:defRPr sz="1800" kern="1200">
+                <a:solidFill>
+                  <a:schemeClr val="tx1"/>
+                </a:solidFill>
+                <a:latin typeface="+mn-lt"/>
+                <a:ea typeface="+mn-ea"/>
+                <a:cs typeface="+mn-cs"/>
+              </a:defRPr>
+            </a:lvl4pPr>
+            <a:lvl5pPr marL="2057400" indent="-228600" algn="l" defTabSz="914400" rtl="0" eaLnBrk="1" latinLnBrk="0" hangingPunct="1">
+              <a:lnSpc>
+                <a:spcPct val="90000"/>
+              </a:lnSpc>
+              <a:spcBef>
+                <a:spcPts val="500"/>
+              </a:spcBef>
+              <a:buFont typeface="Arial" panose="020B0604020202020204" pitchFamily="34" charset="0"/>
+              <a:buChar char="•"/>
+              <a:defRPr sz="1800" kern="1200">
+                <a:solidFill>
+                  <a:schemeClr val="tx1"/>
+                </a:solidFill>
+                <a:latin typeface="+mn-lt"/>
+                <a:ea typeface="+mn-ea"/>
+                <a:cs typeface="+mn-cs"/>
+              </a:defRPr>
+            </a:lvl5pPr>
+            <a:lvl6pPr marL="2514600" indent="-228600" algn="l" defTabSz="914400" rtl="0" eaLnBrk="1" latinLnBrk="0" hangingPunct="1">
+              <a:lnSpc>
+                <a:spcPct val="90000"/>
+              </a:lnSpc>
+              <a:spcBef>
+                <a:spcPts val="500"/>
+              </a:spcBef>
+              <a:buFont typeface="Arial" panose="020B0604020202020204" pitchFamily="34" charset="0"/>
+              <a:buChar char="•"/>
+              <a:defRPr sz="1800" kern="1200">
+                <a:solidFill>
+                  <a:schemeClr val="tx1"/>
+                </a:solidFill>
+                <a:latin typeface="+mn-lt"/>
+                <a:ea typeface="+mn-ea"/>
+                <a:cs typeface="+mn-cs"/>
+              </a:defRPr>
+            </a:lvl6pPr>
+            <a:lvl7pPr marL="2971800" indent="-228600" algn="l" defTabSz="914400" rtl="0" eaLnBrk="1" latinLnBrk="0" hangingPunct="1">
+              <a:lnSpc>
+                <a:spcPct val="90000"/>
+              </a:lnSpc>
+              <a:spcBef>
+                <a:spcPts val="500"/>
+              </a:spcBef>
+              <a:buFont typeface="Arial" panose="020B0604020202020204" pitchFamily="34" charset="0"/>
+              <a:buChar char="•"/>
+              <a:defRPr sz="1800" kern="1200">
+                <a:solidFill>
+                  <a:schemeClr val="tx1"/>
+                </a:solidFill>
+                <a:latin typeface="+mn-lt"/>
+                <a:ea typeface="+mn-ea"/>
+                <a:cs typeface="+mn-cs"/>
+              </a:defRPr>
+            </a:lvl7pPr>
+            <a:lvl8pPr marL="3429000" indent="-228600" algn="l" defTabSz="914400" rtl="0" eaLnBrk="1" latinLnBrk="0" hangingPunct="1">
+              <a:lnSpc>
+                <a:spcPct val="90000"/>
+              </a:lnSpc>
+              <a:spcBef>
+                <a:spcPts val="500"/>
+              </a:spcBef>
+              <a:buFont typeface="Arial" panose="020B0604020202020204" pitchFamily="34" charset="0"/>
+              <a:buChar char="•"/>
+              <a:defRPr sz="1800" kern="1200">
+                <a:solidFill>
+                  <a:schemeClr val="tx1"/>
+                </a:solidFill>
+                <a:latin typeface="+mn-lt"/>
+                <a:ea typeface="+mn-ea"/>
+                <a:cs typeface="+mn-cs"/>
+              </a:defRPr>
+            </a:lvl8pPr>
+            <a:lvl9pPr marL="3886200" indent="-228600" algn="l" defTabSz="914400" rtl="0" eaLnBrk="1" latinLnBrk="0" hangingPunct="1">
+              <a:lnSpc>
+                <a:spcPct val="90000"/>
+              </a:lnSpc>
+              <a:spcBef>
+                <a:spcPts val="500"/>
+              </a:spcBef>
+              <a:buFont typeface="Arial" panose="020B0604020202020204" pitchFamily="34" charset="0"/>
+              <a:buChar char="•"/>
+              <a:defRPr sz="1800" kern="1200">
+                <a:solidFill>
+                  <a:schemeClr val="tx1"/>
+                </a:solidFill>
+                <a:latin typeface="+mn-lt"/>
+                <a:ea typeface="+mn-ea"/>
+                <a:cs typeface="+mn-cs"/>
+              </a:defRPr>
+            </a:lvl9pPr>
+          </a:lstStyle>
+          <a:p>
+            <a:pPr marL="0" indent="0">
+              <a:buFont typeface="Arial" panose="020B0604020202020204" pitchFamily="34" charset="0"/>
+              <a:buNone/>
+            </a:pPr>
+            <a:r>
+              <a:rPr lang="en-US" dirty="0"/>
+              <a:t>T1 </a:t>
+            </a:r>
+            <a:r>
+              <a:rPr lang="en-US" dirty="0">
+                <a:sym typeface="Wingdings" panose="05000000000000000000" pitchFamily="2" charset="2"/>
+              </a:rPr>
+              <a:t> method (s1)  wait s2</a:t>
+            </a:r>
+            <a:endParaRPr lang="en-US" dirty="0"/>
+          </a:p>
+          <a:p>
+            <a:pPr marL="0" indent="0">
+              <a:buFont typeface="Arial" panose="020B0604020202020204" pitchFamily="34" charset="0"/>
+              <a:buNone/>
+            </a:pPr>
+            <a:r>
+              <a:rPr lang="en-US" dirty="0"/>
+              <a:t>T2 </a:t>
+            </a:r>
+            <a:r>
+              <a:rPr lang="en-US" dirty="0">
+                <a:sym typeface="Wingdings" panose="05000000000000000000" pitchFamily="2" charset="2"/>
+              </a:rPr>
+              <a:t> method (s2)  wait s1</a:t>
+            </a:r>
+          </a:p>
+          <a:p>
+            <a:pPr marL="0" indent="0">
+              <a:buFont typeface="Arial" panose="020B0604020202020204" pitchFamily="34" charset="0"/>
+              <a:buNone/>
+            </a:pPr>
+            <a:endParaRPr lang="en-US" dirty="0">
+              <a:sym typeface="Wingdings" panose="05000000000000000000" pitchFamily="2" charset="2"/>
+            </a:endParaRPr>
+          </a:p>
+          <a:p>
+            <a:pPr marL="0" indent="0">
+              <a:buFont typeface="Arial" panose="020B0604020202020204" pitchFamily="34" charset="0"/>
+              <a:buNone/>
+            </a:pPr>
+            <a:endParaRPr lang="en-US" dirty="0"/>
+          </a:p>
+        </p:txBody>
+      </p:sp>
+    </p:spTree>
+    <p:extLst>
+      <p:ext uri="{BB962C8B-B14F-4D97-AF65-F5344CB8AC3E}">
+        <p14:creationId xmlns:p14="http://schemas.microsoft.com/office/powerpoint/2010/main" val="1651927591"/>
+      </p:ext>
+    </p:extLst>
+  </p:cSld>
+  <p:clrMapOvr>
+    <a:masterClrMapping/>
+  </p:clrMapOvr>
+</p:sld>
+</file>
+
+<file path=ppt/slides/slide67.xml><?xml version="1.0" encoding="utf-8"?>
+<p:sld xmlns:a="http://schemas.openxmlformats.org/drawingml/2006/main" xmlns:r="http://schemas.openxmlformats.org/officeDocument/2006/relationships" xmlns:p="http://schemas.openxmlformats.org/presentationml/2006/main">
+  <p:cSld>
+    <p:spTree>
+      <p:nvGrpSpPr>
+        <p:cNvPr id="1" name=""/>
+        <p:cNvGrpSpPr/>
+        <p:nvPr/>
+      </p:nvGrpSpPr>
+      <p:grpSpPr>
+        <a:xfrm>
+          <a:off x="0" y="0"/>
+          <a:ext cx="0" cy="0"/>
+          <a:chOff x="0" y="0"/>
+          <a:chExt cx="0" cy="0"/>
+        </a:xfrm>
+      </p:grpSpPr>
+      <p:sp>
+        <p:nvSpPr>
+          <p:cNvPr id="2" name="Title 1">
+            <a:extLst>
+              <a:ext uri="{FF2B5EF4-FFF2-40B4-BE49-F238E27FC236}">
+                <a16:creationId xmlns:a16="http://schemas.microsoft.com/office/drawing/2014/main" id="{A9028BA1-7638-4933-8066-17D7C44B1593}"/>
+              </a:ext>
+            </a:extLst>
+          </p:cNvPr>
+          <p:cNvSpPr>
+            <a:spLocks noGrp="1"/>
+          </p:cNvSpPr>
+          <p:nvPr>
+            <p:ph type="title"/>
+          </p:nvPr>
+        </p:nvSpPr>
+        <p:spPr/>
+        <p:txBody>
+          <a:bodyPr/>
+          <a:lstStyle/>
+          <a:p>
+            <a:r>
+              <a:rPr lang="en-US" dirty="0" err="1"/>
+              <a:t>ThreadPool</a:t>
+            </a:r>
+            <a:endParaRPr lang="en-US" dirty="0"/>
+          </a:p>
+        </p:txBody>
+      </p:sp>
+      <p:sp>
+        <p:nvSpPr>
+          <p:cNvPr id="3" name="Content Placeholder 2">
+            <a:extLst>
+              <a:ext uri="{FF2B5EF4-FFF2-40B4-BE49-F238E27FC236}">
+                <a16:creationId xmlns:a16="http://schemas.microsoft.com/office/drawing/2014/main" id="{40E756DA-9924-42DA-8E4A-456D5861FF12}"/>
+              </a:ext>
+            </a:extLst>
+          </p:cNvPr>
+          <p:cNvSpPr>
+            <a:spLocks noGrp="1"/>
+          </p:cNvSpPr>
+          <p:nvPr>
+            <p:ph idx="1"/>
+          </p:nvPr>
+        </p:nvSpPr>
+        <p:spPr/>
+        <p:txBody>
+          <a:bodyPr/>
+          <a:lstStyle/>
+          <a:p>
+            <a:r>
+              <a:rPr lang="en-US" dirty="0"/>
+              <a:t>Executor Framework</a:t>
+            </a:r>
+          </a:p>
+          <a:p>
+            <a:pPr lvl="1"/>
+            <a:r>
+              <a:rPr lang="en-US" dirty="0" err="1"/>
+              <a:t>ThreadPool</a:t>
+            </a:r>
+            <a:endParaRPr lang="en-US" dirty="0"/>
+          </a:p>
+          <a:p>
+            <a:pPr lvl="1"/>
+            <a:endParaRPr lang="en-US" dirty="0"/>
+          </a:p>
+        </p:txBody>
+      </p:sp>
+    </p:spTree>
+    <p:extLst>
+      <p:ext uri="{BB962C8B-B14F-4D97-AF65-F5344CB8AC3E}">
+        <p14:creationId xmlns:p14="http://schemas.microsoft.com/office/powerpoint/2010/main" val="2026070125"/>
+      </p:ext>
+    </p:extLst>
+  </p:cSld>
+  <p:clrMapOvr>
+    <a:masterClrMapping/>
+  </p:clrMapOvr>
+</p:sld>
+</file>
+
+<file path=ppt/slides/slide68.xml><?xml version="1.0" encoding="utf-8"?>
+<p:sld xmlns:a="http://schemas.openxmlformats.org/drawingml/2006/main" xmlns:r="http://schemas.openxmlformats.org/officeDocument/2006/relationships" xmlns:p="http://schemas.openxmlformats.org/presentationml/2006/main">
+  <p:cSld>
+    <p:spTree>
+      <p:nvGrpSpPr>
+        <p:cNvPr id="1" name=""/>
+        <p:cNvGrpSpPr/>
+        <p:nvPr/>
+      </p:nvGrpSpPr>
+      <p:grpSpPr>
+        <a:xfrm>
+          <a:off x="0" y="0"/>
+          <a:ext cx="0" cy="0"/>
+          <a:chOff x="0" y="0"/>
+          <a:chExt cx="0" cy="0"/>
+        </a:xfrm>
+      </p:grpSpPr>
+      <p:sp>
+        <p:nvSpPr>
+          <p:cNvPr id="2" name="Title 1">
+            <a:extLst>
+              <a:ext uri="{FF2B5EF4-FFF2-40B4-BE49-F238E27FC236}">
+                <a16:creationId xmlns:a16="http://schemas.microsoft.com/office/drawing/2014/main" id="{A53A32AE-82D7-4CF3-B1D1-A93594872EB7}"/>
+              </a:ext>
+            </a:extLst>
+          </p:cNvPr>
+          <p:cNvSpPr>
+            <a:spLocks noGrp="1"/>
+          </p:cNvSpPr>
+          <p:nvPr>
+            <p:ph type="title"/>
+          </p:nvPr>
+        </p:nvSpPr>
+        <p:spPr/>
+        <p:txBody>
+          <a:bodyPr/>
+          <a:lstStyle/>
+          <a:p>
+            <a:r>
+              <a:rPr lang="en-US" dirty="0"/>
+              <a:t>Collection</a:t>
+            </a:r>
+          </a:p>
+        </p:txBody>
+      </p:sp>
+      <p:sp>
+        <p:nvSpPr>
+          <p:cNvPr id="3" name="Content Placeholder 2">
+            <a:extLst>
+              <a:ext uri="{FF2B5EF4-FFF2-40B4-BE49-F238E27FC236}">
+                <a16:creationId xmlns:a16="http://schemas.microsoft.com/office/drawing/2014/main" id="{4871E352-02CA-4DB9-8043-77F11CA8240A}"/>
+              </a:ext>
+            </a:extLst>
+          </p:cNvPr>
+          <p:cNvSpPr>
+            <a:spLocks noGrp="1"/>
+          </p:cNvSpPr>
+          <p:nvPr>
+            <p:ph idx="1"/>
+          </p:nvPr>
+        </p:nvSpPr>
+        <p:spPr/>
+        <p:txBody>
+          <a:bodyPr>
+            <a:normAutofit lnSpcReduction="10000"/>
+          </a:bodyPr>
+          <a:lstStyle/>
+          <a:p>
+            <a:r>
+              <a:rPr lang="en-US" dirty="0"/>
+              <a:t>Arrays</a:t>
+            </a:r>
+          </a:p>
+          <a:p>
+            <a:pPr lvl="1"/>
+            <a:r>
+              <a:rPr lang="en-US" dirty="0"/>
+              <a:t>Size</a:t>
+            </a:r>
+          </a:p>
+          <a:p>
+            <a:pPr lvl="1"/>
+            <a:r>
+              <a:rPr lang="en-US" dirty="0"/>
+              <a:t>Similar Type</a:t>
+            </a:r>
+          </a:p>
+          <a:p>
+            <a:pPr lvl="1"/>
+            <a:r>
+              <a:rPr lang="en-US" dirty="0"/>
+              <a:t>Manipulation </a:t>
+            </a:r>
+          </a:p>
+          <a:p>
+            <a:pPr lvl="1"/>
+            <a:r>
+              <a:rPr lang="en-US" dirty="0"/>
+              <a:t>Sorting, Searching</a:t>
+            </a:r>
+          </a:p>
+          <a:p>
+            <a:pPr lvl="1"/>
+            <a:endParaRPr lang="en-US" dirty="0"/>
+          </a:p>
+          <a:p>
+            <a:r>
+              <a:rPr lang="en-US" dirty="0"/>
+              <a:t>Collections: (only objects)</a:t>
+            </a:r>
+          </a:p>
+          <a:p>
+            <a:pPr lvl="1"/>
+            <a:r>
+              <a:rPr lang="en-US" dirty="0"/>
+              <a:t>Growable</a:t>
+            </a:r>
+          </a:p>
+          <a:p>
+            <a:pPr lvl="1"/>
+            <a:r>
+              <a:rPr lang="en-US" dirty="0"/>
+              <a:t>Heterogeneous types</a:t>
+            </a:r>
+          </a:p>
+          <a:p>
+            <a:pPr lvl="1"/>
+            <a:r>
+              <a:rPr lang="en-US" dirty="0"/>
+              <a:t>Add, delete, sort, update, search</a:t>
+            </a:r>
+          </a:p>
+          <a:p>
+            <a:pPr lvl="1"/>
+            <a:r>
+              <a:rPr lang="en-US" dirty="0"/>
+              <a:t>Objects </a:t>
+            </a:r>
+            <a:r>
+              <a:rPr lang="en-US" dirty="0">
+                <a:sym typeface="Wingdings" panose="05000000000000000000" pitchFamily="2" charset="2"/>
+              </a:rPr>
+              <a:t> Wrappers classes  Autoboxing</a:t>
+            </a:r>
+            <a:endParaRPr lang="en-US" dirty="0"/>
+          </a:p>
+          <a:p>
+            <a:pPr lvl="1"/>
+            <a:endParaRPr lang="en-US" dirty="0"/>
+          </a:p>
+        </p:txBody>
+      </p:sp>
+    </p:spTree>
+    <p:extLst>
+      <p:ext uri="{BB962C8B-B14F-4D97-AF65-F5344CB8AC3E}">
+        <p14:creationId xmlns:p14="http://schemas.microsoft.com/office/powerpoint/2010/main" val="3160844751"/>
+      </p:ext>
+    </p:extLst>
+  </p:cSld>
+  <p:clrMapOvr>
+    <a:masterClrMapping/>
+  </p:clrMapOvr>
+</p:sld>
+</file>
+
+<file path=ppt/slides/slide69.xml><?xml version="1.0" encoding="utf-8"?>
+<p:sld xmlns:a="http://schemas.openxmlformats.org/drawingml/2006/main" xmlns:r="http://schemas.openxmlformats.org/officeDocument/2006/relationships" xmlns:p="http://schemas.openxmlformats.org/presentationml/2006/main">
+  <p:cSld>
+    <p:spTree>
+      <p:nvGrpSpPr>
+        <p:cNvPr id="1" name=""/>
+        <p:cNvGrpSpPr/>
+        <p:nvPr/>
+      </p:nvGrpSpPr>
+      <p:grpSpPr>
+        <a:xfrm>
+          <a:off x="0" y="0"/>
+          <a:ext cx="0" cy="0"/>
+          <a:chOff x="0" y="0"/>
+          <a:chExt cx="0" cy="0"/>
+        </a:xfrm>
+      </p:grpSpPr>
+      <p:sp>
+        <p:nvSpPr>
+          <p:cNvPr id="2" name="Title 1">
+            <a:extLst>
+              <a:ext uri="{FF2B5EF4-FFF2-40B4-BE49-F238E27FC236}">
+                <a16:creationId xmlns:a16="http://schemas.microsoft.com/office/drawing/2014/main" id="{A5FBCF46-0C63-4610-9513-64A7306DF955}"/>
+              </a:ext>
+            </a:extLst>
+          </p:cNvPr>
+          <p:cNvSpPr>
+            <a:spLocks noGrp="1"/>
+          </p:cNvSpPr>
+          <p:nvPr>
+            <p:ph type="title"/>
+          </p:nvPr>
+        </p:nvSpPr>
+        <p:spPr/>
+        <p:txBody>
+          <a:bodyPr/>
+          <a:lstStyle/>
+          <a:p>
+            <a:r>
+              <a:rPr lang="en-US" dirty="0"/>
+              <a:t>Generics</a:t>
+            </a:r>
+          </a:p>
+        </p:txBody>
+      </p:sp>
+      <p:sp>
+        <p:nvSpPr>
+          <p:cNvPr id="3" name="Content Placeholder 2">
+            <a:extLst>
+              <a:ext uri="{FF2B5EF4-FFF2-40B4-BE49-F238E27FC236}">
+                <a16:creationId xmlns:a16="http://schemas.microsoft.com/office/drawing/2014/main" id="{BEEFDA21-9A5F-47C8-97F4-44D914C52D7F}"/>
+              </a:ext>
+            </a:extLst>
+          </p:cNvPr>
+          <p:cNvSpPr>
+            <a:spLocks noGrp="1"/>
+          </p:cNvSpPr>
+          <p:nvPr>
+            <p:ph idx="1"/>
+          </p:nvPr>
+        </p:nvSpPr>
+        <p:spPr/>
+        <p:txBody>
+          <a:bodyPr/>
+          <a:lstStyle/>
+          <a:p>
+            <a:r>
+              <a:rPr lang="en-US" dirty="0"/>
+              <a:t>&lt;String&gt;</a:t>
+            </a:r>
+          </a:p>
+          <a:p>
+            <a:r>
+              <a:rPr lang="en-US" dirty="0"/>
+              <a:t>&lt;Integer&gt;</a:t>
+            </a:r>
+          </a:p>
+          <a:p>
+            <a:r>
+              <a:rPr lang="en-US" dirty="0"/>
+              <a:t>&lt;Employee&gt;</a:t>
+            </a:r>
+          </a:p>
+          <a:p>
+            <a:endParaRPr lang="en-US" dirty="0"/>
+          </a:p>
+        </p:txBody>
+      </p:sp>
+    </p:spTree>
+    <p:extLst>
+      <p:ext uri="{BB962C8B-B14F-4D97-AF65-F5344CB8AC3E}">
+        <p14:creationId xmlns:p14="http://schemas.microsoft.com/office/powerpoint/2010/main" val="3576598873"/>
+      </p:ext>
+    </p:extLst>
+  </p:cSld>
+  <p:clrMapOvr>
+    <a:masterClrMapping/>
+  </p:clrMapOvr>
+</p:sld>
+</file>
+
 <file path=ppt/slides/slide7.xml><?xml version="1.0" encoding="utf-8"?>
 <p:sld xmlns:a="http://schemas.openxmlformats.org/drawingml/2006/main" xmlns:r="http://schemas.openxmlformats.org/officeDocument/2006/relationships" xmlns:p="http://schemas.openxmlformats.org/presentationml/2006/main">
   <p:cSld>
@@ -22502,6 +24983,6055 @@
     <p:extLst>
       <p:ext uri="{BB962C8B-B14F-4D97-AF65-F5344CB8AC3E}">
         <p14:creationId xmlns:p14="http://schemas.microsoft.com/office/powerpoint/2010/main" val="4097803578"/>
+      </p:ext>
+    </p:extLst>
+  </p:cSld>
+  <p:clrMapOvr>
+    <a:masterClrMapping/>
+  </p:clrMapOvr>
+</p:sld>
+</file>
+
+<file path=ppt/slides/slide70.xml><?xml version="1.0" encoding="utf-8"?>
+<p:sld xmlns:a="http://schemas.openxmlformats.org/drawingml/2006/main" xmlns:r="http://schemas.openxmlformats.org/officeDocument/2006/relationships" xmlns:p="http://schemas.openxmlformats.org/presentationml/2006/main">
+  <p:cSld>
+    <p:spTree>
+      <p:nvGrpSpPr>
+        <p:cNvPr id="1" name=""/>
+        <p:cNvGrpSpPr/>
+        <p:nvPr/>
+      </p:nvGrpSpPr>
+      <p:grpSpPr>
+        <a:xfrm>
+          <a:off x="0" y="0"/>
+          <a:ext cx="0" cy="0"/>
+          <a:chOff x="0" y="0"/>
+          <a:chExt cx="0" cy="0"/>
+        </a:xfrm>
+      </p:grpSpPr>
+      <p:sp>
+        <p:nvSpPr>
+          <p:cNvPr id="2" name="Title 1">
+            <a:extLst>
+              <a:ext uri="{FF2B5EF4-FFF2-40B4-BE49-F238E27FC236}">
+                <a16:creationId xmlns:a16="http://schemas.microsoft.com/office/drawing/2014/main" id="{65978EF0-BEDE-4E58-9DD2-2BB897AFD99B}"/>
+              </a:ext>
+            </a:extLst>
+          </p:cNvPr>
+          <p:cNvSpPr>
+            <a:spLocks noGrp="1"/>
+          </p:cNvSpPr>
+          <p:nvPr>
+            <p:ph type="title"/>
+          </p:nvPr>
+        </p:nvSpPr>
+        <p:spPr/>
+        <p:txBody>
+          <a:bodyPr/>
+          <a:lstStyle/>
+          <a:p>
+            <a:r>
+              <a:rPr lang="en-US" dirty="0"/>
+              <a:t>Wrapper Classes</a:t>
+            </a:r>
+          </a:p>
+        </p:txBody>
+      </p:sp>
+      <p:sp>
+        <p:nvSpPr>
+          <p:cNvPr id="3" name="Content Placeholder 2">
+            <a:extLst>
+              <a:ext uri="{FF2B5EF4-FFF2-40B4-BE49-F238E27FC236}">
+                <a16:creationId xmlns:a16="http://schemas.microsoft.com/office/drawing/2014/main" id="{8D5B66BF-AABC-4288-AD82-E115DF837A06}"/>
+              </a:ext>
+            </a:extLst>
+          </p:cNvPr>
+          <p:cNvSpPr>
+            <a:spLocks noGrp="1"/>
+          </p:cNvSpPr>
+          <p:nvPr>
+            <p:ph idx="1"/>
+          </p:nvPr>
+        </p:nvSpPr>
+        <p:spPr/>
+        <p:txBody>
+          <a:bodyPr/>
+          <a:lstStyle/>
+          <a:p>
+            <a:r>
+              <a:rPr lang="en-US" dirty="0"/>
+              <a:t>char  - Character</a:t>
+            </a:r>
+          </a:p>
+          <a:p>
+            <a:r>
+              <a:rPr lang="en-US" dirty="0" err="1"/>
+              <a:t>boolean</a:t>
+            </a:r>
+            <a:r>
+              <a:rPr lang="en-US" dirty="0"/>
+              <a:t> – Boolean</a:t>
+            </a:r>
+          </a:p>
+          <a:p>
+            <a:r>
+              <a:rPr lang="en-US" dirty="0"/>
+              <a:t>int  - Integer</a:t>
+            </a:r>
+          </a:p>
+          <a:p>
+            <a:r>
+              <a:rPr lang="en-US" dirty="0"/>
+              <a:t>double – Double</a:t>
+            </a:r>
+          </a:p>
+          <a:p>
+            <a:r>
+              <a:rPr lang="en-US" dirty="0"/>
+              <a:t>short – Short</a:t>
+            </a:r>
+          </a:p>
+          <a:p>
+            <a:r>
+              <a:rPr lang="en-US" dirty="0"/>
+              <a:t>long – Long</a:t>
+            </a:r>
+          </a:p>
+          <a:p>
+            <a:r>
+              <a:rPr lang="en-US" dirty="0"/>
+              <a:t>float – Float</a:t>
+            </a:r>
+          </a:p>
+          <a:p>
+            <a:r>
+              <a:rPr lang="en-US" dirty="0"/>
+              <a:t>byte - Byte</a:t>
+            </a:r>
+          </a:p>
+        </p:txBody>
+      </p:sp>
+    </p:spTree>
+    <p:extLst>
+      <p:ext uri="{BB962C8B-B14F-4D97-AF65-F5344CB8AC3E}">
+        <p14:creationId xmlns:p14="http://schemas.microsoft.com/office/powerpoint/2010/main" val="2906099375"/>
+      </p:ext>
+    </p:extLst>
+  </p:cSld>
+  <p:clrMapOvr>
+    <a:masterClrMapping/>
+  </p:clrMapOvr>
+</p:sld>
+</file>
+
+<file path=ppt/slides/slide71.xml><?xml version="1.0" encoding="utf-8"?>
+<p:sld xmlns:a="http://schemas.openxmlformats.org/drawingml/2006/main" xmlns:r="http://schemas.openxmlformats.org/officeDocument/2006/relationships" xmlns:p="http://schemas.openxmlformats.org/presentationml/2006/main">
+  <p:cSld>
+    <p:spTree>
+      <p:nvGrpSpPr>
+        <p:cNvPr id="1" name=""/>
+        <p:cNvGrpSpPr/>
+        <p:nvPr/>
+      </p:nvGrpSpPr>
+      <p:grpSpPr>
+        <a:xfrm>
+          <a:off x="0" y="0"/>
+          <a:ext cx="0" cy="0"/>
+          <a:chOff x="0" y="0"/>
+          <a:chExt cx="0" cy="0"/>
+        </a:xfrm>
+      </p:grpSpPr>
+      <p:sp>
+        <p:nvSpPr>
+          <p:cNvPr id="46" name="Freeform: Shape 45">
+            <a:extLst>
+              <a:ext uri="{FF2B5EF4-FFF2-40B4-BE49-F238E27FC236}">
+                <a16:creationId xmlns:a16="http://schemas.microsoft.com/office/drawing/2014/main" id="{3AF78C59-B8BE-4CB9-B229-2F8DE77AE1EE}"/>
+              </a:ext>
+            </a:extLst>
+          </p:cNvPr>
+          <p:cNvSpPr/>
+          <p:nvPr/>
+        </p:nvSpPr>
+        <p:spPr>
+          <a:xfrm>
+            <a:off x="8804953" y="1479479"/>
+            <a:ext cx="3441843" cy="4695290"/>
+          </a:xfrm>
+          <a:custGeom>
+            <a:avLst/>
+            <a:gdLst>
+              <a:gd name="connsiteX0" fmla="*/ 3061699 w 3441843"/>
+              <a:gd name="connsiteY0" fmla="*/ 4438436 h 4695290"/>
+              <a:gd name="connsiteX1" fmla="*/ 2979505 w 3441843"/>
+              <a:gd name="connsiteY1" fmla="*/ 4520629 h 4695290"/>
+              <a:gd name="connsiteX2" fmla="*/ 2938409 w 3441843"/>
+              <a:gd name="connsiteY2" fmla="*/ 4530903 h 4695290"/>
+              <a:gd name="connsiteX3" fmla="*/ 2887038 w 3441843"/>
+              <a:gd name="connsiteY3" fmla="*/ 4561725 h 4695290"/>
+              <a:gd name="connsiteX4" fmla="*/ 2804845 w 3441843"/>
+              <a:gd name="connsiteY4" fmla="*/ 4592548 h 4695290"/>
+              <a:gd name="connsiteX5" fmla="*/ 2702103 w 3441843"/>
+              <a:gd name="connsiteY5" fmla="*/ 4623370 h 4695290"/>
+              <a:gd name="connsiteX6" fmla="*/ 2650732 w 3441843"/>
+              <a:gd name="connsiteY6" fmla="*/ 4633645 h 4695290"/>
+              <a:gd name="connsiteX7" fmla="*/ 2517168 w 3441843"/>
+              <a:gd name="connsiteY7" fmla="*/ 4664467 h 4695290"/>
+              <a:gd name="connsiteX8" fmla="*/ 2424701 w 3441843"/>
+              <a:gd name="connsiteY8" fmla="*/ 4674741 h 4695290"/>
+              <a:gd name="connsiteX9" fmla="*/ 2270589 w 3441843"/>
+              <a:gd name="connsiteY9" fmla="*/ 4695290 h 4695290"/>
+              <a:gd name="connsiteX10" fmla="*/ 1869896 w 3441843"/>
+              <a:gd name="connsiteY10" fmla="*/ 4685015 h 4695290"/>
+              <a:gd name="connsiteX11" fmla="*/ 1777429 w 3441843"/>
+              <a:gd name="connsiteY11" fmla="*/ 4654193 h 4695290"/>
+              <a:gd name="connsiteX12" fmla="*/ 1705510 w 3441843"/>
+              <a:gd name="connsiteY12" fmla="*/ 4643919 h 4695290"/>
+              <a:gd name="connsiteX13" fmla="*/ 1643865 w 3441843"/>
+              <a:gd name="connsiteY13" fmla="*/ 4613096 h 4695290"/>
+              <a:gd name="connsiteX14" fmla="*/ 1561672 w 3441843"/>
+              <a:gd name="connsiteY14" fmla="*/ 4602822 h 4695290"/>
+              <a:gd name="connsiteX15" fmla="*/ 1510301 w 3441843"/>
+              <a:gd name="connsiteY15" fmla="*/ 4592548 h 4695290"/>
+              <a:gd name="connsiteX16" fmla="*/ 1458930 w 3441843"/>
+              <a:gd name="connsiteY16" fmla="*/ 4572000 h 4695290"/>
+              <a:gd name="connsiteX17" fmla="*/ 1376737 w 3441843"/>
+              <a:gd name="connsiteY17" fmla="*/ 4551451 h 4695290"/>
+              <a:gd name="connsiteX18" fmla="*/ 1335640 w 3441843"/>
+              <a:gd name="connsiteY18" fmla="*/ 4530903 h 4695290"/>
+              <a:gd name="connsiteX19" fmla="*/ 1253447 w 3441843"/>
+              <a:gd name="connsiteY19" fmla="*/ 4510355 h 4695290"/>
+              <a:gd name="connsiteX20" fmla="*/ 1202076 w 3441843"/>
+              <a:gd name="connsiteY20" fmla="*/ 4489806 h 4695290"/>
+              <a:gd name="connsiteX21" fmla="*/ 1119883 w 3441843"/>
+              <a:gd name="connsiteY21" fmla="*/ 4428161 h 4695290"/>
+              <a:gd name="connsiteX22" fmla="*/ 1027416 w 3441843"/>
+              <a:gd name="connsiteY22" fmla="*/ 4356242 h 4695290"/>
+              <a:gd name="connsiteX23" fmla="*/ 965771 w 3441843"/>
+              <a:gd name="connsiteY23" fmla="*/ 4304872 h 4695290"/>
+              <a:gd name="connsiteX24" fmla="*/ 883577 w 3441843"/>
+              <a:gd name="connsiteY24" fmla="*/ 4243227 h 4695290"/>
+              <a:gd name="connsiteX25" fmla="*/ 852755 w 3441843"/>
+              <a:gd name="connsiteY25" fmla="*/ 4212404 h 4695290"/>
+              <a:gd name="connsiteX26" fmla="*/ 811658 w 3441843"/>
+              <a:gd name="connsiteY26" fmla="*/ 4150759 h 4695290"/>
+              <a:gd name="connsiteX27" fmla="*/ 770562 w 3441843"/>
+              <a:gd name="connsiteY27" fmla="*/ 4058292 h 4695290"/>
+              <a:gd name="connsiteX28" fmla="*/ 739739 w 3441843"/>
+              <a:gd name="connsiteY28" fmla="*/ 2763748 h 4695290"/>
+              <a:gd name="connsiteX29" fmla="*/ 708917 w 3441843"/>
+              <a:gd name="connsiteY29" fmla="*/ 2568539 h 4695290"/>
+              <a:gd name="connsiteX30" fmla="*/ 688368 w 3441843"/>
+              <a:gd name="connsiteY30" fmla="*/ 2486346 h 4695290"/>
+              <a:gd name="connsiteX31" fmla="*/ 678094 w 3441843"/>
+              <a:gd name="connsiteY31" fmla="*/ 2434975 h 4695290"/>
+              <a:gd name="connsiteX32" fmla="*/ 647272 w 3441843"/>
+              <a:gd name="connsiteY32" fmla="*/ 2393878 h 4695290"/>
+              <a:gd name="connsiteX33" fmla="*/ 606175 w 3441843"/>
+              <a:gd name="connsiteY33" fmla="*/ 2250040 h 4695290"/>
+              <a:gd name="connsiteX34" fmla="*/ 585627 w 3441843"/>
+              <a:gd name="connsiteY34" fmla="*/ 2188395 h 4695290"/>
+              <a:gd name="connsiteX35" fmla="*/ 513708 w 3441843"/>
+              <a:gd name="connsiteY35" fmla="*/ 2095928 h 4695290"/>
+              <a:gd name="connsiteX36" fmla="*/ 462337 w 3441843"/>
+              <a:gd name="connsiteY36" fmla="*/ 1982912 h 4695290"/>
+              <a:gd name="connsiteX37" fmla="*/ 431514 w 3441843"/>
+              <a:gd name="connsiteY37" fmla="*/ 1931541 h 4695290"/>
+              <a:gd name="connsiteX38" fmla="*/ 421240 w 3441843"/>
+              <a:gd name="connsiteY38" fmla="*/ 1890445 h 4695290"/>
+              <a:gd name="connsiteX39" fmla="*/ 318499 w 3441843"/>
+              <a:gd name="connsiteY39" fmla="*/ 1767155 h 4695290"/>
+              <a:gd name="connsiteX40" fmla="*/ 256854 w 3441843"/>
+              <a:gd name="connsiteY40" fmla="*/ 1684961 h 4695290"/>
+              <a:gd name="connsiteX41" fmla="*/ 184935 w 3441843"/>
+              <a:gd name="connsiteY41" fmla="*/ 1582220 h 4695290"/>
+              <a:gd name="connsiteX42" fmla="*/ 123290 w 3441843"/>
+              <a:gd name="connsiteY42" fmla="*/ 1500027 h 4695290"/>
+              <a:gd name="connsiteX43" fmla="*/ 92467 w 3441843"/>
+              <a:gd name="connsiteY43" fmla="*/ 1438382 h 4695290"/>
+              <a:gd name="connsiteX44" fmla="*/ 61645 w 3441843"/>
+              <a:gd name="connsiteY44" fmla="*/ 1376737 h 4695290"/>
+              <a:gd name="connsiteX45" fmla="*/ 41096 w 3441843"/>
+              <a:gd name="connsiteY45" fmla="*/ 1294543 h 4695290"/>
+              <a:gd name="connsiteX46" fmla="*/ 30822 w 3441843"/>
+              <a:gd name="connsiteY46" fmla="*/ 1232899 h 4695290"/>
+              <a:gd name="connsiteX47" fmla="*/ 0 w 3441843"/>
+              <a:gd name="connsiteY47" fmla="*/ 1150705 h 4695290"/>
+              <a:gd name="connsiteX48" fmla="*/ 61645 w 3441843"/>
+              <a:gd name="connsiteY48" fmla="*/ 667820 h 4695290"/>
+              <a:gd name="connsiteX49" fmla="*/ 82193 w 3441843"/>
+              <a:gd name="connsiteY49" fmla="*/ 636997 h 4695290"/>
+              <a:gd name="connsiteX50" fmla="*/ 123290 w 3441843"/>
+              <a:gd name="connsiteY50" fmla="*/ 534256 h 4695290"/>
+              <a:gd name="connsiteX51" fmla="*/ 164386 w 3441843"/>
+              <a:gd name="connsiteY51" fmla="*/ 513708 h 4695290"/>
+              <a:gd name="connsiteX52" fmla="*/ 205483 w 3441843"/>
+              <a:gd name="connsiteY52" fmla="*/ 472611 h 4695290"/>
+              <a:gd name="connsiteX53" fmla="*/ 297950 w 3441843"/>
+              <a:gd name="connsiteY53" fmla="*/ 359595 h 4695290"/>
+              <a:gd name="connsiteX54" fmla="*/ 318499 w 3441843"/>
+              <a:gd name="connsiteY54" fmla="*/ 339047 h 4695290"/>
+              <a:gd name="connsiteX55" fmla="*/ 349321 w 3441843"/>
+              <a:gd name="connsiteY55" fmla="*/ 308224 h 4695290"/>
+              <a:gd name="connsiteX56" fmla="*/ 441789 w 3441843"/>
+              <a:gd name="connsiteY56" fmla="*/ 256854 h 4695290"/>
+              <a:gd name="connsiteX57" fmla="*/ 523982 w 3441843"/>
+              <a:gd name="connsiteY57" fmla="*/ 195209 h 4695290"/>
+              <a:gd name="connsiteX58" fmla="*/ 565078 w 3441843"/>
+              <a:gd name="connsiteY58" fmla="*/ 164386 h 4695290"/>
+              <a:gd name="connsiteX59" fmla="*/ 667820 w 3441843"/>
+              <a:gd name="connsiteY59" fmla="*/ 143838 h 4695290"/>
+              <a:gd name="connsiteX60" fmla="*/ 719191 w 3441843"/>
+              <a:gd name="connsiteY60" fmla="*/ 113015 h 4695290"/>
+              <a:gd name="connsiteX61" fmla="*/ 750013 w 3441843"/>
+              <a:gd name="connsiteY61" fmla="*/ 82193 h 4695290"/>
+              <a:gd name="connsiteX62" fmla="*/ 801384 w 3441843"/>
+              <a:gd name="connsiteY62" fmla="*/ 71919 h 4695290"/>
+              <a:gd name="connsiteX63" fmla="*/ 1037690 w 3441843"/>
+              <a:gd name="connsiteY63" fmla="*/ 0 h 4695290"/>
+              <a:gd name="connsiteX64" fmla="*/ 1777429 w 3441843"/>
+              <a:gd name="connsiteY64" fmla="*/ 20548 h 4695290"/>
+              <a:gd name="connsiteX65" fmla="*/ 1869896 w 3441843"/>
+              <a:gd name="connsiteY65" fmla="*/ 51370 h 4695290"/>
+              <a:gd name="connsiteX66" fmla="*/ 1952090 w 3441843"/>
+              <a:gd name="connsiteY66" fmla="*/ 61645 h 4695290"/>
+              <a:gd name="connsiteX67" fmla="*/ 2024009 w 3441843"/>
+              <a:gd name="connsiteY67" fmla="*/ 92467 h 4695290"/>
+              <a:gd name="connsiteX68" fmla="*/ 2065105 w 3441843"/>
+              <a:gd name="connsiteY68" fmla="*/ 113015 h 4695290"/>
+              <a:gd name="connsiteX69" fmla="*/ 2208944 w 3441843"/>
+              <a:gd name="connsiteY69" fmla="*/ 174660 h 4695290"/>
+              <a:gd name="connsiteX70" fmla="*/ 2280863 w 3441843"/>
+              <a:gd name="connsiteY70" fmla="*/ 195209 h 4695290"/>
+              <a:gd name="connsiteX71" fmla="*/ 2393878 w 3441843"/>
+              <a:gd name="connsiteY71" fmla="*/ 267128 h 4695290"/>
+              <a:gd name="connsiteX72" fmla="*/ 2455523 w 3441843"/>
+              <a:gd name="connsiteY72" fmla="*/ 287676 h 4695290"/>
+              <a:gd name="connsiteX73" fmla="*/ 2568539 w 3441843"/>
+              <a:gd name="connsiteY73" fmla="*/ 318499 h 4695290"/>
+              <a:gd name="connsiteX74" fmla="*/ 2609636 w 3441843"/>
+              <a:gd name="connsiteY74" fmla="*/ 339047 h 4695290"/>
+              <a:gd name="connsiteX75" fmla="*/ 2671281 w 3441843"/>
+              <a:gd name="connsiteY75" fmla="*/ 349321 h 4695290"/>
+              <a:gd name="connsiteX76" fmla="*/ 2712377 w 3441843"/>
+              <a:gd name="connsiteY76" fmla="*/ 359595 h 4695290"/>
+              <a:gd name="connsiteX77" fmla="*/ 2774022 w 3441843"/>
+              <a:gd name="connsiteY77" fmla="*/ 390418 h 4695290"/>
+              <a:gd name="connsiteX78" fmla="*/ 2815119 w 3441843"/>
+              <a:gd name="connsiteY78" fmla="*/ 400692 h 4695290"/>
+              <a:gd name="connsiteX79" fmla="*/ 2907586 w 3441843"/>
+              <a:gd name="connsiteY79" fmla="*/ 421240 h 4695290"/>
+              <a:gd name="connsiteX80" fmla="*/ 3000054 w 3441843"/>
+              <a:gd name="connsiteY80" fmla="*/ 472611 h 4695290"/>
+              <a:gd name="connsiteX81" fmla="*/ 3041150 w 3441843"/>
+              <a:gd name="connsiteY81" fmla="*/ 503433 h 4695290"/>
+              <a:gd name="connsiteX82" fmla="*/ 3113069 w 3441843"/>
+              <a:gd name="connsiteY82" fmla="*/ 523982 h 4695290"/>
+              <a:gd name="connsiteX83" fmla="*/ 3184989 w 3441843"/>
+              <a:gd name="connsiteY83" fmla="*/ 606175 h 4695290"/>
+              <a:gd name="connsiteX84" fmla="*/ 3215811 w 3441843"/>
+              <a:gd name="connsiteY84" fmla="*/ 636997 h 4695290"/>
+              <a:gd name="connsiteX85" fmla="*/ 3236359 w 3441843"/>
+              <a:gd name="connsiteY85" fmla="*/ 657546 h 4695290"/>
+              <a:gd name="connsiteX86" fmla="*/ 3287730 w 3441843"/>
+              <a:gd name="connsiteY86" fmla="*/ 739739 h 4695290"/>
+              <a:gd name="connsiteX87" fmla="*/ 3318553 w 3441843"/>
+              <a:gd name="connsiteY87" fmla="*/ 811658 h 4695290"/>
+              <a:gd name="connsiteX88" fmla="*/ 3349375 w 3441843"/>
+              <a:gd name="connsiteY88" fmla="*/ 863029 h 4695290"/>
+              <a:gd name="connsiteX89" fmla="*/ 3369923 w 3441843"/>
+              <a:gd name="connsiteY89" fmla="*/ 924674 h 4695290"/>
+              <a:gd name="connsiteX90" fmla="*/ 3380198 w 3441843"/>
+              <a:gd name="connsiteY90" fmla="*/ 955496 h 4695290"/>
+              <a:gd name="connsiteX91" fmla="*/ 3411020 w 3441843"/>
+              <a:gd name="connsiteY91" fmla="*/ 1017141 h 4695290"/>
+              <a:gd name="connsiteX92" fmla="*/ 3421294 w 3441843"/>
+              <a:gd name="connsiteY92" fmla="*/ 1089060 h 4695290"/>
+              <a:gd name="connsiteX93" fmla="*/ 3441843 w 3441843"/>
+              <a:gd name="connsiteY93" fmla="*/ 1171254 h 4695290"/>
+              <a:gd name="connsiteX94" fmla="*/ 3421294 w 3441843"/>
+              <a:gd name="connsiteY94" fmla="*/ 2044557 h 4695290"/>
+              <a:gd name="connsiteX95" fmla="*/ 3390472 w 3441843"/>
+              <a:gd name="connsiteY95" fmla="*/ 2198669 h 4695290"/>
+              <a:gd name="connsiteX96" fmla="*/ 3349375 w 3441843"/>
+              <a:gd name="connsiteY96" fmla="*/ 2301411 h 4695290"/>
+              <a:gd name="connsiteX97" fmla="*/ 3328827 w 3441843"/>
+              <a:gd name="connsiteY97" fmla="*/ 2393878 h 4695290"/>
+              <a:gd name="connsiteX98" fmla="*/ 3318553 w 3441843"/>
+              <a:gd name="connsiteY98" fmla="*/ 2424701 h 4695290"/>
+              <a:gd name="connsiteX99" fmla="*/ 3277456 w 3441843"/>
+              <a:gd name="connsiteY99" fmla="*/ 2619910 h 4695290"/>
+              <a:gd name="connsiteX100" fmla="*/ 3256908 w 3441843"/>
+              <a:gd name="connsiteY100" fmla="*/ 2712377 h 4695290"/>
+              <a:gd name="connsiteX101" fmla="*/ 3215811 w 3441843"/>
+              <a:gd name="connsiteY101" fmla="*/ 2835667 h 4695290"/>
+              <a:gd name="connsiteX102" fmla="*/ 3195263 w 3441843"/>
+              <a:gd name="connsiteY102" fmla="*/ 3000054 h 4695290"/>
+              <a:gd name="connsiteX103" fmla="*/ 3184989 w 3441843"/>
+              <a:gd name="connsiteY103" fmla="*/ 3380197 h 4695290"/>
+              <a:gd name="connsiteX104" fmla="*/ 3154166 w 3441843"/>
+              <a:gd name="connsiteY104" fmla="*/ 3411020 h 4695290"/>
+              <a:gd name="connsiteX105" fmla="*/ 3143892 w 3441843"/>
+              <a:gd name="connsiteY105" fmla="*/ 3452117 h 4695290"/>
+              <a:gd name="connsiteX106" fmla="*/ 3133618 w 3441843"/>
+              <a:gd name="connsiteY106" fmla="*/ 3482939 h 4695290"/>
+              <a:gd name="connsiteX107" fmla="*/ 3113069 w 3441843"/>
+              <a:gd name="connsiteY107" fmla="*/ 3575406 h 4695290"/>
+              <a:gd name="connsiteX108" fmla="*/ 3092521 w 3441843"/>
+              <a:gd name="connsiteY108" fmla="*/ 3637051 h 4695290"/>
+              <a:gd name="connsiteX109" fmla="*/ 3061699 w 3441843"/>
+              <a:gd name="connsiteY109" fmla="*/ 3729519 h 4695290"/>
+              <a:gd name="connsiteX110" fmla="*/ 3030876 w 3441843"/>
+              <a:gd name="connsiteY110" fmla="*/ 3935002 h 4695290"/>
+              <a:gd name="connsiteX111" fmla="*/ 3020602 w 3441843"/>
+              <a:gd name="connsiteY111" fmla="*/ 4263775 h 4695290"/>
+              <a:gd name="connsiteX112" fmla="*/ 3010328 w 3441843"/>
+              <a:gd name="connsiteY112" fmla="*/ 4366517 h 4695290"/>
+              <a:gd name="connsiteX113" fmla="*/ 2969231 w 3441843"/>
+              <a:gd name="connsiteY113" fmla="*/ 4407613 h 4695290"/>
+              <a:gd name="connsiteX114" fmla="*/ 2948683 w 3441843"/>
+              <a:gd name="connsiteY114" fmla="*/ 4489806 h 4695290"/>
+              <a:gd name="connsiteX115" fmla="*/ 2938409 w 3441843"/>
+              <a:gd name="connsiteY115" fmla="*/ 4520629 h 4695290"/>
+              <a:gd name="connsiteX116" fmla="*/ 2938409 w 3441843"/>
+              <a:gd name="connsiteY116" fmla="*/ 4582274 h 4695290"/>
+            </a:gdLst>
+            <a:ahLst/>
+            <a:cxnLst>
+              <a:cxn ang="0">
+                <a:pos x="connsiteX0" y="connsiteY0"/>
+              </a:cxn>
+              <a:cxn ang="0">
+                <a:pos x="connsiteX1" y="connsiteY1"/>
+              </a:cxn>
+              <a:cxn ang="0">
+                <a:pos x="connsiteX2" y="connsiteY2"/>
+              </a:cxn>
+              <a:cxn ang="0">
+                <a:pos x="connsiteX3" y="connsiteY3"/>
+              </a:cxn>
+              <a:cxn ang="0">
+                <a:pos x="connsiteX4" y="connsiteY4"/>
+              </a:cxn>
+              <a:cxn ang="0">
+                <a:pos x="connsiteX5" y="connsiteY5"/>
+              </a:cxn>
+              <a:cxn ang="0">
+                <a:pos x="connsiteX6" y="connsiteY6"/>
+              </a:cxn>
+              <a:cxn ang="0">
+                <a:pos x="connsiteX7" y="connsiteY7"/>
+              </a:cxn>
+              <a:cxn ang="0">
+                <a:pos x="connsiteX8" y="connsiteY8"/>
+              </a:cxn>
+              <a:cxn ang="0">
+                <a:pos x="connsiteX9" y="connsiteY9"/>
+              </a:cxn>
+              <a:cxn ang="0">
+                <a:pos x="connsiteX10" y="connsiteY10"/>
+              </a:cxn>
+              <a:cxn ang="0">
+                <a:pos x="connsiteX11" y="connsiteY11"/>
+              </a:cxn>
+              <a:cxn ang="0">
+                <a:pos x="connsiteX12" y="connsiteY12"/>
+              </a:cxn>
+              <a:cxn ang="0">
+                <a:pos x="connsiteX13" y="connsiteY13"/>
+              </a:cxn>
+              <a:cxn ang="0">
+                <a:pos x="connsiteX14" y="connsiteY14"/>
+              </a:cxn>
+              <a:cxn ang="0">
+                <a:pos x="connsiteX15" y="connsiteY15"/>
+              </a:cxn>
+              <a:cxn ang="0">
+                <a:pos x="connsiteX16" y="connsiteY16"/>
+              </a:cxn>
+              <a:cxn ang="0">
+                <a:pos x="connsiteX17" y="connsiteY17"/>
+              </a:cxn>
+              <a:cxn ang="0">
+                <a:pos x="connsiteX18" y="connsiteY18"/>
+              </a:cxn>
+              <a:cxn ang="0">
+                <a:pos x="connsiteX19" y="connsiteY19"/>
+              </a:cxn>
+              <a:cxn ang="0">
+                <a:pos x="connsiteX20" y="connsiteY20"/>
+              </a:cxn>
+              <a:cxn ang="0">
+                <a:pos x="connsiteX21" y="connsiteY21"/>
+              </a:cxn>
+              <a:cxn ang="0">
+                <a:pos x="connsiteX22" y="connsiteY22"/>
+              </a:cxn>
+              <a:cxn ang="0">
+                <a:pos x="connsiteX23" y="connsiteY23"/>
+              </a:cxn>
+              <a:cxn ang="0">
+                <a:pos x="connsiteX24" y="connsiteY24"/>
+              </a:cxn>
+              <a:cxn ang="0">
+                <a:pos x="connsiteX25" y="connsiteY25"/>
+              </a:cxn>
+              <a:cxn ang="0">
+                <a:pos x="connsiteX26" y="connsiteY26"/>
+              </a:cxn>
+              <a:cxn ang="0">
+                <a:pos x="connsiteX27" y="connsiteY27"/>
+              </a:cxn>
+              <a:cxn ang="0">
+                <a:pos x="connsiteX28" y="connsiteY28"/>
+              </a:cxn>
+              <a:cxn ang="0">
+                <a:pos x="connsiteX29" y="connsiteY29"/>
+              </a:cxn>
+              <a:cxn ang="0">
+                <a:pos x="connsiteX30" y="connsiteY30"/>
+              </a:cxn>
+              <a:cxn ang="0">
+                <a:pos x="connsiteX31" y="connsiteY31"/>
+              </a:cxn>
+              <a:cxn ang="0">
+                <a:pos x="connsiteX32" y="connsiteY32"/>
+              </a:cxn>
+              <a:cxn ang="0">
+                <a:pos x="connsiteX33" y="connsiteY33"/>
+              </a:cxn>
+              <a:cxn ang="0">
+                <a:pos x="connsiteX34" y="connsiteY34"/>
+              </a:cxn>
+              <a:cxn ang="0">
+                <a:pos x="connsiteX35" y="connsiteY35"/>
+              </a:cxn>
+              <a:cxn ang="0">
+                <a:pos x="connsiteX36" y="connsiteY36"/>
+              </a:cxn>
+              <a:cxn ang="0">
+                <a:pos x="connsiteX37" y="connsiteY37"/>
+              </a:cxn>
+              <a:cxn ang="0">
+                <a:pos x="connsiteX38" y="connsiteY38"/>
+              </a:cxn>
+              <a:cxn ang="0">
+                <a:pos x="connsiteX39" y="connsiteY39"/>
+              </a:cxn>
+              <a:cxn ang="0">
+                <a:pos x="connsiteX40" y="connsiteY40"/>
+              </a:cxn>
+              <a:cxn ang="0">
+                <a:pos x="connsiteX41" y="connsiteY41"/>
+              </a:cxn>
+              <a:cxn ang="0">
+                <a:pos x="connsiteX42" y="connsiteY42"/>
+              </a:cxn>
+              <a:cxn ang="0">
+                <a:pos x="connsiteX43" y="connsiteY43"/>
+              </a:cxn>
+              <a:cxn ang="0">
+                <a:pos x="connsiteX44" y="connsiteY44"/>
+              </a:cxn>
+              <a:cxn ang="0">
+                <a:pos x="connsiteX45" y="connsiteY45"/>
+              </a:cxn>
+              <a:cxn ang="0">
+                <a:pos x="connsiteX46" y="connsiteY46"/>
+              </a:cxn>
+              <a:cxn ang="0">
+                <a:pos x="connsiteX47" y="connsiteY47"/>
+              </a:cxn>
+              <a:cxn ang="0">
+                <a:pos x="connsiteX48" y="connsiteY48"/>
+              </a:cxn>
+              <a:cxn ang="0">
+                <a:pos x="connsiteX49" y="connsiteY49"/>
+              </a:cxn>
+              <a:cxn ang="0">
+                <a:pos x="connsiteX50" y="connsiteY50"/>
+              </a:cxn>
+              <a:cxn ang="0">
+                <a:pos x="connsiteX51" y="connsiteY51"/>
+              </a:cxn>
+              <a:cxn ang="0">
+                <a:pos x="connsiteX52" y="connsiteY52"/>
+              </a:cxn>
+              <a:cxn ang="0">
+                <a:pos x="connsiteX53" y="connsiteY53"/>
+              </a:cxn>
+              <a:cxn ang="0">
+                <a:pos x="connsiteX54" y="connsiteY54"/>
+              </a:cxn>
+              <a:cxn ang="0">
+                <a:pos x="connsiteX55" y="connsiteY55"/>
+              </a:cxn>
+              <a:cxn ang="0">
+                <a:pos x="connsiteX56" y="connsiteY56"/>
+              </a:cxn>
+              <a:cxn ang="0">
+                <a:pos x="connsiteX57" y="connsiteY57"/>
+              </a:cxn>
+              <a:cxn ang="0">
+                <a:pos x="connsiteX58" y="connsiteY58"/>
+              </a:cxn>
+              <a:cxn ang="0">
+                <a:pos x="connsiteX59" y="connsiteY59"/>
+              </a:cxn>
+              <a:cxn ang="0">
+                <a:pos x="connsiteX60" y="connsiteY60"/>
+              </a:cxn>
+              <a:cxn ang="0">
+                <a:pos x="connsiteX61" y="connsiteY61"/>
+              </a:cxn>
+              <a:cxn ang="0">
+                <a:pos x="connsiteX62" y="connsiteY62"/>
+              </a:cxn>
+              <a:cxn ang="0">
+                <a:pos x="connsiteX63" y="connsiteY63"/>
+              </a:cxn>
+              <a:cxn ang="0">
+                <a:pos x="connsiteX64" y="connsiteY64"/>
+              </a:cxn>
+              <a:cxn ang="0">
+                <a:pos x="connsiteX65" y="connsiteY65"/>
+              </a:cxn>
+              <a:cxn ang="0">
+                <a:pos x="connsiteX66" y="connsiteY66"/>
+              </a:cxn>
+              <a:cxn ang="0">
+                <a:pos x="connsiteX67" y="connsiteY67"/>
+              </a:cxn>
+              <a:cxn ang="0">
+                <a:pos x="connsiteX68" y="connsiteY68"/>
+              </a:cxn>
+              <a:cxn ang="0">
+                <a:pos x="connsiteX69" y="connsiteY69"/>
+              </a:cxn>
+              <a:cxn ang="0">
+                <a:pos x="connsiteX70" y="connsiteY70"/>
+              </a:cxn>
+              <a:cxn ang="0">
+                <a:pos x="connsiteX71" y="connsiteY71"/>
+              </a:cxn>
+              <a:cxn ang="0">
+                <a:pos x="connsiteX72" y="connsiteY72"/>
+              </a:cxn>
+              <a:cxn ang="0">
+                <a:pos x="connsiteX73" y="connsiteY73"/>
+              </a:cxn>
+              <a:cxn ang="0">
+                <a:pos x="connsiteX74" y="connsiteY74"/>
+              </a:cxn>
+              <a:cxn ang="0">
+                <a:pos x="connsiteX75" y="connsiteY75"/>
+              </a:cxn>
+              <a:cxn ang="0">
+                <a:pos x="connsiteX76" y="connsiteY76"/>
+              </a:cxn>
+              <a:cxn ang="0">
+                <a:pos x="connsiteX77" y="connsiteY77"/>
+              </a:cxn>
+              <a:cxn ang="0">
+                <a:pos x="connsiteX78" y="connsiteY78"/>
+              </a:cxn>
+              <a:cxn ang="0">
+                <a:pos x="connsiteX79" y="connsiteY79"/>
+              </a:cxn>
+              <a:cxn ang="0">
+                <a:pos x="connsiteX80" y="connsiteY80"/>
+              </a:cxn>
+              <a:cxn ang="0">
+                <a:pos x="connsiteX81" y="connsiteY81"/>
+              </a:cxn>
+              <a:cxn ang="0">
+                <a:pos x="connsiteX82" y="connsiteY82"/>
+              </a:cxn>
+              <a:cxn ang="0">
+                <a:pos x="connsiteX83" y="connsiteY83"/>
+              </a:cxn>
+              <a:cxn ang="0">
+                <a:pos x="connsiteX84" y="connsiteY84"/>
+              </a:cxn>
+              <a:cxn ang="0">
+                <a:pos x="connsiteX85" y="connsiteY85"/>
+              </a:cxn>
+              <a:cxn ang="0">
+                <a:pos x="connsiteX86" y="connsiteY86"/>
+              </a:cxn>
+              <a:cxn ang="0">
+                <a:pos x="connsiteX87" y="connsiteY87"/>
+              </a:cxn>
+              <a:cxn ang="0">
+                <a:pos x="connsiteX88" y="connsiteY88"/>
+              </a:cxn>
+              <a:cxn ang="0">
+                <a:pos x="connsiteX89" y="connsiteY89"/>
+              </a:cxn>
+              <a:cxn ang="0">
+                <a:pos x="connsiteX90" y="connsiteY90"/>
+              </a:cxn>
+              <a:cxn ang="0">
+                <a:pos x="connsiteX91" y="connsiteY91"/>
+              </a:cxn>
+              <a:cxn ang="0">
+                <a:pos x="connsiteX92" y="connsiteY92"/>
+              </a:cxn>
+              <a:cxn ang="0">
+                <a:pos x="connsiteX93" y="connsiteY93"/>
+              </a:cxn>
+              <a:cxn ang="0">
+                <a:pos x="connsiteX94" y="connsiteY94"/>
+              </a:cxn>
+              <a:cxn ang="0">
+                <a:pos x="connsiteX95" y="connsiteY95"/>
+              </a:cxn>
+              <a:cxn ang="0">
+                <a:pos x="connsiteX96" y="connsiteY96"/>
+              </a:cxn>
+              <a:cxn ang="0">
+                <a:pos x="connsiteX97" y="connsiteY97"/>
+              </a:cxn>
+              <a:cxn ang="0">
+                <a:pos x="connsiteX98" y="connsiteY98"/>
+              </a:cxn>
+              <a:cxn ang="0">
+                <a:pos x="connsiteX99" y="connsiteY99"/>
+              </a:cxn>
+              <a:cxn ang="0">
+                <a:pos x="connsiteX100" y="connsiteY100"/>
+              </a:cxn>
+              <a:cxn ang="0">
+                <a:pos x="connsiteX101" y="connsiteY101"/>
+              </a:cxn>
+              <a:cxn ang="0">
+                <a:pos x="connsiteX102" y="connsiteY102"/>
+              </a:cxn>
+              <a:cxn ang="0">
+                <a:pos x="connsiteX103" y="connsiteY103"/>
+              </a:cxn>
+              <a:cxn ang="0">
+                <a:pos x="connsiteX104" y="connsiteY104"/>
+              </a:cxn>
+              <a:cxn ang="0">
+                <a:pos x="connsiteX105" y="connsiteY105"/>
+              </a:cxn>
+              <a:cxn ang="0">
+                <a:pos x="connsiteX106" y="connsiteY106"/>
+              </a:cxn>
+              <a:cxn ang="0">
+                <a:pos x="connsiteX107" y="connsiteY107"/>
+              </a:cxn>
+              <a:cxn ang="0">
+                <a:pos x="connsiteX108" y="connsiteY108"/>
+              </a:cxn>
+              <a:cxn ang="0">
+                <a:pos x="connsiteX109" y="connsiteY109"/>
+              </a:cxn>
+              <a:cxn ang="0">
+                <a:pos x="connsiteX110" y="connsiteY110"/>
+              </a:cxn>
+              <a:cxn ang="0">
+                <a:pos x="connsiteX111" y="connsiteY111"/>
+              </a:cxn>
+              <a:cxn ang="0">
+                <a:pos x="connsiteX112" y="connsiteY112"/>
+              </a:cxn>
+              <a:cxn ang="0">
+                <a:pos x="connsiteX113" y="connsiteY113"/>
+              </a:cxn>
+              <a:cxn ang="0">
+                <a:pos x="connsiteX114" y="connsiteY114"/>
+              </a:cxn>
+              <a:cxn ang="0">
+                <a:pos x="connsiteX115" y="connsiteY115"/>
+              </a:cxn>
+              <a:cxn ang="0">
+                <a:pos x="connsiteX116" y="connsiteY116"/>
+              </a:cxn>
+            </a:cxnLst>
+            <a:rect l="l" t="t" r="r" b="b"/>
+            <a:pathLst>
+              <a:path w="3441843" h="4695290">
+                <a:moveTo>
+                  <a:pt x="3061699" y="4438436"/>
+                </a:moveTo>
+                <a:cubicBezTo>
+                  <a:pt x="3034937" y="4471887"/>
+                  <a:pt x="3018597" y="4501083"/>
+                  <a:pt x="2979505" y="4520629"/>
+                </a:cubicBezTo>
+                <a:cubicBezTo>
+                  <a:pt x="2966875" y="4526944"/>
+                  <a:pt x="2952108" y="4527478"/>
+                  <a:pt x="2938409" y="4530903"/>
+                </a:cubicBezTo>
+                <a:cubicBezTo>
+                  <a:pt x="2921285" y="4541177"/>
+                  <a:pt x="2905169" y="4553357"/>
+                  <a:pt x="2887038" y="4561725"/>
+                </a:cubicBezTo>
+                <a:cubicBezTo>
+                  <a:pt x="2860470" y="4573987"/>
+                  <a:pt x="2832344" y="4582548"/>
+                  <a:pt x="2804845" y="4592548"/>
+                </a:cubicBezTo>
+                <a:cubicBezTo>
+                  <a:pt x="2776140" y="4602986"/>
+                  <a:pt x="2725107" y="4617619"/>
+                  <a:pt x="2702103" y="4623370"/>
+                </a:cubicBezTo>
+                <a:cubicBezTo>
+                  <a:pt x="2685162" y="4627605"/>
+                  <a:pt x="2667779" y="4629857"/>
+                  <a:pt x="2650732" y="4633645"/>
+                </a:cubicBezTo>
+                <a:cubicBezTo>
+                  <a:pt x="2606129" y="4643557"/>
+                  <a:pt x="2562122" y="4656294"/>
+                  <a:pt x="2517168" y="4664467"/>
+                </a:cubicBezTo>
+                <a:cubicBezTo>
+                  <a:pt x="2486656" y="4670015"/>
+                  <a:pt x="2455474" y="4670894"/>
+                  <a:pt x="2424701" y="4674741"/>
+                </a:cubicBezTo>
+                <a:lnTo>
+                  <a:pt x="2270589" y="4695290"/>
+                </a:lnTo>
+                <a:cubicBezTo>
+                  <a:pt x="2137025" y="4691865"/>
+                  <a:pt x="2003360" y="4691223"/>
+                  <a:pt x="1869896" y="4685015"/>
+                </a:cubicBezTo>
+                <a:cubicBezTo>
+                  <a:pt x="1833505" y="4683322"/>
+                  <a:pt x="1812396" y="4662935"/>
+                  <a:pt x="1777429" y="4654193"/>
+                </a:cubicBezTo>
+                <a:cubicBezTo>
+                  <a:pt x="1753936" y="4648320"/>
+                  <a:pt x="1729483" y="4647344"/>
+                  <a:pt x="1705510" y="4643919"/>
+                </a:cubicBezTo>
+                <a:cubicBezTo>
+                  <a:pt x="1684962" y="4633645"/>
+                  <a:pt x="1665955" y="4619407"/>
+                  <a:pt x="1643865" y="4613096"/>
+                </a:cubicBezTo>
+                <a:cubicBezTo>
+                  <a:pt x="1617317" y="4605511"/>
+                  <a:pt x="1588962" y="4607020"/>
+                  <a:pt x="1561672" y="4602822"/>
+                </a:cubicBezTo>
+                <a:cubicBezTo>
+                  <a:pt x="1544412" y="4600167"/>
+                  <a:pt x="1527027" y="4597566"/>
+                  <a:pt x="1510301" y="4592548"/>
+                </a:cubicBezTo>
+                <a:cubicBezTo>
+                  <a:pt x="1492636" y="4587249"/>
+                  <a:pt x="1476557" y="4577424"/>
+                  <a:pt x="1458930" y="4572000"/>
+                </a:cubicBezTo>
+                <a:cubicBezTo>
+                  <a:pt x="1431938" y="4563695"/>
+                  <a:pt x="1401997" y="4564080"/>
+                  <a:pt x="1376737" y="4551451"/>
+                </a:cubicBezTo>
+                <a:cubicBezTo>
+                  <a:pt x="1363038" y="4544602"/>
+                  <a:pt x="1349718" y="4536936"/>
+                  <a:pt x="1335640" y="4530903"/>
+                </a:cubicBezTo>
+                <a:cubicBezTo>
+                  <a:pt x="1307996" y="4519056"/>
+                  <a:pt x="1283600" y="4516386"/>
+                  <a:pt x="1253447" y="4510355"/>
+                </a:cubicBezTo>
+                <a:cubicBezTo>
+                  <a:pt x="1236323" y="4503505"/>
+                  <a:pt x="1218267" y="4498637"/>
+                  <a:pt x="1202076" y="4489806"/>
+                </a:cubicBezTo>
+                <a:cubicBezTo>
+                  <a:pt x="1098732" y="4433437"/>
+                  <a:pt x="1171088" y="4470056"/>
+                  <a:pt x="1119883" y="4428161"/>
+                </a:cubicBezTo>
+                <a:cubicBezTo>
+                  <a:pt x="1089662" y="4403434"/>
+                  <a:pt x="1057907" y="4380635"/>
+                  <a:pt x="1027416" y="4356242"/>
+                </a:cubicBezTo>
+                <a:cubicBezTo>
+                  <a:pt x="1006529" y="4339533"/>
+                  <a:pt x="980608" y="4327127"/>
+                  <a:pt x="965771" y="4304872"/>
+                </a:cubicBezTo>
+                <a:cubicBezTo>
+                  <a:pt x="932478" y="4254934"/>
+                  <a:pt x="956267" y="4279571"/>
+                  <a:pt x="883577" y="4243227"/>
+                </a:cubicBezTo>
+                <a:cubicBezTo>
+                  <a:pt x="873303" y="4232953"/>
+                  <a:pt x="859964" y="4225019"/>
+                  <a:pt x="852755" y="4212404"/>
+                </a:cubicBezTo>
+                <a:cubicBezTo>
+                  <a:pt x="811928" y="4140956"/>
+                  <a:pt x="878329" y="4195207"/>
+                  <a:pt x="811658" y="4150759"/>
+                </a:cubicBezTo>
+                <a:cubicBezTo>
+                  <a:pt x="787205" y="4077400"/>
+                  <a:pt x="803125" y="4107136"/>
+                  <a:pt x="770562" y="4058292"/>
+                </a:cubicBezTo>
+                <a:cubicBezTo>
+                  <a:pt x="678640" y="3552736"/>
+                  <a:pt x="759764" y="4035363"/>
+                  <a:pt x="739739" y="2763748"/>
+                </a:cubicBezTo>
+                <a:cubicBezTo>
+                  <a:pt x="737814" y="2641508"/>
+                  <a:pt x="734495" y="2664454"/>
+                  <a:pt x="708917" y="2568539"/>
+                </a:cubicBezTo>
+                <a:cubicBezTo>
+                  <a:pt x="701640" y="2541252"/>
+                  <a:pt x="693906" y="2514039"/>
+                  <a:pt x="688368" y="2486346"/>
+                </a:cubicBezTo>
+                <a:cubicBezTo>
+                  <a:pt x="684943" y="2469222"/>
+                  <a:pt x="685186" y="2450933"/>
+                  <a:pt x="678094" y="2434975"/>
+                </a:cubicBezTo>
+                <a:cubicBezTo>
+                  <a:pt x="671140" y="2419327"/>
+                  <a:pt x="657546" y="2407577"/>
+                  <a:pt x="647272" y="2393878"/>
+                </a:cubicBezTo>
+                <a:cubicBezTo>
+                  <a:pt x="633573" y="2345932"/>
+                  <a:pt x="620504" y="2297802"/>
+                  <a:pt x="606175" y="2250040"/>
+                </a:cubicBezTo>
+                <a:cubicBezTo>
+                  <a:pt x="599951" y="2229294"/>
+                  <a:pt x="594424" y="2208188"/>
+                  <a:pt x="585627" y="2188395"/>
+                </a:cubicBezTo>
+                <a:cubicBezTo>
+                  <a:pt x="574939" y="2164347"/>
+                  <a:pt x="519482" y="2104177"/>
+                  <a:pt x="513708" y="2095928"/>
+                </a:cubicBezTo>
+                <a:cubicBezTo>
+                  <a:pt x="501079" y="2077887"/>
+                  <a:pt x="465842" y="1989921"/>
+                  <a:pt x="462337" y="1982912"/>
+                </a:cubicBezTo>
+                <a:cubicBezTo>
+                  <a:pt x="453406" y="1965051"/>
+                  <a:pt x="441788" y="1948665"/>
+                  <a:pt x="431514" y="1931541"/>
+                </a:cubicBezTo>
+                <a:cubicBezTo>
+                  <a:pt x="428089" y="1917842"/>
+                  <a:pt x="429337" y="1902013"/>
+                  <a:pt x="421240" y="1890445"/>
+                </a:cubicBezTo>
+                <a:cubicBezTo>
+                  <a:pt x="273964" y="1680052"/>
+                  <a:pt x="433646" y="1964550"/>
+                  <a:pt x="318499" y="1767155"/>
+                </a:cubicBezTo>
+                <a:cubicBezTo>
+                  <a:pt x="272242" y="1687858"/>
+                  <a:pt x="312118" y="1721806"/>
+                  <a:pt x="256854" y="1684961"/>
+                </a:cubicBezTo>
+                <a:cubicBezTo>
+                  <a:pt x="220840" y="1612936"/>
+                  <a:pt x="252227" y="1667865"/>
+                  <a:pt x="184935" y="1582220"/>
+                </a:cubicBezTo>
+                <a:cubicBezTo>
+                  <a:pt x="163776" y="1555291"/>
+                  <a:pt x="123290" y="1500027"/>
+                  <a:pt x="123290" y="1500027"/>
+                </a:cubicBezTo>
+                <a:cubicBezTo>
+                  <a:pt x="103288" y="1440018"/>
+                  <a:pt x="125663" y="1498135"/>
+                  <a:pt x="92467" y="1438382"/>
+                </a:cubicBezTo>
+                <a:cubicBezTo>
+                  <a:pt x="81310" y="1418299"/>
+                  <a:pt x="71919" y="1397285"/>
+                  <a:pt x="61645" y="1376737"/>
+                </a:cubicBezTo>
+                <a:cubicBezTo>
+                  <a:pt x="54795" y="1349339"/>
+                  <a:pt x="45739" y="1322400"/>
+                  <a:pt x="41096" y="1294543"/>
+                </a:cubicBezTo>
+                <a:cubicBezTo>
+                  <a:pt x="37671" y="1273995"/>
+                  <a:pt x="36545" y="1252929"/>
+                  <a:pt x="30822" y="1232899"/>
+                </a:cubicBezTo>
+                <a:cubicBezTo>
+                  <a:pt x="22783" y="1204764"/>
+                  <a:pt x="10274" y="1178103"/>
+                  <a:pt x="0" y="1150705"/>
+                </a:cubicBezTo>
+                <a:cubicBezTo>
+                  <a:pt x="17666" y="921044"/>
+                  <a:pt x="-12851" y="831711"/>
+                  <a:pt x="61645" y="667820"/>
+                </a:cubicBezTo>
+                <a:cubicBezTo>
+                  <a:pt x="66755" y="656579"/>
+                  <a:pt x="77018" y="648209"/>
+                  <a:pt x="82193" y="636997"/>
+                </a:cubicBezTo>
+                <a:cubicBezTo>
+                  <a:pt x="97650" y="603507"/>
+                  <a:pt x="102830" y="564946"/>
+                  <a:pt x="123290" y="534256"/>
+                </a:cubicBezTo>
+                <a:cubicBezTo>
+                  <a:pt x="131786" y="521513"/>
+                  <a:pt x="152134" y="522897"/>
+                  <a:pt x="164386" y="513708"/>
+                </a:cubicBezTo>
+                <a:cubicBezTo>
+                  <a:pt x="179885" y="502084"/>
+                  <a:pt x="191784" y="486310"/>
+                  <a:pt x="205483" y="472611"/>
+                </a:cubicBezTo>
+                <a:cubicBezTo>
+                  <a:pt x="241192" y="401191"/>
+                  <a:pt x="215202" y="442342"/>
+                  <a:pt x="297950" y="359595"/>
+                </a:cubicBezTo>
+                <a:lnTo>
+                  <a:pt x="318499" y="339047"/>
+                </a:lnTo>
+                <a:cubicBezTo>
+                  <a:pt x="328773" y="328773"/>
+                  <a:pt x="336862" y="315699"/>
+                  <a:pt x="349321" y="308224"/>
+                </a:cubicBezTo>
+                <a:cubicBezTo>
+                  <a:pt x="413825" y="269522"/>
+                  <a:pt x="382831" y="286332"/>
+                  <a:pt x="441789" y="256854"/>
+                </a:cubicBezTo>
+                <a:cubicBezTo>
+                  <a:pt x="518351" y="180290"/>
+                  <a:pt x="446081" y="243898"/>
+                  <a:pt x="523982" y="195209"/>
+                </a:cubicBezTo>
+                <a:cubicBezTo>
+                  <a:pt x="538503" y="186133"/>
+                  <a:pt x="549762" y="172044"/>
+                  <a:pt x="565078" y="164386"/>
+                </a:cubicBezTo>
+                <a:cubicBezTo>
+                  <a:pt x="580404" y="156723"/>
+                  <a:pt x="660081" y="145128"/>
+                  <a:pt x="667820" y="143838"/>
+                </a:cubicBezTo>
+                <a:cubicBezTo>
+                  <a:pt x="684944" y="133564"/>
+                  <a:pt x="703215" y="124997"/>
+                  <a:pt x="719191" y="113015"/>
+                </a:cubicBezTo>
+                <a:cubicBezTo>
+                  <a:pt x="730815" y="104297"/>
+                  <a:pt x="737017" y="88691"/>
+                  <a:pt x="750013" y="82193"/>
+                </a:cubicBezTo>
+                <a:cubicBezTo>
+                  <a:pt x="765632" y="74383"/>
+                  <a:pt x="784443" y="76154"/>
+                  <a:pt x="801384" y="71919"/>
+                </a:cubicBezTo>
+                <a:cubicBezTo>
+                  <a:pt x="959446" y="32403"/>
+                  <a:pt x="919102" y="44470"/>
+                  <a:pt x="1037690" y="0"/>
+                </a:cubicBezTo>
+                <a:lnTo>
+                  <a:pt x="1777429" y="20548"/>
+                </a:lnTo>
+                <a:cubicBezTo>
+                  <a:pt x="1869762" y="24145"/>
+                  <a:pt x="1790427" y="31502"/>
+                  <a:pt x="1869896" y="51370"/>
+                </a:cubicBezTo>
+                <a:cubicBezTo>
+                  <a:pt x="1896683" y="58067"/>
+                  <a:pt x="1924692" y="58220"/>
+                  <a:pt x="1952090" y="61645"/>
+                </a:cubicBezTo>
+                <a:cubicBezTo>
+                  <a:pt x="2088385" y="129793"/>
+                  <a:pt x="1918188" y="47116"/>
+                  <a:pt x="2024009" y="92467"/>
+                </a:cubicBezTo>
+                <a:cubicBezTo>
+                  <a:pt x="2038086" y="98500"/>
+                  <a:pt x="2051199" y="106597"/>
+                  <a:pt x="2065105" y="113015"/>
+                </a:cubicBezTo>
+                <a:cubicBezTo>
+                  <a:pt x="2081220" y="120453"/>
+                  <a:pt x="2177219" y="164085"/>
+                  <a:pt x="2208944" y="174660"/>
+                </a:cubicBezTo>
+                <a:cubicBezTo>
+                  <a:pt x="2222252" y="179096"/>
+                  <a:pt x="2266017" y="186961"/>
+                  <a:pt x="2280863" y="195209"/>
+                </a:cubicBezTo>
+                <a:cubicBezTo>
+                  <a:pt x="2290580" y="200607"/>
+                  <a:pt x="2376756" y="261421"/>
+                  <a:pt x="2393878" y="267128"/>
+                </a:cubicBezTo>
+                <a:cubicBezTo>
+                  <a:pt x="2414426" y="273977"/>
+                  <a:pt x="2434510" y="282423"/>
+                  <a:pt x="2455523" y="287676"/>
+                </a:cubicBezTo>
+                <a:cubicBezTo>
+                  <a:pt x="2487610" y="295698"/>
+                  <a:pt x="2541659" y="308724"/>
+                  <a:pt x="2568539" y="318499"/>
+                </a:cubicBezTo>
+                <a:cubicBezTo>
+                  <a:pt x="2582933" y="323733"/>
+                  <a:pt x="2594966" y="334646"/>
+                  <a:pt x="2609636" y="339047"/>
+                </a:cubicBezTo>
+                <a:cubicBezTo>
+                  <a:pt x="2629589" y="345033"/>
+                  <a:pt x="2650854" y="345236"/>
+                  <a:pt x="2671281" y="349321"/>
+                </a:cubicBezTo>
+                <a:cubicBezTo>
+                  <a:pt x="2685127" y="352090"/>
+                  <a:pt x="2698678" y="356170"/>
+                  <a:pt x="2712377" y="359595"/>
+                </a:cubicBezTo>
+                <a:cubicBezTo>
+                  <a:pt x="2732925" y="369869"/>
+                  <a:pt x="2752691" y="381886"/>
+                  <a:pt x="2774022" y="390418"/>
+                </a:cubicBezTo>
+                <a:cubicBezTo>
+                  <a:pt x="2787133" y="395662"/>
+                  <a:pt x="2801335" y="397629"/>
+                  <a:pt x="2815119" y="400692"/>
+                </a:cubicBezTo>
+                <a:cubicBezTo>
+                  <a:pt x="2932499" y="426776"/>
+                  <a:pt x="2807370" y="396186"/>
+                  <a:pt x="2907586" y="421240"/>
+                </a:cubicBezTo>
+                <a:cubicBezTo>
+                  <a:pt x="2978242" y="468344"/>
+                  <a:pt x="2945802" y="454528"/>
+                  <a:pt x="3000054" y="472611"/>
+                </a:cubicBezTo>
+                <a:cubicBezTo>
+                  <a:pt x="3013753" y="482885"/>
+                  <a:pt x="3026283" y="494937"/>
+                  <a:pt x="3041150" y="503433"/>
+                </a:cubicBezTo>
+                <a:cubicBezTo>
+                  <a:pt x="3052617" y="509986"/>
+                  <a:pt x="3104168" y="521757"/>
+                  <a:pt x="3113069" y="523982"/>
+                </a:cubicBezTo>
+                <a:cubicBezTo>
+                  <a:pt x="3147051" y="574953"/>
+                  <a:pt x="3124887" y="546073"/>
+                  <a:pt x="3184989" y="606175"/>
+                </a:cubicBezTo>
+                <a:lnTo>
+                  <a:pt x="3215811" y="636997"/>
+                </a:lnTo>
+                <a:cubicBezTo>
+                  <a:pt x="3222660" y="643847"/>
+                  <a:pt x="3231225" y="649332"/>
+                  <a:pt x="3236359" y="657546"/>
+                </a:cubicBezTo>
+                <a:cubicBezTo>
+                  <a:pt x="3253483" y="684944"/>
+                  <a:pt x="3277513" y="709088"/>
+                  <a:pt x="3287730" y="739739"/>
+                </a:cubicBezTo>
+                <a:cubicBezTo>
+                  <a:pt x="3299856" y="776116"/>
+                  <a:pt x="3297392" y="773567"/>
+                  <a:pt x="3318553" y="811658"/>
+                </a:cubicBezTo>
+                <a:cubicBezTo>
+                  <a:pt x="3328251" y="829114"/>
+                  <a:pt x="3341112" y="844850"/>
+                  <a:pt x="3349375" y="863029"/>
+                </a:cubicBezTo>
+                <a:cubicBezTo>
+                  <a:pt x="3358338" y="882747"/>
+                  <a:pt x="3363073" y="904126"/>
+                  <a:pt x="3369923" y="924674"/>
+                </a:cubicBezTo>
+                <a:cubicBezTo>
+                  <a:pt x="3373348" y="934948"/>
+                  <a:pt x="3375355" y="945809"/>
+                  <a:pt x="3380198" y="955496"/>
+                </a:cubicBezTo>
+                <a:lnTo>
+                  <a:pt x="3411020" y="1017141"/>
+                </a:lnTo>
+                <a:cubicBezTo>
+                  <a:pt x="3414445" y="1041114"/>
+                  <a:pt x="3416545" y="1065314"/>
+                  <a:pt x="3421294" y="1089060"/>
+                </a:cubicBezTo>
+                <a:cubicBezTo>
+                  <a:pt x="3426833" y="1116753"/>
+                  <a:pt x="3441843" y="1171254"/>
+                  <a:pt x="3441843" y="1171254"/>
+                </a:cubicBezTo>
+                <a:cubicBezTo>
+                  <a:pt x="3434993" y="1462355"/>
+                  <a:pt x="3430682" y="1753527"/>
+                  <a:pt x="3421294" y="2044557"/>
+                </a:cubicBezTo>
+                <a:cubicBezTo>
+                  <a:pt x="3419580" y="2097704"/>
+                  <a:pt x="3408084" y="2148769"/>
+                  <a:pt x="3390472" y="2198669"/>
+                </a:cubicBezTo>
+                <a:cubicBezTo>
+                  <a:pt x="3378196" y="2233452"/>
+                  <a:pt x="3360482" y="2266238"/>
+                  <a:pt x="3349375" y="2301411"/>
+                </a:cubicBezTo>
+                <a:cubicBezTo>
+                  <a:pt x="3339867" y="2331520"/>
+                  <a:pt x="3336485" y="2363247"/>
+                  <a:pt x="3328827" y="2393878"/>
+                </a:cubicBezTo>
+                <a:cubicBezTo>
+                  <a:pt x="3326200" y="2404385"/>
+                  <a:pt x="3320953" y="2414140"/>
+                  <a:pt x="3318553" y="2424701"/>
+                </a:cubicBezTo>
+                <a:cubicBezTo>
+                  <a:pt x="3303816" y="2489543"/>
+                  <a:pt x="3288388" y="2554319"/>
+                  <a:pt x="3277456" y="2619910"/>
+                </a:cubicBezTo>
+                <a:cubicBezTo>
+                  <a:pt x="3265402" y="2692237"/>
+                  <a:pt x="3273770" y="2661792"/>
+                  <a:pt x="3256908" y="2712377"/>
+                </a:cubicBezTo>
+                <a:cubicBezTo>
+                  <a:pt x="3226314" y="2895944"/>
+                  <a:pt x="3274195" y="2645922"/>
+                  <a:pt x="3215811" y="2835667"/>
+                </a:cubicBezTo>
+                <a:cubicBezTo>
+                  <a:pt x="3210712" y="2852239"/>
+                  <a:pt x="3195967" y="2993713"/>
+                  <a:pt x="3195263" y="3000054"/>
+                </a:cubicBezTo>
+                <a:cubicBezTo>
+                  <a:pt x="3191838" y="3126768"/>
+                  <a:pt x="3197602" y="3254065"/>
+                  <a:pt x="3184989" y="3380197"/>
+                </a:cubicBezTo>
+                <a:cubicBezTo>
+                  <a:pt x="3183543" y="3394655"/>
+                  <a:pt x="3161375" y="3398404"/>
+                  <a:pt x="3154166" y="3411020"/>
+                </a:cubicBezTo>
+                <a:cubicBezTo>
+                  <a:pt x="3147160" y="3423280"/>
+                  <a:pt x="3147771" y="3438540"/>
+                  <a:pt x="3143892" y="3452117"/>
+                </a:cubicBezTo>
+                <a:cubicBezTo>
+                  <a:pt x="3140917" y="3462530"/>
+                  <a:pt x="3136245" y="3472433"/>
+                  <a:pt x="3133618" y="3482939"/>
+                </a:cubicBezTo>
+                <a:cubicBezTo>
+                  <a:pt x="3125960" y="3513570"/>
+                  <a:pt x="3121205" y="3544898"/>
+                  <a:pt x="3113069" y="3575406"/>
+                </a:cubicBezTo>
+                <a:cubicBezTo>
+                  <a:pt x="3107488" y="3596334"/>
+                  <a:pt x="3097774" y="3616038"/>
+                  <a:pt x="3092521" y="3637051"/>
+                </a:cubicBezTo>
+                <a:cubicBezTo>
+                  <a:pt x="3070374" y="3725641"/>
+                  <a:pt x="3099637" y="3672611"/>
+                  <a:pt x="3061699" y="3729519"/>
+                </a:cubicBezTo>
+                <a:cubicBezTo>
+                  <a:pt x="3039398" y="3907917"/>
+                  <a:pt x="3054543" y="3840332"/>
+                  <a:pt x="3030876" y="3935002"/>
+                </a:cubicBezTo>
+                <a:cubicBezTo>
+                  <a:pt x="3027451" y="4044593"/>
+                  <a:pt x="3025817" y="4154255"/>
+                  <a:pt x="3020602" y="4263775"/>
+                </a:cubicBezTo>
+                <a:cubicBezTo>
+                  <a:pt x="3018965" y="4298154"/>
+                  <a:pt x="3021904" y="4334104"/>
+                  <a:pt x="3010328" y="4366517"/>
+                </a:cubicBezTo>
+                <a:cubicBezTo>
+                  <a:pt x="3003812" y="4384761"/>
+                  <a:pt x="2982930" y="4393914"/>
+                  <a:pt x="2969231" y="4407613"/>
+                </a:cubicBezTo>
+                <a:cubicBezTo>
+                  <a:pt x="2962382" y="4435011"/>
+                  <a:pt x="2957613" y="4463014"/>
+                  <a:pt x="2948683" y="4489806"/>
+                </a:cubicBezTo>
+                <a:cubicBezTo>
+                  <a:pt x="2945258" y="4500080"/>
+                  <a:pt x="2939605" y="4509865"/>
+                  <a:pt x="2938409" y="4520629"/>
+                </a:cubicBezTo>
+                <a:cubicBezTo>
+                  <a:pt x="2936140" y="4541052"/>
+                  <a:pt x="2938409" y="4561726"/>
+                  <a:pt x="2938409" y="4582274"/>
+                </a:cubicBezTo>
+              </a:path>
+            </a:pathLst>
+          </a:custGeom>
+          <a:solidFill>
+            <a:schemeClr val="accent2">
+              <a:lumMod val="20000"/>
+              <a:lumOff val="80000"/>
+            </a:schemeClr>
+          </a:solidFill>
+        </p:spPr>
+        <p:style>
+          <a:lnRef idx="2">
+            <a:schemeClr val="accent1">
+              <a:shade val="50000"/>
+            </a:schemeClr>
+          </a:lnRef>
+          <a:fillRef idx="1">
+            <a:schemeClr val="accent1"/>
+          </a:fillRef>
+          <a:effectRef idx="0">
+            <a:schemeClr val="accent1"/>
+          </a:effectRef>
+          <a:fontRef idx="minor">
+            <a:schemeClr val="lt1"/>
+          </a:fontRef>
+        </p:style>
+        <p:txBody>
+          <a:bodyPr rtlCol="0" anchor="ctr"/>
+          <a:lstStyle/>
+          <a:p>
+            <a:pPr algn="ctr"/>
+            <a:endParaRPr lang="en-US"/>
+          </a:p>
+        </p:txBody>
+      </p:sp>
+      <p:sp>
+        <p:nvSpPr>
+          <p:cNvPr id="4" name="Rectangle 3">
+            <a:extLst>
+              <a:ext uri="{FF2B5EF4-FFF2-40B4-BE49-F238E27FC236}">
+                <a16:creationId xmlns:a16="http://schemas.microsoft.com/office/drawing/2014/main" id="{B4C617F9-68AA-479D-A667-3184A7DCEEE4}"/>
+              </a:ext>
+            </a:extLst>
+          </p:cNvPr>
+          <p:cNvSpPr/>
+          <p:nvPr/>
+        </p:nvSpPr>
+        <p:spPr>
+          <a:xfrm>
+            <a:off x="4551452" y="893852"/>
+            <a:ext cx="2455523" cy="595901"/>
+          </a:xfrm>
+          <a:prstGeom prst="rect">
+            <a:avLst/>
+          </a:prstGeom>
+        </p:spPr>
+        <p:style>
+          <a:lnRef idx="2">
+            <a:schemeClr val="accent1">
+              <a:shade val="50000"/>
+            </a:schemeClr>
+          </a:lnRef>
+          <a:fillRef idx="1">
+            <a:schemeClr val="accent1"/>
+          </a:fillRef>
+          <a:effectRef idx="0">
+            <a:schemeClr val="accent1"/>
+          </a:effectRef>
+          <a:fontRef idx="minor">
+            <a:schemeClr val="lt1"/>
+          </a:fontRef>
+        </p:style>
+        <p:txBody>
+          <a:bodyPr rtlCol="0" anchor="ctr"/>
+          <a:lstStyle/>
+          <a:p>
+            <a:pPr algn="ctr"/>
+            <a:r>
+              <a:rPr lang="en-US" dirty="0"/>
+              <a:t>Collection</a:t>
+            </a:r>
+          </a:p>
+        </p:txBody>
+      </p:sp>
+      <p:sp>
+        <p:nvSpPr>
+          <p:cNvPr id="5" name="Rectangle 4">
+            <a:extLst>
+              <a:ext uri="{FF2B5EF4-FFF2-40B4-BE49-F238E27FC236}">
+                <a16:creationId xmlns:a16="http://schemas.microsoft.com/office/drawing/2014/main" id="{53873DA5-8512-4A4E-910B-0502F404B3B9}"/>
+              </a:ext>
+            </a:extLst>
+          </p:cNvPr>
+          <p:cNvSpPr/>
+          <p:nvPr/>
+        </p:nvSpPr>
+        <p:spPr>
+          <a:xfrm>
+            <a:off x="758575" y="2349354"/>
+            <a:ext cx="2455523" cy="595901"/>
+          </a:xfrm>
+          <a:prstGeom prst="rect">
+            <a:avLst/>
+          </a:prstGeom>
+        </p:spPr>
+        <p:style>
+          <a:lnRef idx="2">
+            <a:schemeClr val="accent1">
+              <a:shade val="50000"/>
+            </a:schemeClr>
+          </a:lnRef>
+          <a:fillRef idx="1">
+            <a:schemeClr val="accent1"/>
+          </a:fillRef>
+          <a:effectRef idx="0">
+            <a:schemeClr val="accent1"/>
+          </a:effectRef>
+          <a:fontRef idx="minor">
+            <a:schemeClr val="lt1"/>
+          </a:fontRef>
+        </p:style>
+        <p:txBody>
+          <a:bodyPr rtlCol="0" anchor="ctr"/>
+          <a:lstStyle/>
+          <a:p>
+            <a:pPr algn="ctr"/>
+            <a:r>
+              <a:rPr lang="en-US" dirty="0"/>
+              <a:t>List</a:t>
+            </a:r>
+          </a:p>
+        </p:txBody>
+      </p:sp>
+      <p:sp>
+        <p:nvSpPr>
+          <p:cNvPr id="6" name="Rectangle 5">
+            <a:extLst>
+              <a:ext uri="{FF2B5EF4-FFF2-40B4-BE49-F238E27FC236}">
+                <a16:creationId xmlns:a16="http://schemas.microsoft.com/office/drawing/2014/main" id="{F99FA913-BF94-42E4-9F9E-5B124630BCCC}"/>
+              </a:ext>
+            </a:extLst>
+          </p:cNvPr>
+          <p:cNvSpPr/>
+          <p:nvPr/>
+        </p:nvSpPr>
+        <p:spPr>
+          <a:xfrm>
+            <a:off x="5412769" y="2381891"/>
+            <a:ext cx="2455523" cy="595901"/>
+          </a:xfrm>
+          <a:prstGeom prst="rect">
+            <a:avLst/>
+          </a:prstGeom>
+        </p:spPr>
+        <p:style>
+          <a:lnRef idx="2">
+            <a:schemeClr val="accent1">
+              <a:shade val="50000"/>
+            </a:schemeClr>
+          </a:lnRef>
+          <a:fillRef idx="1">
+            <a:schemeClr val="accent1"/>
+          </a:fillRef>
+          <a:effectRef idx="0">
+            <a:schemeClr val="accent1"/>
+          </a:effectRef>
+          <a:fontRef idx="minor">
+            <a:schemeClr val="lt1"/>
+          </a:fontRef>
+        </p:style>
+        <p:txBody>
+          <a:bodyPr rtlCol="0" anchor="ctr"/>
+          <a:lstStyle/>
+          <a:p>
+            <a:pPr algn="ctr"/>
+            <a:r>
+              <a:rPr lang="en-US" dirty="0"/>
+              <a:t>Set</a:t>
+            </a:r>
+          </a:p>
+        </p:txBody>
+      </p:sp>
+      <p:sp>
+        <p:nvSpPr>
+          <p:cNvPr id="7" name="Rectangle 6">
+            <a:extLst>
+              <a:ext uri="{FF2B5EF4-FFF2-40B4-BE49-F238E27FC236}">
+                <a16:creationId xmlns:a16="http://schemas.microsoft.com/office/drawing/2014/main" id="{286DFE72-AE32-4653-9F98-A870915B173F}"/>
+              </a:ext>
+            </a:extLst>
+          </p:cNvPr>
+          <p:cNvSpPr/>
+          <p:nvPr/>
+        </p:nvSpPr>
+        <p:spPr>
+          <a:xfrm>
+            <a:off x="9512158" y="2381890"/>
+            <a:ext cx="2455523" cy="595901"/>
+          </a:xfrm>
+          <a:prstGeom prst="rect">
+            <a:avLst/>
+          </a:prstGeom>
+        </p:spPr>
+        <p:style>
+          <a:lnRef idx="2">
+            <a:schemeClr val="accent1">
+              <a:shade val="50000"/>
+            </a:schemeClr>
+          </a:lnRef>
+          <a:fillRef idx="1">
+            <a:schemeClr val="accent1"/>
+          </a:fillRef>
+          <a:effectRef idx="0">
+            <a:schemeClr val="accent1"/>
+          </a:effectRef>
+          <a:fontRef idx="minor">
+            <a:schemeClr val="lt1"/>
+          </a:fontRef>
+        </p:style>
+        <p:txBody>
+          <a:bodyPr rtlCol="0" anchor="ctr"/>
+          <a:lstStyle/>
+          <a:p>
+            <a:pPr algn="ctr"/>
+            <a:r>
+              <a:rPr lang="en-US" dirty="0"/>
+              <a:t>Queue</a:t>
+            </a:r>
+          </a:p>
+        </p:txBody>
+      </p:sp>
+      <p:cxnSp>
+        <p:nvCxnSpPr>
+          <p:cNvPr id="9" name="Straight Arrow Connector 8">
+            <a:extLst>
+              <a:ext uri="{FF2B5EF4-FFF2-40B4-BE49-F238E27FC236}">
+                <a16:creationId xmlns:a16="http://schemas.microsoft.com/office/drawing/2014/main" id="{1A215520-F019-4677-BE85-78D78A94C3CB}"/>
+              </a:ext>
+            </a:extLst>
+          </p:cNvPr>
+          <p:cNvCxnSpPr>
+            <a:stCxn id="5" idx="0"/>
+          </p:cNvCxnSpPr>
+          <p:nvPr/>
+        </p:nvCxnSpPr>
+        <p:spPr>
+          <a:xfrm flipV="1">
+            <a:off x="1986337" y="1489753"/>
+            <a:ext cx="3921303" cy="859601"/>
+          </a:xfrm>
+          <a:prstGeom prst="straightConnector1">
+            <a:avLst/>
+          </a:prstGeom>
+          <a:ln>
+            <a:tailEnd type="triangle"/>
+          </a:ln>
+        </p:spPr>
+        <p:style>
+          <a:lnRef idx="1">
+            <a:schemeClr val="accent1"/>
+          </a:lnRef>
+          <a:fillRef idx="0">
+            <a:schemeClr val="accent1"/>
+          </a:fillRef>
+          <a:effectRef idx="0">
+            <a:schemeClr val="accent1"/>
+          </a:effectRef>
+          <a:fontRef idx="minor">
+            <a:schemeClr val="tx1"/>
+          </a:fontRef>
+        </p:style>
+      </p:cxnSp>
+      <p:cxnSp>
+        <p:nvCxnSpPr>
+          <p:cNvPr id="11" name="Straight Arrow Connector 10">
+            <a:extLst>
+              <a:ext uri="{FF2B5EF4-FFF2-40B4-BE49-F238E27FC236}">
+                <a16:creationId xmlns:a16="http://schemas.microsoft.com/office/drawing/2014/main" id="{69A97D12-0DB5-4E55-A226-C2BC13BC498B}"/>
+              </a:ext>
+            </a:extLst>
+          </p:cNvPr>
+          <p:cNvCxnSpPr>
+            <a:stCxn id="6" idx="0"/>
+          </p:cNvCxnSpPr>
+          <p:nvPr/>
+        </p:nvCxnSpPr>
+        <p:spPr>
+          <a:xfrm flipH="1" flipV="1">
+            <a:off x="5969285" y="1506021"/>
+            <a:ext cx="671246" cy="875870"/>
+          </a:xfrm>
+          <a:prstGeom prst="straightConnector1">
+            <a:avLst/>
+          </a:prstGeom>
+          <a:ln>
+            <a:tailEnd type="triangle"/>
+          </a:ln>
+        </p:spPr>
+        <p:style>
+          <a:lnRef idx="1">
+            <a:schemeClr val="accent1"/>
+          </a:lnRef>
+          <a:fillRef idx="0">
+            <a:schemeClr val="accent1"/>
+          </a:fillRef>
+          <a:effectRef idx="0">
+            <a:schemeClr val="accent1"/>
+          </a:effectRef>
+          <a:fontRef idx="minor">
+            <a:schemeClr val="tx1"/>
+          </a:fontRef>
+        </p:style>
+      </p:cxnSp>
+      <p:cxnSp>
+        <p:nvCxnSpPr>
+          <p:cNvPr id="13" name="Straight Arrow Connector 12">
+            <a:extLst>
+              <a:ext uri="{FF2B5EF4-FFF2-40B4-BE49-F238E27FC236}">
+                <a16:creationId xmlns:a16="http://schemas.microsoft.com/office/drawing/2014/main" id="{A0E29625-492C-4C2C-A12D-9BEC310F09B6}"/>
+              </a:ext>
+            </a:extLst>
+          </p:cNvPr>
+          <p:cNvCxnSpPr>
+            <a:stCxn id="7" idx="0"/>
+          </p:cNvCxnSpPr>
+          <p:nvPr/>
+        </p:nvCxnSpPr>
+        <p:spPr>
+          <a:xfrm flipH="1" flipV="1">
+            <a:off x="5907640" y="1481619"/>
+            <a:ext cx="4832280" cy="900271"/>
+          </a:xfrm>
+          <a:prstGeom prst="straightConnector1">
+            <a:avLst/>
+          </a:prstGeom>
+          <a:ln>
+            <a:tailEnd type="triangle"/>
+          </a:ln>
+        </p:spPr>
+        <p:style>
+          <a:lnRef idx="1">
+            <a:schemeClr val="accent1"/>
+          </a:lnRef>
+          <a:fillRef idx="0">
+            <a:schemeClr val="accent1"/>
+          </a:fillRef>
+          <a:effectRef idx="0">
+            <a:schemeClr val="accent1"/>
+          </a:effectRef>
+          <a:fontRef idx="minor">
+            <a:schemeClr val="tx1"/>
+          </a:fontRef>
+        </p:style>
+      </p:cxnSp>
+      <p:sp>
+        <p:nvSpPr>
+          <p:cNvPr id="14" name="Rectangle 13">
+            <a:extLst>
+              <a:ext uri="{FF2B5EF4-FFF2-40B4-BE49-F238E27FC236}">
+                <a16:creationId xmlns:a16="http://schemas.microsoft.com/office/drawing/2014/main" id="{A4E0571F-9178-4BFA-BC89-AF53C9B5E70B}"/>
+              </a:ext>
+            </a:extLst>
+          </p:cNvPr>
+          <p:cNvSpPr/>
+          <p:nvPr/>
+        </p:nvSpPr>
+        <p:spPr>
+          <a:xfrm>
+            <a:off x="205483" y="3832261"/>
+            <a:ext cx="1695236" cy="503433"/>
+          </a:xfrm>
+          <a:prstGeom prst="rect">
+            <a:avLst/>
+          </a:prstGeom>
+          <a:solidFill>
+            <a:schemeClr val="accent2">
+              <a:lumMod val="75000"/>
+            </a:schemeClr>
+          </a:solidFill>
+        </p:spPr>
+        <p:style>
+          <a:lnRef idx="2">
+            <a:schemeClr val="accent1">
+              <a:shade val="50000"/>
+            </a:schemeClr>
+          </a:lnRef>
+          <a:fillRef idx="1">
+            <a:schemeClr val="accent1"/>
+          </a:fillRef>
+          <a:effectRef idx="0">
+            <a:schemeClr val="accent1"/>
+          </a:effectRef>
+          <a:fontRef idx="minor">
+            <a:schemeClr val="lt1"/>
+          </a:fontRef>
+        </p:style>
+        <p:txBody>
+          <a:bodyPr rtlCol="0" anchor="ctr"/>
+          <a:lstStyle/>
+          <a:p>
+            <a:pPr algn="ctr"/>
+            <a:r>
+              <a:rPr lang="en-US" dirty="0" err="1"/>
+              <a:t>ArrayList</a:t>
+            </a:r>
+            <a:endParaRPr lang="en-US" dirty="0"/>
+          </a:p>
+        </p:txBody>
+      </p:sp>
+      <p:sp>
+        <p:nvSpPr>
+          <p:cNvPr id="15" name="Rectangle 14">
+            <a:extLst>
+              <a:ext uri="{FF2B5EF4-FFF2-40B4-BE49-F238E27FC236}">
+                <a16:creationId xmlns:a16="http://schemas.microsoft.com/office/drawing/2014/main" id="{7512F1CC-BB3C-4D16-B699-4EC928FE7579}"/>
+              </a:ext>
+            </a:extLst>
+          </p:cNvPr>
+          <p:cNvSpPr/>
+          <p:nvPr/>
+        </p:nvSpPr>
+        <p:spPr>
+          <a:xfrm>
+            <a:off x="2212368" y="3832260"/>
+            <a:ext cx="1695236" cy="503433"/>
+          </a:xfrm>
+          <a:prstGeom prst="rect">
+            <a:avLst/>
+          </a:prstGeom>
+          <a:solidFill>
+            <a:schemeClr val="accent2">
+              <a:lumMod val="75000"/>
+            </a:schemeClr>
+          </a:solidFill>
+        </p:spPr>
+        <p:style>
+          <a:lnRef idx="2">
+            <a:schemeClr val="accent1">
+              <a:shade val="50000"/>
+            </a:schemeClr>
+          </a:lnRef>
+          <a:fillRef idx="1">
+            <a:schemeClr val="accent1"/>
+          </a:fillRef>
+          <a:effectRef idx="0">
+            <a:schemeClr val="accent1"/>
+          </a:effectRef>
+          <a:fontRef idx="minor">
+            <a:schemeClr val="lt1"/>
+          </a:fontRef>
+        </p:style>
+        <p:txBody>
+          <a:bodyPr rtlCol="0" anchor="ctr"/>
+          <a:lstStyle/>
+          <a:p>
+            <a:pPr algn="ctr"/>
+            <a:r>
+              <a:rPr lang="en-US" dirty="0"/>
+              <a:t>Vector</a:t>
+            </a:r>
+          </a:p>
+        </p:txBody>
+      </p:sp>
+      <p:sp>
+        <p:nvSpPr>
+          <p:cNvPr id="16" name="Rectangle 15">
+            <a:extLst>
+              <a:ext uri="{FF2B5EF4-FFF2-40B4-BE49-F238E27FC236}">
+                <a16:creationId xmlns:a16="http://schemas.microsoft.com/office/drawing/2014/main" id="{F20F685F-1BEF-43D2-8EC4-0CEE98867DC6}"/>
+              </a:ext>
+            </a:extLst>
+          </p:cNvPr>
+          <p:cNvSpPr/>
+          <p:nvPr/>
+        </p:nvSpPr>
+        <p:spPr>
+          <a:xfrm>
+            <a:off x="1205501" y="4994954"/>
+            <a:ext cx="1695236" cy="503433"/>
+          </a:xfrm>
+          <a:prstGeom prst="rect">
+            <a:avLst/>
+          </a:prstGeom>
+          <a:solidFill>
+            <a:schemeClr val="accent2">
+              <a:lumMod val="75000"/>
+            </a:schemeClr>
+          </a:solidFill>
+        </p:spPr>
+        <p:style>
+          <a:lnRef idx="2">
+            <a:schemeClr val="accent1">
+              <a:shade val="50000"/>
+            </a:schemeClr>
+          </a:lnRef>
+          <a:fillRef idx="1">
+            <a:schemeClr val="accent1"/>
+          </a:fillRef>
+          <a:effectRef idx="0">
+            <a:schemeClr val="accent1"/>
+          </a:effectRef>
+          <a:fontRef idx="minor">
+            <a:schemeClr val="lt1"/>
+          </a:fontRef>
+        </p:style>
+        <p:txBody>
+          <a:bodyPr rtlCol="0" anchor="ctr"/>
+          <a:lstStyle/>
+          <a:p>
+            <a:pPr algn="ctr"/>
+            <a:r>
+              <a:rPr lang="en-US" dirty="0"/>
+              <a:t>LinkedList</a:t>
+            </a:r>
+          </a:p>
+        </p:txBody>
+      </p:sp>
+      <p:cxnSp>
+        <p:nvCxnSpPr>
+          <p:cNvPr id="18" name="Straight Arrow Connector 17">
+            <a:extLst>
+              <a:ext uri="{FF2B5EF4-FFF2-40B4-BE49-F238E27FC236}">
+                <a16:creationId xmlns:a16="http://schemas.microsoft.com/office/drawing/2014/main" id="{D39B1DD8-A044-4226-8ACE-9E4D382A39F7}"/>
+              </a:ext>
+            </a:extLst>
+          </p:cNvPr>
+          <p:cNvCxnSpPr>
+            <a:stCxn id="14" idx="0"/>
+          </p:cNvCxnSpPr>
+          <p:nvPr/>
+        </p:nvCxnSpPr>
+        <p:spPr>
+          <a:xfrm flipV="1">
+            <a:off x="1053101" y="2962380"/>
+            <a:ext cx="621587" cy="869881"/>
+          </a:xfrm>
+          <a:prstGeom prst="straightConnector1">
+            <a:avLst/>
+          </a:prstGeom>
+          <a:ln>
+            <a:tailEnd type="triangle"/>
+          </a:ln>
+        </p:spPr>
+        <p:style>
+          <a:lnRef idx="1">
+            <a:schemeClr val="accent1"/>
+          </a:lnRef>
+          <a:fillRef idx="0">
+            <a:schemeClr val="accent1"/>
+          </a:fillRef>
+          <a:effectRef idx="0">
+            <a:schemeClr val="accent1"/>
+          </a:effectRef>
+          <a:fontRef idx="minor">
+            <a:schemeClr val="tx1"/>
+          </a:fontRef>
+        </p:style>
+      </p:cxnSp>
+      <p:cxnSp>
+        <p:nvCxnSpPr>
+          <p:cNvPr id="20" name="Straight Arrow Connector 19">
+            <a:extLst>
+              <a:ext uri="{FF2B5EF4-FFF2-40B4-BE49-F238E27FC236}">
+                <a16:creationId xmlns:a16="http://schemas.microsoft.com/office/drawing/2014/main" id="{0F5F4948-3952-428D-95BC-7BFAC5019D20}"/>
+              </a:ext>
+            </a:extLst>
+          </p:cNvPr>
+          <p:cNvCxnSpPr>
+            <a:stCxn id="16" idx="0"/>
+            <a:endCxn id="5" idx="2"/>
+          </p:cNvCxnSpPr>
+          <p:nvPr/>
+        </p:nvCxnSpPr>
+        <p:spPr>
+          <a:xfrm flipH="1" flipV="1">
+            <a:off x="1986337" y="2945255"/>
+            <a:ext cx="66782" cy="2049699"/>
+          </a:xfrm>
+          <a:prstGeom prst="straightConnector1">
+            <a:avLst/>
+          </a:prstGeom>
+          <a:ln>
+            <a:tailEnd type="triangle"/>
+          </a:ln>
+        </p:spPr>
+        <p:style>
+          <a:lnRef idx="1">
+            <a:schemeClr val="accent1"/>
+          </a:lnRef>
+          <a:fillRef idx="0">
+            <a:schemeClr val="accent1"/>
+          </a:fillRef>
+          <a:effectRef idx="0">
+            <a:schemeClr val="accent1"/>
+          </a:effectRef>
+          <a:fontRef idx="minor">
+            <a:schemeClr val="tx1"/>
+          </a:fontRef>
+        </p:style>
+      </p:cxnSp>
+      <p:cxnSp>
+        <p:nvCxnSpPr>
+          <p:cNvPr id="22" name="Straight Arrow Connector 21">
+            <a:extLst>
+              <a:ext uri="{FF2B5EF4-FFF2-40B4-BE49-F238E27FC236}">
+                <a16:creationId xmlns:a16="http://schemas.microsoft.com/office/drawing/2014/main" id="{E8FAE77F-BFF9-4821-BF2B-64C23FE4D3C6}"/>
+              </a:ext>
+            </a:extLst>
+          </p:cNvPr>
+          <p:cNvCxnSpPr>
+            <a:stCxn id="15" idx="0"/>
+          </p:cNvCxnSpPr>
+          <p:nvPr/>
+        </p:nvCxnSpPr>
+        <p:spPr>
+          <a:xfrm flipH="1" flipV="1">
+            <a:off x="2212368" y="2945255"/>
+            <a:ext cx="847618" cy="887005"/>
+          </a:xfrm>
+          <a:prstGeom prst="straightConnector1">
+            <a:avLst/>
+          </a:prstGeom>
+          <a:ln>
+            <a:tailEnd type="triangle"/>
+          </a:ln>
+        </p:spPr>
+        <p:style>
+          <a:lnRef idx="1">
+            <a:schemeClr val="accent1"/>
+          </a:lnRef>
+          <a:fillRef idx="0">
+            <a:schemeClr val="accent1"/>
+          </a:fillRef>
+          <a:effectRef idx="0">
+            <a:schemeClr val="accent1"/>
+          </a:effectRef>
+          <a:fontRef idx="minor">
+            <a:schemeClr val="tx1"/>
+          </a:fontRef>
+        </p:style>
+      </p:cxnSp>
+      <p:sp>
+        <p:nvSpPr>
+          <p:cNvPr id="23" name="Rectangle 22">
+            <a:extLst>
+              <a:ext uri="{FF2B5EF4-FFF2-40B4-BE49-F238E27FC236}">
+                <a16:creationId xmlns:a16="http://schemas.microsoft.com/office/drawing/2014/main" id="{3E4CE79E-BCE8-47FA-8451-42B5AC43E9B6}"/>
+              </a:ext>
+            </a:extLst>
+          </p:cNvPr>
+          <p:cNvSpPr/>
+          <p:nvPr/>
+        </p:nvSpPr>
+        <p:spPr>
+          <a:xfrm>
+            <a:off x="5212422" y="5153347"/>
+            <a:ext cx="1695236" cy="503433"/>
+          </a:xfrm>
+          <a:prstGeom prst="rect">
+            <a:avLst/>
+          </a:prstGeom>
+          <a:solidFill>
+            <a:schemeClr val="accent2">
+              <a:lumMod val="75000"/>
+            </a:schemeClr>
+          </a:solidFill>
+        </p:spPr>
+        <p:style>
+          <a:lnRef idx="2">
+            <a:schemeClr val="accent1">
+              <a:shade val="50000"/>
+            </a:schemeClr>
+          </a:lnRef>
+          <a:fillRef idx="1">
+            <a:schemeClr val="accent1"/>
+          </a:fillRef>
+          <a:effectRef idx="0">
+            <a:schemeClr val="accent1"/>
+          </a:effectRef>
+          <a:fontRef idx="minor">
+            <a:schemeClr val="lt1"/>
+          </a:fontRef>
+        </p:style>
+        <p:txBody>
+          <a:bodyPr rtlCol="0" anchor="ctr"/>
+          <a:lstStyle/>
+          <a:p>
+            <a:pPr algn="ctr"/>
+            <a:r>
+              <a:rPr lang="en-US" dirty="0" err="1">
+                <a:solidFill>
+                  <a:srgbClr val="FF0000"/>
+                </a:solidFill>
+                <a:highlight>
+                  <a:srgbClr val="FFFF00"/>
+                </a:highlight>
+              </a:rPr>
+              <a:t>LinkedHashset</a:t>
+            </a:r>
+            <a:endParaRPr lang="en-US" dirty="0">
+              <a:solidFill>
+                <a:srgbClr val="FF0000"/>
+              </a:solidFill>
+              <a:highlight>
+                <a:srgbClr val="FFFF00"/>
+              </a:highlight>
+            </a:endParaRPr>
+          </a:p>
+        </p:txBody>
+      </p:sp>
+      <p:sp>
+        <p:nvSpPr>
+          <p:cNvPr id="24" name="Rectangle 23">
+            <a:extLst>
+              <a:ext uri="{FF2B5EF4-FFF2-40B4-BE49-F238E27FC236}">
+                <a16:creationId xmlns:a16="http://schemas.microsoft.com/office/drawing/2014/main" id="{A441DD7E-A522-4A0F-9520-4DBBD3F82E92}"/>
+              </a:ext>
+            </a:extLst>
+          </p:cNvPr>
+          <p:cNvSpPr/>
+          <p:nvPr/>
+        </p:nvSpPr>
+        <p:spPr>
+          <a:xfrm>
+            <a:off x="5212422" y="4089115"/>
+            <a:ext cx="1695236" cy="503433"/>
+          </a:xfrm>
+          <a:prstGeom prst="rect">
+            <a:avLst/>
+          </a:prstGeom>
+          <a:solidFill>
+            <a:schemeClr val="accent2">
+              <a:lumMod val="75000"/>
+            </a:schemeClr>
+          </a:solidFill>
+        </p:spPr>
+        <p:style>
+          <a:lnRef idx="2">
+            <a:schemeClr val="accent1">
+              <a:shade val="50000"/>
+            </a:schemeClr>
+          </a:lnRef>
+          <a:fillRef idx="1">
+            <a:schemeClr val="accent1"/>
+          </a:fillRef>
+          <a:effectRef idx="0">
+            <a:schemeClr val="accent1"/>
+          </a:effectRef>
+          <a:fontRef idx="minor">
+            <a:schemeClr val="lt1"/>
+          </a:fontRef>
+        </p:style>
+        <p:txBody>
+          <a:bodyPr rtlCol="0" anchor="ctr"/>
+          <a:lstStyle/>
+          <a:p>
+            <a:pPr algn="ctr"/>
+            <a:r>
+              <a:rPr lang="en-US" dirty="0" err="1">
+                <a:solidFill>
+                  <a:srgbClr val="FF0000"/>
+                </a:solidFill>
+                <a:highlight>
+                  <a:srgbClr val="FFFF00"/>
+                </a:highlight>
+              </a:rPr>
+              <a:t>Hashset</a:t>
+            </a:r>
+            <a:endParaRPr lang="en-US" dirty="0">
+              <a:solidFill>
+                <a:srgbClr val="FF0000"/>
+              </a:solidFill>
+              <a:highlight>
+                <a:srgbClr val="FFFF00"/>
+              </a:highlight>
+            </a:endParaRPr>
+          </a:p>
+        </p:txBody>
+      </p:sp>
+      <p:cxnSp>
+        <p:nvCxnSpPr>
+          <p:cNvPr id="26" name="Straight Arrow Connector 25">
+            <a:extLst>
+              <a:ext uri="{FF2B5EF4-FFF2-40B4-BE49-F238E27FC236}">
+                <a16:creationId xmlns:a16="http://schemas.microsoft.com/office/drawing/2014/main" id="{DAA20781-81AE-4172-8645-7255E639A921}"/>
+              </a:ext>
+            </a:extLst>
+          </p:cNvPr>
+          <p:cNvCxnSpPr>
+            <a:stCxn id="24" idx="0"/>
+            <a:endCxn id="6" idx="2"/>
+          </p:cNvCxnSpPr>
+          <p:nvPr/>
+        </p:nvCxnSpPr>
+        <p:spPr>
+          <a:xfrm flipV="1">
+            <a:off x="6060040" y="2977792"/>
+            <a:ext cx="580491" cy="1111323"/>
+          </a:xfrm>
+          <a:prstGeom prst="straightConnector1">
+            <a:avLst/>
+          </a:prstGeom>
+          <a:ln>
+            <a:tailEnd type="triangle"/>
+          </a:ln>
+        </p:spPr>
+        <p:style>
+          <a:lnRef idx="1">
+            <a:schemeClr val="accent1"/>
+          </a:lnRef>
+          <a:fillRef idx="0">
+            <a:schemeClr val="accent1"/>
+          </a:fillRef>
+          <a:effectRef idx="0">
+            <a:schemeClr val="accent1"/>
+          </a:effectRef>
+          <a:fontRef idx="minor">
+            <a:schemeClr val="tx1"/>
+          </a:fontRef>
+        </p:style>
+      </p:cxnSp>
+      <p:cxnSp>
+        <p:nvCxnSpPr>
+          <p:cNvPr id="28" name="Straight Arrow Connector 27">
+            <a:extLst>
+              <a:ext uri="{FF2B5EF4-FFF2-40B4-BE49-F238E27FC236}">
+                <a16:creationId xmlns:a16="http://schemas.microsoft.com/office/drawing/2014/main" id="{88236B57-C4EB-4AD9-98DA-129C047A4AC4}"/>
+              </a:ext>
+            </a:extLst>
+          </p:cNvPr>
+          <p:cNvCxnSpPr>
+            <a:stCxn id="23" idx="0"/>
+            <a:endCxn id="24" idx="2"/>
+          </p:cNvCxnSpPr>
+          <p:nvPr/>
+        </p:nvCxnSpPr>
+        <p:spPr>
+          <a:xfrm flipV="1">
+            <a:off x="6060040" y="4592548"/>
+            <a:ext cx="0" cy="560799"/>
+          </a:xfrm>
+          <a:prstGeom prst="straightConnector1">
+            <a:avLst/>
+          </a:prstGeom>
+          <a:ln>
+            <a:tailEnd type="triangle"/>
+          </a:ln>
+        </p:spPr>
+        <p:style>
+          <a:lnRef idx="1">
+            <a:schemeClr val="accent1"/>
+          </a:lnRef>
+          <a:fillRef idx="0">
+            <a:schemeClr val="accent1"/>
+          </a:fillRef>
+          <a:effectRef idx="0">
+            <a:schemeClr val="accent1"/>
+          </a:effectRef>
+          <a:fontRef idx="minor">
+            <a:schemeClr val="tx1"/>
+          </a:fontRef>
+        </p:style>
+      </p:cxnSp>
+      <p:sp>
+        <p:nvSpPr>
+          <p:cNvPr id="30" name="Rectangle 29">
+            <a:extLst>
+              <a:ext uri="{FF2B5EF4-FFF2-40B4-BE49-F238E27FC236}">
+                <a16:creationId xmlns:a16="http://schemas.microsoft.com/office/drawing/2014/main" id="{13142D3B-CC69-4A09-847C-4D5BA0477067}"/>
+              </a:ext>
+            </a:extLst>
+          </p:cNvPr>
+          <p:cNvSpPr/>
+          <p:nvPr/>
+        </p:nvSpPr>
+        <p:spPr>
+          <a:xfrm>
+            <a:off x="7394825" y="4872948"/>
+            <a:ext cx="1695236" cy="503433"/>
+          </a:xfrm>
+          <a:prstGeom prst="rect">
+            <a:avLst/>
+          </a:prstGeom>
+          <a:solidFill>
+            <a:schemeClr val="accent2">
+              <a:lumMod val="75000"/>
+            </a:schemeClr>
+          </a:solidFill>
+        </p:spPr>
+        <p:style>
+          <a:lnRef idx="2">
+            <a:schemeClr val="accent1">
+              <a:shade val="50000"/>
+            </a:schemeClr>
+          </a:lnRef>
+          <a:fillRef idx="1">
+            <a:schemeClr val="accent1"/>
+          </a:fillRef>
+          <a:effectRef idx="0">
+            <a:schemeClr val="accent1"/>
+          </a:effectRef>
+          <a:fontRef idx="minor">
+            <a:schemeClr val="lt1"/>
+          </a:fontRef>
+        </p:style>
+        <p:txBody>
+          <a:bodyPr rtlCol="0" anchor="ctr"/>
+          <a:lstStyle/>
+          <a:p>
+            <a:pPr algn="ctr"/>
+            <a:r>
+              <a:rPr lang="en-US" dirty="0" err="1"/>
+              <a:t>Treeset</a:t>
+            </a:r>
+            <a:endParaRPr lang="en-US" dirty="0"/>
+          </a:p>
+        </p:txBody>
+      </p:sp>
+      <p:sp>
+        <p:nvSpPr>
+          <p:cNvPr id="31" name="Rectangle 30">
+            <a:extLst>
+              <a:ext uri="{FF2B5EF4-FFF2-40B4-BE49-F238E27FC236}">
+                <a16:creationId xmlns:a16="http://schemas.microsoft.com/office/drawing/2014/main" id="{3F950BFB-0637-4C84-8CB5-933E62123A9F}"/>
+              </a:ext>
+            </a:extLst>
+          </p:cNvPr>
+          <p:cNvSpPr/>
+          <p:nvPr/>
+        </p:nvSpPr>
+        <p:spPr>
+          <a:xfrm>
+            <a:off x="7419654" y="3671728"/>
+            <a:ext cx="1677257" cy="416962"/>
+          </a:xfrm>
+          <a:prstGeom prst="rect">
+            <a:avLst/>
+          </a:prstGeom>
+        </p:spPr>
+        <p:style>
+          <a:lnRef idx="2">
+            <a:schemeClr val="accent1">
+              <a:shade val="50000"/>
+            </a:schemeClr>
+          </a:lnRef>
+          <a:fillRef idx="1">
+            <a:schemeClr val="accent1"/>
+          </a:fillRef>
+          <a:effectRef idx="0">
+            <a:schemeClr val="accent1"/>
+          </a:effectRef>
+          <a:fontRef idx="minor">
+            <a:schemeClr val="lt1"/>
+          </a:fontRef>
+        </p:style>
+        <p:txBody>
+          <a:bodyPr rtlCol="0" anchor="ctr"/>
+          <a:lstStyle/>
+          <a:p>
+            <a:pPr algn="ctr"/>
+            <a:r>
+              <a:rPr lang="en-US" dirty="0" err="1"/>
+              <a:t>SortedSet</a:t>
+            </a:r>
+            <a:endParaRPr lang="en-US" dirty="0"/>
+          </a:p>
+        </p:txBody>
+      </p:sp>
+      <p:cxnSp>
+        <p:nvCxnSpPr>
+          <p:cNvPr id="33" name="Straight Arrow Connector 32">
+            <a:extLst>
+              <a:ext uri="{FF2B5EF4-FFF2-40B4-BE49-F238E27FC236}">
+                <a16:creationId xmlns:a16="http://schemas.microsoft.com/office/drawing/2014/main" id="{6DC1EAA4-0F30-4C41-9C91-73F5D360D4C7}"/>
+              </a:ext>
+            </a:extLst>
+          </p:cNvPr>
+          <p:cNvCxnSpPr>
+            <a:stCxn id="30" idx="0"/>
+            <a:endCxn id="31" idx="2"/>
+          </p:cNvCxnSpPr>
+          <p:nvPr/>
+        </p:nvCxnSpPr>
+        <p:spPr>
+          <a:xfrm flipV="1">
+            <a:off x="8242443" y="4088690"/>
+            <a:ext cx="15840" cy="784258"/>
+          </a:xfrm>
+          <a:prstGeom prst="straightConnector1">
+            <a:avLst/>
+          </a:prstGeom>
+          <a:ln>
+            <a:tailEnd type="triangle"/>
+          </a:ln>
+        </p:spPr>
+        <p:style>
+          <a:lnRef idx="1">
+            <a:schemeClr val="accent1"/>
+          </a:lnRef>
+          <a:fillRef idx="0">
+            <a:schemeClr val="accent1"/>
+          </a:fillRef>
+          <a:effectRef idx="0">
+            <a:schemeClr val="accent1"/>
+          </a:effectRef>
+          <a:fontRef idx="minor">
+            <a:schemeClr val="tx1"/>
+          </a:fontRef>
+        </p:style>
+      </p:cxnSp>
+      <p:cxnSp>
+        <p:nvCxnSpPr>
+          <p:cNvPr id="35" name="Straight Arrow Connector 34">
+            <a:extLst>
+              <a:ext uri="{FF2B5EF4-FFF2-40B4-BE49-F238E27FC236}">
+                <a16:creationId xmlns:a16="http://schemas.microsoft.com/office/drawing/2014/main" id="{ECB96F52-D486-46F4-90D6-6860585872D3}"/>
+              </a:ext>
+            </a:extLst>
+          </p:cNvPr>
+          <p:cNvCxnSpPr>
+            <a:stCxn id="31" idx="0"/>
+          </p:cNvCxnSpPr>
+          <p:nvPr/>
+        </p:nvCxnSpPr>
+        <p:spPr>
+          <a:xfrm flipH="1" flipV="1">
+            <a:off x="6907658" y="2977791"/>
+            <a:ext cx="1350625" cy="693937"/>
+          </a:xfrm>
+          <a:prstGeom prst="straightConnector1">
+            <a:avLst/>
+          </a:prstGeom>
+          <a:ln>
+            <a:tailEnd type="triangle"/>
+          </a:ln>
+        </p:spPr>
+        <p:style>
+          <a:lnRef idx="1">
+            <a:schemeClr val="accent1"/>
+          </a:lnRef>
+          <a:fillRef idx="0">
+            <a:schemeClr val="accent1"/>
+          </a:fillRef>
+          <a:effectRef idx="0">
+            <a:schemeClr val="accent1"/>
+          </a:effectRef>
+          <a:fontRef idx="minor">
+            <a:schemeClr val="tx1"/>
+          </a:fontRef>
+        </p:style>
+      </p:cxnSp>
+      <p:sp>
+        <p:nvSpPr>
+          <p:cNvPr id="37" name="Rectangle 36">
+            <a:extLst>
+              <a:ext uri="{FF2B5EF4-FFF2-40B4-BE49-F238E27FC236}">
+                <a16:creationId xmlns:a16="http://schemas.microsoft.com/office/drawing/2014/main" id="{7545F224-8DDE-4C6D-BE26-017F1289BF82}"/>
+              </a:ext>
+            </a:extLst>
+          </p:cNvPr>
+          <p:cNvSpPr/>
+          <p:nvPr/>
+        </p:nvSpPr>
+        <p:spPr>
+          <a:xfrm>
+            <a:off x="10447964" y="3580111"/>
+            <a:ext cx="1538553" cy="595901"/>
+          </a:xfrm>
+          <a:prstGeom prst="rect">
+            <a:avLst/>
+          </a:prstGeom>
+          <a:solidFill>
+            <a:schemeClr val="accent2">
+              <a:lumMod val="75000"/>
+            </a:schemeClr>
+          </a:solidFill>
+        </p:spPr>
+        <p:style>
+          <a:lnRef idx="2">
+            <a:schemeClr val="accent1">
+              <a:shade val="50000"/>
+            </a:schemeClr>
+          </a:lnRef>
+          <a:fillRef idx="1">
+            <a:schemeClr val="accent1"/>
+          </a:fillRef>
+          <a:effectRef idx="0">
+            <a:schemeClr val="accent1"/>
+          </a:effectRef>
+          <a:fontRef idx="minor">
+            <a:schemeClr val="lt1"/>
+          </a:fontRef>
+        </p:style>
+        <p:txBody>
+          <a:bodyPr rtlCol="0" anchor="ctr"/>
+          <a:lstStyle/>
+          <a:p>
+            <a:pPr algn="ctr"/>
+            <a:r>
+              <a:rPr lang="en-US" dirty="0"/>
+              <a:t>Dequeue</a:t>
+            </a:r>
+          </a:p>
+        </p:txBody>
+      </p:sp>
+      <p:sp>
+        <p:nvSpPr>
+          <p:cNvPr id="38" name="Rectangle 37">
+            <a:extLst>
+              <a:ext uri="{FF2B5EF4-FFF2-40B4-BE49-F238E27FC236}">
+                <a16:creationId xmlns:a16="http://schemas.microsoft.com/office/drawing/2014/main" id="{1BEC4699-BF81-4DB6-ABFD-166220201C67}"/>
+              </a:ext>
+            </a:extLst>
+          </p:cNvPr>
+          <p:cNvSpPr/>
+          <p:nvPr/>
+        </p:nvSpPr>
+        <p:spPr>
+          <a:xfrm>
+            <a:off x="9860195" y="4315143"/>
+            <a:ext cx="1538553" cy="595901"/>
+          </a:xfrm>
+          <a:prstGeom prst="rect">
+            <a:avLst/>
+          </a:prstGeom>
+          <a:solidFill>
+            <a:schemeClr val="accent2">
+              <a:lumMod val="75000"/>
+            </a:schemeClr>
+          </a:solidFill>
+        </p:spPr>
+        <p:style>
+          <a:lnRef idx="2">
+            <a:schemeClr val="accent1">
+              <a:shade val="50000"/>
+            </a:schemeClr>
+          </a:lnRef>
+          <a:fillRef idx="1">
+            <a:schemeClr val="accent1"/>
+          </a:fillRef>
+          <a:effectRef idx="0">
+            <a:schemeClr val="accent1"/>
+          </a:effectRef>
+          <a:fontRef idx="minor">
+            <a:schemeClr val="lt1"/>
+          </a:fontRef>
+        </p:style>
+        <p:txBody>
+          <a:bodyPr rtlCol="0" anchor="ctr"/>
+          <a:lstStyle/>
+          <a:p>
+            <a:pPr algn="ctr"/>
+            <a:r>
+              <a:rPr lang="en-US" dirty="0" err="1"/>
+              <a:t>PriorityQueue</a:t>
+            </a:r>
+            <a:endParaRPr lang="en-US" dirty="0"/>
+          </a:p>
+        </p:txBody>
+      </p:sp>
+      <p:cxnSp>
+        <p:nvCxnSpPr>
+          <p:cNvPr id="40" name="Straight Arrow Connector 39">
+            <a:extLst>
+              <a:ext uri="{FF2B5EF4-FFF2-40B4-BE49-F238E27FC236}">
+                <a16:creationId xmlns:a16="http://schemas.microsoft.com/office/drawing/2014/main" id="{F0D7A2CE-3793-44E9-824D-7DE0E06D190E}"/>
+              </a:ext>
+            </a:extLst>
+          </p:cNvPr>
+          <p:cNvCxnSpPr/>
+          <p:nvPr/>
+        </p:nvCxnSpPr>
+        <p:spPr>
+          <a:xfrm flipV="1">
+            <a:off x="10066961" y="2962380"/>
+            <a:ext cx="138702" cy="1373313"/>
+          </a:xfrm>
+          <a:prstGeom prst="straightConnector1">
+            <a:avLst/>
+          </a:prstGeom>
+          <a:ln>
+            <a:tailEnd type="triangle"/>
+          </a:ln>
+        </p:spPr>
+        <p:style>
+          <a:lnRef idx="1">
+            <a:schemeClr val="accent1"/>
+          </a:lnRef>
+          <a:fillRef idx="0">
+            <a:schemeClr val="accent1"/>
+          </a:fillRef>
+          <a:effectRef idx="0">
+            <a:schemeClr val="accent1"/>
+          </a:effectRef>
+          <a:fontRef idx="minor">
+            <a:schemeClr val="tx1"/>
+          </a:fontRef>
+        </p:style>
+      </p:cxnSp>
+      <p:cxnSp>
+        <p:nvCxnSpPr>
+          <p:cNvPr id="42" name="Straight Arrow Connector 41">
+            <a:extLst>
+              <a:ext uri="{FF2B5EF4-FFF2-40B4-BE49-F238E27FC236}">
+                <a16:creationId xmlns:a16="http://schemas.microsoft.com/office/drawing/2014/main" id="{0C5BD7FC-79B5-4D80-945C-90D8505DF2D6}"/>
+              </a:ext>
+            </a:extLst>
+          </p:cNvPr>
+          <p:cNvCxnSpPr>
+            <a:stCxn id="37" idx="0"/>
+            <a:endCxn id="7" idx="2"/>
+          </p:cNvCxnSpPr>
+          <p:nvPr/>
+        </p:nvCxnSpPr>
+        <p:spPr>
+          <a:xfrm flipH="1" flipV="1">
+            <a:off x="10739920" y="2977791"/>
+            <a:ext cx="477321" cy="602320"/>
+          </a:xfrm>
+          <a:prstGeom prst="straightConnector1">
+            <a:avLst/>
+          </a:prstGeom>
+          <a:ln>
+            <a:tailEnd type="triangle"/>
+          </a:ln>
+        </p:spPr>
+        <p:style>
+          <a:lnRef idx="1">
+            <a:schemeClr val="accent1"/>
+          </a:lnRef>
+          <a:fillRef idx="0">
+            <a:schemeClr val="accent1"/>
+          </a:fillRef>
+          <a:effectRef idx="0">
+            <a:schemeClr val="accent1"/>
+          </a:effectRef>
+          <a:fontRef idx="minor">
+            <a:schemeClr val="tx1"/>
+          </a:fontRef>
+        </p:style>
+      </p:cxnSp>
+      <p:sp>
+        <p:nvSpPr>
+          <p:cNvPr id="43" name="Rectangle 42">
+            <a:extLst>
+              <a:ext uri="{FF2B5EF4-FFF2-40B4-BE49-F238E27FC236}">
+                <a16:creationId xmlns:a16="http://schemas.microsoft.com/office/drawing/2014/main" id="{5651AE2B-0B7B-4F81-8F5C-E8DEEF500398}"/>
+              </a:ext>
+            </a:extLst>
+          </p:cNvPr>
+          <p:cNvSpPr/>
+          <p:nvPr/>
+        </p:nvSpPr>
+        <p:spPr>
+          <a:xfrm>
+            <a:off x="1674688" y="93746"/>
+            <a:ext cx="2455523" cy="595901"/>
+          </a:xfrm>
+          <a:prstGeom prst="rect">
+            <a:avLst/>
+          </a:prstGeom>
+        </p:spPr>
+        <p:style>
+          <a:lnRef idx="2">
+            <a:schemeClr val="accent1">
+              <a:shade val="50000"/>
+            </a:schemeClr>
+          </a:lnRef>
+          <a:fillRef idx="1">
+            <a:schemeClr val="accent1"/>
+          </a:fillRef>
+          <a:effectRef idx="0">
+            <a:schemeClr val="accent1"/>
+          </a:effectRef>
+          <a:fontRef idx="minor">
+            <a:schemeClr val="lt1"/>
+          </a:fontRef>
+        </p:style>
+        <p:txBody>
+          <a:bodyPr rtlCol="0" anchor="ctr"/>
+          <a:lstStyle/>
+          <a:p>
+            <a:pPr algn="ctr"/>
+            <a:r>
+              <a:rPr lang="en-US" dirty="0" err="1"/>
+              <a:t>Iterable</a:t>
+            </a:r>
+            <a:r>
+              <a:rPr lang="en-US" dirty="0"/>
+              <a:t> </a:t>
+            </a:r>
+          </a:p>
+        </p:txBody>
+      </p:sp>
+      <p:cxnSp>
+        <p:nvCxnSpPr>
+          <p:cNvPr id="45" name="Straight Arrow Connector 44">
+            <a:extLst>
+              <a:ext uri="{FF2B5EF4-FFF2-40B4-BE49-F238E27FC236}">
+                <a16:creationId xmlns:a16="http://schemas.microsoft.com/office/drawing/2014/main" id="{4471C082-48D9-47FC-B044-26FBBD37C022}"/>
+              </a:ext>
+            </a:extLst>
+          </p:cNvPr>
+          <p:cNvCxnSpPr>
+            <a:endCxn id="43" idx="3"/>
+          </p:cNvCxnSpPr>
+          <p:nvPr/>
+        </p:nvCxnSpPr>
+        <p:spPr>
+          <a:xfrm flipH="1" flipV="1">
+            <a:off x="4130211" y="391697"/>
+            <a:ext cx="1488040" cy="443502"/>
+          </a:xfrm>
+          <a:prstGeom prst="straightConnector1">
+            <a:avLst/>
+          </a:prstGeom>
+          <a:ln>
+            <a:tailEnd type="triangle"/>
+          </a:ln>
+        </p:spPr>
+        <p:style>
+          <a:lnRef idx="1">
+            <a:schemeClr val="accent1"/>
+          </a:lnRef>
+          <a:fillRef idx="0">
+            <a:schemeClr val="accent1"/>
+          </a:fillRef>
+          <a:effectRef idx="0">
+            <a:schemeClr val="accent1"/>
+          </a:effectRef>
+          <a:fontRef idx="minor">
+            <a:schemeClr val="tx1"/>
+          </a:fontRef>
+        </p:style>
+      </p:cxnSp>
+      <p:sp>
+        <p:nvSpPr>
+          <p:cNvPr id="47" name="Rectangle 46">
+            <a:extLst>
+              <a:ext uri="{FF2B5EF4-FFF2-40B4-BE49-F238E27FC236}">
+                <a16:creationId xmlns:a16="http://schemas.microsoft.com/office/drawing/2014/main" id="{9FD7A213-8286-4958-B8CD-E4BD5939FE5C}"/>
+              </a:ext>
+            </a:extLst>
+          </p:cNvPr>
+          <p:cNvSpPr/>
+          <p:nvPr/>
+        </p:nvSpPr>
+        <p:spPr>
+          <a:xfrm>
+            <a:off x="8258283" y="205483"/>
+            <a:ext cx="1488040" cy="443502"/>
+          </a:xfrm>
+          <a:prstGeom prst="rect">
+            <a:avLst/>
+          </a:prstGeom>
+        </p:spPr>
+        <p:style>
+          <a:lnRef idx="2">
+            <a:schemeClr val="accent1">
+              <a:shade val="50000"/>
+            </a:schemeClr>
+          </a:lnRef>
+          <a:fillRef idx="1">
+            <a:schemeClr val="accent1"/>
+          </a:fillRef>
+          <a:effectRef idx="0">
+            <a:schemeClr val="accent1"/>
+          </a:effectRef>
+          <a:fontRef idx="minor">
+            <a:schemeClr val="lt1"/>
+          </a:fontRef>
+        </p:style>
+        <p:txBody>
+          <a:bodyPr rtlCol="0" anchor="ctr"/>
+          <a:lstStyle/>
+          <a:p>
+            <a:pPr algn="ctr"/>
+            <a:r>
+              <a:rPr lang="en-US" dirty="0"/>
+              <a:t>Interface</a:t>
+            </a:r>
+          </a:p>
+        </p:txBody>
+      </p:sp>
+      <p:sp>
+        <p:nvSpPr>
+          <p:cNvPr id="48" name="Rectangle 47">
+            <a:extLst>
+              <a:ext uri="{FF2B5EF4-FFF2-40B4-BE49-F238E27FC236}">
+                <a16:creationId xmlns:a16="http://schemas.microsoft.com/office/drawing/2014/main" id="{3A225AB5-7AC7-4AE9-B6E2-6DA335D4F671}"/>
+              </a:ext>
+            </a:extLst>
+          </p:cNvPr>
+          <p:cNvSpPr/>
+          <p:nvPr/>
+        </p:nvSpPr>
+        <p:spPr>
+          <a:xfrm>
+            <a:off x="8371725" y="708490"/>
+            <a:ext cx="1695236" cy="503433"/>
+          </a:xfrm>
+          <a:prstGeom prst="rect">
+            <a:avLst/>
+          </a:prstGeom>
+          <a:solidFill>
+            <a:schemeClr val="accent2">
+              <a:lumMod val="75000"/>
+            </a:schemeClr>
+          </a:solidFill>
+        </p:spPr>
+        <p:style>
+          <a:lnRef idx="2">
+            <a:schemeClr val="accent1">
+              <a:shade val="50000"/>
+            </a:schemeClr>
+          </a:lnRef>
+          <a:fillRef idx="1">
+            <a:schemeClr val="accent1"/>
+          </a:fillRef>
+          <a:effectRef idx="0">
+            <a:schemeClr val="accent1"/>
+          </a:effectRef>
+          <a:fontRef idx="minor">
+            <a:schemeClr val="lt1"/>
+          </a:fontRef>
+        </p:style>
+        <p:txBody>
+          <a:bodyPr rtlCol="0" anchor="ctr"/>
+          <a:lstStyle/>
+          <a:p>
+            <a:pPr algn="ctr"/>
+            <a:r>
+              <a:rPr lang="en-US" dirty="0"/>
+              <a:t>Class</a:t>
+            </a:r>
+          </a:p>
+        </p:txBody>
+      </p:sp>
+      <p:sp>
+        <p:nvSpPr>
+          <p:cNvPr id="49" name="Rectangle 48">
+            <a:extLst>
+              <a:ext uri="{FF2B5EF4-FFF2-40B4-BE49-F238E27FC236}">
+                <a16:creationId xmlns:a16="http://schemas.microsoft.com/office/drawing/2014/main" id="{17E9AC7D-957C-4F23-B5BE-342C0CE5C336}"/>
+              </a:ext>
+            </a:extLst>
+          </p:cNvPr>
+          <p:cNvSpPr/>
+          <p:nvPr/>
+        </p:nvSpPr>
+        <p:spPr>
+          <a:xfrm>
+            <a:off x="107024" y="1278701"/>
+            <a:ext cx="2455523" cy="595901"/>
+          </a:xfrm>
+          <a:prstGeom prst="rect">
+            <a:avLst/>
+          </a:prstGeom>
+        </p:spPr>
+        <p:style>
+          <a:lnRef idx="2">
+            <a:schemeClr val="accent1">
+              <a:shade val="50000"/>
+            </a:schemeClr>
+          </a:lnRef>
+          <a:fillRef idx="1">
+            <a:schemeClr val="accent1"/>
+          </a:fillRef>
+          <a:effectRef idx="0">
+            <a:schemeClr val="accent1"/>
+          </a:effectRef>
+          <a:fontRef idx="minor">
+            <a:schemeClr val="lt1"/>
+          </a:fontRef>
+        </p:style>
+        <p:txBody>
+          <a:bodyPr rtlCol="0" anchor="ctr"/>
+          <a:lstStyle/>
+          <a:p>
+            <a:pPr algn="ctr"/>
+            <a:r>
+              <a:rPr lang="en-US" dirty="0" err="1"/>
+              <a:t>ListIterator</a:t>
+            </a:r>
+            <a:endParaRPr lang="en-US" dirty="0"/>
+          </a:p>
+        </p:txBody>
+      </p:sp>
+      <p:cxnSp>
+        <p:nvCxnSpPr>
+          <p:cNvPr id="51" name="Straight Arrow Connector 50">
+            <a:extLst>
+              <a:ext uri="{FF2B5EF4-FFF2-40B4-BE49-F238E27FC236}">
+                <a16:creationId xmlns:a16="http://schemas.microsoft.com/office/drawing/2014/main" id="{44313A3A-7D49-4C28-A643-656602B1C7A8}"/>
+              </a:ext>
+            </a:extLst>
+          </p:cNvPr>
+          <p:cNvCxnSpPr>
+            <a:stCxn id="5" idx="0"/>
+          </p:cNvCxnSpPr>
+          <p:nvPr/>
+        </p:nvCxnSpPr>
+        <p:spPr>
+          <a:xfrm flipH="1" flipV="1">
+            <a:off x="1205501" y="1852341"/>
+            <a:ext cx="780836" cy="497013"/>
+          </a:xfrm>
+          <a:prstGeom prst="straightConnector1">
+            <a:avLst/>
+          </a:prstGeom>
+          <a:ln>
+            <a:tailEnd type="triangle"/>
+          </a:ln>
+        </p:spPr>
+        <p:style>
+          <a:lnRef idx="1">
+            <a:schemeClr val="accent1"/>
+          </a:lnRef>
+          <a:fillRef idx="0">
+            <a:schemeClr val="accent1"/>
+          </a:fillRef>
+          <a:effectRef idx="0">
+            <a:schemeClr val="accent1"/>
+          </a:effectRef>
+          <a:fontRef idx="minor">
+            <a:schemeClr val="tx1"/>
+          </a:fontRef>
+        </p:style>
+      </p:cxnSp>
+      <p:sp>
+        <p:nvSpPr>
+          <p:cNvPr id="52" name="Rectangle 51">
+            <a:extLst>
+              <a:ext uri="{FF2B5EF4-FFF2-40B4-BE49-F238E27FC236}">
+                <a16:creationId xmlns:a16="http://schemas.microsoft.com/office/drawing/2014/main" id="{B078C7A6-3AC9-48AF-B3C3-41A9720CD7F1}"/>
+              </a:ext>
+            </a:extLst>
+          </p:cNvPr>
+          <p:cNvSpPr/>
+          <p:nvPr/>
+        </p:nvSpPr>
+        <p:spPr>
+          <a:xfrm>
+            <a:off x="-684944" y="3111777"/>
+            <a:ext cx="1695236" cy="468333"/>
+          </a:xfrm>
+          <a:prstGeom prst="rect">
+            <a:avLst/>
+          </a:prstGeom>
+        </p:spPr>
+        <p:style>
+          <a:lnRef idx="2">
+            <a:schemeClr val="accent1">
+              <a:shade val="50000"/>
+            </a:schemeClr>
+          </a:lnRef>
+          <a:fillRef idx="1">
+            <a:schemeClr val="accent1"/>
+          </a:fillRef>
+          <a:effectRef idx="0">
+            <a:schemeClr val="accent1"/>
+          </a:effectRef>
+          <a:fontRef idx="minor">
+            <a:schemeClr val="lt1"/>
+          </a:fontRef>
+        </p:style>
+        <p:txBody>
+          <a:bodyPr rtlCol="0" anchor="ctr"/>
+          <a:lstStyle/>
+          <a:p>
+            <a:pPr algn="ctr"/>
+            <a:r>
+              <a:rPr lang="en-US" dirty="0" err="1"/>
+              <a:t>RandomAccess</a:t>
+            </a:r>
+            <a:endParaRPr lang="en-US" dirty="0"/>
+          </a:p>
+        </p:txBody>
+      </p:sp>
+      <p:cxnSp>
+        <p:nvCxnSpPr>
+          <p:cNvPr id="54" name="Straight Arrow Connector 53">
+            <a:extLst>
+              <a:ext uri="{FF2B5EF4-FFF2-40B4-BE49-F238E27FC236}">
+                <a16:creationId xmlns:a16="http://schemas.microsoft.com/office/drawing/2014/main" id="{6F1B859A-1804-45C4-977D-9791D65F6024}"/>
+              </a:ext>
+            </a:extLst>
+          </p:cNvPr>
+          <p:cNvCxnSpPr>
+            <a:stCxn id="14" idx="0"/>
+            <a:endCxn id="52" idx="2"/>
+          </p:cNvCxnSpPr>
+          <p:nvPr/>
+        </p:nvCxnSpPr>
+        <p:spPr>
+          <a:xfrm flipH="1" flipV="1">
+            <a:off x="162674" y="3580110"/>
+            <a:ext cx="890427" cy="252151"/>
+          </a:xfrm>
+          <a:prstGeom prst="straightConnector1">
+            <a:avLst/>
+          </a:prstGeom>
+          <a:ln>
+            <a:tailEnd type="triangle"/>
+          </a:ln>
+        </p:spPr>
+        <p:style>
+          <a:lnRef idx="1">
+            <a:schemeClr val="accent1"/>
+          </a:lnRef>
+          <a:fillRef idx="0">
+            <a:schemeClr val="accent1"/>
+          </a:fillRef>
+          <a:effectRef idx="0">
+            <a:schemeClr val="accent1"/>
+          </a:effectRef>
+          <a:fontRef idx="minor">
+            <a:schemeClr val="tx1"/>
+          </a:fontRef>
+        </p:style>
+      </p:cxnSp>
+      <p:sp>
+        <p:nvSpPr>
+          <p:cNvPr id="55" name="Freeform: Shape 54">
+            <a:extLst>
+              <a:ext uri="{FF2B5EF4-FFF2-40B4-BE49-F238E27FC236}">
+                <a16:creationId xmlns:a16="http://schemas.microsoft.com/office/drawing/2014/main" id="{506FD485-6313-4726-A50E-4A83734335F7}"/>
+              </a:ext>
+            </a:extLst>
+          </p:cNvPr>
+          <p:cNvSpPr/>
+          <p:nvPr/>
+        </p:nvSpPr>
+        <p:spPr>
+          <a:xfrm>
+            <a:off x="-2434975" y="277402"/>
+            <a:ext cx="7119991" cy="6061753"/>
+          </a:xfrm>
+          <a:custGeom>
+            <a:avLst/>
+            <a:gdLst>
+              <a:gd name="connsiteX0" fmla="*/ 7037797 w 7119991"/>
+              <a:gd name="connsiteY0" fmla="*/ 3246634 h 6061753"/>
+              <a:gd name="connsiteX1" fmla="*/ 7058346 w 7119991"/>
+              <a:gd name="connsiteY1" fmla="*/ 3411020 h 6061753"/>
+              <a:gd name="connsiteX2" fmla="*/ 7089168 w 7119991"/>
+              <a:gd name="connsiteY2" fmla="*/ 3616504 h 6061753"/>
+              <a:gd name="connsiteX3" fmla="*/ 7048072 w 7119991"/>
+              <a:gd name="connsiteY3" fmla="*/ 4222679 h 6061753"/>
+              <a:gd name="connsiteX4" fmla="*/ 7017249 w 7119991"/>
+              <a:gd name="connsiteY4" fmla="*/ 4356243 h 6061753"/>
+              <a:gd name="connsiteX5" fmla="*/ 6986427 w 7119991"/>
+              <a:gd name="connsiteY5" fmla="*/ 4417888 h 6061753"/>
+              <a:gd name="connsiteX6" fmla="*/ 6945330 w 7119991"/>
+              <a:gd name="connsiteY6" fmla="*/ 4530904 h 6061753"/>
+              <a:gd name="connsiteX7" fmla="*/ 6893959 w 7119991"/>
+              <a:gd name="connsiteY7" fmla="*/ 4613097 h 6061753"/>
+              <a:gd name="connsiteX8" fmla="*/ 6873411 w 7119991"/>
+              <a:gd name="connsiteY8" fmla="*/ 4726113 h 6061753"/>
+              <a:gd name="connsiteX9" fmla="*/ 6822040 w 7119991"/>
+              <a:gd name="connsiteY9" fmla="*/ 4787758 h 6061753"/>
+              <a:gd name="connsiteX10" fmla="*/ 6791218 w 7119991"/>
+              <a:gd name="connsiteY10" fmla="*/ 4869951 h 6061753"/>
+              <a:gd name="connsiteX11" fmla="*/ 6750121 w 7119991"/>
+              <a:gd name="connsiteY11" fmla="*/ 4911047 h 6061753"/>
+              <a:gd name="connsiteX12" fmla="*/ 6698750 w 7119991"/>
+              <a:gd name="connsiteY12" fmla="*/ 4972692 h 6061753"/>
+              <a:gd name="connsiteX13" fmla="*/ 6575460 w 7119991"/>
+              <a:gd name="connsiteY13" fmla="*/ 5116531 h 6061753"/>
+              <a:gd name="connsiteX14" fmla="*/ 6503541 w 7119991"/>
+              <a:gd name="connsiteY14" fmla="*/ 5188450 h 6061753"/>
+              <a:gd name="connsiteX15" fmla="*/ 6359703 w 7119991"/>
+              <a:gd name="connsiteY15" fmla="*/ 5322014 h 6061753"/>
+              <a:gd name="connsiteX16" fmla="*/ 6164494 w 7119991"/>
+              <a:gd name="connsiteY16" fmla="*/ 5424755 h 6061753"/>
+              <a:gd name="connsiteX17" fmla="*/ 6102849 w 7119991"/>
+              <a:gd name="connsiteY17" fmla="*/ 5465852 h 6061753"/>
+              <a:gd name="connsiteX18" fmla="*/ 6020656 w 7119991"/>
+              <a:gd name="connsiteY18" fmla="*/ 5506949 h 6061753"/>
+              <a:gd name="connsiteX19" fmla="*/ 5959011 w 7119991"/>
+              <a:gd name="connsiteY19" fmla="*/ 5548045 h 6061753"/>
+              <a:gd name="connsiteX20" fmla="*/ 5876818 w 7119991"/>
+              <a:gd name="connsiteY20" fmla="*/ 5578868 h 6061753"/>
+              <a:gd name="connsiteX21" fmla="*/ 5774076 w 7119991"/>
+              <a:gd name="connsiteY21" fmla="*/ 5640513 h 6061753"/>
+              <a:gd name="connsiteX22" fmla="*/ 5712431 w 7119991"/>
+              <a:gd name="connsiteY22" fmla="*/ 5681609 h 6061753"/>
+              <a:gd name="connsiteX23" fmla="*/ 5527496 w 7119991"/>
+              <a:gd name="connsiteY23" fmla="*/ 5774077 h 6061753"/>
+              <a:gd name="connsiteX24" fmla="*/ 5476126 w 7119991"/>
+              <a:gd name="connsiteY24" fmla="*/ 5784351 h 6061753"/>
+              <a:gd name="connsiteX25" fmla="*/ 5291191 w 7119991"/>
+              <a:gd name="connsiteY25" fmla="*/ 5866544 h 6061753"/>
+              <a:gd name="connsiteX26" fmla="*/ 5085708 w 7119991"/>
+              <a:gd name="connsiteY26" fmla="*/ 5917915 h 6061753"/>
+              <a:gd name="connsiteX27" fmla="*/ 4880224 w 7119991"/>
+              <a:gd name="connsiteY27" fmla="*/ 5969286 h 6061753"/>
+              <a:gd name="connsiteX28" fmla="*/ 4623371 w 7119991"/>
+              <a:gd name="connsiteY28" fmla="*/ 6030931 h 6061753"/>
+              <a:gd name="connsiteX29" fmla="*/ 4263775 w 7119991"/>
+              <a:gd name="connsiteY29" fmla="*/ 6061753 h 6061753"/>
+              <a:gd name="connsiteX30" fmla="*/ 2301411 w 7119991"/>
+              <a:gd name="connsiteY30" fmla="*/ 6051479 h 6061753"/>
+              <a:gd name="connsiteX31" fmla="*/ 2024009 w 7119991"/>
+              <a:gd name="connsiteY31" fmla="*/ 5979560 h 6061753"/>
+              <a:gd name="connsiteX32" fmla="*/ 1849348 w 7119991"/>
+              <a:gd name="connsiteY32" fmla="*/ 5969286 h 6061753"/>
+              <a:gd name="connsiteX33" fmla="*/ 1746606 w 7119991"/>
+              <a:gd name="connsiteY33" fmla="*/ 5928189 h 6061753"/>
+              <a:gd name="connsiteX34" fmla="*/ 1592494 w 7119991"/>
+              <a:gd name="connsiteY34" fmla="*/ 5887092 h 6061753"/>
+              <a:gd name="connsiteX35" fmla="*/ 1458930 w 7119991"/>
+              <a:gd name="connsiteY35" fmla="*/ 5825447 h 6061753"/>
+              <a:gd name="connsiteX36" fmla="*/ 1376737 w 7119991"/>
+              <a:gd name="connsiteY36" fmla="*/ 5774077 h 6061753"/>
+              <a:gd name="connsiteX37" fmla="*/ 1222624 w 7119991"/>
+              <a:gd name="connsiteY37" fmla="*/ 5681609 h 6061753"/>
+              <a:gd name="connsiteX38" fmla="*/ 1130157 w 7119991"/>
+              <a:gd name="connsiteY38" fmla="*/ 5609690 h 6061753"/>
+              <a:gd name="connsiteX39" fmla="*/ 1047964 w 7119991"/>
+              <a:gd name="connsiteY39" fmla="*/ 5558319 h 6061753"/>
+              <a:gd name="connsiteX40" fmla="*/ 811658 w 7119991"/>
+              <a:gd name="connsiteY40" fmla="*/ 5342562 h 6061753"/>
+              <a:gd name="connsiteX41" fmla="*/ 750013 w 7119991"/>
+              <a:gd name="connsiteY41" fmla="*/ 5280917 h 6061753"/>
+              <a:gd name="connsiteX42" fmla="*/ 698642 w 7119991"/>
+              <a:gd name="connsiteY42" fmla="*/ 5208998 h 6061753"/>
+              <a:gd name="connsiteX43" fmla="*/ 513708 w 7119991"/>
+              <a:gd name="connsiteY43" fmla="*/ 4952144 h 6061753"/>
+              <a:gd name="connsiteX44" fmla="*/ 472611 w 7119991"/>
+              <a:gd name="connsiteY44" fmla="*/ 4849402 h 6061753"/>
+              <a:gd name="connsiteX45" fmla="*/ 349321 w 7119991"/>
+              <a:gd name="connsiteY45" fmla="*/ 4664468 h 6061753"/>
+              <a:gd name="connsiteX46" fmla="*/ 226031 w 7119991"/>
+              <a:gd name="connsiteY46" fmla="*/ 4325420 h 6061753"/>
+              <a:gd name="connsiteX47" fmla="*/ 164386 w 7119991"/>
+              <a:gd name="connsiteY47" fmla="*/ 4119937 h 6061753"/>
+              <a:gd name="connsiteX48" fmla="*/ 143838 w 7119991"/>
+              <a:gd name="connsiteY48" fmla="*/ 3996647 h 6061753"/>
+              <a:gd name="connsiteX49" fmla="*/ 71919 w 7119991"/>
+              <a:gd name="connsiteY49" fmla="*/ 3791164 h 6061753"/>
+              <a:gd name="connsiteX50" fmla="*/ 41096 w 7119991"/>
+              <a:gd name="connsiteY50" fmla="*/ 3606229 h 6061753"/>
+              <a:gd name="connsiteX51" fmla="*/ 0 w 7119991"/>
+              <a:gd name="connsiteY51" fmla="*/ 3328827 h 6061753"/>
+              <a:gd name="connsiteX52" fmla="*/ 20548 w 7119991"/>
+              <a:gd name="connsiteY52" fmla="*/ 1438382 h 6061753"/>
+              <a:gd name="connsiteX53" fmla="*/ 51371 w 7119991"/>
+              <a:gd name="connsiteY53" fmla="*/ 1304818 h 6061753"/>
+              <a:gd name="connsiteX54" fmla="*/ 71919 w 7119991"/>
+              <a:gd name="connsiteY54" fmla="*/ 1263722 h 6061753"/>
+              <a:gd name="connsiteX55" fmla="*/ 92467 w 7119991"/>
+              <a:gd name="connsiteY55" fmla="*/ 1243173 h 6061753"/>
+              <a:gd name="connsiteX56" fmla="*/ 133564 w 7119991"/>
+              <a:gd name="connsiteY56" fmla="*/ 1160980 h 6061753"/>
+              <a:gd name="connsiteX57" fmla="*/ 184935 w 7119991"/>
+              <a:gd name="connsiteY57" fmla="*/ 1078787 h 6061753"/>
+              <a:gd name="connsiteX58" fmla="*/ 256854 w 7119991"/>
+              <a:gd name="connsiteY58" fmla="*/ 1006868 h 6061753"/>
+              <a:gd name="connsiteX59" fmla="*/ 287676 w 7119991"/>
+              <a:gd name="connsiteY59" fmla="*/ 965771 h 6061753"/>
+              <a:gd name="connsiteX60" fmla="*/ 318499 w 7119991"/>
+              <a:gd name="connsiteY60" fmla="*/ 904126 h 6061753"/>
+              <a:gd name="connsiteX61" fmla="*/ 380144 w 7119991"/>
+              <a:gd name="connsiteY61" fmla="*/ 863029 h 6061753"/>
+              <a:gd name="connsiteX62" fmla="*/ 410966 w 7119991"/>
+              <a:gd name="connsiteY62" fmla="*/ 832207 h 6061753"/>
+              <a:gd name="connsiteX63" fmla="*/ 513708 w 7119991"/>
+              <a:gd name="connsiteY63" fmla="*/ 760288 h 6061753"/>
+              <a:gd name="connsiteX64" fmla="*/ 575353 w 7119991"/>
+              <a:gd name="connsiteY64" fmla="*/ 698643 h 6061753"/>
+              <a:gd name="connsiteX65" fmla="*/ 698642 w 7119991"/>
+              <a:gd name="connsiteY65" fmla="*/ 616450 h 6061753"/>
+              <a:gd name="connsiteX66" fmla="*/ 832206 w 7119991"/>
+              <a:gd name="connsiteY66" fmla="*/ 523982 h 6061753"/>
+              <a:gd name="connsiteX67" fmla="*/ 976045 w 7119991"/>
+              <a:gd name="connsiteY67" fmla="*/ 441789 h 6061753"/>
+              <a:gd name="connsiteX68" fmla="*/ 1119883 w 7119991"/>
+              <a:gd name="connsiteY68" fmla="*/ 339047 h 6061753"/>
+              <a:gd name="connsiteX69" fmla="*/ 1160979 w 7119991"/>
+              <a:gd name="connsiteY69" fmla="*/ 328773 h 6061753"/>
+              <a:gd name="connsiteX70" fmla="*/ 1222624 w 7119991"/>
+              <a:gd name="connsiteY70" fmla="*/ 297951 h 6061753"/>
+              <a:gd name="connsiteX71" fmla="*/ 1253447 w 7119991"/>
+              <a:gd name="connsiteY71" fmla="*/ 246580 h 6061753"/>
+              <a:gd name="connsiteX72" fmla="*/ 1294544 w 7119991"/>
+              <a:gd name="connsiteY72" fmla="*/ 226032 h 6061753"/>
+              <a:gd name="connsiteX73" fmla="*/ 1407559 w 7119991"/>
+              <a:gd name="connsiteY73" fmla="*/ 184935 h 6061753"/>
+              <a:gd name="connsiteX74" fmla="*/ 1438382 w 7119991"/>
+              <a:gd name="connsiteY74" fmla="*/ 154113 h 6061753"/>
+              <a:gd name="connsiteX75" fmla="*/ 1500027 w 7119991"/>
+              <a:gd name="connsiteY75" fmla="*/ 133564 h 6061753"/>
+              <a:gd name="connsiteX76" fmla="*/ 1684962 w 7119991"/>
+              <a:gd name="connsiteY76" fmla="*/ 102742 h 6061753"/>
+              <a:gd name="connsiteX77" fmla="*/ 1859622 w 7119991"/>
+              <a:gd name="connsiteY77" fmla="*/ 82194 h 6061753"/>
+              <a:gd name="connsiteX78" fmla="*/ 2188395 w 7119991"/>
+              <a:gd name="connsiteY78" fmla="*/ 30823 h 6061753"/>
+              <a:gd name="connsiteX79" fmla="*/ 2260314 w 7119991"/>
+              <a:gd name="connsiteY79" fmla="*/ 20549 h 6061753"/>
+              <a:gd name="connsiteX80" fmla="*/ 2434975 w 7119991"/>
+              <a:gd name="connsiteY80" fmla="*/ 0 h 6061753"/>
+              <a:gd name="connsiteX81" fmla="*/ 3143892 w 7119991"/>
+              <a:gd name="connsiteY81" fmla="*/ 30823 h 6061753"/>
+              <a:gd name="connsiteX82" fmla="*/ 3205537 w 7119991"/>
+              <a:gd name="connsiteY82" fmla="*/ 61645 h 6061753"/>
+              <a:gd name="connsiteX83" fmla="*/ 3328827 w 7119991"/>
+              <a:gd name="connsiteY83" fmla="*/ 113016 h 6061753"/>
+              <a:gd name="connsiteX84" fmla="*/ 3369923 w 7119991"/>
+              <a:gd name="connsiteY84" fmla="*/ 123290 h 6061753"/>
+              <a:gd name="connsiteX85" fmla="*/ 3441842 w 7119991"/>
+              <a:gd name="connsiteY85" fmla="*/ 154113 h 6061753"/>
+              <a:gd name="connsiteX86" fmla="*/ 3524036 w 7119991"/>
+              <a:gd name="connsiteY86" fmla="*/ 184935 h 6061753"/>
+              <a:gd name="connsiteX87" fmla="*/ 3585681 w 7119991"/>
+              <a:gd name="connsiteY87" fmla="*/ 215758 h 6061753"/>
+              <a:gd name="connsiteX88" fmla="*/ 3811712 w 7119991"/>
+              <a:gd name="connsiteY88" fmla="*/ 328773 h 6061753"/>
+              <a:gd name="connsiteX89" fmla="*/ 3965824 w 7119991"/>
+              <a:gd name="connsiteY89" fmla="*/ 421241 h 6061753"/>
+              <a:gd name="connsiteX90" fmla="*/ 4150759 w 7119991"/>
+              <a:gd name="connsiteY90" fmla="*/ 472611 h 6061753"/>
+              <a:gd name="connsiteX91" fmla="*/ 4397339 w 7119991"/>
+              <a:gd name="connsiteY91" fmla="*/ 606176 h 6061753"/>
+              <a:gd name="connsiteX92" fmla="*/ 4592548 w 7119991"/>
+              <a:gd name="connsiteY92" fmla="*/ 678095 h 6061753"/>
+              <a:gd name="connsiteX93" fmla="*/ 4674741 w 7119991"/>
+              <a:gd name="connsiteY93" fmla="*/ 729465 h 6061753"/>
+              <a:gd name="connsiteX94" fmla="*/ 4705564 w 7119991"/>
+              <a:gd name="connsiteY94" fmla="*/ 750014 h 6061753"/>
+              <a:gd name="connsiteX95" fmla="*/ 4818579 w 7119991"/>
+              <a:gd name="connsiteY95" fmla="*/ 832207 h 6061753"/>
+              <a:gd name="connsiteX96" fmla="*/ 4869950 w 7119991"/>
+              <a:gd name="connsiteY96" fmla="*/ 852755 h 6061753"/>
+              <a:gd name="connsiteX97" fmla="*/ 4931595 w 7119991"/>
+              <a:gd name="connsiteY97" fmla="*/ 883578 h 6061753"/>
+              <a:gd name="connsiteX98" fmla="*/ 4962418 w 7119991"/>
+              <a:gd name="connsiteY98" fmla="*/ 914400 h 6061753"/>
+              <a:gd name="connsiteX99" fmla="*/ 5044611 w 7119991"/>
+              <a:gd name="connsiteY99" fmla="*/ 945223 h 6061753"/>
+              <a:gd name="connsiteX100" fmla="*/ 5095982 w 7119991"/>
+              <a:gd name="connsiteY100" fmla="*/ 976045 h 6061753"/>
+              <a:gd name="connsiteX101" fmla="*/ 5137078 w 7119991"/>
+              <a:gd name="connsiteY101" fmla="*/ 986319 h 6061753"/>
+              <a:gd name="connsiteX102" fmla="*/ 5219272 w 7119991"/>
+              <a:gd name="connsiteY102" fmla="*/ 1006868 h 6061753"/>
+              <a:gd name="connsiteX103" fmla="*/ 5250094 w 7119991"/>
+              <a:gd name="connsiteY103" fmla="*/ 1027416 h 6061753"/>
+              <a:gd name="connsiteX104" fmla="*/ 5486400 w 7119991"/>
+              <a:gd name="connsiteY104" fmla="*/ 1058238 h 6061753"/>
+              <a:gd name="connsiteX105" fmla="*/ 5630238 w 7119991"/>
+              <a:gd name="connsiteY105" fmla="*/ 1109609 h 6061753"/>
+              <a:gd name="connsiteX106" fmla="*/ 5691883 w 7119991"/>
+              <a:gd name="connsiteY106" fmla="*/ 1119883 h 6061753"/>
+              <a:gd name="connsiteX107" fmla="*/ 5825447 w 7119991"/>
+              <a:gd name="connsiteY107" fmla="*/ 1150706 h 6061753"/>
+              <a:gd name="connsiteX108" fmla="*/ 5928188 w 7119991"/>
+              <a:gd name="connsiteY108" fmla="*/ 1181528 h 6061753"/>
+              <a:gd name="connsiteX109" fmla="*/ 5979559 w 7119991"/>
+              <a:gd name="connsiteY109" fmla="*/ 1202077 h 6061753"/>
+              <a:gd name="connsiteX110" fmla="*/ 6113123 w 7119991"/>
+              <a:gd name="connsiteY110" fmla="*/ 1222625 h 6061753"/>
+              <a:gd name="connsiteX111" fmla="*/ 6154220 w 7119991"/>
+              <a:gd name="connsiteY111" fmla="*/ 1253447 h 6061753"/>
+              <a:gd name="connsiteX112" fmla="*/ 6246687 w 7119991"/>
+              <a:gd name="connsiteY112" fmla="*/ 1294544 h 6061753"/>
+              <a:gd name="connsiteX113" fmla="*/ 6308332 w 7119991"/>
+              <a:gd name="connsiteY113" fmla="*/ 1335641 h 6061753"/>
+              <a:gd name="connsiteX114" fmla="*/ 6369977 w 7119991"/>
+              <a:gd name="connsiteY114" fmla="*/ 1366463 h 6061753"/>
+              <a:gd name="connsiteX115" fmla="*/ 6626831 w 7119991"/>
+              <a:gd name="connsiteY115" fmla="*/ 1633591 h 6061753"/>
+              <a:gd name="connsiteX116" fmla="*/ 6698750 w 7119991"/>
+              <a:gd name="connsiteY116" fmla="*/ 1736333 h 6061753"/>
+              <a:gd name="connsiteX117" fmla="*/ 6750121 w 7119991"/>
+              <a:gd name="connsiteY117" fmla="*/ 1797978 h 6061753"/>
+              <a:gd name="connsiteX118" fmla="*/ 6780944 w 7119991"/>
+              <a:gd name="connsiteY118" fmla="*/ 1839074 h 6061753"/>
+              <a:gd name="connsiteX119" fmla="*/ 6832314 w 7119991"/>
+              <a:gd name="connsiteY119" fmla="*/ 1952090 h 6061753"/>
+              <a:gd name="connsiteX120" fmla="*/ 6883685 w 7119991"/>
+              <a:gd name="connsiteY120" fmla="*/ 2054832 h 6061753"/>
+              <a:gd name="connsiteX121" fmla="*/ 6914508 w 7119991"/>
+              <a:gd name="connsiteY121" fmla="*/ 2116477 h 6061753"/>
+              <a:gd name="connsiteX122" fmla="*/ 6955604 w 7119991"/>
+              <a:gd name="connsiteY122" fmla="*/ 2208944 h 6061753"/>
+              <a:gd name="connsiteX123" fmla="*/ 6986427 w 7119991"/>
+              <a:gd name="connsiteY123" fmla="*/ 3308279 h 6061753"/>
+              <a:gd name="connsiteX124" fmla="*/ 7006975 w 7119991"/>
+              <a:gd name="connsiteY124" fmla="*/ 3421295 h 6061753"/>
+              <a:gd name="connsiteX125" fmla="*/ 7027523 w 7119991"/>
+              <a:gd name="connsiteY125" fmla="*/ 3452117 h 6061753"/>
+              <a:gd name="connsiteX126" fmla="*/ 7058346 w 7119991"/>
+              <a:gd name="connsiteY126" fmla="*/ 3513762 h 6061753"/>
+              <a:gd name="connsiteX127" fmla="*/ 7089168 w 7119991"/>
+              <a:gd name="connsiteY127" fmla="*/ 3534310 h 6061753"/>
+              <a:gd name="connsiteX128" fmla="*/ 7119991 w 7119991"/>
+              <a:gd name="connsiteY128" fmla="*/ 3544585 h 6061753"/>
+            </a:gdLst>
+            <a:ahLst/>
+            <a:cxnLst>
+              <a:cxn ang="0">
+                <a:pos x="connsiteX0" y="connsiteY0"/>
+              </a:cxn>
+              <a:cxn ang="0">
+                <a:pos x="connsiteX1" y="connsiteY1"/>
+              </a:cxn>
+              <a:cxn ang="0">
+                <a:pos x="connsiteX2" y="connsiteY2"/>
+              </a:cxn>
+              <a:cxn ang="0">
+                <a:pos x="connsiteX3" y="connsiteY3"/>
+              </a:cxn>
+              <a:cxn ang="0">
+                <a:pos x="connsiteX4" y="connsiteY4"/>
+              </a:cxn>
+              <a:cxn ang="0">
+                <a:pos x="connsiteX5" y="connsiteY5"/>
+              </a:cxn>
+              <a:cxn ang="0">
+                <a:pos x="connsiteX6" y="connsiteY6"/>
+              </a:cxn>
+              <a:cxn ang="0">
+                <a:pos x="connsiteX7" y="connsiteY7"/>
+              </a:cxn>
+              <a:cxn ang="0">
+                <a:pos x="connsiteX8" y="connsiteY8"/>
+              </a:cxn>
+              <a:cxn ang="0">
+                <a:pos x="connsiteX9" y="connsiteY9"/>
+              </a:cxn>
+              <a:cxn ang="0">
+                <a:pos x="connsiteX10" y="connsiteY10"/>
+              </a:cxn>
+              <a:cxn ang="0">
+                <a:pos x="connsiteX11" y="connsiteY11"/>
+              </a:cxn>
+              <a:cxn ang="0">
+                <a:pos x="connsiteX12" y="connsiteY12"/>
+              </a:cxn>
+              <a:cxn ang="0">
+                <a:pos x="connsiteX13" y="connsiteY13"/>
+              </a:cxn>
+              <a:cxn ang="0">
+                <a:pos x="connsiteX14" y="connsiteY14"/>
+              </a:cxn>
+              <a:cxn ang="0">
+                <a:pos x="connsiteX15" y="connsiteY15"/>
+              </a:cxn>
+              <a:cxn ang="0">
+                <a:pos x="connsiteX16" y="connsiteY16"/>
+              </a:cxn>
+              <a:cxn ang="0">
+                <a:pos x="connsiteX17" y="connsiteY17"/>
+              </a:cxn>
+              <a:cxn ang="0">
+                <a:pos x="connsiteX18" y="connsiteY18"/>
+              </a:cxn>
+              <a:cxn ang="0">
+                <a:pos x="connsiteX19" y="connsiteY19"/>
+              </a:cxn>
+              <a:cxn ang="0">
+                <a:pos x="connsiteX20" y="connsiteY20"/>
+              </a:cxn>
+              <a:cxn ang="0">
+                <a:pos x="connsiteX21" y="connsiteY21"/>
+              </a:cxn>
+              <a:cxn ang="0">
+                <a:pos x="connsiteX22" y="connsiteY22"/>
+              </a:cxn>
+              <a:cxn ang="0">
+                <a:pos x="connsiteX23" y="connsiteY23"/>
+              </a:cxn>
+              <a:cxn ang="0">
+                <a:pos x="connsiteX24" y="connsiteY24"/>
+              </a:cxn>
+              <a:cxn ang="0">
+                <a:pos x="connsiteX25" y="connsiteY25"/>
+              </a:cxn>
+              <a:cxn ang="0">
+                <a:pos x="connsiteX26" y="connsiteY26"/>
+              </a:cxn>
+              <a:cxn ang="0">
+                <a:pos x="connsiteX27" y="connsiteY27"/>
+              </a:cxn>
+              <a:cxn ang="0">
+                <a:pos x="connsiteX28" y="connsiteY28"/>
+              </a:cxn>
+              <a:cxn ang="0">
+                <a:pos x="connsiteX29" y="connsiteY29"/>
+              </a:cxn>
+              <a:cxn ang="0">
+                <a:pos x="connsiteX30" y="connsiteY30"/>
+              </a:cxn>
+              <a:cxn ang="0">
+                <a:pos x="connsiteX31" y="connsiteY31"/>
+              </a:cxn>
+              <a:cxn ang="0">
+                <a:pos x="connsiteX32" y="connsiteY32"/>
+              </a:cxn>
+              <a:cxn ang="0">
+                <a:pos x="connsiteX33" y="connsiteY33"/>
+              </a:cxn>
+              <a:cxn ang="0">
+                <a:pos x="connsiteX34" y="connsiteY34"/>
+              </a:cxn>
+              <a:cxn ang="0">
+                <a:pos x="connsiteX35" y="connsiteY35"/>
+              </a:cxn>
+              <a:cxn ang="0">
+                <a:pos x="connsiteX36" y="connsiteY36"/>
+              </a:cxn>
+              <a:cxn ang="0">
+                <a:pos x="connsiteX37" y="connsiteY37"/>
+              </a:cxn>
+              <a:cxn ang="0">
+                <a:pos x="connsiteX38" y="connsiteY38"/>
+              </a:cxn>
+              <a:cxn ang="0">
+                <a:pos x="connsiteX39" y="connsiteY39"/>
+              </a:cxn>
+              <a:cxn ang="0">
+                <a:pos x="connsiteX40" y="connsiteY40"/>
+              </a:cxn>
+              <a:cxn ang="0">
+                <a:pos x="connsiteX41" y="connsiteY41"/>
+              </a:cxn>
+              <a:cxn ang="0">
+                <a:pos x="connsiteX42" y="connsiteY42"/>
+              </a:cxn>
+              <a:cxn ang="0">
+                <a:pos x="connsiteX43" y="connsiteY43"/>
+              </a:cxn>
+              <a:cxn ang="0">
+                <a:pos x="connsiteX44" y="connsiteY44"/>
+              </a:cxn>
+              <a:cxn ang="0">
+                <a:pos x="connsiteX45" y="connsiteY45"/>
+              </a:cxn>
+              <a:cxn ang="0">
+                <a:pos x="connsiteX46" y="connsiteY46"/>
+              </a:cxn>
+              <a:cxn ang="0">
+                <a:pos x="connsiteX47" y="connsiteY47"/>
+              </a:cxn>
+              <a:cxn ang="0">
+                <a:pos x="connsiteX48" y="connsiteY48"/>
+              </a:cxn>
+              <a:cxn ang="0">
+                <a:pos x="connsiteX49" y="connsiteY49"/>
+              </a:cxn>
+              <a:cxn ang="0">
+                <a:pos x="connsiteX50" y="connsiteY50"/>
+              </a:cxn>
+              <a:cxn ang="0">
+                <a:pos x="connsiteX51" y="connsiteY51"/>
+              </a:cxn>
+              <a:cxn ang="0">
+                <a:pos x="connsiteX52" y="connsiteY52"/>
+              </a:cxn>
+              <a:cxn ang="0">
+                <a:pos x="connsiteX53" y="connsiteY53"/>
+              </a:cxn>
+              <a:cxn ang="0">
+                <a:pos x="connsiteX54" y="connsiteY54"/>
+              </a:cxn>
+              <a:cxn ang="0">
+                <a:pos x="connsiteX55" y="connsiteY55"/>
+              </a:cxn>
+              <a:cxn ang="0">
+                <a:pos x="connsiteX56" y="connsiteY56"/>
+              </a:cxn>
+              <a:cxn ang="0">
+                <a:pos x="connsiteX57" y="connsiteY57"/>
+              </a:cxn>
+              <a:cxn ang="0">
+                <a:pos x="connsiteX58" y="connsiteY58"/>
+              </a:cxn>
+              <a:cxn ang="0">
+                <a:pos x="connsiteX59" y="connsiteY59"/>
+              </a:cxn>
+              <a:cxn ang="0">
+                <a:pos x="connsiteX60" y="connsiteY60"/>
+              </a:cxn>
+              <a:cxn ang="0">
+                <a:pos x="connsiteX61" y="connsiteY61"/>
+              </a:cxn>
+              <a:cxn ang="0">
+                <a:pos x="connsiteX62" y="connsiteY62"/>
+              </a:cxn>
+              <a:cxn ang="0">
+                <a:pos x="connsiteX63" y="connsiteY63"/>
+              </a:cxn>
+              <a:cxn ang="0">
+                <a:pos x="connsiteX64" y="connsiteY64"/>
+              </a:cxn>
+              <a:cxn ang="0">
+                <a:pos x="connsiteX65" y="connsiteY65"/>
+              </a:cxn>
+              <a:cxn ang="0">
+                <a:pos x="connsiteX66" y="connsiteY66"/>
+              </a:cxn>
+              <a:cxn ang="0">
+                <a:pos x="connsiteX67" y="connsiteY67"/>
+              </a:cxn>
+              <a:cxn ang="0">
+                <a:pos x="connsiteX68" y="connsiteY68"/>
+              </a:cxn>
+              <a:cxn ang="0">
+                <a:pos x="connsiteX69" y="connsiteY69"/>
+              </a:cxn>
+              <a:cxn ang="0">
+                <a:pos x="connsiteX70" y="connsiteY70"/>
+              </a:cxn>
+              <a:cxn ang="0">
+                <a:pos x="connsiteX71" y="connsiteY71"/>
+              </a:cxn>
+              <a:cxn ang="0">
+                <a:pos x="connsiteX72" y="connsiteY72"/>
+              </a:cxn>
+              <a:cxn ang="0">
+                <a:pos x="connsiteX73" y="connsiteY73"/>
+              </a:cxn>
+              <a:cxn ang="0">
+                <a:pos x="connsiteX74" y="connsiteY74"/>
+              </a:cxn>
+              <a:cxn ang="0">
+                <a:pos x="connsiteX75" y="connsiteY75"/>
+              </a:cxn>
+              <a:cxn ang="0">
+                <a:pos x="connsiteX76" y="connsiteY76"/>
+              </a:cxn>
+              <a:cxn ang="0">
+                <a:pos x="connsiteX77" y="connsiteY77"/>
+              </a:cxn>
+              <a:cxn ang="0">
+                <a:pos x="connsiteX78" y="connsiteY78"/>
+              </a:cxn>
+              <a:cxn ang="0">
+                <a:pos x="connsiteX79" y="connsiteY79"/>
+              </a:cxn>
+              <a:cxn ang="0">
+                <a:pos x="connsiteX80" y="connsiteY80"/>
+              </a:cxn>
+              <a:cxn ang="0">
+                <a:pos x="connsiteX81" y="connsiteY81"/>
+              </a:cxn>
+              <a:cxn ang="0">
+                <a:pos x="connsiteX82" y="connsiteY82"/>
+              </a:cxn>
+              <a:cxn ang="0">
+                <a:pos x="connsiteX83" y="connsiteY83"/>
+              </a:cxn>
+              <a:cxn ang="0">
+                <a:pos x="connsiteX84" y="connsiteY84"/>
+              </a:cxn>
+              <a:cxn ang="0">
+                <a:pos x="connsiteX85" y="connsiteY85"/>
+              </a:cxn>
+              <a:cxn ang="0">
+                <a:pos x="connsiteX86" y="connsiteY86"/>
+              </a:cxn>
+              <a:cxn ang="0">
+                <a:pos x="connsiteX87" y="connsiteY87"/>
+              </a:cxn>
+              <a:cxn ang="0">
+                <a:pos x="connsiteX88" y="connsiteY88"/>
+              </a:cxn>
+              <a:cxn ang="0">
+                <a:pos x="connsiteX89" y="connsiteY89"/>
+              </a:cxn>
+              <a:cxn ang="0">
+                <a:pos x="connsiteX90" y="connsiteY90"/>
+              </a:cxn>
+              <a:cxn ang="0">
+                <a:pos x="connsiteX91" y="connsiteY91"/>
+              </a:cxn>
+              <a:cxn ang="0">
+                <a:pos x="connsiteX92" y="connsiteY92"/>
+              </a:cxn>
+              <a:cxn ang="0">
+                <a:pos x="connsiteX93" y="connsiteY93"/>
+              </a:cxn>
+              <a:cxn ang="0">
+                <a:pos x="connsiteX94" y="connsiteY94"/>
+              </a:cxn>
+              <a:cxn ang="0">
+                <a:pos x="connsiteX95" y="connsiteY95"/>
+              </a:cxn>
+              <a:cxn ang="0">
+                <a:pos x="connsiteX96" y="connsiteY96"/>
+              </a:cxn>
+              <a:cxn ang="0">
+                <a:pos x="connsiteX97" y="connsiteY97"/>
+              </a:cxn>
+              <a:cxn ang="0">
+                <a:pos x="connsiteX98" y="connsiteY98"/>
+              </a:cxn>
+              <a:cxn ang="0">
+                <a:pos x="connsiteX99" y="connsiteY99"/>
+              </a:cxn>
+              <a:cxn ang="0">
+                <a:pos x="connsiteX100" y="connsiteY100"/>
+              </a:cxn>
+              <a:cxn ang="0">
+                <a:pos x="connsiteX101" y="connsiteY101"/>
+              </a:cxn>
+              <a:cxn ang="0">
+                <a:pos x="connsiteX102" y="connsiteY102"/>
+              </a:cxn>
+              <a:cxn ang="0">
+                <a:pos x="connsiteX103" y="connsiteY103"/>
+              </a:cxn>
+              <a:cxn ang="0">
+                <a:pos x="connsiteX104" y="connsiteY104"/>
+              </a:cxn>
+              <a:cxn ang="0">
+                <a:pos x="connsiteX105" y="connsiteY105"/>
+              </a:cxn>
+              <a:cxn ang="0">
+                <a:pos x="connsiteX106" y="connsiteY106"/>
+              </a:cxn>
+              <a:cxn ang="0">
+                <a:pos x="connsiteX107" y="connsiteY107"/>
+              </a:cxn>
+              <a:cxn ang="0">
+                <a:pos x="connsiteX108" y="connsiteY108"/>
+              </a:cxn>
+              <a:cxn ang="0">
+                <a:pos x="connsiteX109" y="connsiteY109"/>
+              </a:cxn>
+              <a:cxn ang="0">
+                <a:pos x="connsiteX110" y="connsiteY110"/>
+              </a:cxn>
+              <a:cxn ang="0">
+                <a:pos x="connsiteX111" y="connsiteY111"/>
+              </a:cxn>
+              <a:cxn ang="0">
+                <a:pos x="connsiteX112" y="connsiteY112"/>
+              </a:cxn>
+              <a:cxn ang="0">
+                <a:pos x="connsiteX113" y="connsiteY113"/>
+              </a:cxn>
+              <a:cxn ang="0">
+                <a:pos x="connsiteX114" y="connsiteY114"/>
+              </a:cxn>
+              <a:cxn ang="0">
+                <a:pos x="connsiteX115" y="connsiteY115"/>
+              </a:cxn>
+              <a:cxn ang="0">
+                <a:pos x="connsiteX116" y="connsiteY116"/>
+              </a:cxn>
+              <a:cxn ang="0">
+                <a:pos x="connsiteX117" y="connsiteY117"/>
+              </a:cxn>
+              <a:cxn ang="0">
+                <a:pos x="connsiteX118" y="connsiteY118"/>
+              </a:cxn>
+              <a:cxn ang="0">
+                <a:pos x="connsiteX119" y="connsiteY119"/>
+              </a:cxn>
+              <a:cxn ang="0">
+                <a:pos x="connsiteX120" y="connsiteY120"/>
+              </a:cxn>
+              <a:cxn ang="0">
+                <a:pos x="connsiteX121" y="connsiteY121"/>
+              </a:cxn>
+              <a:cxn ang="0">
+                <a:pos x="connsiteX122" y="connsiteY122"/>
+              </a:cxn>
+              <a:cxn ang="0">
+                <a:pos x="connsiteX123" y="connsiteY123"/>
+              </a:cxn>
+              <a:cxn ang="0">
+                <a:pos x="connsiteX124" y="connsiteY124"/>
+              </a:cxn>
+              <a:cxn ang="0">
+                <a:pos x="connsiteX125" y="connsiteY125"/>
+              </a:cxn>
+              <a:cxn ang="0">
+                <a:pos x="connsiteX126" y="connsiteY126"/>
+              </a:cxn>
+              <a:cxn ang="0">
+                <a:pos x="connsiteX127" y="connsiteY127"/>
+              </a:cxn>
+              <a:cxn ang="0">
+                <a:pos x="connsiteX128" y="connsiteY128"/>
+              </a:cxn>
+            </a:cxnLst>
+            <a:rect l="l" t="t" r="r" b="b"/>
+            <a:pathLst>
+              <a:path w="7119991" h="6061753">
+                <a:moveTo>
+                  <a:pt x="7037797" y="3246634"/>
+                </a:moveTo>
+                <a:cubicBezTo>
+                  <a:pt x="7044647" y="3301429"/>
+                  <a:pt x="7049621" y="3356492"/>
+                  <a:pt x="7058346" y="3411020"/>
+                </a:cubicBezTo>
+                <a:cubicBezTo>
+                  <a:pt x="7097692" y="3656929"/>
+                  <a:pt x="7063346" y="3332455"/>
+                  <a:pt x="7089168" y="3616504"/>
+                </a:cubicBezTo>
+                <a:cubicBezTo>
+                  <a:pt x="7075469" y="3818562"/>
+                  <a:pt x="7063846" y="4020772"/>
+                  <a:pt x="7048072" y="4222679"/>
+                </a:cubicBezTo>
+                <a:cubicBezTo>
+                  <a:pt x="7046433" y="4243663"/>
+                  <a:pt x="7019109" y="4351034"/>
+                  <a:pt x="7017249" y="4356243"/>
+                </a:cubicBezTo>
+                <a:cubicBezTo>
+                  <a:pt x="7009522" y="4377878"/>
+                  <a:pt x="6995263" y="4396682"/>
+                  <a:pt x="6986427" y="4417888"/>
+                </a:cubicBezTo>
+                <a:cubicBezTo>
+                  <a:pt x="6970661" y="4455727"/>
+                  <a:pt x="6964884" y="4494589"/>
+                  <a:pt x="6945330" y="4530904"/>
+                </a:cubicBezTo>
+                <a:cubicBezTo>
+                  <a:pt x="6930012" y="4559351"/>
+                  <a:pt x="6911083" y="4585699"/>
+                  <a:pt x="6893959" y="4613097"/>
+                </a:cubicBezTo>
+                <a:cubicBezTo>
+                  <a:pt x="6893833" y="4613854"/>
+                  <a:pt x="6876857" y="4719795"/>
+                  <a:pt x="6873411" y="4726113"/>
+                </a:cubicBezTo>
+                <a:cubicBezTo>
+                  <a:pt x="6860603" y="4749595"/>
+                  <a:pt x="6839164" y="4767210"/>
+                  <a:pt x="6822040" y="4787758"/>
+                </a:cubicBezTo>
+                <a:cubicBezTo>
+                  <a:pt x="6811766" y="4815156"/>
+                  <a:pt x="6805962" y="4844676"/>
+                  <a:pt x="6791218" y="4869951"/>
+                </a:cubicBezTo>
+                <a:cubicBezTo>
+                  <a:pt x="6781456" y="4886685"/>
+                  <a:pt x="6763081" y="4896647"/>
+                  <a:pt x="6750121" y="4911047"/>
+                </a:cubicBezTo>
+                <a:cubicBezTo>
+                  <a:pt x="6732227" y="4930929"/>
+                  <a:pt x="6714799" y="4951294"/>
+                  <a:pt x="6698750" y="4972692"/>
+                </a:cubicBezTo>
+                <a:cubicBezTo>
+                  <a:pt x="6604865" y="5097873"/>
+                  <a:pt x="6724220" y="4967771"/>
+                  <a:pt x="6575460" y="5116531"/>
+                </a:cubicBezTo>
+                <a:lnTo>
+                  <a:pt x="6503541" y="5188450"/>
+                </a:lnTo>
+                <a:cubicBezTo>
+                  <a:pt x="6468642" y="5223349"/>
+                  <a:pt x="6405408" y="5291544"/>
+                  <a:pt x="6359703" y="5322014"/>
+                </a:cubicBezTo>
+                <a:cubicBezTo>
+                  <a:pt x="6293895" y="5365886"/>
+                  <a:pt x="6233476" y="5385953"/>
+                  <a:pt x="6164494" y="5424755"/>
+                </a:cubicBezTo>
+                <a:cubicBezTo>
+                  <a:pt x="6142969" y="5436862"/>
+                  <a:pt x="6124291" y="5453599"/>
+                  <a:pt x="6102849" y="5465852"/>
+                </a:cubicBezTo>
+                <a:cubicBezTo>
+                  <a:pt x="6076253" y="5481050"/>
+                  <a:pt x="6047252" y="5491751"/>
+                  <a:pt x="6020656" y="5506949"/>
+                </a:cubicBezTo>
+                <a:cubicBezTo>
+                  <a:pt x="5999214" y="5519202"/>
+                  <a:pt x="5981100" y="5537001"/>
+                  <a:pt x="5959011" y="5548045"/>
+                </a:cubicBezTo>
+                <a:cubicBezTo>
+                  <a:pt x="5932839" y="5561131"/>
+                  <a:pt x="5904216" y="5568594"/>
+                  <a:pt x="5876818" y="5578868"/>
+                </a:cubicBezTo>
+                <a:cubicBezTo>
+                  <a:pt x="5709078" y="5718649"/>
+                  <a:pt x="5891405" y="5581849"/>
+                  <a:pt x="5774076" y="5640513"/>
+                </a:cubicBezTo>
+                <a:cubicBezTo>
+                  <a:pt x="5751987" y="5651557"/>
+                  <a:pt x="5733463" y="5668666"/>
+                  <a:pt x="5712431" y="5681609"/>
+                </a:cubicBezTo>
+                <a:cubicBezTo>
+                  <a:pt x="5654804" y="5717072"/>
+                  <a:pt x="5590381" y="5750495"/>
+                  <a:pt x="5527496" y="5774077"/>
+                </a:cubicBezTo>
+                <a:cubicBezTo>
+                  <a:pt x="5511145" y="5780208"/>
+                  <a:pt x="5493249" y="5780926"/>
+                  <a:pt x="5476126" y="5784351"/>
+                </a:cubicBezTo>
+                <a:cubicBezTo>
+                  <a:pt x="5414481" y="5811749"/>
+                  <a:pt x="5356636" y="5850183"/>
+                  <a:pt x="5291191" y="5866544"/>
+                </a:cubicBezTo>
+                <a:cubicBezTo>
+                  <a:pt x="5222697" y="5883668"/>
+                  <a:pt x="5151261" y="5891694"/>
+                  <a:pt x="5085708" y="5917915"/>
+                </a:cubicBezTo>
+                <a:cubicBezTo>
+                  <a:pt x="4951009" y="5971793"/>
+                  <a:pt x="5019668" y="5955340"/>
+                  <a:pt x="4880224" y="5969286"/>
+                </a:cubicBezTo>
+                <a:cubicBezTo>
+                  <a:pt x="4744445" y="6023597"/>
+                  <a:pt x="4792855" y="6013982"/>
+                  <a:pt x="4623371" y="6030931"/>
+                </a:cubicBezTo>
+                <a:cubicBezTo>
+                  <a:pt x="4503663" y="6042902"/>
+                  <a:pt x="4263775" y="6061753"/>
+                  <a:pt x="4263775" y="6061753"/>
+                </a:cubicBezTo>
+                <a:lnTo>
+                  <a:pt x="2301411" y="6051479"/>
+                </a:lnTo>
+                <a:cubicBezTo>
+                  <a:pt x="2180682" y="6049123"/>
+                  <a:pt x="2139218" y="5998761"/>
+                  <a:pt x="2024009" y="5979560"/>
+                </a:cubicBezTo>
+                <a:cubicBezTo>
+                  <a:pt x="1966482" y="5969972"/>
+                  <a:pt x="1907568" y="5972711"/>
+                  <a:pt x="1849348" y="5969286"/>
+                </a:cubicBezTo>
+                <a:cubicBezTo>
+                  <a:pt x="1815101" y="5955587"/>
+                  <a:pt x="1781737" y="5939431"/>
+                  <a:pt x="1746606" y="5928189"/>
+                </a:cubicBezTo>
+                <a:cubicBezTo>
+                  <a:pt x="1695970" y="5911985"/>
+                  <a:pt x="1592494" y="5887092"/>
+                  <a:pt x="1592494" y="5887092"/>
+                </a:cubicBezTo>
+                <a:cubicBezTo>
+                  <a:pt x="1386040" y="5739627"/>
+                  <a:pt x="1632779" y="5899954"/>
+                  <a:pt x="1458930" y="5825447"/>
+                </a:cubicBezTo>
+                <a:cubicBezTo>
+                  <a:pt x="1429234" y="5812720"/>
+                  <a:pt x="1404644" y="5790356"/>
+                  <a:pt x="1376737" y="5774077"/>
+                </a:cubicBezTo>
+                <a:cubicBezTo>
+                  <a:pt x="1261391" y="5706792"/>
+                  <a:pt x="1448591" y="5839786"/>
+                  <a:pt x="1222624" y="5681609"/>
+                </a:cubicBezTo>
+                <a:cubicBezTo>
+                  <a:pt x="1190635" y="5659217"/>
+                  <a:pt x="1162058" y="5632208"/>
+                  <a:pt x="1130157" y="5609690"/>
+                </a:cubicBezTo>
+                <a:cubicBezTo>
+                  <a:pt x="1103762" y="5591058"/>
+                  <a:pt x="1074156" y="5577235"/>
+                  <a:pt x="1047964" y="5558319"/>
+                </a:cubicBezTo>
+                <a:cubicBezTo>
+                  <a:pt x="938588" y="5479325"/>
+                  <a:pt x="915176" y="5446080"/>
+                  <a:pt x="811658" y="5342562"/>
+                </a:cubicBezTo>
+                <a:cubicBezTo>
+                  <a:pt x="791110" y="5322014"/>
+                  <a:pt x="766904" y="5304564"/>
+                  <a:pt x="750013" y="5280917"/>
+                </a:cubicBezTo>
+                <a:cubicBezTo>
+                  <a:pt x="732889" y="5256944"/>
+                  <a:pt x="716604" y="5232349"/>
+                  <a:pt x="698642" y="5208998"/>
+                </a:cubicBezTo>
+                <a:cubicBezTo>
+                  <a:pt x="602073" y="5083457"/>
+                  <a:pt x="646830" y="5179234"/>
+                  <a:pt x="513708" y="4952144"/>
+                </a:cubicBezTo>
+                <a:cubicBezTo>
+                  <a:pt x="495054" y="4920323"/>
+                  <a:pt x="490387" y="4881722"/>
+                  <a:pt x="472611" y="4849402"/>
+                </a:cubicBezTo>
+                <a:cubicBezTo>
+                  <a:pt x="442201" y="4794112"/>
+                  <a:pt x="376447" y="4724981"/>
+                  <a:pt x="349321" y="4664468"/>
+                </a:cubicBezTo>
+                <a:cubicBezTo>
+                  <a:pt x="301737" y="4558320"/>
+                  <a:pt x="263304" y="4437239"/>
+                  <a:pt x="226031" y="4325420"/>
+                </a:cubicBezTo>
+                <a:cubicBezTo>
+                  <a:pt x="201585" y="4129848"/>
+                  <a:pt x="240324" y="4380298"/>
+                  <a:pt x="164386" y="4119937"/>
+                </a:cubicBezTo>
+                <a:cubicBezTo>
+                  <a:pt x="152720" y="4079940"/>
+                  <a:pt x="153943" y="4037067"/>
+                  <a:pt x="143838" y="3996647"/>
+                </a:cubicBezTo>
+                <a:cubicBezTo>
+                  <a:pt x="131254" y="3946311"/>
+                  <a:pt x="92441" y="3845891"/>
+                  <a:pt x="71919" y="3791164"/>
+                </a:cubicBezTo>
+                <a:cubicBezTo>
+                  <a:pt x="44250" y="3569809"/>
+                  <a:pt x="83584" y="3868237"/>
+                  <a:pt x="41096" y="3606229"/>
+                </a:cubicBezTo>
+                <a:cubicBezTo>
+                  <a:pt x="26133" y="3513958"/>
+                  <a:pt x="13699" y="3421294"/>
+                  <a:pt x="0" y="3328827"/>
+                </a:cubicBezTo>
+                <a:cubicBezTo>
+                  <a:pt x="6849" y="2698679"/>
+                  <a:pt x="10651" y="2068490"/>
+                  <a:pt x="20548" y="1438382"/>
+                </a:cubicBezTo>
+                <a:cubicBezTo>
+                  <a:pt x="21271" y="1392321"/>
+                  <a:pt x="34446" y="1347130"/>
+                  <a:pt x="51371" y="1304818"/>
+                </a:cubicBezTo>
+                <a:cubicBezTo>
+                  <a:pt x="57059" y="1290598"/>
+                  <a:pt x="63424" y="1276465"/>
+                  <a:pt x="71919" y="1263722"/>
+                </a:cubicBezTo>
+                <a:cubicBezTo>
+                  <a:pt x="77292" y="1255662"/>
+                  <a:pt x="85618" y="1250023"/>
+                  <a:pt x="92467" y="1243173"/>
+                </a:cubicBezTo>
+                <a:cubicBezTo>
+                  <a:pt x="110495" y="1171062"/>
+                  <a:pt x="89902" y="1230839"/>
+                  <a:pt x="133564" y="1160980"/>
+                </a:cubicBezTo>
+                <a:cubicBezTo>
+                  <a:pt x="167637" y="1106463"/>
+                  <a:pt x="138362" y="1130016"/>
+                  <a:pt x="184935" y="1078787"/>
+                </a:cubicBezTo>
+                <a:cubicBezTo>
+                  <a:pt x="207741" y="1053701"/>
+                  <a:pt x="236513" y="1033991"/>
+                  <a:pt x="256854" y="1006868"/>
+                </a:cubicBezTo>
+                <a:cubicBezTo>
+                  <a:pt x="267128" y="993169"/>
+                  <a:pt x="278866" y="980454"/>
+                  <a:pt x="287676" y="965771"/>
+                </a:cubicBezTo>
+                <a:cubicBezTo>
+                  <a:pt x="299496" y="946071"/>
+                  <a:pt x="303130" y="921202"/>
+                  <a:pt x="318499" y="904126"/>
+                </a:cubicBezTo>
+                <a:cubicBezTo>
+                  <a:pt x="335020" y="885770"/>
+                  <a:pt x="360650" y="878191"/>
+                  <a:pt x="380144" y="863029"/>
+                </a:cubicBezTo>
+                <a:cubicBezTo>
+                  <a:pt x="391613" y="854109"/>
+                  <a:pt x="399449" y="841066"/>
+                  <a:pt x="410966" y="832207"/>
+                </a:cubicBezTo>
+                <a:cubicBezTo>
+                  <a:pt x="444101" y="806719"/>
+                  <a:pt x="481263" y="786649"/>
+                  <a:pt x="513708" y="760288"/>
+                </a:cubicBezTo>
+                <a:cubicBezTo>
+                  <a:pt x="536262" y="741963"/>
+                  <a:pt x="553393" y="717675"/>
+                  <a:pt x="575353" y="698643"/>
+                </a:cubicBezTo>
+                <a:cubicBezTo>
+                  <a:pt x="659533" y="625687"/>
+                  <a:pt x="635445" y="637516"/>
+                  <a:pt x="698642" y="616450"/>
+                </a:cubicBezTo>
+                <a:cubicBezTo>
+                  <a:pt x="873982" y="441113"/>
+                  <a:pt x="682112" y="611539"/>
+                  <a:pt x="832206" y="523982"/>
+                </a:cubicBezTo>
+                <a:cubicBezTo>
+                  <a:pt x="1017265" y="416029"/>
+                  <a:pt x="758388" y="523408"/>
+                  <a:pt x="976045" y="441789"/>
+                </a:cubicBezTo>
+                <a:cubicBezTo>
+                  <a:pt x="1029951" y="396868"/>
+                  <a:pt x="1054336" y="371821"/>
+                  <a:pt x="1119883" y="339047"/>
+                </a:cubicBezTo>
+                <a:cubicBezTo>
+                  <a:pt x="1132513" y="332732"/>
+                  <a:pt x="1147869" y="334017"/>
+                  <a:pt x="1160979" y="328773"/>
+                </a:cubicBezTo>
+                <a:cubicBezTo>
+                  <a:pt x="1182310" y="320241"/>
+                  <a:pt x="1202076" y="308225"/>
+                  <a:pt x="1222624" y="297951"/>
+                </a:cubicBezTo>
+                <a:cubicBezTo>
+                  <a:pt x="1232898" y="280827"/>
+                  <a:pt x="1239326" y="260700"/>
+                  <a:pt x="1253447" y="246580"/>
+                </a:cubicBezTo>
+                <a:cubicBezTo>
+                  <a:pt x="1264277" y="235750"/>
+                  <a:pt x="1281156" y="233470"/>
+                  <a:pt x="1294544" y="226032"/>
+                </a:cubicBezTo>
+                <a:cubicBezTo>
+                  <a:pt x="1371692" y="183172"/>
+                  <a:pt x="1317960" y="199868"/>
+                  <a:pt x="1407559" y="184935"/>
+                </a:cubicBezTo>
+                <a:cubicBezTo>
+                  <a:pt x="1417833" y="174661"/>
+                  <a:pt x="1425681" y="161169"/>
+                  <a:pt x="1438382" y="154113"/>
+                </a:cubicBezTo>
+                <a:cubicBezTo>
+                  <a:pt x="1457316" y="143594"/>
+                  <a:pt x="1479671" y="140966"/>
+                  <a:pt x="1500027" y="133564"/>
+                </a:cubicBezTo>
+                <a:cubicBezTo>
+                  <a:pt x="1611152" y="93154"/>
+                  <a:pt x="1488712" y="122367"/>
+                  <a:pt x="1684962" y="102742"/>
+                </a:cubicBezTo>
+                <a:cubicBezTo>
+                  <a:pt x="1743293" y="96909"/>
+                  <a:pt x="1801402" y="89043"/>
+                  <a:pt x="1859622" y="82194"/>
+                </a:cubicBezTo>
+                <a:cubicBezTo>
+                  <a:pt x="2042716" y="27265"/>
+                  <a:pt x="1910065" y="59615"/>
+                  <a:pt x="2188395" y="30823"/>
+                </a:cubicBezTo>
+                <a:cubicBezTo>
+                  <a:pt x="2212483" y="28331"/>
+                  <a:pt x="2236285" y="23553"/>
+                  <a:pt x="2260314" y="20549"/>
+                </a:cubicBezTo>
+                <a:lnTo>
+                  <a:pt x="2434975" y="0"/>
+                </a:lnTo>
+                <a:cubicBezTo>
+                  <a:pt x="2671281" y="10274"/>
+                  <a:pt x="2908116" y="11961"/>
+                  <a:pt x="3143892" y="30823"/>
+                </a:cubicBezTo>
+                <a:cubicBezTo>
+                  <a:pt x="3166792" y="32655"/>
+                  <a:pt x="3184543" y="52315"/>
+                  <a:pt x="3205537" y="61645"/>
+                </a:cubicBezTo>
+                <a:cubicBezTo>
+                  <a:pt x="3246221" y="79727"/>
+                  <a:pt x="3287140" y="97383"/>
+                  <a:pt x="3328827" y="113016"/>
+                </a:cubicBezTo>
+                <a:cubicBezTo>
+                  <a:pt x="3342048" y="117974"/>
+                  <a:pt x="3356653" y="118464"/>
+                  <a:pt x="3369923" y="123290"/>
+                </a:cubicBezTo>
+                <a:cubicBezTo>
+                  <a:pt x="3394435" y="132203"/>
+                  <a:pt x="3417626" y="144426"/>
+                  <a:pt x="3441842" y="154113"/>
+                </a:cubicBezTo>
+                <a:cubicBezTo>
+                  <a:pt x="3469010" y="164980"/>
+                  <a:pt x="3497141" y="173409"/>
+                  <a:pt x="3524036" y="184935"/>
+                </a:cubicBezTo>
+                <a:cubicBezTo>
+                  <a:pt x="3545152" y="193985"/>
+                  <a:pt x="3564565" y="206708"/>
+                  <a:pt x="3585681" y="215758"/>
+                </a:cubicBezTo>
+                <a:cubicBezTo>
+                  <a:pt x="3692076" y="261356"/>
+                  <a:pt x="3694375" y="240769"/>
+                  <a:pt x="3811712" y="328773"/>
+                </a:cubicBezTo>
+                <a:cubicBezTo>
+                  <a:pt x="3864236" y="368166"/>
+                  <a:pt x="3895168" y="394441"/>
+                  <a:pt x="3965824" y="421241"/>
+                </a:cubicBezTo>
+                <a:cubicBezTo>
+                  <a:pt x="4025644" y="443931"/>
+                  <a:pt x="4150759" y="472611"/>
+                  <a:pt x="4150759" y="472611"/>
+                </a:cubicBezTo>
+                <a:cubicBezTo>
+                  <a:pt x="4268184" y="544873"/>
+                  <a:pt x="4277406" y="558203"/>
+                  <a:pt x="4397339" y="606176"/>
+                </a:cubicBezTo>
+                <a:cubicBezTo>
+                  <a:pt x="4492712" y="644325"/>
+                  <a:pt x="4496068" y="629855"/>
+                  <a:pt x="4592548" y="678095"/>
+                </a:cubicBezTo>
+                <a:cubicBezTo>
+                  <a:pt x="4621446" y="692544"/>
+                  <a:pt x="4647859" y="711543"/>
+                  <a:pt x="4674741" y="729465"/>
+                </a:cubicBezTo>
+                <a:cubicBezTo>
+                  <a:pt x="4685015" y="736315"/>
+                  <a:pt x="4695685" y="742605"/>
+                  <a:pt x="4705564" y="750014"/>
+                </a:cubicBezTo>
+                <a:cubicBezTo>
+                  <a:pt x="4751444" y="784424"/>
+                  <a:pt x="4766591" y="803849"/>
+                  <a:pt x="4818579" y="832207"/>
+                </a:cubicBezTo>
+                <a:cubicBezTo>
+                  <a:pt x="4834770" y="841038"/>
+                  <a:pt x="4853454" y="844507"/>
+                  <a:pt x="4869950" y="852755"/>
+                </a:cubicBezTo>
+                <a:cubicBezTo>
+                  <a:pt x="4949620" y="892590"/>
+                  <a:pt x="4854121" y="857753"/>
+                  <a:pt x="4931595" y="883578"/>
+                </a:cubicBezTo>
+                <a:cubicBezTo>
+                  <a:pt x="4941869" y="893852"/>
+                  <a:pt x="4950097" y="906699"/>
+                  <a:pt x="4962418" y="914400"/>
+                </a:cubicBezTo>
+                <a:cubicBezTo>
+                  <a:pt x="5022995" y="952261"/>
+                  <a:pt x="4996790" y="921313"/>
+                  <a:pt x="5044611" y="945223"/>
+                </a:cubicBezTo>
+                <a:cubicBezTo>
+                  <a:pt x="5062472" y="954153"/>
+                  <a:pt x="5077734" y="967935"/>
+                  <a:pt x="5095982" y="976045"/>
+                </a:cubicBezTo>
+                <a:cubicBezTo>
+                  <a:pt x="5108885" y="981780"/>
+                  <a:pt x="5123501" y="982440"/>
+                  <a:pt x="5137078" y="986319"/>
+                </a:cubicBezTo>
+                <a:cubicBezTo>
+                  <a:pt x="5210797" y="1007382"/>
+                  <a:pt x="5114827" y="985979"/>
+                  <a:pt x="5219272" y="1006868"/>
+                </a:cubicBezTo>
+                <a:cubicBezTo>
+                  <a:pt x="5229546" y="1013717"/>
+                  <a:pt x="5238163" y="1024234"/>
+                  <a:pt x="5250094" y="1027416"/>
+                </a:cubicBezTo>
+                <a:cubicBezTo>
+                  <a:pt x="5319319" y="1045876"/>
+                  <a:pt x="5414856" y="1051734"/>
+                  <a:pt x="5486400" y="1058238"/>
+                </a:cubicBezTo>
+                <a:cubicBezTo>
+                  <a:pt x="5534346" y="1075362"/>
+                  <a:pt x="5581473" y="1094980"/>
+                  <a:pt x="5630238" y="1109609"/>
+                </a:cubicBezTo>
+                <a:cubicBezTo>
+                  <a:pt x="5650191" y="1115595"/>
+                  <a:pt x="5671387" y="1116156"/>
+                  <a:pt x="5691883" y="1119883"/>
+                </a:cubicBezTo>
+                <a:cubicBezTo>
+                  <a:pt x="5738210" y="1128306"/>
+                  <a:pt x="5779254" y="1137875"/>
+                  <a:pt x="5825447" y="1150706"/>
+                </a:cubicBezTo>
+                <a:cubicBezTo>
+                  <a:pt x="5859898" y="1160275"/>
+                  <a:pt x="5894268" y="1170221"/>
+                  <a:pt x="5928188" y="1181528"/>
+                </a:cubicBezTo>
+                <a:cubicBezTo>
+                  <a:pt x="5945684" y="1187360"/>
+                  <a:pt x="5961766" y="1197224"/>
+                  <a:pt x="5979559" y="1202077"/>
+                </a:cubicBezTo>
+                <a:cubicBezTo>
+                  <a:pt x="5995239" y="1206353"/>
+                  <a:pt x="6101783" y="1221005"/>
+                  <a:pt x="6113123" y="1222625"/>
+                </a:cubicBezTo>
+                <a:cubicBezTo>
+                  <a:pt x="6126822" y="1232899"/>
+                  <a:pt x="6139537" y="1244637"/>
+                  <a:pt x="6154220" y="1253447"/>
+                </a:cubicBezTo>
+                <a:cubicBezTo>
+                  <a:pt x="6198805" y="1280198"/>
+                  <a:pt x="6206678" y="1281208"/>
+                  <a:pt x="6246687" y="1294544"/>
+                </a:cubicBezTo>
+                <a:cubicBezTo>
+                  <a:pt x="6267235" y="1308243"/>
+                  <a:pt x="6287000" y="1323197"/>
+                  <a:pt x="6308332" y="1335641"/>
+                </a:cubicBezTo>
+                <a:cubicBezTo>
+                  <a:pt x="6328176" y="1347217"/>
+                  <a:pt x="6352730" y="1351286"/>
+                  <a:pt x="6369977" y="1366463"/>
+                </a:cubicBezTo>
+                <a:cubicBezTo>
+                  <a:pt x="6409680" y="1401402"/>
+                  <a:pt x="6566316" y="1554455"/>
+                  <a:pt x="6626831" y="1633591"/>
+                </a:cubicBezTo>
+                <a:cubicBezTo>
+                  <a:pt x="6652225" y="1666798"/>
+                  <a:pt x="6673668" y="1702890"/>
+                  <a:pt x="6698750" y="1736333"/>
+                </a:cubicBezTo>
+                <a:cubicBezTo>
+                  <a:pt x="6714799" y="1757731"/>
+                  <a:pt x="6733412" y="1777091"/>
+                  <a:pt x="6750121" y="1797978"/>
+                </a:cubicBezTo>
+                <a:cubicBezTo>
+                  <a:pt x="6760818" y="1811349"/>
+                  <a:pt x="6770670" y="1825375"/>
+                  <a:pt x="6780944" y="1839074"/>
+                </a:cubicBezTo>
+                <a:cubicBezTo>
+                  <a:pt x="6830995" y="2039282"/>
+                  <a:pt x="6768157" y="1847834"/>
+                  <a:pt x="6832314" y="1952090"/>
+                </a:cubicBezTo>
+                <a:cubicBezTo>
+                  <a:pt x="6852381" y="1984700"/>
+                  <a:pt x="6866561" y="2020585"/>
+                  <a:pt x="6883685" y="2054832"/>
+                </a:cubicBezTo>
+                <a:cubicBezTo>
+                  <a:pt x="6893959" y="2075380"/>
+                  <a:pt x="6905976" y="2095146"/>
+                  <a:pt x="6914508" y="2116477"/>
+                </a:cubicBezTo>
+                <a:cubicBezTo>
+                  <a:pt x="6940744" y="2182067"/>
+                  <a:pt x="6926808" y="2151352"/>
+                  <a:pt x="6955604" y="2208944"/>
+                </a:cubicBezTo>
+                <a:cubicBezTo>
+                  <a:pt x="7049932" y="2633402"/>
+                  <a:pt x="6965569" y="2223663"/>
+                  <a:pt x="6986427" y="3308279"/>
+                </a:cubicBezTo>
+                <a:cubicBezTo>
+                  <a:pt x="6986505" y="3312334"/>
+                  <a:pt x="7003569" y="3412213"/>
+                  <a:pt x="7006975" y="3421295"/>
+                </a:cubicBezTo>
+                <a:cubicBezTo>
+                  <a:pt x="7011311" y="3432857"/>
+                  <a:pt x="7020674" y="3441843"/>
+                  <a:pt x="7027523" y="3452117"/>
+                </a:cubicBezTo>
+                <a:cubicBezTo>
+                  <a:pt x="7035880" y="3477188"/>
+                  <a:pt x="7038427" y="3493844"/>
+                  <a:pt x="7058346" y="3513762"/>
+                </a:cubicBezTo>
+                <a:cubicBezTo>
+                  <a:pt x="7067077" y="3522493"/>
+                  <a:pt x="7078124" y="3528788"/>
+                  <a:pt x="7089168" y="3534310"/>
+                </a:cubicBezTo>
+                <a:cubicBezTo>
+                  <a:pt x="7098855" y="3539153"/>
+                  <a:pt x="7119991" y="3544585"/>
+                  <a:pt x="7119991" y="3544585"/>
+                </a:cubicBezTo>
+              </a:path>
+            </a:pathLst>
+          </a:custGeom>
+          <a:noFill/>
+        </p:spPr>
+        <p:style>
+          <a:lnRef idx="2">
+            <a:schemeClr val="accent1">
+              <a:shade val="50000"/>
+            </a:schemeClr>
+          </a:lnRef>
+          <a:fillRef idx="1">
+            <a:schemeClr val="accent1"/>
+          </a:fillRef>
+          <a:effectRef idx="0">
+            <a:schemeClr val="accent1"/>
+          </a:effectRef>
+          <a:fontRef idx="minor">
+            <a:schemeClr val="lt1"/>
+          </a:fontRef>
+        </p:style>
+        <p:txBody>
+          <a:bodyPr rtlCol="0" anchor="ctr"/>
+          <a:lstStyle/>
+          <a:p>
+            <a:pPr algn="ctr"/>
+            <a:endParaRPr lang="en-US"/>
+          </a:p>
+        </p:txBody>
+      </p:sp>
+    </p:spTree>
+    <p:extLst>
+      <p:ext uri="{BB962C8B-B14F-4D97-AF65-F5344CB8AC3E}">
+        <p14:creationId xmlns:p14="http://schemas.microsoft.com/office/powerpoint/2010/main" val="3676822387"/>
+      </p:ext>
+    </p:extLst>
+  </p:cSld>
+  <p:clrMapOvr>
+    <a:masterClrMapping/>
+  </p:clrMapOvr>
+</p:sld>
+</file>
+
+<file path=ppt/slides/slide72.xml><?xml version="1.0" encoding="utf-8"?>
+<p:sld xmlns:a="http://schemas.openxmlformats.org/drawingml/2006/main" xmlns:r="http://schemas.openxmlformats.org/officeDocument/2006/relationships" xmlns:p="http://schemas.openxmlformats.org/presentationml/2006/main">
+  <p:cSld>
+    <p:spTree>
+      <p:nvGrpSpPr>
+        <p:cNvPr id="1" name=""/>
+        <p:cNvGrpSpPr/>
+        <p:nvPr/>
+      </p:nvGrpSpPr>
+      <p:grpSpPr>
+        <a:xfrm>
+          <a:off x="0" y="0"/>
+          <a:ext cx="0" cy="0"/>
+          <a:chOff x="0" y="0"/>
+          <a:chExt cx="0" cy="0"/>
+        </a:xfrm>
+      </p:grpSpPr>
+      <p:sp>
+        <p:nvSpPr>
+          <p:cNvPr id="4" name="Rectangle 3">
+            <a:extLst>
+              <a:ext uri="{FF2B5EF4-FFF2-40B4-BE49-F238E27FC236}">
+                <a16:creationId xmlns:a16="http://schemas.microsoft.com/office/drawing/2014/main" id="{6DEE595D-5BB0-47E0-B9B4-F9C967D019B4}"/>
+              </a:ext>
+            </a:extLst>
+          </p:cNvPr>
+          <p:cNvSpPr/>
+          <p:nvPr/>
+        </p:nvSpPr>
+        <p:spPr>
+          <a:xfrm>
+            <a:off x="4541178" y="647272"/>
+            <a:ext cx="2558265" cy="678094"/>
+          </a:xfrm>
+          <a:prstGeom prst="rect">
+            <a:avLst/>
+          </a:prstGeom>
+        </p:spPr>
+        <p:style>
+          <a:lnRef idx="2">
+            <a:schemeClr val="accent1">
+              <a:shade val="50000"/>
+            </a:schemeClr>
+          </a:lnRef>
+          <a:fillRef idx="1">
+            <a:schemeClr val="accent1"/>
+          </a:fillRef>
+          <a:effectRef idx="0">
+            <a:schemeClr val="accent1"/>
+          </a:effectRef>
+          <a:fontRef idx="minor">
+            <a:schemeClr val="lt1"/>
+          </a:fontRef>
+        </p:style>
+        <p:txBody>
+          <a:bodyPr rtlCol="0" anchor="ctr"/>
+          <a:lstStyle/>
+          <a:p>
+            <a:pPr algn="ctr"/>
+            <a:r>
+              <a:rPr lang="en-US" dirty="0"/>
+              <a:t>Map</a:t>
+            </a:r>
+          </a:p>
+        </p:txBody>
+      </p:sp>
+      <p:sp>
+        <p:nvSpPr>
+          <p:cNvPr id="5" name="Rectangle 4">
+            <a:extLst>
+              <a:ext uri="{FF2B5EF4-FFF2-40B4-BE49-F238E27FC236}">
+                <a16:creationId xmlns:a16="http://schemas.microsoft.com/office/drawing/2014/main" id="{2E4B0CD2-1A34-46F4-AFD0-B9729D49E0C1}"/>
+              </a:ext>
+            </a:extLst>
+          </p:cNvPr>
+          <p:cNvSpPr/>
+          <p:nvPr/>
+        </p:nvSpPr>
+        <p:spPr>
+          <a:xfrm>
+            <a:off x="1140431" y="3000054"/>
+            <a:ext cx="2095929" cy="667820"/>
+          </a:xfrm>
+          <a:prstGeom prst="rect">
+            <a:avLst/>
+          </a:prstGeom>
+          <a:solidFill>
+            <a:srgbClr val="C00000"/>
+          </a:solidFill>
+        </p:spPr>
+        <p:style>
+          <a:lnRef idx="2">
+            <a:schemeClr val="accent1">
+              <a:shade val="50000"/>
+            </a:schemeClr>
+          </a:lnRef>
+          <a:fillRef idx="1">
+            <a:schemeClr val="accent1"/>
+          </a:fillRef>
+          <a:effectRef idx="0">
+            <a:schemeClr val="accent1"/>
+          </a:effectRef>
+          <a:fontRef idx="minor">
+            <a:schemeClr val="lt1"/>
+          </a:fontRef>
+        </p:style>
+        <p:txBody>
+          <a:bodyPr rtlCol="0" anchor="ctr"/>
+          <a:lstStyle/>
+          <a:p>
+            <a:pPr algn="ctr"/>
+            <a:r>
+              <a:rPr lang="en-US" dirty="0">
+                <a:solidFill>
+                  <a:srgbClr val="FF0000"/>
+                </a:solidFill>
+                <a:highlight>
+                  <a:srgbClr val="FFFF00"/>
+                </a:highlight>
+              </a:rPr>
+              <a:t>HashMap</a:t>
+            </a:r>
+          </a:p>
+        </p:txBody>
+      </p:sp>
+      <p:sp>
+        <p:nvSpPr>
+          <p:cNvPr id="6" name="Rectangle 5">
+            <a:extLst>
+              <a:ext uri="{FF2B5EF4-FFF2-40B4-BE49-F238E27FC236}">
+                <a16:creationId xmlns:a16="http://schemas.microsoft.com/office/drawing/2014/main" id="{F4B0FDD9-B97C-4E87-B266-8137A4FCA325}"/>
+              </a:ext>
+            </a:extLst>
+          </p:cNvPr>
+          <p:cNvSpPr/>
+          <p:nvPr/>
+        </p:nvSpPr>
+        <p:spPr>
+          <a:xfrm>
+            <a:off x="1140431" y="4220966"/>
+            <a:ext cx="2095929" cy="667820"/>
+          </a:xfrm>
+          <a:prstGeom prst="rect">
+            <a:avLst/>
+          </a:prstGeom>
+          <a:solidFill>
+            <a:srgbClr val="C00000"/>
+          </a:solidFill>
+        </p:spPr>
+        <p:style>
+          <a:lnRef idx="2">
+            <a:schemeClr val="accent1">
+              <a:shade val="50000"/>
+            </a:schemeClr>
+          </a:lnRef>
+          <a:fillRef idx="1">
+            <a:schemeClr val="accent1"/>
+          </a:fillRef>
+          <a:effectRef idx="0">
+            <a:schemeClr val="accent1"/>
+          </a:effectRef>
+          <a:fontRef idx="minor">
+            <a:schemeClr val="lt1"/>
+          </a:fontRef>
+        </p:style>
+        <p:txBody>
+          <a:bodyPr rtlCol="0" anchor="ctr"/>
+          <a:lstStyle/>
+          <a:p>
+            <a:pPr algn="ctr"/>
+            <a:r>
+              <a:rPr lang="en-US" dirty="0" err="1">
+                <a:solidFill>
+                  <a:srgbClr val="FF0000"/>
+                </a:solidFill>
+                <a:highlight>
+                  <a:srgbClr val="FFFF00"/>
+                </a:highlight>
+              </a:rPr>
+              <a:t>LinkedHashMap</a:t>
+            </a:r>
+            <a:endParaRPr lang="en-US" dirty="0">
+              <a:solidFill>
+                <a:srgbClr val="FF0000"/>
+              </a:solidFill>
+              <a:highlight>
+                <a:srgbClr val="FFFF00"/>
+              </a:highlight>
+            </a:endParaRPr>
+          </a:p>
+        </p:txBody>
+      </p:sp>
+      <p:sp>
+        <p:nvSpPr>
+          <p:cNvPr id="7" name="Rectangle 6">
+            <a:extLst>
+              <a:ext uri="{FF2B5EF4-FFF2-40B4-BE49-F238E27FC236}">
+                <a16:creationId xmlns:a16="http://schemas.microsoft.com/office/drawing/2014/main" id="{C57B5C92-CB01-45BA-965E-CEE7F0FED743}"/>
+              </a:ext>
+            </a:extLst>
+          </p:cNvPr>
+          <p:cNvSpPr/>
+          <p:nvPr/>
+        </p:nvSpPr>
+        <p:spPr>
+          <a:xfrm>
+            <a:off x="4149047" y="3095090"/>
+            <a:ext cx="2095929" cy="667820"/>
+          </a:xfrm>
+          <a:prstGeom prst="rect">
+            <a:avLst/>
+          </a:prstGeom>
+          <a:solidFill>
+            <a:srgbClr val="C00000"/>
+          </a:solidFill>
+        </p:spPr>
+        <p:style>
+          <a:lnRef idx="2">
+            <a:schemeClr val="accent1">
+              <a:shade val="50000"/>
+            </a:schemeClr>
+          </a:lnRef>
+          <a:fillRef idx="1">
+            <a:schemeClr val="accent1"/>
+          </a:fillRef>
+          <a:effectRef idx="0">
+            <a:schemeClr val="accent1"/>
+          </a:effectRef>
+          <a:fontRef idx="minor">
+            <a:schemeClr val="lt1"/>
+          </a:fontRef>
+        </p:style>
+        <p:txBody>
+          <a:bodyPr rtlCol="0" anchor="ctr"/>
+          <a:lstStyle/>
+          <a:p>
+            <a:pPr algn="ctr"/>
+            <a:r>
+              <a:rPr lang="en-US" dirty="0" err="1">
+                <a:solidFill>
+                  <a:srgbClr val="FF0000"/>
+                </a:solidFill>
+                <a:highlight>
+                  <a:srgbClr val="FFFF00"/>
+                </a:highlight>
+              </a:rPr>
+              <a:t>HashTable</a:t>
+            </a:r>
+            <a:endParaRPr lang="en-US" dirty="0">
+              <a:solidFill>
+                <a:srgbClr val="FF0000"/>
+              </a:solidFill>
+              <a:highlight>
+                <a:srgbClr val="FFFF00"/>
+              </a:highlight>
+            </a:endParaRPr>
+          </a:p>
+        </p:txBody>
+      </p:sp>
+      <p:sp>
+        <p:nvSpPr>
+          <p:cNvPr id="8" name="Rectangle 7">
+            <a:extLst>
+              <a:ext uri="{FF2B5EF4-FFF2-40B4-BE49-F238E27FC236}">
+                <a16:creationId xmlns:a16="http://schemas.microsoft.com/office/drawing/2014/main" id="{1C00029E-98A8-473F-A55C-B686E1B7EC4F}"/>
+              </a:ext>
+            </a:extLst>
+          </p:cNvPr>
+          <p:cNvSpPr/>
+          <p:nvPr/>
+        </p:nvSpPr>
+        <p:spPr>
+          <a:xfrm>
+            <a:off x="7099443" y="3095090"/>
+            <a:ext cx="2095929" cy="667820"/>
+          </a:xfrm>
+          <a:prstGeom prst="rect">
+            <a:avLst/>
+          </a:prstGeom>
+          <a:solidFill>
+            <a:srgbClr val="C00000"/>
+          </a:solidFill>
+        </p:spPr>
+        <p:style>
+          <a:lnRef idx="2">
+            <a:schemeClr val="accent1">
+              <a:shade val="50000"/>
+            </a:schemeClr>
+          </a:lnRef>
+          <a:fillRef idx="1">
+            <a:schemeClr val="accent1"/>
+          </a:fillRef>
+          <a:effectRef idx="0">
+            <a:schemeClr val="accent1"/>
+          </a:effectRef>
+          <a:fontRef idx="minor">
+            <a:schemeClr val="lt1"/>
+          </a:fontRef>
+        </p:style>
+        <p:txBody>
+          <a:bodyPr rtlCol="0" anchor="ctr"/>
+          <a:lstStyle/>
+          <a:p>
+            <a:pPr algn="ctr"/>
+            <a:r>
+              <a:rPr lang="en-US" dirty="0" err="1"/>
+              <a:t>TreeMap</a:t>
+            </a:r>
+            <a:endParaRPr lang="en-US" dirty="0"/>
+          </a:p>
+        </p:txBody>
+      </p:sp>
+      <p:cxnSp>
+        <p:nvCxnSpPr>
+          <p:cNvPr id="10" name="Straight Arrow Connector 9">
+            <a:extLst>
+              <a:ext uri="{FF2B5EF4-FFF2-40B4-BE49-F238E27FC236}">
+                <a16:creationId xmlns:a16="http://schemas.microsoft.com/office/drawing/2014/main" id="{9791CF66-F284-428A-985A-FD666FF3285E}"/>
+              </a:ext>
+            </a:extLst>
+          </p:cNvPr>
+          <p:cNvCxnSpPr>
+            <a:stCxn id="5" idx="0"/>
+            <a:endCxn id="4" idx="2"/>
+          </p:cNvCxnSpPr>
+          <p:nvPr/>
+        </p:nvCxnSpPr>
+        <p:spPr>
+          <a:xfrm flipV="1">
+            <a:off x="2188396" y="1325366"/>
+            <a:ext cx="3631915" cy="1674688"/>
+          </a:xfrm>
+          <a:prstGeom prst="straightConnector1">
+            <a:avLst/>
+          </a:prstGeom>
+          <a:ln>
+            <a:tailEnd type="triangle"/>
+          </a:ln>
+        </p:spPr>
+        <p:style>
+          <a:lnRef idx="1">
+            <a:schemeClr val="accent1"/>
+          </a:lnRef>
+          <a:fillRef idx="0">
+            <a:schemeClr val="accent1"/>
+          </a:fillRef>
+          <a:effectRef idx="0">
+            <a:schemeClr val="accent1"/>
+          </a:effectRef>
+          <a:fontRef idx="minor">
+            <a:schemeClr val="tx1"/>
+          </a:fontRef>
+        </p:style>
+      </p:cxnSp>
+      <p:cxnSp>
+        <p:nvCxnSpPr>
+          <p:cNvPr id="12" name="Straight Arrow Connector 11">
+            <a:extLst>
+              <a:ext uri="{FF2B5EF4-FFF2-40B4-BE49-F238E27FC236}">
+                <a16:creationId xmlns:a16="http://schemas.microsoft.com/office/drawing/2014/main" id="{3AE04977-8689-480A-A04A-9102CFFF0C3B}"/>
+              </a:ext>
+            </a:extLst>
+          </p:cNvPr>
+          <p:cNvCxnSpPr>
+            <a:cxnSpLocks/>
+            <a:stCxn id="7" idx="0"/>
+            <a:endCxn id="4" idx="2"/>
+          </p:cNvCxnSpPr>
+          <p:nvPr/>
+        </p:nvCxnSpPr>
+        <p:spPr>
+          <a:xfrm flipV="1">
+            <a:off x="5197012" y="1325366"/>
+            <a:ext cx="623299" cy="1769724"/>
+          </a:xfrm>
+          <a:prstGeom prst="straightConnector1">
+            <a:avLst/>
+          </a:prstGeom>
+          <a:ln>
+            <a:tailEnd type="triangle"/>
+          </a:ln>
+        </p:spPr>
+        <p:style>
+          <a:lnRef idx="1">
+            <a:schemeClr val="accent1"/>
+          </a:lnRef>
+          <a:fillRef idx="0">
+            <a:schemeClr val="accent1"/>
+          </a:fillRef>
+          <a:effectRef idx="0">
+            <a:schemeClr val="accent1"/>
+          </a:effectRef>
+          <a:fontRef idx="minor">
+            <a:schemeClr val="tx1"/>
+          </a:fontRef>
+        </p:style>
+      </p:cxnSp>
+      <p:cxnSp>
+        <p:nvCxnSpPr>
+          <p:cNvPr id="14" name="Straight Arrow Connector 13">
+            <a:extLst>
+              <a:ext uri="{FF2B5EF4-FFF2-40B4-BE49-F238E27FC236}">
+                <a16:creationId xmlns:a16="http://schemas.microsoft.com/office/drawing/2014/main" id="{54849D7E-5922-4388-A719-13FD059A5086}"/>
+              </a:ext>
+            </a:extLst>
+          </p:cNvPr>
+          <p:cNvCxnSpPr>
+            <a:stCxn id="6" idx="0"/>
+            <a:endCxn id="5" idx="2"/>
+          </p:cNvCxnSpPr>
+          <p:nvPr/>
+        </p:nvCxnSpPr>
+        <p:spPr>
+          <a:xfrm flipV="1">
+            <a:off x="2188396" y="3667874"/>
+            <a:ext cx="0" cy="553092"/>
+          </a:xfrm>
+          <a:prstGeom prst="straightConnector1">
+            <a:avLst/>
+          </a:prstGeom>
+          <a:ln>
+            <a:tailEnd type="triangle"/>
+          </a:ln>
+        </p:spPr>
+        <p:style>
+          <a:lnRef idx="1">
+            <a:schemeClr val="accent1"/>
+          </a:lnRef>
+          <a:fillRef idx="0">
+            <a:schemeClr val="accent1"/>
+          </a:fillRef>
+          <a:effectRef idx="0">
+            <a:schemeClr val="accent1"/>
+          </a:effectRef>
+          <a:fontRef idx="minor">
+            <a:schemeClr val="tx1"/>
+          </a:fontRef>
+        </p:style>
+      </p:cxnSp>
+      <p:sp>
+        <p:nvSpPr>
+          <p:cNvPr id="15" name="Rectangle 14">
+            <a:extLst>
+              <a:ext uri="{FF2B5EF4-FFF2-40B4-BE49-F238E27FC236}">
+                <a16:creationId xmlns:a16="http://schemas.microsoft.com/office/drawing/2014/main" id="{7A0FDDEA-3843-4EEE-8E65-8A95AC1B841A}"/>
+              </a:ext>
+            </a:extLst>
+          </p:cNvPr>
+          <p:cNvSpPr/>
+          <p:nvPr/>
+        </p:nvSpPr>
+        <p:spPr>
+          <a:xfrm>
+            <a:off x="7099443" y="1871181"/>
+            <a:ext cx="2095929" cy="678094"/>
+          </a:xfrm>
+          <a:prstGeom prst="rect">
+            <a:avLst/>
+          </a:prstGeom>
+        </p:spPr>
+        <p:style>
+          <a:lnRef idx="2">
+            <a:schemeClr val="accent1">
+              <a:shade val="50000"/>
+            </a:schemeClr>
+          </a:lnRef>
+          <a:fillRef idx="1">
+            <a:schemeClr val="accent1"/>
+          </a:fillRef>
+          <a:effectRef idx="0">
+            <a:schemeClr val="accent1"/>
+          </a:effectRef>
+          <a:fontRef idx="minor">
+            <a:schemeClr val="lt1"/>
+          </a:fontRef>
+        </p:style>
+        <p:txBody>
+          <a:bodyPr rtlCol="0" anchor="ctr"/>
+          <a:lstStyle/>
+          <a:p>
+            <a:pPr algn="ctr"/>
+            <a:r>
+              <a:rPr lang="en-US" dirty="0" err="1"/>
+              <a:t>SortedMap</a:t>
+            </a:r>
+            <a:endParaRPr lang="en-US" dirty="0"/>
+          </a:p>
+        </p:txBody>
+      </p:sp>
+      <p:cxnSp>
+        <p:nvCxnSpPr>
+          <p:cNvPr id="17" name="Straight Arrow Connector 16">
+            <a:extLst>
+              <a:ext uri="{FF2B5EF4-FFF2-40B4-BE49-F238E27FC236}">
+                <a16:creationId xmlns:a16="http://schemas.microsoft.com/office/drawing/2014/main" id="{0D947E98-8F86-44F0-81CD-06AB600342F3}"/>
+              </a:ext>
+            </a:extLst>
+          </p:cNvPr>
+          <p:cNvCxnSpPr>
+            <a:endCxn id="15" idx="2"/>
+          </p:cNvCxnSpPr>
+          <p:nvPr/>
+        </p:nvCxnSpPr>
+        <p:spPr>
+          <a:xfrm flipV="1">
+            <a:off x="8106310" y="2549275"/>
+            <a:ext cx="41098" cy="666536"/>
+          </a:xfrm>
+          <a:prstGeom prst="straightConnector1">
+            <a:avLst/>
+          </a:prstGeom>
+          <a:ln>
+            <a:tailEnd type="triangle"/>
+          </a:ln>
+        </p:spPr>
+        <p:style>
+          <a:lnRef idx="1">
+            <a:schemeClr val="accent1"/>
+          </a:lnRef>
+          <a:fillRef idx="0">
+            <a:schemeClr val="accent1"/>
+          </a:fillRef>
+          <a:effectRef idx="0">
+            <a:schemeClr val="accent1"/>
+          </a:effectRef>
+          <a:fontRef idx="minor">
+            <a:schemeClr val="tx1"/>
+          </a:fontRef>
+        </p:style>
+      </p:cxnSp>
+      <p:cxnSp>
+        <p:nvCxnSpPr>
+          <p:cNvPr id="19" name="Straight Arrow Connector 18">
+            <a:extLst>
+              <a:ext uri="{FF2B5EF4-FFF2-40B4-BE49-F238E27FC236}">
+                <a16:creationId xmlns:a16="http://schemas.microsoft.com/office/drawing/2014/main" id="{DED55623-5FD6-44DC-B147-1DAEFF6D8E5C}"/>
+              </a:ext>
+            </a:extLst>
+          </p:cNvPr>
+          <p:cNvCxnSpPr>
+            <a:stCxn id="15" idx="0"/>
+            <a:endCxn id="4" idx="2"/>
+          </p:cNvCxnSpPr>
+          <p:nvPr/>
+        </p:nvCxnSpPr>
+        <p:spPr>
+          <a:xfrm flipH="1" flipV="1">
+            <a:off x="5820311" y="1325366"/>
+            <a:ext cx="2327097" cy="545815"/>
+          </a:xfrm>
+          <a:prstGeom prst="straightConnector1">
+            <a:avLst/>
+          </a:prstGeom>
+          <a:ln>
+            <a:tailEnd type="triangle"/>
+          </a:ln>
+        </p:spPr>
+        <p:style>
+          <a:lnRef idx="1">
+            <a:schemeClr val="accent1"/>
+          </a:lnRef>
+          <a:fillRef idx="0">
+            <a:schemeClr val="accent1"/>
+          </a:fillRef>
+          <a:effectRef idx="0">
+            <a:schemeClr val="accent1"/>
+          </a:effectRef>
+          <a:fontRef idx="minor">
+            <a:schemeClr val="tx1"/>
+          </a:fontRef>
+        </p:style>
+      </p:cxnSp>
+    </p:spTree>
+    <p:extLst>
+      <p:ext uri="{BB962C8B-B14F-4D97-AF65-F5344CB8AC3E}">
+        <p14:creationId xmlns:p14="http://schemas.microsoft.com/office/powerpoint/2010/main" val="1687775571"/>
+      </p:ext>
+    </p:extLst>
+  </p:cSld>
+  <p:clrMapOvr>
+    <a:masterClrMapping/>
+  </p:clrMapOvr>
+</p:sld>
+</file>
+
+<file path=ppt/slides/slide73.xml><?xml version="1.0" encoding="utf-8"?>
+<p:sld xmlns:a="http://schemas.openxmlformats.org/drawingml/2006/main" xmlns:r="http://schemas.openxmlformats.org/officeDocument/2006/relationships" xmlns:p="http://schemas.openxmlformats.org/presentationml/2006/main">
+  <p:cSld>
+    <p:spTree>
+      <p:nvGrpSpPr>
+        <p:cNvPr id="1" name=""/>
+        <p:cNvGrpSpPr/>
+        <p:nvPr/>
+      </p:nvGrpSpPr>
+      <p:grpSpPr>
+        <a:xfrm>
+          <a:off x="0" y="0"/>
+          <a:ext cx="0" cy="0"/>
+          <a:chOff x="0" y="0"/>
+          <a:chExt cx="0" cy="0"/>
+        </a:xfrm>
+      </p:grpSpPr>
+      <p:sp>
+        <p:nvSpPr>
+          <p:cNvPr id="2" name="Title 1">
+            <a:extLst>
+              <a:ext uri="{FF2B5EF4-FFF2-40B4-BE49-F238E27FC236}">
+                <a16:creationId xmlns:a16="http://schemas.microsoft.com/office/drawing/2014/main" id="{B34B90DC-8CBC-4B27-91FF-DA1CEA871E5E}"/>
+              </a:ext>
+            </a:extLst>
+          </p:cNvPr>
+          <p:cNvSpPr>
+            <a:spLocks noGrp="1"/>
+          </p:cNvSpPr>
+          <p:nvPr>
+            <p:ph type="title"/>
+          </p:nvPr>
+        </p:nvSpPr>
+        <p:spPr>
+          <a:xfrm>
+            <a:off x="838200" y="365125"/>
+            <a:ext cx="3939283" cy="1325563"/>
+          </a:xfrm>
+        </p:spPr>
+        <p:txBody>
+          <a:bodyPr/>
+          <a:lstStyle/>
+          <a:p>
+            <a:r>
+              <a:rPr lang="en-US" dirty="0"/>
+              <a:t>List</a:t>
+            </a:r>
+          </a:p>
+        </p:txBody>
+      </p:sp>
+      <p:sp>
+        <p:nvSpPr>
+          <p:cNvPr id="3" name="Content Placeholder 2">
+            <a:extLst>
+              <a:ext uri="{FF2B5EF4-FFF2-40B4-BE49-F238E27FC236}">
+                <a16:creationId xmlns:a16="http://schemas.microsoft.com/office/drawing/2014/main" id="{17452397-B96D-40BC-9F29-2E8791383876}"/>
+              </a:ext>
+            </a:extLst>
+          </p:cNvPr>
+          <p:cNvSpPr>
+            <a:spLocks noGrp="1"/>
+          </p:cNvSpPr>
+          <p:nvPr>
+            <p:ph idx="1"/>
+          </p:nvPr>
+        </p:nvSpPr>
+        <p:spPr>
+          <a:xfrm>
+            <a:off x="838200" y="1825625"/>
+            <a:ext cx="4401620" cy="4351338"/>
+          </a:xfrm>
+        </p:spPr>
+        <p:txBody>
+          <a:bodyPr/>
+          <a:lstStyle/>
+          <a:p>
+            <a:r>
+              <a:rPr lang="en-US" dirty="0"/>
+              <a:t>Insertion Ordered</a:t>
+            </a:r>
+          </a:p>
+          <a:p>
+            <a:r>
+              <a:rPr lang="en-US" dirty="0"/>
+              <a:t>Duplicate</a:t>
+            </a:r>
+          </a:p>
+          <a:p>
+            <a:r>
+              <a:rPr lang="en-US" dirty="0"/>
+              <a:t>Null</a:t>
+            </a:r>
+          </a:p>
+          <a:p>
+            <a:r>
+              <a:rPr lang="en-US" dirty="0">
+                <a:highlight>
+                  <a:srgbClr val="FFFF00"/>
+                </a:highlight>
+              </a:rPr>
+              <a:t>Not Sorted</a:t>
+            </a:r>
+          </a:p>
+          <a:p>
+            <a:r>
+              <a:rPr lang="en-US" dirty="0"/>
+              <a:t>Array (indices)</a:t>
+            </a:r>
+          </a:p>
+        </p:txBody>
+      </p:sp>
+      <p:sp>
+        <p:nvSpPr>
+          <p:cNvPr id="4" name="Title 1">
+            <a:extLst>
+              <a:ext uri="{FF2B5EF4-FFF2-40B4-BE49-F238E27FC236}">
+                <a16:creationId xmlns:a16="http://schemas.microsoft.com/office/drawing/2014/main" id="{052572A5-BEC4-4E0F-AC2B-41C234E72F79}"/>
+              </a:ext>
+            </a:extLst>
+          </p:cNvPr>
+          <p:cNvSpPr txBox="1">
+            <a:spLocks/>
+          </p:cNvSpPr>
+          <p:nvPr/>
+        </p:nvSpPr>
+        <p:spPr>
+          <a:xfrm>
+            <a:off x="5942744" y="365125"/>
+            <a:ext cx="3939283" cy="1325563"/>
+          </a:xfrm>
+          <a:prstGeom prst="rect">
+            <a:avLst/>
+          </a:prstGeom>
+        </p:spPr>
+        <p:txBody>
+          <a:bodyPr vert="horz" lIns="91440" tIns="45720" rIns="91440" bIns="45720" rtlCol="0" anchor="ctr">
+            <a:normAutofit/>
+          </a:bodyPr>
+          <a:lstStyle>
+            <a:lvl1pPr algn="l" defTabSz="914400" rtl="0" eaLnBrk="1" latinLnBrk="0" hangingPunct="1">
+              <a:lnSpc>
+                <a:spcPct val="90000"/>
+              </a:lnSpc>
+              <a:spcBef>
+                <a:spcPct val="0"/>
+              </a:spcBef>
+              <a:buNone/>
+              <a:defRPr sz="4400" kern="1200">
+                <a:solidFill>
+                  <a:schemeClr val="tx1"/>
+                </a:solidFill>
+                <a:latin typeface="+mj-lt"/>
+                <a:ea typeface="+mj-ea"/>
+                <a:cs typeface="+mj-cs"/>
+              </a:defRPr>
+            </a:lvl1pPr>
+          </a:lstStyle>
+          <a:p>
+            <a:r>
+              <a:rPr lang="en-US" dirty="0"/>
+              <a:t>Set</a:t>
+            </a:r>
+          </a:p>
+        </p:txBody>
+      </p:sp>
+      <p:sp>
+        <p:nvSpPr>
+          <p:cNvPr id="5" name="Content Placeholder 2">
+            <a:extLst>
+              <a:ext uri="{FF2B5EF4-FFF2-40B4-BE49-F238E27FC236}">
+                <a16:creationId xmlns:a16="http://schemas.microsoft.com/office/drawing/2014/main" id="{778C0A91-2AB1-491F-9770-64683163A2A6}"/>
+              </a:ext>
+            </a:extLst>
+          </p:cNvPr>
+          <p:cNvSpPr txBox="1">
+            <a:spLocks/>
+          </p:cNvSpPr>
+          <p:nvPr/>
+        </p:nvSpPr>
+        <p:spPr>
+          <a:xfrm>
+            <a:off x="5942744" y="1825625"/>
+            <a:ext cx="4401620" cy="4351338"/>
+          </a:xfrm>
+          <a:prstGeom prst="rect">
+            <a:avLst/>
+          </a:prstGeom>
+        </p:spPr>
+        <p:txBody>
+          <a:bodyPr vert="horz" lIns="91440" tIns="45720" rIns="91440" bIns="45720" rtlCol="0">
+            <a:normAutofit/>
+          </a:bodyPr>
+          <a:lstStyle>
+            <a:lvl1pPr marL="228600" indent="-228600" algn="l" defTabSz="914400" rtl="0" eaLnBrk="1" latinLnBrk="0" hangingPunct="1">
+              <a:lnSpc>
+                <a:spcPct val="90000"/>
+              </a:lnSpc>
+              <a:spcBef>
+                <a:spcPts val="1000"/>
+              </a:spcBef>
+              <a:buFont typeface="Arial" panose="020B0604020202020204" pitchFamily="34" charset="0"/>
+              <a:buChar char="•"/>
+              <a:defRPr sz="2800" kern="1200">
+                <a:solidFill>
+                  <a:schemeClr val="tx1"/>
+                </a:solidFill>
+                <a:latin typeface="+mn-lt"/>
+                <a:ea typeface="+mn-ea"/>
+                <a:cs typeface="+mn-cs"/>
+              </a:defRPr>
+            </a:lvl1pPr>
+            <a:lvl2pPr marL="685800" indent="-228600" algn="l" defTabSz="914400" rtl="0" eaLnBrk="1" latinLnBrk="0" hangingPunct="1">
+              <a:lnSpc>
+                <a:spcPct val="90000"/>
+              </a:lnSpc>
+              <a:spcBef>
+                <a:spcPts val="500"/>
+              </a:spcBef>
+              <a:buFont typeface="Arial" panose="020B0604020202020204" pitchFamily="34" charset="0"/>
+              <a:buChar char="•"/>
+              <a:defRPr sz="2400" kern="1200">
+                <a:solidFill>
+                  <a:schemeClr val="tx1"/>
+                </a:solidFill>
+                <a:latin typeface="+mn-lt"/>
+                <a:ea typeface="+mn-ea"/>
+                <a:cs typeface="+mn-cs"/>
+              </a:defRPr>
+            </a:lvl2pPr>
+            <a:lvl3pPr marL="1143000" indent="-228600" algn="l" defTabSz="914400" rtl="0" eaLnBrk="1" latinLnBrk="0" hangingPunct="1">
+              <a:lnSpc>
+                <a:spcPct val="90000"/>
+              </a:lnSpc>
+              <a:spcBef>
+                <a:spcPts val="500"/>
+              </a:spcBef>
+              <a:buFont typeface="Arial" panose="020B0604020202020204" pitchFamily="34" charset="0"/>
+              <a:buChar char="•"/>
+              <a:defRPr sz="2000" kern="1200">
+                <a:solidFill>
+                  <a:schemeClr val="tx1"/>
+                </a:solidFill>
+                <a:latin typeface="+mn-lt"/>
+                <a:ea typeface="+mn-ea"/>
+                <a:cs typeface="+mn-cs"/>
+              </a:defRPr>
+            </a:lvl3pPr>
+            <a:lvl4pPr marL="1600200" indent="-228600" algn="l" defTabSz="914400" rtl="0" eaLnBrk="1" latinLnBrk="0" hangingPunct="1">
+              <a:lnSpc>
+                <a:spcPct val="90000"/>
+              </a:lnSpc>
+              <a:spcBef>
+                <a:spcPts val="500"/>
+              </a:spcBef>
+              <a:buFont typeface="Arial" panose="020B0604020202020204" pitchFamily="34" charset="0"/>
+              <a:buChar char="•"/>
+              <a:defRPr sz="1800" kern="1200">
+                <a:solidFill>
+                  <a:schemeClr val="tx1"/>
+                </a:solidFill>
+                <a:latin typeface="+mn-lt"/>
+                <a:ea typeface="+mn-ea"/>
+                <a:cs typeface="+mn-cs"/>
+              </a:defRPr>
+            </a:lvl4pPr>
+            <a:lvl5pPr marL="2057400" indent="-228600" algn="l" defTabSz="914400" rtl="0" eaLnBrk="1" latinLnBrk="0" hangingPunct="1">
+              <a:lnSpc>
+                <a:spcPct val="90000"/>
+              </a:lnSpc>
+              <a:spcBef>
+                <a:spcPts val="500"/>
+              </a:spcBef>
+              <a:buFont typeface="Arial" panose="020B0604020202020204" pitchFamily="34" charset="0"/>
+              <a:buChar char="•"/>
+              <a:defRPr sz="1800" kern="1200">
+                <a:solidFill>
+                  <a:schemeClr val="tx1"/>
+                </a:solidFill>
+                <a:latin typeface="+mn-lt"/>
+                <a:ea typeface="+mn-ea"/>
+                <a:cs typeface="+mn-cs"/>
+              </a:defRPr>
+            </a:lvl5pPr>
+            <a:lvl6pPr marL="2514600" indent="-228600" algn="l" defTabSz="914400" rtl="0" eaLnBrk="1" latinLnBrk="0" hangingPunct="1">
+              <a:lnSpc>
+                <a:spcPct val="90000"/>
+              </a:lnSpc>
+              <a:spcBef>
+                <a:spcPts val="500"/>
+              </a:spcBef>
+              <a:buFont typeface="Arial" panose="020B0604020202020204" pitchFamily="34" charset="0"/>
+              <a:buChar char="•"/>
+              <a:defRPr sz="1800" kern="1200">
+                <a:solidFill>
+                  <a:schemeClr val="tx1"/>
+                </a:solidFill>
+                <a:latin typeface="+mn-lt"/>
+                <a:ea typeface="+mn-ea"/>
+                <a:cs typeface="+mn-cs"/>
+              </a:defRPr>
+            </a:lvl6pPr>
+            <a:lvl7pPr marL="2971800" indent="-228600" algn="l" defTabSz="914400" rtl="0" eaLnBrk="1" latinLnBrk="0" hangingPunct="1">
+              <a:lnSpc>
+                <a:spcPct val="90000"/>
+              </a:lnSpc>
+              <a:spcBef>
+                <a:spcPts val="500"/>
+              </a:spcBef>
+              <a:buFont typeface="Arial" panose="020B0604020202020204" pitchFamily="34" charset="0"/>
+              <a:buChar char="•"/>
+              <a:defRPr sz="1800" kern="1200">
+                <a:solidFill>
+                  <a:schemeClr val="tx1"/>
+                </a:solidFill>
+                <a:latin typeface="+mn-lt"/>
+                <a:ea typeface="+mn-ea"/>
+                <a:cs typeface="+mn-cs"/>
+              </a:defRPr>
+            </a:lvl7pPr>
+            <a:lvl8pPr marL="3429000" indent="-228600" algn="l" defTabSz="914400" rtl="0" eaLnBrk="1" latinLnBrk="0" hangingPunct="1">
+              <a:lnSpc>
+                <a:spcPct val="90000"/>
+              </a:lnSpc>
+              <a:spcBef>
+                <a:spcPts val="500"/>
+              </a:spcBef>
+              <a:buFont typeface="Arial" panose="020B0604020202020204" pitchFamily="34" charset="0"/>
+              <a:buChar char="•"/>
+              <a:defRPr sz="1800" kern="1200">
+                <a:solidFill>
+                  <a:schemeClr val="tx1"/>
+                </a:solidFill>
+                <a:latin typeface="+mn-lt"/>
+                <a:ea typeface="+mn-ea"/>
+                <a:cs typeface="+mn-cs"/>
+              </a:defRPr>
+            </a:lvl8pPr>
+            <a:lvl9pPr marL="3886200" indent="-228600" algn="l" defTabSz="914400" rtl="0" eaLnBrk="1" latinLnBrk="0" hangingPunct="1">
+              <a:lnSpc>
+                <a:spcPct val="90000"/>
+              </a:lnSpc>
+              <a:spcBef>
+                <a:spcPts val="500"/>
+              </a:spcBef>
+              <a:buFont typeface="Arial" panose="020B0604020202020204" pitchFamily="34" charset="0"/>
+              <a:buChar char="•"/>
+              <a:defRPr sz="1800" kern="1200">
+                <a:solidFill>
+                  <a:schemeClr val="tx1"/>
+                </a:solidFill>
+                <a:latin typeface="+mn-lt"/>
+                <a:ea typeface="+mn-ea"/>
+                <a:cs typeface="+mn-cs"/>
+              </a:defRPr>
+            </a:lvl9pPr>
+          </a:lstStyle>
+          <a:p>
+            <a:r>
+              <a:rPr lang="en-US" dirty="0"/>
+              <a:t>unordered</a:t>
+            </a:r>
+          </a:p>
+          <a:p>
+            <a:r>
+              <a:rPr lang="en-US" dirty="0"/>
+              <a:t>Unique</a:t>
+            </a:r>
+          </a:p>
+          <a:p>
+            <a:r>
+              <a:rPr lang="en-US" dirty="0"/>
+              <a:t>Null </a:t>
+            </a:r>
+            <a:r>
+              <a:rPr lang="en-US" dirty="0">
+                <a:sym typeface="Wingdings" panose="05000000000000000000" pitchFamily="2" charset="2"/>
+              </a:rPr>
+              <a:t> restricted</a:t>
+            </a:r>
+          </a:p>
+          <a:p>
+            <a:r>
+              <a:rPr lang="en-US" dirty="0">
+                <a:sym typeface="Wingdings" panose="05000000000000000000" pitchFamily="2" charset="2"/>
+              </a:rPr>
+              <a:t>Sorted  </a:t>
+            </a:r>
+            <a:r>
+              <a:rPr lang="en-US" dirty="0" err="1">
+                <a:sym typeface="Wingdings" panose="05000000000000000000" pitchFamily="2" charset="2"/>
+              </a:rPr>
+              <a:t>TreeSet</a:t>
+            </a:r>
+            <a:endParaRPr lang="en-US" dirty="0">
+              <a:sym typeface="Wingdings" panose="05000000000000000000" pitchFamily="2" charset="2"/>
+            </a:endParaRPr>
+          </a:p>
+          <a:p>
+            <a:r>
+              <a:rPr lang="en-US" dirty="0">
+                <a:sym typeface="Wingdings" panose="05000000000000000000" pitchFamily="2" charset="2"/>
+              </a:rPr>
+              <a:t>Hashing Algorithm</a:t>
+            </a:r>
+            <a:endParaRPr lang="en-US" dirty="0"/>
+          </a:p>
+        </p:txBody>
+      </p:sp>
+    </p:spTree>
+    <p:extLst>
+      <p:ext uri="{BB962C8B-B14F-4D97-AF65-F5344CB8AC3E}">
+        <p14:creationId xmlns:p14="http://schemas.microsoft.com/office/powerpoint/2010/main" val="3213275523"/>
+      </p:ext>
+    </p:extLst>
+  </p:cSld>
+  <p:clrMapOvr>
+    <a:masterClrMapping/>
+  </p:clrMapOvr>
+</p:sld>
+</file>
+
+<file path=ppt/slides/slide74.xml><?xml version="1.0" encoding="utf-8"?>
+<p:sld xmlns:a="http://schemas.openxmlformats.org/drawingml/2006/main" xmlns:r="http://schemas.openxmlformats.org/officeDocument/2006/relationships" xmlns:p="http://schemas.openxmlformats.org/presentationml/2006/main">
+  <p:cSld>
+    <p:spTree>
+      <p:nvGrpSpPr>
+        <p:cNvPr id="1" name=""/>
+        <p:cNvGrpSpPr/>
+        <p:nvPr/>
+      </p:nvGrpSpPr>
+      <p:grpSpPr>
+        <a:xfrm>
+          <a:off x="0" y="0"/>
+          <a:ext cx="0" cy="0"/>
+          <a:chOff x="0" y="0"/>
+          <a:chExt cx="0" cy="0"/>
+        </a:xfrm>
+      </p:grpSpPr>
+      <p:sp>
+        <p:nvSpPr>
+          <p:cNvPr id="2" name="Title 1">
+            <a:extLst>
+              <a:ext uri="{FF2B5EF4-FFF2-40B4-BE49-F238E27FC236}">
+                <a16:creationId xmlns:a16="http://schemas.microsoft.com/office/drawing/2014/main" id="{E8BF34A5-5BFD-4921-ADEB-9F4F70A9BEFA}"/>
+              </a:ext>
+            </a:extLst>
+          </p:cNvPr>
+          <p:cNvSpPr>
+            <a:spLocks noGrp="1"/>
+          </p:cNvSpPr>
+          <p:nvPr>
+            <p:ph type="title"/>
+          </p:nvPr>
+        </p:nvSpPr>
+        <p:spPr/>
+        <p:txBody>
+          <a:bodyPr/>
+          <a:lstStyle/>
+          <a:p>
+            <a:r>
+              <a:rPr lang="en-US" dirty="0"/>
+              <a:t>traversal</a:t>
+            </a:r>
+          </a:p>
+        </p:txBody>
+      </p:sp>
+      <p:sp>
+        <p:nvSpPr>
+          <p:cNvPr id="3" name="Content Placeholder 2">
+            <a:extLst>
+              <a:ext uri="{FF2B5EF4-FFF2-40B4-BE49-F238E27FC236}">
+                <a16:creationId xmlns:a16="http://schemas.microsoft.com/office/drawing/2014/main" id="{41FA5EE3-2FB0-4E09-9E49-439EB375C6F3}"/>
+              </a:ext>
+            </a:extLst>
+          </p:cNvPr>
+          <p:cNvSpPr>
+            <a:spLocks noGrp="1"/>
+          </p:cNvSpPr>
+          <p:nvPr>
+            <p:ph idx="1"/>
+          </p:nvPr>
+        </p:nvSpPr>
+        <p:spPr/>
+        <p:txBody>
+          <a:bodyPr/>
+          <a:lstStyle/>
+          <a:p>
+            <a:r>
+              <a:rPr lang="en-US" dirty="0"/>
+              <a:t>Enhanced For loop </a:t>
+            </a:r>
+            <a:r>
+              <a:rPr lang="en-US" dirty="0">
+                <a:sym typeface="Wingdings" panose="05000000000000000000" pitchFamily="2" charset="2"/>
+              </a:rPr>
+              <a:t> </a:t>
+            </a:r>
+            <a:r>
+              <a:rPr lang="en-US" dirty="0" err="1">
+                <a:sym typeface="Wingdings" panose="05000000000000000000" pitchFamily="2" charset="2"/>
+              </a:rPr>
+              <a:t>readonly</a:t>
+            </a:r>
+            <a:endParaRPr lang="en-US" dirty="0"/>
+          </a:p>
+          <a:p>
+            <a:r>
+              <a:rPr lang="en-US" dirty="0"/>
+              <a:t>Iterator </a:t>
+            </a:r>
+            <a:r>
+              <a:rPr lang="en-US" dirty="0">
+                <a:sym typeface="Wingdings" panose="05000000000000000000" pitchFamily="2" charset="2"/>
+              </a:rPr>
+              <a:t> remove</a:t>
+            </a:r>
+            <a:endParaRPr lang="en-US" dirty="0"/>
+          </a:p>
+          <a:p>
+            <a:r>
+              <a:rPr lang="en-US" dirty="0" err="1"/>
+              <a:t>ListIterator</a:t>
+            </a:r>
+            <a:r>
+              <a:rPr lang="en-US" dirty="0"/>
+              <a:t> </a:t>
+            </a:r>
+            <a:r>
+              <a:rPr lang="en-US" dirty="0">
+                <a:sym typeface="Wingdings" panose="05000000000000000000" pitchFamily="2" charset="2"/>
+              </a:rPr>
+              <a:t> remove, set</a:t>
+            </a:r>
+            <a:endParaRPr lang="en-US" dirty="0"/>
+          </a:p>
+          <a:p>
+            <a:r>
+              <a:rPr lang="en-US" dirty="0" err="1"/>
+              <a:t>Enumarations</a:t>
+            </a:r>
+            <a:r>
+              <a:rPr lang="en-US" dirty="0"/>
+              <a:t> -&gt; Vector(Synchronized)</a:t>
+            </a:r>
+          </a:p>
+          <a:p>
+            <a:endParaRPr lang="en-US" dirty="0"/>
+          </a:p>
+        </p:txBody>
+      </p:sp>
+    </p:spTree>
+    <p:extLst>
+      <p:ext uri="{BB962C8B-B14F-4D97-AF65-F5344CB8AC3E}">
+        <p14:creationId xmlns:p14="http://schemas.microsoft.com/office/powerpoint/2010/main" val="1626715181"/>
+      </p:ext>
+    </p:extLst>
+  </p:cSld>
+  <p:clrMapOvr>
+    <a:masterClrMapping/>
+  </p:clrMapOvr>
+</p:sld>
+</file>
+
+<file path=ppt/slides/slide75.xml><?xml version="1.0" encoding="utf-8"?>
+<p:sld xmlns:a="http://schemas.openxmlformats.org/drawingml/2006/main" xmlns:r="http://schemas.openxmlformats.org/officeDocument/2006/relationships" xmlns:p="http://schemas.openxmlformats.org/presentationml/2006/main">
+  <p:cSld>
+    <p:spTree>
+      <p:nvGrpSpPr>
+        <p:cNvPr id="1" name=""/>
+        <p:cNvGrpSpPr/>
+        <p:nvPr/>
+      </p:nvGrpSpPr>
+      <p:grpSpPr>
+        <a:xfrm>
+          <a:off x="0" y="0"/>
+          <a:ext cx="0" cy="0"/>
+          <a:chOff x="0" y="0"/>
+          <a:chExt cx="0" cy="0"/>
+        </a:xfrm>
+      </p:grpSpPr>
+      <p:sp>
+        <p:nvSpPr>
+          <p:cNvPr id="2" name="Title 1">
+            <a:extLst>
+              <a:ext uri="{FF2B5EF4-FFF2-40B4-BE49-F238E27FC236}">
+                <a16:creationId xmlns:a16="http://schemas.microsoft.com/office/drawing/2014/main" id="{F7E53D96-6E4A-48C0-91C3-B2F996427911}"/>
+              </a:ext>
+            </a:extLst>
+          </p:cNvPr>
+          <p:cNvSpPr>
+            <a:spLocks noGrp="1"/>
+          </p:cNvSpPr>
+          <p:nvPr>
+            <p:ph type="title"/>
+          </p:nvPr>
+        </p:nvSpPr>
+        <p:spPr/>
+        <p:txBody>
+          <a:bodyPr/>
+          <a:lstStyle/>
+          <a:p>
+            <a:r>
+              <a:rPr lang="en-US" dirty="0"/>
+              <a:t>LinkedList</a:t>
+            </a:r>
+          </a:p>
+        </p:txBody>
+      </p:sp>
+      <p:sp>
+        <p:nvSpPr>
+          <p:cNvPr id="3" name="Content Placeholder 2">
+            <a:extLst>
+              <a:ext uri="{FF2B5EF4-FFF2-40B4-BE49-F238E27FC236}">
+                <a16:creationId xmlns:a16="http://schemas.microsoft.com/office/drawing/2014/main" id="{A012AB54-C258-4A3F-995D-C79D735C7087}"/>
+              </a:ext>
+            </a:extLst>
+          </p:cNvPr>
+          <p:cNvSpPr>
+            <a:spLocks noGrp="1"/>
+          </p:cNvSpPr>
+          <p:nvPr>
+            <p:ph idx="1"/>
+          </p:nvPr>
+        </p:nvSpPr>
+        <p:spPr/>
+        <p:txBody>
+          <a:bodyPr/>
+          <a:lstStyle/>
+          <a:p>
+            <a:r>
+              <a:rPr lang="en-US" dirty="0" err="1"/>
+              <a:t>Frquent</a:t>
+            </a:r>
+            <a:r>
+              <a:rPr lang="en-US" dirty="0"/>
+              <a:t> Manipulation </a:t>
+            </a:r>
+          </a:p>
+          <a:p>
+            <a:pPr lvl="1"/>
+            <a:r>
+              <a:rPr lang="en-US" dirty="0"/>
+              <a:t>Add, remove, update</a:t>
+            </a:r>
+          </a:p>
+          <a:p>
+            <a:pPr lvl="1"/>
+            <a:endParaRPr lang="en-US" dirty="0"/>
+          </a:p>
+        </p:txBody>
+      </p:sp>
+    </p:spTree>
+    <p:extLst>
+      <p:ext uri="{BB962C8B-B14F-4D97-AF65-F5344CB8AC3E}">
+        <p14:creationId xmlns:p14="http://schemas.microsoft.com/office/powerpoint/2010/main" val="3218532555"/>
+      </p:ext>
+    </p:extLst>
+  </p:cSld>
+  <p:clrMapOvr>
+    <a:masterClrMapping/>
+  </p:clrMapOvr>
+</p:sld>
+</file>
+
+<file path=ppt/slides/slide76.xml><?xml version="1.0" encoding="utf-8"?>
+<p:sld xmlns:a="http://schemas.openxmlformats.org/drawingml/2006/main" xmlns:r="http://schemas.openxmlformats.org/officeDocument/2006/relationships" xmlns:p="http://schemas.openxmlformats.org/presentationml/2006/main">
+  <p:cSld>
+    <p:spTree>
+      <p:nvGrpSpPr>
+        <p:cNvPr id="1" name=""/>
+        <p:cNvGrpSpPr/>
+        <p:nvPr/>
+      </p:nvGrpSpPr>
+      <p:grpSpPr>
+        <a:xfrm>
+          <a:off x="0" y="0"/>
+          <a:ext cx="0" cy="0"/>
+          <a:chOff x="0" y="0"/>
+          <a:chExt cx="0" cy="0"/>
+        </a:xfrm>
+      </p:grpSpPr>
+      <p:sp>
+        <p:nvSpPr>
+          <p:cNvPr id="2" name="Title 1">
+            <a:extLst>
+              <a:ext uri="{FF2B5EF4-FFF2-40B4-BE49-F238E27FC236}">
+                <a16:creationId xmlns:a16="http://schemas.microsoft.com/office/drawing/2014/main" id="{4C5E9C50-8A51-41C5-80EF-332498D5917A}"/>
+              </a:ext>
+            </a:extLst>
+          </p:cNvPr>
+          <p:cNvSpPr>
+            <a:spLocks noGrp="1"/>
+          </p:cNvSpPr>
+          <p:nvPr>
+            <p:ph type="title"/>
+          </p:nvPr>
+        </p:nvSpPr>
+        <p:spPr/>
+        <p:txBody>
+          <a:bodyPr/>
+          <a:lstStyle/>
+          <a:p>
+            <a:r>
+              <a:rPr lang="en-US" dirty="0"/>
+              <a:t>Vector</a:t>
+            </a:r>
+          </a:p>
+        </p:txBody>
+      </p:sp>
+      <p:sp>
+        <p:nvSpPr>
+          <p:cNvPr id="3" name="Content Placeholder 2">
+            <a:extLst>
+              <a:ext uri="{FF2B5EF4-FFF2-40B4-BE49-F238E27FC236}">
+                <a16:creationId xmlns:a16="http://schemas.microsoft.com/office/drawing/2014/main" id="{077BE4BD-9897-47C6-9A3F-FE302175498D}"/>
+              </a:ext>
+            </a:extLst>
+          </p:cNvPr>
+          <p:cNvSpPr>
+            <a:spLocks noGrp="1"/>
+          </p:cNvSpPr>
+          <p:nvPr>
+            <p:ph idx="1"/>
+          </p:nvPr>
+        </p:nvSpPr>
+        <p:spPr/>
+        <p:txBody>
+          <a:bodyPr/>
+          <a:lstStyle/>
+          <a:p>
+            <a:r>
+              <a:rPr lang="en-US" dirty="0"/>
+              <a:t>Synchronized</a:t>
+            </a:r>
+          </a:p>
+          <a:p>
+            <a:r>
+              <a:rPr lang="en-US" dirty="0"/>
+              <a:t>Grow in double size</a:t>
+            </a:r>
+          </a:p>
+          <a:p>
+            <a:r>
+              <a:rPr lang="en-US" dirty="0"/>
+              <a:t>Vector </a:t>
+            </a:r>
+            <a:r>
+              <a:rPr lang="en-US" dirty="0">
+                <a:sym typeface="Wingdings" panose="05000000000000000000" pitchFamily="2" charset="2"/>
+              </a:rPr>
+              <a:t> initial , incremental</a:t>
+            </a:r>
+            <a:endParaRPr lang="en-US" dirty="0"/>
+          </a:p>
+        </p:txBody>
+      </p:sp>
+    </p:spTree>
+    <p:extLst>
+      <p:ext uri="{BB962C8B-B14F-4D97-AF65-F5344CB8AC3E}">
+        <p14:creationId xmlns:p14="http://schemas.microsoft.com/office/powerpoint/2010/main" val="1674519755"/>
+      </p:ext>
+    </p:extLst>
+  </p:cSld>
+  <p:clrMapOvr>
+    <a:masterClrMapping/>
+  </p:clrMapOvr>
+</p:sld>
+</file>
+
+<file path=ppt/slides/slide77.xml><?xml version="1.0" encoding="utf-8"?>
+<p:sld xmlns:a="http://schemas.openxmlformats.org/drawingml/2006/main" xmlns:r="http://schemas.openxmlformats.org/officeDocument/2006/relationships" xmlns:p="http://schemas.openxmlformats.org/presentationml/2006/main">
+  <p:cSld>
+    <p:spTree>
+      <p:nvGrpSpPr>
+        <p:cNvPr id="1" name=""/>
+        <p:cNvGrpSpPr/>
+        <p:nvPr/>
+      </p:nvGrpSpPr>
+      <p:grpSpPr>
+        <a:xfrm>
+          <a:off x="0" y="0"/>
+          <a:ext cx="0" cy="0"/>
+          <a:chOff x="0" y="0"/>
+          <a:chExt cx="0" cy="0"/>
+        </a:xfrm>
+      </p:grpSpPr>
+      <p:sp>
+        <p:nvSpPr>
+          <p:cNvPr id="2" name="Title 1">
+            <a:extLst>
+              <a:ext uri="{FF2B5EF4-FFF2-40B4-BE49-F238E27FC236}">
+                <a16:creationId xmlns:a16="http://schemas.microsoft.com/office/drawing/2014/main" id="{E9A06847-5378-4BC6-BA94-09FF1A3CF130}"/>
+              </a:ext>
+            </a:extLst>
+          </p:cNvPr>
+          <p:cNvSpPr>
+            <a:spLocks noGrp="1"/>
+          </p:cNvSpPr>
+          <p:nvPr>
+            <p:ph type="title"/>
+          </p:nvPr>
+        </p:nvSpPr>
+        <p:spPr/>
+        <p:txBody>
+          <a:bodyPr/>
+          <a:lstStyle/>
+          <a:p>
+            <a:r>
+              <a:rPr lang="en-US" dirty="0"/>
+              <a:t>Set</a:t>
+            </a:r>
+          </a:p>
+        </p:txBody>
+      </p:sp>
+      <p:sp>
+        <p:nvSpPr>
+          <p:cNvPr id="3" name="Content Placeholder 2">
+            <a:extLst>
+              <a:ext uri="{FF2B5EF4-FFF2-40B4-BE49-F238E27FC236}">
+                <a16:creationId xmlns:a16="http://schemas.microsoft.com/office/drawing/2014/main" id="{210412FE-7CA9-422F-A47F-06AB0E1C0003}"/>
+              </a:ext>
+            </a:extLst>
+          </p:cNvPr>
+          <p:cNvSpPr>
+            <a:spLocks noGrp="1"/>
+          </p:cNvSpPr>
+          <p:nvPr>
+            <p:ph idx="1"/>
+          </p:nvPr>
+        </p:nvSpPr>
+        <p:spPr/>
+        <p:txBody>
+          <a:bodyPr/>
+          <a:lstStyle/>
+          <a:p>
+            <a:r>
+              <a:rPr lang="en-US" dirty="0"/>
+              <a:t>HashSet </a:t>
+            </a:r>
+            <a:r>
+              <a:rPr lang="en-US" dirty="0">
+                <a:sym typeface="Wingdings" panose="05000000000000000000" pitchFamily="2" charset="2"/>
+              </a:rPr>
+              <a:t> unique</a:t>
+            </a:r>
+          </a:p>
+          <a:p>
+            <a:r>
+              <a:rPr lang="en-US" dirty="0" err="1">
+                <a:sym typeface="Wingdings" panose="05000000000000000000" pitchFamily="2" charset="2"/>
+              </a:rPr>
+              <a:t>LinkedHashSet</a:t>
+            </a:r>
+            <a:r>
+              <a:rPr lang="en-US" dirty="0">
+                <a:sym typeface="Wingdings" panose="05000000000000000000" pitchFamily="2" charset="2"/>
+              </a:rPr>
+              <a:t>  Unique , Frequent </a:t>
+            </a:r>
+            <a:r>
+              <a:rPr lang="en-US" dirty="0" err="1">
+                <a:sym typeface="Wingdings" panose="05000000000000000000" pitchFamily="2" charset="2"/>
+              </a:rPr>
+              <a:t>Manupuliation</a:t>
+            </a:r>
+            <a:endParaRPr lang="en-US" dirty="0">
+              <a:sym typeface="Wingdings" panose="05000000000000000000" pitchFamily="2" charset="2"/>
+            </a:endParaRPr>
+          </a:p>
+          <a:p>
+            <a:r>
+              <a:rPr lang="en-US" dirty="0" err="1">
+                <a:sym typeface="Wingdings" panose="05000000000000000000" pitchFamily="2" charset="2"/>
+              </a:rPr>
+              <a:t>TreeSet</a:t>
+            </a:r>
+            <a:r>
+              <a:rPr lang="en-US" dirty="0">
+                <a:sym typeface="Wingdings" panose="05000000000000000000" pitchFamily="2" charset="2"/>
+              </a:rPr>
+              <a:t>  Sorted</a:t>
+            </a:r>
+          </a:p>
+          <a:p>
+            <a:pPr lvl="1"/>
+            <a:r>
+              <a:rPr lang="en-US" dirty="0">
+                <a:sym typeface="Wingdings" panose="05000000000000000000" pitchFamily="2" charset="2"/>
+              </a:rPr>
+              <a:t>Comparable  </a:t>
+            </a:r>
+            <a:r>
+              <a:rPr lang="en-US" dirty="0" err="1">
+                <a:sym typeface="Wingdings" panose="05000000000000000000" pitchFamily="2" charset="2"/>
+              </a:rPr>
+              <a:t>compareTo</a:t>
+            </a:r>
+            <a:endParaRPr lang="en-US" dirty="0"/>
+          </a:p>
+        </p:txBody>
+      </p:sp>
+    </p:spTree>
+    <p:extLst>
+      <p:ext uri="{BB962C8B-B14F-4D97-AF65-F5344CB8AC3E}">
+        <p14:creationId xmlns:p14="http://schemas.microsoft.com/office/powerpoint/2010/main" val="748934120"/>
+      </p:ext>
+    </p:extLst>
+  </p:cSld>
+  <p:clrMapOvr>
+    <a:masterClrMapping/>
+  </p:clrMapOvr>
+</p:sld>
+</file>
+
+<file path=ppt/slides/slide78.xml><?xml version="1.0" encoding="utf-8"?>
+<p:sld xmlns:a="http://schemas.openxmlformats.org/drawingml/2006/main" xmlns:r="http://schemas.openxmlformats.org/officeDocument/2006/relationships" xmlns:p="http://schemas.openxmlformats.org/presentationml/2006/main">
+  <p:cSld>
+    <p:spTree>
+      <p:nvGrpSpPr>
+        <p:cNvPr id="1" name=""/>
+        <p:cNvGrpSpPr/>
+        <p:nvPr/>
+      </p:nvGrpSpPr>
+      <p:grpSpPr>
+        <a:xfrm>
+          <a:off x="0" y="0"/>
+          <a:ext cx="0" cy="0"/>
+          <a:chOff x="0" y="0"/>
+          <a:chExt cx="0" cy="0"/>
+        </a:xfrm>
+      </p:grpSpPr>
+      <p:sp>
+        <p:nvSpPr>
+          <p:cNvPr id="2" name="Title 1">
+            <a:extLst>
+              <a:ext uri="{FF2B5EF4-FFF2-40B4-BE49-F238E27FC236}">
+                <a16:creationId xmlns:a16="http://schemas.microsoft.com/office/drawing/2014/main" id="{1F202501-D42C-43D8-BDF8-E5E70E618090}"/>
+              </a:ext>
+            </a:extLst>
+          </p:cNvPr>
+          <p:cNvSpPr>
+            <a:spLocks noGrp="1"/>
+          </p:cNvSpPr>
+          <p:nvPr>
+            <p:ph type="title"/>
+          </p:nvPr>
+        </p:nvSpPr>
+        <p:spPr/>
+        <p:txBody>
+          <a:bodyPr/>
+          <a:lstStyle/>
+          <a:p>
+            <a:r>
+              <a:rPr lang="en-US" dirty="0"/>
+              <a:t>Hashing</a:t>
+            </a:r>
+          </a:p>
+        </p:txBody>
+      </p:sp>
+      <p:sp>
+        <p:nvSpPr>
+          <p:cNvPr id="3" name="Content Placeholder 2">
+            <a:extLst>
+              <a:ext uri="{FF2B5EF4-FFF2-40B4-BE49-F238E27FC236}">
+                <a16:creationId xmlns:a16="http://schemas.microsoft.com/office/drawing/2014/main" id="{978A553D-5FBB-426F-9018-6A019207270F}"/>
+              </a:ext>
+            </a:extLst>
+          </p:cNvPr>
+          <p:cNvSpPr>
+            <a:spLocks noGrp="1"/>
+          </p:cNvSpPr>
+          <p:nvPr>
+            <p:ph idx="1"/>
+          </p:nvPr>
+        </p:nvSpPr>
+        <p:spPr/>
+        <p:txBody>
+          <a:bodyPr/>
+          <a:lstStyle/>
+          <a:p>
+            <a:r>
+              <a:rPr lang="en-US" dirty="0" err="1">
+                <a:highlight>
+                  <a:srgbClr val="FFFF00"/>
+                </a:highlight>
+              </a:rPr>
+              <a:t>HashCode</a:t>
+            </a:r>
+            <a:r>
+              <a:rPr lang="en-US" dirty="0">
+                <a:highlight>
+                  <a:srgbClr val="FFFF00"/>
+                </a:highlight>
+              </a:rPr>
+              <a:t> </a:t>
+            </a:r>
+            <a:r>
+              <a:rPr lang="en-US" dirty="0">
+                <a:highlight>
+                  <a:srgbClr val="FFFF00"/>
+                </a:highlight>
+                <a:sym typeface="Wingdings" panose="05000000000000000000" pitchFamily="2" charset="2"/>
+              </a:rPr>
+              <a:t> </a:t>
+            </a:r>
+            <a:r>
+              <a:rPr lang="en-US" dirty="0" err="1">
+                <a:highlight>
+                  <a:srgbClr val="FFFF00"/>
+                </a:highlight>
+                <a:sym typeface="Wingdings" panose="05000000000000000000" pitchFamily="2" charset="2"/>
+              </a:rPr>
+              <a:t>hashCode</a:t>
+            </a:r>
+            <a:r>
+              <a:rPr lang="en-US" dirty="0">
+                <a:highlight>
+                  <a:srgbClr val="FFFF00"/>
+                </a:highlight>
+                <a:sym typeface="Wingdings" panose="05000000000000000000" pitchFamily="2" charset="2"/>
+              </a:rPr>
+              <a:t>()</a:t>
+            </a:r>
+            <a:endParaRPr lang="en-US" dirty="0">
+              <a:highlight>
+                <a:srgbClr val="FFFF00"/>
+              </a:highlight>
+            </a:endParaRPr>
+          </a:p>
+          <a:p>
+            <a:r>
+              <a:rPr lang="en-US" dirty="0">
+                <a:highlight>
+                  <a:srgbClr val="FFFF00"/>
+                </a:highlight>
+              </a:rPr>
+              <a:t>Equals </a:t>
+            </a:r>
+            <a:r>
+              <a:rPr lang="en-US" dirty="0">
+                <a:highlight>
+                  <a:srgbClr val="FFFF00"/>
+                </a:highlight>
+                <a:sym typeface="Wingdings" panose="05000000000000000000" pitchFamily="2" charset="2"/>
+              </a:rPr>
+              <a:t> equals()</a:t>
+            </a:r>
+            <a:endParaRPr lang="en-US" dirty="0">
+              <a:highlight>
+                <a:srgbClr val="FFFF00"/>
+              </a:highlight>
+            </a:endParaRPr>
+          </a:p>
+          <a:p>
+            <a:endParaRPr lang="en-US" dirty="0"/>
+          </a:p>
+        </p:txBody>
+      </p:sp>
+    </p:spTree>
+    <p:extLst>
+      <p:ext uri="{BB962C8B-B14F-4D97-AF65-F5344CB8AC3E}">
+        <p14:creationId xmlns:p14="http://schemas.microsoft.com/office/powerpoint/2010/main" val="2546478309"/>
+      </p:ext>
+    </p:extLst>
+  </p:cSld>
+  <p:clrMapOvr>
+    <a:masterClrMapping/>
+  </p:clrMapOvr>
+</p:sld>
+</file>
+
+<file path=ppt/slides/slide79.xml><?xml version="1.0" encoding="utf-8"?>
+<p:sld xmlns:a="http://schemas.openxmlformats.org/drawingml/2006/main" xmlns:r="http://schemas.openxmlformats.org/officeDocument/2006/relationships" xmlns:p="http://schemas.openxmlformats.org/presentationml/2006/main">
+  <p:cSld>
+    <p:spTree>
+      <p:nvGrpSpPr>
+        <p:cNvPr id="1" name=""/>
+        <p:cNvGrpSpPr/>
+        <p:nvPr/>
+      </p:nvGrpSpPr>
+      <p:grpSpPr>
+        <a:xfrm>
+          <a:off x="0" y="0"/>
+          <a:ext cx="0" cy="0"/>
+          <a:chOff x="0" y="0"/>
+          <a:chExt cx="0" cy="0"/>
+        </a:xfrm>
+      </p:grpSpPr>
+      <p:sp>
+        <p:nvSpPr>
+          <p:cNvPr id="2" name="Title 1">
+            <a:extLst>
+              <a:ext uri="{FF2B5EF4-FFF2-40B4-BE49-F238E27FC236}">
+                <a16:creationId xmlns:a16="http://schemas.microsoft.com/office/drawing/2014/main" id="{BAEC86CF-3009-4566-8257-B58CD85D75BD}"/>
+              </a:ext>
+            </a:extLst>
+          </p:cNvPr>
+          <p:cNvSpPr>
+            <a:spLocks noGrp="1"/>
+          </p:cNvSpPr>
+          <p:nvPr>
+            <p:ph type="title"/>
+          </p:nvPr>
+        </p:nvSpPr>
+        <p:spPr/>
+        <p:txBody>
+          <a:bodyPr/>
+          <a:lstStyle/>
+          <a:p>
+            <a:r>
+              <a:rPr lang="en-US" dirty="0"/>
+              <a:t>Collections</a:t>
+            </a:r>
+          </a:p>
+        </p:txBody>
+      </p:sp>
+      <p:sp>
+        <p:nvSpPr>
+          <p:cNvPr id="3" name="Content Placeholder 2">
+            <a:extLst>
+              <a:ext uri="{FF2B5EF4-FFF2-40B4-BE49-F238E27FC236}">
+                <a16:creationId xmlns:a16="http://schemas.microsoft.com/office/drawing/2014/main" id="{EB961E1A-450C-4A9C-A97D-F523B5A95815}"/>
+              </a:ext>
+            </a:extLst>
+          </p:cNvPr>
+          <p:cNvSpPr>
+            <a:spLocks noGrp="1"/>
+          </p:cNvSpPr>
+          <p:nvPr>
+            <p:ph idx="1"/>
+          </p:nvPr>
+        </p:nvSpPr>
+        <p:spPr/>
+        <p:txBody>
+          <a:bodyPr/>
+          <a:lstStyle/>
+          <a:p>
+            <a:r>
+              <a:rPr lang="en-US" dirty="0"/>
+              <a:t>sort</a:t>
+            </a:r>
+          </a:p>
+        </p:txBody>
+      </p:sp>
+    </p:spTree>
+    <p:extLst>
+      <p:ext uri="{BB962C8B-B14F-4D97-AF65-F5344CB8AC3E}">
+        <p14:creationId xmlns:p14="http://schemas.microsoft.com/office/powerpoint/2010/main" val="284792600"/>
       </p:ext>
     </p:extLst>
   </p:cSld>
@@ -22792,6 +31322,952 @@
     <p:extLst>
       <p:ext uri="{BB962C8B-B14F-4D97-AF65-F5344CB8AC3E}">
         <p14:creationId xmlns:p14="http://schemas.microsoft.com/office/powerpoint/2010/main" val="3845560870"/>
+      </p:ext>
+    </p:extLst>
+  </p:cSld>
+  <p:clrMapOvr>
+    <a:masterClrMapping/>
+  </p:clrMapOvr>
+</p:sld>
+</file>
+
+<file path=ppt/slides/slide80.xml><?xml version="1.0" encoding="utf-8"?>
+<p:sld xmlns:a="http://schemas.openxmlformats.org/drawingml/2006/main" xmlns:r="http://schemas.openxmlformats.org/officeDocument/2006/relationships" xmlns:p="http://schemas.openxmlformats.org/presentationml/2006/main">
+  <p:cSld>
+    <p:spTree>
+      <p:nvGrpSpPr>
+        <p:cNvPr id="1" name=""/>
+        <p:cNvGrpSpPr/>
+        <p:nvPr/>
+      </p:nvGrpSpPr>
+      <p:grpSpPr>
+        <a:xfrm>
+          <a:off x="0" y="0"/>
+          <a:ext cx="0" cy="0"/>
+          <a:chOff x="0" y="0"/>
+          <a:chExt cx="0" cy="0"/>
+        </a:xfrm>
+      </p:grpSpPr>
+      <p:sp>
+        <p:nvSpPr>
+          <p:cNvPr id="2" name="Title 1">
+            <a:extLst>
+              <a:ext uri="{FF2B5EF4-FFF2-40B4-BE49-F238E27FC236}">
+                <a16:creationId xmlns:a16="http://schemas.microsoft.com/office/drawing/2014/main" id="{58927814-2E26-4EF0-9422-5B821503B4A8}"/>
+              </a:ext>
+            </a:extLst>
+          </p:cNvPr>
+          <p:cNvSpPr>
+            <a:spLocks noGrp="1"/>
+          </p:cNvSpPr>
+          <p:nvPr>
+            <p:ph type="title"/>
+          </p:nvPr>
+        </p:nvSpPr>
+        <p:spPr/>
+        <p:txBody>
+          <a:bodyPr/>
+          <a:lstStyle/>
+          <a:p>
+            <a:r>
+              <a:rPr lang="en-US" dirty="0"/>
+              <a:t>Hashing</a:t>
+            </a:r>
+          </a:p>
+        </p:txBody>
+      </p:sp>
+      <p:sp>
+        <p:nvSpPr>
+          <p:cNvPr id="3" name="Content Placeholder 2">
+            <a:extLst>
+              <a:ext uri="{FF2B5EF4-FFF2-40B4-BE49-F238E27FC236}">
+                <a16:creationId xmlns:a16="http://schemas.microsoft.com/office/drawing/2014/main" id="{36DFDCBE-78BA-4930-AEED-BE9F0F998AE7}"/>
+              </a:ext>
+            </a:extLst>
+          </p:cNvPr>
+          <p:cNvSpPr>
+            <a:spLocks noGrp="1"/>
+          </p:cNvSpPr>
+          <p:nvPr>
+            <p:ph idx="1"/>
+          </p:nvPr>
+        </p:nvSpPr>
+        <p:spPr>
+          <a:xfrm>
+            <a:off x="838200" y="1825625"/>
+            <a:ext cx="6836596" cy="4351338"/>
+          </a:xfrm>
+        </p:spPr>
+        <p:txBody>
+          <a:bodyPr/>
+          <a:lstStyle/>
+          <a:p>
+            <a:r>
+              <a:rPr lang="en-US" dirty="0"/>
+              <a:t>String s1=“tom”;</a:t>
+            </a:r>
+          </a:p>
+          <a:p>
+            <a:r>
+              <a:rPr lang="en-US" dirty="0"/>
+              <a:t>String s2=“mot”;</a:t>
+            </a:r>
+          </a:p>
+          <a:p>
+            <a:endParaRPr lang="en-US" dirty="0"/>
+          </a:p>
+          <a:p>
+            <a:r>
+              <a:rPr lang="en-US" dirty="0"/>
+              <a:t>Hashing </a:t>
+            </a:r>
+            <a:r>
+              <a:rPr lang="en-US" dirty="0" err="1"/>
+              <a:t>Alg</a:t>
+            </a:r>
+            <a:r>
+              <a:rPr lang="en-US" dirty="0"/>
+              <a:t>: </a:t>
+            </a:r>
+            <a:r>
+              <a:rPr lang="en-US" dirty="0" err="1"/>
+              <a:t>HashCode</a:t>
+            </a:r>
+            <a:endParaRPr lang="en-US" dirty="0"/>
+          </a:p>
+          <a:p>
+            <a:pPr lvl="1"/>
+            <a:r>
+              <a:rPr lang="en-US" dirty="0"/>
+              <a:t>20+15+13 </a:t>
+            </a:r>
+            <a:r>
+              <a:rPr lang="en-US" dirty="0">
+                <a:sym typeface="Wingdings" panose="05000000000000000000" pitchFamily="2" charset="2"/>
+              </a:rPr>
+              <a:t> 48</a:t>
+            </a:r>
+          </a:p>
+          <a:p>
+            <a:pPr lvl="1"/>
+            <a:r>
+              <a:rPr lang="en-US" dirty="0">
+                <a:sym typeface="Wingdings" panose="05000000000000000000" pitchFamily="2" charset="2"/>
+              </a:rPr>
+              <a:t>13+15+20  48</a:t>
+            </a:r>
+            <a:endParaRPr lang="en-US" dirty="0"/>
+          </a:p>
+        </p:txBody>
+      </p:sp>
+      <p:sp>
+        <p:nvSpPr>
+          <p:cNvPr id="4" name="Cylinder 3">
+            <a:extLst>
+              <a:ext uri="{FF2B5EF4-FFF2-40B4-BE49-F238E27FC236}">
+                <a16:creationId xmlns:a16="http://schemas.microsoft.com/office/drawing/2014/main" id="{80B55BCF-ADF1-4EA0-856E-A5D2B2805F9F}"/>
+              </a:ext>
+            </a:extLst>
+          </p:cNvPr>
+          <p:cNvSpPr/>
+          <p:nvPr/>
+        </p:nvSpPr>
+        <p:spPr>
+          <a:xfrm>
+            <a:off x="10582382" y="780836"/>
+            <a:ext cx="1376737" cy="2044557"/>
+          </a:xfrm>
+          <a:prstGeom prst="can">
+            <a:avLst/>
+          </a:prstGeom>
+        </p:spPr>
+        <p:style>
+          <a:lnRef idx="2">
+            <a:schemeClr val="accent1">
+              <a:shade val="50000"/>
+            </a:schemeClr>
+          </a:lnRef>
+          <a:fillRef idx="1">
+            <a:schemeClr val="accent1"/>
+          </a:fillRef>
+          <a:effectRef idx="0">
+            <a:schemeClr val="accent1"/>
+          </a:effectRef>
+          <a:fontRef idx="minor">
+            <a:schemeClr val="lt1"/>
+          </a:fontRef>
+        </p:style>
+        <p:txBody>
+          <a:bodyPr rtlCol="0" anchor="ctr"/>
+          <a:lstStyle/>
+          <a:p>
+            <a:pPr algn="ctr"/>
+            <a:endParaRPr lang="en-US"/>
+          </a:p>
+        </p:txBody>
+      </p:sp>
+      <p:sp>
+        <p:nvSpPr>
+          <p:cNvPr id="5" name="TextBox 4">
+            <a:extLst>
+              <a:ext uri="{FF2B5EF4-FFF2-40B4-BE49-F238E27FC236}">
+                <a16:creationId xmlns:a16="http://schemas.microsoft.com/office/drawing/2014/main" id="{63AC3B53-CE9A-4C06-9698-43AB7ACFB337}"/>
+              </a:ext>
+            </a:extLst>
+          </p:cNvPr>
+          <p:cNvSpPr txBox="1"/>
+          <p:nvPr/>
+        </p:nvSpPr>
+        <p:spPr>
+          <a:xfrm>
+            <a:off x="11219380" y="3092521"/>
+            <a:ext cx="418704" cy="369332"/>
+          </a:xfrm>
+          <a:prstGeom prst="rect">
+            <a:avLst/>
+          </a:prstGeom>
+          <a:noFill/>
+        </p:spPr>
+        <p:txBody>
+          <a:bodyPr wrap="none" rtlCol="0">
+            <a:spAutoFit/>
+          </a:bodyPr>
+          <a:lstStyle/>
+          <a:p>
+            <a:r>
+              <a:rPr lang="en-US" dirty="0"/>
+              <a:t>48</a:t>
+            </a:r>
+          </a:p>
+        </p:txBody>
+      </p:sp>
+      <p:sp>
+        <p:nvSpPr>
+          <p:cNvPr id="6" name="Oval 5">
+            <a:extLst>
+              <a:ext uri="{FF2B5EF4-FFF2-40B4-BE49-F238E27FC236}">
+                <a16:creationId xmlns:a16="http://schemas.microsoft.com/office/drawing/2014/main" id="{38FDFB8F-13E1-4B46-AB51-51FC15FE450F}"/>
+              </a:ext>
+            </a:extLst>
+          </p:cNvPr>
+          <p:cNvSpPr/>
+          <p:nvPr/>
+        </p:nvSpPr>
+        <p:spPr>
+          <a:xfrm>
+            <a:off x="10787865" y="2383604"/>
+            <a:ext cx="1037690" cy="308225"/>
+          </a:xfrm>
+          <a:prstGeom prst="ellipse">
+            <a:avLst/>
+          </a:prstGeom>
+          <a:solidFill>
+            <a:srgbClr val="C00000"/>
+          </a:solidFill>
+        </p:spPr>
+        <p:style>
+          <a:lnRef idx="2">
+            <a:schemeClr val="accent1">
+              <a:shade val="50000"/>
+            </a:schemeClr>
+          </a:lnRef>
+          <a:fillRef idx="1">
+            <a:schemeClr val="accent1"/>
+          </a:fillRef>
+          <a:effectRef idx="0">
+            <a:schemeClr val="accent1"/>
+          </a:effectRef>
+          <a:fontRef idx="minor">
+            <a:schemeClr val="lt1"/>
+          </a:fontRef>
+        </p:style>
+        <p:txBody>
+          <a:bodyPr rtlCol="0" anchor="ctr"/>
+          <a:lstStyle/>
+          <a:p>
+            <a:pPr algn="ctr"/>
+            <a:r>
+              <a:rPr lang="en-US" dirty="0"/>
+              <a:t>tom</a:t>
+            </a:r>
+          </a:p>
+        </p:txBody>
+      </p:sp>
+      <p:sp>
+        <p:nvSpPr>
+          <p:cNvPr id="7" name="Oval 6">
+            <a:extLst>
+              <a:ext uri="{FF2B5EF4-FFF2-40B4-BE49-F238E27FC236}">
+                <a16:creationId xmlns:a16="http://schemas.microsoft.com/office/drawing/2014/main" id="{20036406-FEE1-401E-889F-4EAD561981C0}"/>
+              </a:ext>
+            </a:extLst>
+          </p:cNvPr>
+          <p:cNvSpPr/>
+          <p:nvPr/>
+        </p:nvSpPr>
+        <p:spPr>
+          <a:xfrm>
+            <a:off x="10751905" y="2021636"/>
+            <a:ext cx="1037690" cy="308225"/>
+          </a:xfrm>
+          <a:prstGeom prst="ellipse">
+            <a:avLst/>
+          </a:prstGeom>
+          <a:solidFill>
+            <a:srgbClr val="C00000"/>
+          </a:solidFill>
+        </p:spPr>
+        <p:style>
+          <a:lnRef idx="2">
+            <a:schemeClr val="accent1">
+              <a:shade val="50000"/>
+            </a:schemeClr>
+          </a:lnRef>
+          <a:fillRef idx="1">
+            <a:schemeClr val="accent1"/>
+          </a:fillRef>
+          <a:effectRef idx="0">
+            <a:schemeClr val="accent1"/>
+          </a:effectRef>
+          <a:fontRef idx="minor">
+            <a:schemeClr val="lt1"/>
+          </a:fontRef>
+        </p:style>
+        <p:txBody>
+          <a:bodyPr rtlCol="0" anchor="ctr"/>
+          <a:lstStyle/>
+          <a:p>
+            <a:pPr algn="ctr"/>
+            <a:r>
+              <a:rPr lang="en-US" dirty="0"/>
+              <a:t>mot</a:t>
+            </a:r>
+          </a:p>
+        </p:txBody>
+      </p:sp>
+    </p:spTree>
+    <p:extLst>
+      <p:ext uri="{BB962C8B-B14F-4D97-AF65-F5344CB8AC3E}">
+        <p14:creationId xmlns:p14="http://schemas.microsoft.com/office/powerpoint/2010/main" val="1091767260"/>
+      </p:ext>
+    </p:extLst>
+  </p:cSld>
+  <p:clrMapOvr>
+    <a:masterClrMapping/>
+  </p:clrMapOvr>
+</p:sld>
+</file>
+
+<file path=ppt/slides/slide81.xml><?xml version="1.0" encoding="utf-8"?>
+<p:sld xmlns:a="http://schemas.openxmlformats.org/drawingml/2006/main" xmlns:r="http://schemas.openxmlformats.org/officeDocument/2006/relationships" xmlns:p="http://schemas.openxmlformats.org/presentationml/2006/main">
+  <p:cSld>
+    <p:spTree>
+      <p:nvGrpSpPr>
+        <p:cNvPr id="1" name=""/>
+        <p:cNvGrpSpPr/>
+        <p:nvPr/>
+      </p:nvGrpSpPr>
+      <p:grpSpPr>
+        <a:xfrm>
+          <a:off x="0" y="0"/>
+          <a:ext cx="0" cy="0"/>
+          <a:chOff x="0" y="0"/>
+          <a:chExt cx="0" cy="0"/>
+        </a:xfrm>
+      </p:grpSpPr>
+      <p:sp>
+        <p:nvSpPr>
+          <p:cNvPr id="2" name="Title 1">
+            <a:extLst>
+              <a:ext uri="{FF2B5EF4-FFF2-40B4-BE49-F238E27FC236}">
+                <a16:creationId xmlns:a16="http://schemas.microsoft.com/office/drawing/2014/main" id="{2F6962C3-6BCE-4B25-A8BD-A39B39538C36}"/>
+              </a:ext>
+            </a:extLst>
+          </p:cNvPr>
+          <p:cNvSpPr>
+            <a:spLocks noGrp="1"/>
+          </p:cNvSpPr>
+          <p:nvPr>
+            <p:ph type="title"/>
+          </p:nvPr>
+        </p:nvSpPr>
+        <p:spPr>
+          <a:xfrm>
+            <a:off x="838200" y="365125"/>
+            <a:ext cx="5038618" cy="1325563"/>
+          </a:xfrm>
+        </p:spPr>
+        <p:txBody>
+          <a:bodyPr/>
+          <a:lstStyle/>
+          <a:p>
+            <a:r>
+              <a:rPr lang="en-US" dirty="0"/>
+              <a:t>Comparator</a:t>
+            </a:r>
+          </a:p>
+        </p:txBody>
+      </p:sp>
+      <p:sp>
+        <p:nvSpPr>
+          <p:cNvPr id="3" name="Content Placeholder 2">
+            <a:extLst>
+              <a:ext uri="{FF2B5EF4-FFF2-40B4-BE49-F238E27FC236}">
+                <a16:creationId xmlns:a16="http://schemas.microsoft.com/office/drawing/2014/main" id="{15A3E540-2327-4A32-9237-D678C9859BF6}"/>
+              </a:ext>
+            </a:extLst>
+          </p:cNvPr>
+          <p:cNvSpPr>
+            <a:spLocks noGrp="1"/>
+          </p:cNvSpPr>
+          <p:nvPr>
+            <p:ph idx="1"/>
+          </p:nvPr>
+        </p:nvSpPr>
+        <p:spPr>
+          <a:xfrm>
+            <a:off x="838200" y="1825625"/>
+            <a:ext cx="3805719" cy="4351338"/>
+          </a:xfrm>
+        </p:spPr>
+        <p:txBody>
+          <a:bodyPr/>
+          <a:lstStyle/>
+          <a:p>
+            <a:r>
+              <a:rPr lang="en-US" dirty="0"/>
+              <a:t>Compare(arg1,arg2)</a:t>
+            </a:r>
+          </a:p>
+          <a:p>
+            <a:r>
+              <a:rPr lang="en-US" dirty="0"/>
+              <a:t>Custom Sorting</a:t>
+            </a:r>
+          </a:p>
+          <a:p>
+            <a:r>
+              <a:rPr lang="en-US" dirty="0" err="1"/>
+              <a:t>Java.util</a:t>
+            </a:r>
+            <a:r>
+              <a:rPr lang="en-US" dirty="0"/>
+              <a:t>.*;</a:t>
+            </a:r>
+          </a:p>
+          <a:p>
+            <a:r>
+              <a:rPr lang="en-US" dirty="0"/>
+              <a:t>It will not affect class</a:t>
+            </a:r>
+          </a:p>
+        </p:txBody>
+      </p:sp>
+      <p:sp>
+        <p:nvSpPr>
+          <p:cNvPr id="4" name="Title 1">
+            <a:extLst>
+              <a:ext uri="{FF2B5EF4-FFF2-40B4-BE49-F238E27FC236}">
+                <a16:creationId xmlns:a16="http://schemas.microsoft.com/office/drawing/2014/main" id="{A9D4DAF0-CA75-43C5-9784-310DED6291F7}"/>
+              </a:ext>
+            </a:extLst>
+          </p:cNvPr>
+          <p:cNvSpPr txBox="1">
+            <a:spLocks/>
+          </p:cNvSpPr>
+          <p:nvPr/>
+        </p:nvSpPr>
+        <p:spPr>
+          <a:xfrm>
+            <a:off x="6477000" y="500062"/>
+            <a:ext cx="5038618" cy="1325563"/>
+          </a:xfrm>
+          <a:prstGeom prst="rect">
+            <a:avLst/>
+          </a:prstGeom>
+        </p:spPr>
+        <p:txBody>
+          <a:bodyPr vert="horz" lIns="91440" tIns="45720" rIns="91440" bIns="45720" rtlCol="0" anchor="ctr">
+            <a:normAutofit/>
+          </a:bodyPr>
+          <a:lstStyle>
+            <a:lvl1pPr algn="l" defTabSz="914400" rtl="0" eaLnBrk="1" latinLnBrk="0" hangingPunct="1">
+              <a:lnSpc>
+                <a:spcPct val="90000"/>
+              </a:lnSpc>
+              <a:spcBef>
+                <a:spcPct val="0"/>
+              </a:spcBef>
+              <a:buNone/>
+              <a:defRPr sz="4400" kern="1200">
+                <a:solidFill>
+                  <a:schemeClr val="tx1"/>
+                </a:solidFill>
+                <a:latin typeface="+mj-lt"/>
+                <a:ea typeface="+mj-ea"/>
+                <a:cs typeface="+mj-cs"/>
+              </a:defRPr>
+            </a:lvl1pPr>
+          </a:lstStyle>
+          <a:p>
+            <a:r>
+              <a:rPr lang="en-US" dirty="0"/>
+              <a:t>Comparable</a:t>
+            </a:r>
+          </a:p>
+        </p:txBody>
+      </p:sp>
+      <p:sp>
+        <p:nvSpPr>
+          <p:cNvPr id="5" name="Content Placeholder 2">
+            <a:extLst>
+              <a:ext uri="{FF2B5EF4-FFF2-40B4-BE49-F238E27FC236}">
+                <a16:creationId xmlns:a16="http://schemas.microsoft.com/office/drawing/2014/main" id="{84F04D9C-0956-4694-8170-CD82378698F9}"/>
+              </a:ext>
+            </a:extLst>
+          </p:cNvPr>
+          <p:cNvSpPr txBox="1">
+            <a:spLocks/>
+          </p:cNvSpPr>
+          <p:nvPr/>
+        </p:nvSpPr>
+        <p:spPr>
+          <a:xfrm>
+            <a:off x="6477000" y="1960562"/>
+            <a:ext cx="3805719" cy="4351338"/>
+          </a:xfrm>
+          <a:prstGeom prst="rect">
+            <a:avLst/>
+          </a:prstGeom>
+        </p:spPr>
+        <p:txBody>
+          <a:bodyPr vert="horz" lIns="91440" tIns="45720" rIns="91440" bIns="45720" rtlCol="0">
+            <a:normAutofit/>
+          </a:bodyPr>
+          <a:lstStyle>
+            <a:lvl1pPr marL="228600" indent="-228600" algn="l" defTabSz="914400" rtl="0" eaLnBrk="1" latinLnBrk="0" hangingPunct="1">
+              <a:lnSpc>
+                <a:spcPct val="90000"/>
+              </a:lnSpc>
+              <a:spcBef>
+                <a:spcPts val="1000"/>
+              </a:spcBef>
+              <a:buFont typeface="Arial" panose="020B0604020202020204" pitchFamily="34" charset="0"/>
+              <a:buChar char="•"/>
+              <a:defRPr sz="2800" kern="1200">
+                <a:solidFill>
+                  <a:schemeClr val="tx1"/>
+                </a:solidFill>
+                <a:latin typeface="+mn-lt"/>
+                <a:ea typeface="+mn-ea"/>
+                <a:cs typeface="+mn-cs"/>
+              </a:defRPr>
+            </a:lvl1pPr>
+            <a:lvl2pPr marL="685800" indent="-228600" algn="l" defTabSz="914400" rtl="0" eaLnBrk="1" latinLnBrk="0" hangingPunct="1">
+              <a:lnSpc>
+                <a:spcPct val="90000"/>
+              </a:lnSpc>
+              <a:spcBef>
+                <a:spcPts val="500"/>
+              </a:spcBef>
+              <a:buFont typeface="Arial" panose="020B0604020202020204" pitchFamily="34" charset="0"/>
+              <a:buChar char="•"/>
+              <a:defRPr sz="2400" kern="1200">
+                <a:solidFill>
+                  <a:schemeClr val="tx1"/>
+                </a:solidFill>
+                <a:latin typeface="+mn-lt"/>
+                <a:ea typeface="+mn-ea"/>
+                <a:cs typeface="+mn-cs"/>
+              </a:defRPr>
+            </a:lvl2pPr>
+            <a:lvl3pPr marL="1143000" indent="-228600" algn="l" defTabSz="914400" rtl="0" eaLnBrk="1" latinLnBrk="0" hangingPunct="1">
+              <a:lnSpc>
+                <a:spcPct val="90000"/>
+              </a:lnSpc>
+              <a:spcBef>
+                <a:spcPts val="500"/>
+              </a:spcBef>
+              <a:buFont typeface="Arial" panose="020B0604020202020204" pitchFamily="34" charset="0"/>
+              <a:buChar char="•"/>
+              <a:defRPr sz="2000" kern="1200">
+                <a:solidFill>
+                  <a:schemeClr val="tx1"/>
+                </a:solidFill>
+                <a:latin typeface="+mn-lt"/>
+                <a:ea typeface="+mn-ea"/>
+                <a:cs typeface="+mn-cs"/>
+              </a:defRPr>
+            </a:lvl3pPr>
+            <a:lvl4pPr marL="1600200" indent="-228600" algn="l" defTabSz="914400" rtl="0" eaLnBrk="1" latinLnBrk="0" hangingPunct="1">
+              <a:lnSpc>
+                <a:spcPct val="90000"/>
+              </a:lnSpc>
+              <a:spcBef>
+                <a:spcPts val="500"/>
+              </a:spcBef>
+              <a:buFont typeface="Arial" panose="020B0604020202020204" pitchFamily="34" charset="0"/>
+              <a:buChar char="•"/>
+              <a:defRPr sz="1800" kern="1200">
+                <a:solidFill>
+                  <a:schemeClr val="tx1"/>
+                </a:solidFill>
+                <a:latin typeface="+mn-lt"/>
+                <a:ea typeface="+mn-ea"/>
+                <a:cs typeface="+mn-cs"/>
+              </a:defRPr>
+            </a:lvl4pPr>
+            <a:lvl5pPr marL="2057400" indent="-228600" algn="l" defTabSz="914400" rtl="0" eaLnBrk="1" latinLnBrk="0" hangingPunct="1">
+              <a:lnSpc>
+                <a:spcPct val="90000"/>
+              </a:lnSpc>
+              <a:spcBef>
+                <a:spcPts val="500"/>
+              </a:spcBef>
+              <a:buFont typeface="Arial" panose="020B0604020202020204" pitchFamily="34" charset="0"/>
+              <a:buChar char="•"/>
+              <a:defRPr sz="1800" kern="1200">
+                <a:solidFill>
+                  <a:schemeClr val="tx1"/>
+                </a:solidFill>
+                <a:latin typeface="+mn-lt"/>
+                <a:ea typeface="+mn-ea"/>
+                <a:cs typeface="+mn-cs"/>
+              </a:defRPr>
+            </a:lvl5pPr>
+            <a:lvl6pPr marL="2514600" indent="-228600" algn="l" defTabSz="914400" rtl="0" eaLnBrk="1" latinLnBrk="0" hangingPunct="1">
+              <a:lnSpc>
+                <a:spcPct val="90000"/>
+              </a:lnSpc>
+              <a:spcBef>
+                <a:spcPts val="500"/>
+              </a:spcBef>
+              <a:buFont typeface="Arial" panose="020B0604020202020204" pitchFamily="34" charset="0"/>
+              <a:buChar char="•"/>
+              <a:defRPr sz="1800" kern="1200">
+                <a:solidFill>
+                  <a:schemeClr val="tx1"/>
+                </a:solidFill>
+                <a:latin typeface="+mn-lt"/>
+                <a:ea typeface="+mn-ea"/>
+                <a:cs typeface="+mn-cs"/>
+              </a:defRPr>
+            </a:lvl6pPr>
+            <a:lvl7pPr marL="2971800" indent="-228600" algn="l" defTabSz="914400" rtl="0" eaLnBrk="1" latinLnBrk="0" hangingPunct="1">
+              <a:lnSpc>
+                <a:spcPct val="90000"/>
+              </a:lnSpc>
+              <a:spcBef>
+                <a:spcPts val="500"/>
+              </a:spcBef>
+              <a:buFont typeface="Arial" panose="020B0604020202020204" pitchFamily="34" charset="0"/>
+              <a:buChar char="•"/>
+              <a:defRPr sz="1800" kern="1200">
+                <a:solidFill>
+                  <a:schemeClr val="tx1"/>
+                </a:solidFill>
+                <a:latin typeface="+mn-lt"/>
+                <a:ea typeface="+mn-ea"/>
+                <a:cs typeface="+mn-cs"/>
+              </a:defRPr>
+            </a:lvl7pPr>
+            <a:lvl8pPr marL="3429000" indent="-228600" algn="l" defTabSz="914400" rtl="0" eaLnBrk="1" latinLnBrk="0" hangingPunct="1">
+              <a:lnSpc>
+                <a:spcPct val="90000"/>
+              </a:lnSpc>
+              <a:spcBef>
+                <a:spcPts val="500"/>
+              </a:spcBef>
+              <a:buFont typeface="Arial" panose="020B0604020202020204" pitchFamily="34" charset="0"/>
+              <a:buChar char="•"/>
+              <a:defRPr sz="1800" kern="1200">
+                <a:solidFill>
+                  <a:schemeClr val="tx1"/>
+                </a:solidFill>
+                <a:latin typeface="+mn-lt"/>
+                <a:ea typeface="+mn-ea"/>
+                <a:cs typeface="+mn-cs"/>
+              </a:defRPr>
+            </a:lvl8pPr>
+            <a:lvl9pPr marL="3886200" indent="-228600" algn="l" defTabSz="914400" rtl="0" eaLnBrk="1" latinLnBrk="0" hangingPunct="1">
+              <a:lnSpc>
+                <a:spcPct val="90000"/>
+              </a:lnSpc>
+              <a:spcBef>
+                <a:spcPts val="500"/>
+              </a:spcBef>
+              <a:buFont typeface="Arial" panose="020B0604020202020204" pitchFamily="34" charset="0"/>
+              <a:buChar char="•"/>
+              <a:defRPr sz="1800" kern="1200">
+                <a:solidFill>
+                  <a:schemeClr val="tx1"/>
+                </a:solidFill>
+                <a:latin typeface="+mn-lt"/>
+                <a:ea typeface="+mn-ea"/>
+                <a:cs typeface="+mn-cs"/>
+              </a:defRPr>
+            </a:lvl9pPr>
+          </a:lstStyle>
+          <a:p>
+            <a:r>
+              <a:rPr lang="en-US" dirty="0" err="1"/>
+              <a:t>CompareTo</a:t>
+            </a:r>
+            <a:r>
+              <a:rPr lang="en-US" dirty="0"/>
+              <a:t>(arg1)</a:t>
+            </a:r>
+          </a:p>
+          <a:p>
+            <a:r>
+              <a:rPr lang="en-US" dirty="0"/>
+              <a:t>Natural Soring</a:t>
+            </a:r>
+          </a:p>
+          <a:p>
+            <a:r>
+              <a:rPr lang="en-US" dirty="0" err="1"/>
+              <a:t>Java.lang</a:t>
+            </a:r>
+            <a:r>
+              <a:rPr lang="en-US" dirty="0"/>
+              <a:t>.*;</a:t>
+            </a:r>
+          </a:p>
+          <a:p>
+            <a:r>
+              <a:rPr lang="en-US" dirty="0"/>
+              <a:t>Affects</a:t>
+            </a:r>
+          </a:p>
+          <a:p>
+            <a:r>
+              <a:rPr lang="en-US" dirty="0" err="1"/>
+              <a:t>TreeSet</a:t>
+            </a:r>
+            <a:r>
+              <a:rPr lang="en-US" dirty="0"/>
+              <a:t>, </a:t>
+            </a:r>
+            <a:r>
+              <a:rPr lang="en-US" dirty="0" err="1"/>
+              <a:t>TreeMap</a:t>
+            </a:r>
+            <a:endParaRPr lang="en-US" dirty="0"/>
+          </a:p>
+        </p:txBody>
+      </p:sp>
+    </p:spTree>
+    <p:extLst>
+      <p:ext uri="{BB962C8B-B14F-4D97-AF65-F5344CB8AC3E}">
+        <p14:creationId xmlns:p14="http://schemas.microsoft.com/office/powerpoint/2010/main" val="2715577613"/>
+      </p:ext>
+    </p:extLst>
+  </p:cSld>
+  <p:clrMapOvr>
+    <a:masterClrMapping/>
+  </p:clrMapOvr>
+</p:sld>
+</file>
+
+<file path=ppt/slides/slide82.xml><?xml version="1.0" encoding="utf-8"?>
+<p:sld xmlns:a="http://schemas.openxmlformats.org/drawingml/2006/main" xmlns:r="http://schemas.openxmlformats.org/officeDocument/2006/relationships" xmlns:p="http://schemas.openxmlformats.org/presentationml/2006/main">
+  <p:cSld>
+    <p:spTree>
+      <p:nvGrpSpPr>
+        <p:cNvPr id="1" name=""/>
+        <p:cNvGrpSpPr/>
+        <p:nvPr/>
+      </p:nvGrpSpPr>
+      <p:grpSpPr>
+        <a:xfrm>
+          <a:off x="0" y="0"/>
+          <a:ext cx="0" cy="0"/>
+          <a:chOff x="0" y="0"/>
+          <a:chExt cx="0" cy="0"/>
+        </a:xfrm>
+      </p:grpSpPr>
+      <p:sp>
+        <p:nvSpPr>
+          <p:cNvPr id="2" name="Title 1">
+            <a:extLst>
+              <a:ext uri="{FF2B5EF4-FFF2-40B4-BE49-F238E27FC236}">
+                <a16:creationId xmlns:a16="http://schemas.microsoft.com/office/drawing/2014/main" id="{164E5DA2-32E0-421D-A112-BEE690A8E4B4}"/>
+              </a:ext>
+            </a:extLst>
+          </p:cNvPr>
+          <p:cNvSpPr>
+            <a:spLocks noGrp="1"/>
+          </p:cNvSpPr>
+          <p:nvPr>
+            <p:ph type="title"/>
+          </p:nvPr>
+        </p:nvSpPr>
+        <p:spPr/>
+        <p:txBody>
+          <a:bodyPr/>
+          <a:lstStyle/>
+          <a:p>
+            <a:r>
+              <a:rPr lang="en-US" dirty="0"/>
+              <a:t>Map</a:t>
+            </a:r>
+          </a:p>
+        </p:txBody>
+      </p:sp>
+      <p:sp>
+        <p:nvSpPr>
+          <p:cNvPr id="3" name="Content Placeholder 2">
+            <a:extLst>
+              <a:ext uri="{FF2B5EF4-FFF2-40B4-BE49-F238E27FC236}">
+                <a16:creationId xmlns:a16="http://schemas.microsoft.com/office/drawing/2014/main" id="{5BDB682A-E721-4B0C-8659-19FC1ED2595D}"/>
+              </a:ext>
+            </a:extLst>
+          </p:cNvPr>
+          <p:cNvSpPr>
+            <a:spLocks noGrp="1"/>
+          </p:cNvSpPr>
+          <p:nvPr>
+            <p:ph idx="1"/>
+          </p:nvPr>
+        </p:nvSpPr>
+        <p:spPr/>
+        <p:txBody>
+          <a:bodyPr/>
+          <a:lstStyle/>
+          <a:p>
+            <a:r>
+              <a:rPr lang="en-US" dirty="0"/>
+              <a:t>Key, value </a:t>
+            </a:r>
+            <a:r>
+              <a:rPr lang="en-US" dirty="0">
+                <a:sym typeface="Wingdings" panose="05000000000000000000" pitchFamily="2" charset="2"/>
+              </a:rPr>
+              <a:t> Object, Object</a:t>
+            </a:r>
+          </a:p>
+          <a:p>
+            <a:r>
+              <a:rPr lang="en-US" dirty="0">
+                <a:sym typeface="Wingdings" panose="05000000000000000000" pitchFamily="2" charset="2"/>
+              </a:rPr>
+              <a:t>Key  unique</a:t>
+            </a:r>
+          </a:p>
+          <a:p>
+            <a:r>
+              <a:rPr lang="en-US" dirty="0">
+                <a:sym typeface="Wingdings" panose="05000000000000000000" pitchFamily="2" charset="2"/>
+              </a:rPr>
+              <a:t>Value  duplicate</a:t>
+            </a:r>
+          </a:p>
+          <a:p>
+            <a:r>
+              <a:rPr lang="en-US" dirty="0" err="1"/>
+              <a:t>TreeMap</a:t>
+            </a:r>
+            <a:r>
+              <a:rPr lang="en-US" dirty="0"/>
+              <a:t> </a:t>
+            </a:r>
+            <a:r>
+              <a:rPr lang="en-US" dirty="0">
+                <a:sym typeface="Wingdings" panose="05000000000000000000" pitchFamily="2" charset="2"/>
+              </a:rPr>
+              <a:t> Keys sorted  Comparable Interface</a:t>
+            </a:r>
+          </a:p>
+          <a:p>
+            <a:r>
+              <a:rPr lang="en-US" dirty="0" err="1">
+                <a:sym typeface="Wingdings" panose="05000000000000000000" pitchFamily="2" charset="2"/>
+              </a:rPr>
+              <a:t>HashTable</a:t>
+            </a:r>
+            <a:r>
+              <a:rPr lang="en-US" dirty="0">
+                <a:sym typeface="Wingdings" panose="05000000000000000000" pitchFamily="2" charset="2"/>
+              </a:rPr>
+              <a:t>  </a:t>
+            </a:r>
+            <a:r>
+              <a:rPr lang="en-US" dirty="0">
+                <a:highlight>
+                  <a:srgbClr val="FFFF00"/>
+                </a:highlight>
+                <a:sym typeface="Wingdings" panose="05000000000000000000" pitchFamily="2" charset="2"/>
+              </a:rPr>
+              <a:t>Synchronized</a:t>
+            </a:r>
+          </a:p>
+          <a:p>
+            <a:r>
+              <a:rPr lang="en-US" dirty="0" err="1">
+                <a:highlight>
+                  <a:srgbClr val="FFFF00"/>
+                </a:highlight>
+                <a:sym typeface="Wingdings" panose="05000000000000000000" pitchFamily="2" charset="2"/>
+              </a:rPr>
+              <a:t>LinkedHashMap</a:t>
+            </a:r>
+            <a:r>
+              <a:rPr lang="en-US" dirty="0">
+                <a:highlight>
+                  <a:srgbClr val="FFFF00"/>
+                </a:highlight>
+                <a:sym typeface="Wingdings" panose="05000000000000000000" pitchFamily="2" charset="2"/>
+              </a:rPr>
+              <a:t>  manipulation</a:t>
+            </a:r>
+          </a:p>
+          <a:p>
+            <a:r>
+              <a:rPr lang="en-US" dirty="0">
+                <a:sym typeface="Wingdings" panose="05000000000000000000" pitchFamily="2" charset="2"/>
+              </a:rPr>
+              <a:t>No Key/Value null  </a:t>
+            </a:r>
+            <a:r>
+              <a:rPr lang="en-US" dirty="0" err="1">
+                <a:sym typeface="Wingdings" panose="05000000000000000000" pitchFamily="2" charset="2"/>
+              </a:rPr>
+              <a:t>HashTable</a:t>
+            </a:r>
+            <a:r>
+              <a:rPr lang="en-US" dirty="0">
+                <a:sym typeface="Wingdings" panose="05000000000000000000" pitchFamily="2" charset="2"/>
+              </a:rPr>
+              <a:t>, </a:t>
+            </a:r>
+            <a:r>
+              <a:rPr lang="en-US" dirty="0" err="1">
+                <a:sym typeface="Wingdings" panose="05000000000000000000" pitchFamily="2" charset="2"/>
+              </a:rPr>
+              <a:t>TreeMap</a:t>
+            </a:r>
+            <a:endParaRPr lang="en-US" dirty="0">
+              <a:sym typeface="Wingdings" panose="05000000000000000000" pitchFamily="2" charset="2"/>
+            </a:endParaRPr>
+          </a:p>
+          <a:p>
+            <a:r>
+              <a:rPr lang="en-US" dirty="0">
+                <a:sym typeface="Wingdings" panose="05000000000000000000" pitchFamily="2" charset="2"/>
+              </a:rPr>
+              <a:t>HashMap  one null key, more null values</a:t>
+            </a:r>
+          </a:p>
+          <a:p>
+            <a:endParaRPr lang="en-US" dirty="0"/>
+          </a:p>
+        </p:txBody>
+      </p:sp>
+    </p:spTree>
+    <p:extLst>
+      <p:ext uri="{BB962C8B-B14F-4D97-AF65-F5344CB8AC3E}">
+        <p14:creationId xmlns:p14="http://schemas.microsoft.com/office/powerpoint/2010/main" val="3046133933"/>
       </p:ext>
     </p:extLst>
   </p:cSld>
